--- a/presentations/update.11.15.pptx
+++ b/presentations/update.11.15.pptx
@@ -6,14 +6,14 @@
     <p:sldMasterId id="2147483650" r:id="rId3"/>
     <p:sldMasterId id="2147483652" r:id="rId4"/>
     <p:sldMasterId id="2147483654" r:id="rId5"/>
-    <p:sldMasterId id="2147483656" r:id="rId6"/>
-    <p:sldMasterId id="2147483658" r:id="rId7"/>
-    <p:sldMasterId id="2147483660" r:id="rId8"/>
-    <p:sldMasterId id="2147483662" r:id="rId9"/>
-    <p:sldMasterId id="2147483664" r:id="rId10"/>
-    <p:sldMasterId id="2147483666" r:id="rId11"/>
-    <p:sldMasterId id="2147483668" r:id="rId12"/>
-    <p:sldMasterId id="2147483670" r:id="rId13"/>
+    <p:sldMasterId id="2147483660" r:id="rId6"/>
+    <p:sldMasterId id="2147483662" r:id="rId7"/>
+    <p:sldMasterId id="2147483664" r:id="rId8"/>
+    <p:sldMasterId id="2147483666" r:id="rId9"/>
+    <p:sldMasterId id="2147483668" r:id="rId10"/>
+    <p:sldMasterId id="2147483670" r:id="rId11"/>
+    <p:sldMasterId id="2147483672" r:id="rId12"/>
+    <p:sldMasterId id="2147483674" r:id="rId13"/>
   </p:sldMasterIdLst>
   <p:notesMasterIdLst>
     <p:notesMasterId r:id="rId14"/>
@@ -55,7 +55,7 @@
       </p:grpSpPr>
       <p:sp>
         <p:nvSpPr>
-          <p:cNvPr id="33" name="PlaceHolder 1"/>
+          <p:cNvPr id="41" name="PlaceHolder 1"/>
           <p:cNvSpPr>
             <a:spLocks noGrp="1"/>
           </p:cNvSpPr>
@@ -83,18 +83,20 @@
           <a:p>
             <a:pPr algn="ctr"/>
             <a:r>
-              <a:rPr b="0" lang="en-US" sz="4400" spc="-1" strike="noStrike">
+              <a:rPr b="0" lang="en-US" sz="4400" strike="noStrike" u="none">
                 <a:solidFill>
                   <a:srgbClr val="000000"/>
                 </a:solidFill>
+                <a:uFillTx/>
                 <a:latin typeface="Arial"/>
               </a:rPr>
               <a:t>Click to move the slide</a:t>
             </a:r>
-            <a:endParaRPr b="0" lang="en-US" sz="4400" spc="-1" strike="noStrike">
-              <a:solidFill>
-                <a:srgbClr val="000000"/>
-              </a:solidFill>
+            <a:endParaRPr b="0" lang="en-US" sz="4400" strike="noStrike" u="none">
+              <a:solidFill>
+                <a:srgbClr val="000000"/>
+              </a:solidFill>
+              <a:uFillTx/>
               <a:latin typeface="Arial"/>
             </a:endParaRPr>
           </a:p>
@@ -102,7 +104,7 @@
       </p:sp>
       <p:sp>
         <p:nvSpPr>
-          <p:cNvPr id="34" name="PlaceHolder 2"/>
+          <p:cNvPr id="42" name="PlaceHolder 2"/>
           <p:cNvSpPr>
             <a:spLocks noGrp="1"/>
           </p:cNvSpPr>
@@ -132,18 +134,20 @@
               <a:buNone/>
             </a:pPr>
             <a:r>
-              <a:rPr b="0" lang="en-US" sz="2000" spc="-1" strike="noStrike">
+              <a:rPr b="0" lang="en-US" sz="2000" strike="noStrike" u="none">
                 <a:solidFill>
                   <a:srgbClr val="000000"/>
                 </a:solidFill>
+                <a:uFillTx/>
                 <a:latin typeface="Arial"/>
               </a:rPr>
               <a:t>Click to edit the notes format</a:t>
             </a:r>
-            <a:endParaRPr b="0" lang="en-US" sz="2000" spc="-1" strike="noStrike">
-              <a:solidFill>
-                <a:srgbClr val="000000"/>
-              </a:solidFill>
+            <a:endParaRPr b="0" lang="en-US" sz="2000" strike="noStrike" u="none">
+              <a:solidFill>
+                <a:srgbClr val="000000"/>
+              </a:solidFill>
+              <a:uFillTx/>
               <a:latin typeface="Arial"/>
             </a:endParaRPr>
           </a:p>
@@ -151,7 +155,7 @@
       </p:sp>
       <p:sp>
         <p:nvSpPr>
-          <p:cNvPr id="35" name="PlaceHolder 3"/>
+          <p:cNvPr id="43" name="PlaceHolder 3"/>
           <p:cNvSpPr>
             <a:spLocks noGrp="1"/>
           </p:cNvSpPr>
@@ -181,18 +185,20 @@
               <a:buNone/>
             </a:pPr>
             <a:r>
-              <a:rPr b="0" lang="en-US" sz="1400" spc="-1" strike="noStrike">
+              <a:rPr b="0" lang="en-US" sz="1400" strike="noStrike" u="none">
                 <a:solidFill>
                   <a:srgbClr val="000000"/>
                 </a:solidFill>
+                <a:uFillTx/>
                 <a:latin typeface="Times New Roman"/>
               </a:rPr>
-              <a:t>&lt;header&gt;</a:t>
+              <a:t> </a:t>
             </a:r>
-            <a:endParaRPr b="0" lang="en-US" sz="1400" spc="-1" strike="noStrike">
-              <a:solidFill>
-                <a:srgbClr val="000000"/>
-              </a:solidFill>
+            <a:endParaRPr b="0" lang="en-US" sz="1400" strike="noStrike" u="none">
+              <a:solidFill>
+                <a:srgbClr val="000000"/>
+              </a:solidFill>
+              <a:uFillTx/>
               <a:latin typeface="Times New Roman"/>
             </a:endParaRPr>
           </a:p>
@@ -200,7 +206,7 @@
       </p:sp>
       <p:sp>
         <p:nvSpPr>
-          <p:cNvPr id="36" name="PlaceHolder 4"/>
+          <p:cNvPr id="44" name="PlaceHolder 4"/>
           <p:cNvSpPr>
             <a:spLocks noGrp="1"/>
           </p:cNvSpPr>
@@ -228,10 +234,11 @@
           <a:lstStyle>
             <a:lvl1pPr indent="0" algn="r">
               <a:buNone/>
-              <a:defRPr b="0" lang="en-US" sz="1400" spc="-1" strike="noStrike">
+              <a:defRPr b="0" lang="en-US" sz="1400" strike="noStrike" u="none">
                 <a:solidFill>
                   <a:srgbClr val="000000"/>
                 </a:solidFill>
+                <a:uFillTx/>
                 <a:latin typeface="Times New Roman"/>
               </a:defRPr>
             </a:lvl1pPr>
@@ -241,18 +248,20 @@
               <a:buNone/>
             </a:pPr>
             <a:r>
-              <a:rPr b="0" lang="en-US" sz="1400" spc="-1" strike="noStrike">
+              <a:rPr b="0" lang="en-US" sz="1400" strike="noStrike" u="none">
                 <a:solidFill>
                   <a:srgbClr val="000000"/>
                 </a:solidFill>
+                <a:uFillTx/>
                 <a:latin typeface="Times New Roman"/>
               </a:rPr>
-              <a:t>&lt;date/time&gt;</a:t>
+              <a:t> </a:t>
             </a:r>
-            <a:endParaRPr b="0" lang="en-US" sz="1400" spc="-1" strike="noStrike">
-              <a:solidFill>
-                <a:srgbClr val="000000"/>
-              </a:solidFill>
+            <a:endParaRPr b="0" lang="en-US" sz="1400" strike="noStrike" u="none">
+              <a:solidFill>
+                <a:srgbClr val="000000"/>
+              </a:solidFill>
+              <a:uFillTx/>
               <a:latin typeface="Times New Roman"/>
             </a:endParaRPr>
           </a:p>
@@ -260,7 +269,7 @@
       </p:sp>
       <p:sp>
         <p:nvSpPr>
-          <p:cNvPr id="37" name="PlaceHolder 5"/>
+          <p:cNvPr id="45" name="PlaceHolder 5"/>
           <p:cNvSpPr>
             <a:spLocks noGrp="1"/>
           </p:cNvSpPr>
@@ -288,10 +297,11 @@
           <a:lstStyle>
             <a:lvl1pPr indent="0">
               <a:buNone/>
-              <a:defRPr b="0" lang="en-US" sz="1400" spc="-1" strike="noStrike">
+              <a:defRPr b="0" lang="en-US" sz="1400" strike="noStrike" u="none">
                 <a:solidFill>
                   <a:srgbClr val="000000"/>
                 </a:solidFill>
+                <a:uFillTx/>
                 <a:latin typeface="Times New Roman"/>
               </a:defRPr>
             </a:lvl1pPr>
@@ -301,18 +311,20 @@
               <a:buNone/>
             </a:pPr>
             <a:r>
-              <a:rPr b="0" lang="en-US" sz="1400" spc="-1" strike="noStrike">
+              <a:rPr b="0" lang="en-US" sz="1400" strike="noStrike" u="none">
                 <a:solidFill>
                   <a:srgbClr val="000000"/>
                 </a:solidFill>
+                <a:uFillTx/>
                 <a:latin typeface="Times New Roman"/>
               </a:rPr>
-              <a:t>&lt;footer&gt;</a:t>
+              <a:t> </a:t>
             </a:r>
-            <a:endParaRPr b="0" lang="en-US" sz="1400" spc="-1" strike="noStrike">
-              <a:solidFill>
-                <a:srgbClr val="000000"/>
-              </a:solidFill>
+            <a:endParaRPr b="0" lang="en-US" sz="1400" strike="noStrike" u="none">
+              <a:solidFill>
+                <a:srgbClr val="000000"/>
+              </a:solidFill>
+              <a:uFillTx/>
               <a:latin typeface="Times New Roman"/>
             </a:endParaRPr>
           </a:p>
@@ -320,7 +332,7 @@
       </p:sp>
       <p:sp>
         <p:nvSpPr>
-          <p:cNvPr id="38" name="PlaceHolder 6"/>
+          <p:cNvPr id="46" name="PlaceHolder 6"/>
           <p:cNvSpPr>
             <a:spLocks noGrp="1"/>
           </p:cNvSpPr>
@@ -348,10 +360,11 @@
           <a:lstStyle>
             <a:lvl1pPr indent="0" algn="r">
               <a:buNone/>
-              <a:defRPr b="0" lang="en-US" sz="1400" spc="-1" strike="noStrike">
+              <a:defRPr b="0" lang="en-US" sz="1400" strike="noStrike" u="none">
                 <a:solidFill>
                   <a:srgbClr val="000000"/>
                 </a:solidFill>
+                <a:uFillTx/>
                 <a:latin typeface="Times New Roman"/>
               </a:defRPr>
             </a:lvl1pPr>
@@ -360,19 +373,21 @@
             <a:pPr indent="0" algn="r">
               <a:buNone/>
             </a:pPr>
-            <a:fld id="{FC94576B-D054-46A7-ACD0-985F71B8C25F}" type="slidenum">
-              <a:rPr b="0" lang="en-US" sz="1400" spc="-1" strike="noStrike">
+            <a:fld id="{A2DF9AEE-7DF8-4AFA-9AAA-8D0263C9FA8F}" type="slidenum">
+              <a:rPr b="0" lang="en-US" sz="1400" strike="noStrike" u="none">
                 <a:solidFill>
                   <a:srgbClr val="000000"/>
                 </a:solidFill>
+                <a:uFillTx/>
                 <a:latin typeface="Times New Roman"/>
               </a:rPr>
-              <a:t>&lt;number&gt;</a:t>
+              <a:t>1</a:t>
             </a:fld>
-            <a:endParaRPr b="0" lang="en-US" sz="1400" spc="-1" strike="noStrike">
-              <a:solidFill>
-                <a:srgbClr val="000000"/>
-              </a:solidFill>
+            <a:endParaRPr b="0" lang="en-US" sz="1400" strike="noStrike" u="none">
+              <a:solidFill>
+                <a:srgbClr val="000000"/>
+              </a:solidFill>
+              <a:uFillTx/>
               <a:latin typeface="Times New Roman"/>
             </a:endParaRPr>
           </a:p>
@@ -403,7 +418,7 @@
       </p:grpSpPr>
       <p:sp>
         <p:nvSpPr>
-          <p:cNvPr id="90" name="PlaceHolder 1"/>
+          <p:cNvPr id="99" name="PlaceHolder 1"/>
           <p:cNvSpPr>
             <a:spLocks noGrp="1"/>
           </p:cNvSpPr>
@@ -414,7 +429,7 @@
         <p:spPr>
           <a:xfrm>
             <a:off x="685080" y="1143000"/>
-            <a:ext cx="5480280" cy="3078720"/>
+            <a:ext cx="5479920" cy="3078360"/>
           </a:xfrm>
           <a:prstGeom prst="rect">
             <a:avLst/>
@@ -426,7 +441,7 @@
       </p:sp>
       <p:sp>
         <p:nvSpPr>
-          <p:cNvPr id="91" name="PlaceHolder 2"/>
+          <p:cNvPr id="100" name="PlaceHolder 2"/>
           <p:cNvSpPr>
             <a:spLocks noGrp="1"/>
           </p:cNvSpPr>
@@ -437,7 +452,7 @@
         <p:spPr>
           <a:xfrm>
             <a:off x="685800" y="4400640"/>
-            <a:ext cx="5478840" cy="3592800"/>
+            <a:ext cx="5478480" cy="3592440"/>
           </a:xfrm>
           <a:prstGeom prst="rect">
             <a:avLst/>
@@ -455,10 +470,11 @@
             <a:pPr marL="216000" indent="-216000">
               <a:buNone/>
             </a:pPr>
-            <a:endParaRPr b="0" lang="en-US" sz="1800" spc="-1" strike="noStrike">
-              <a:solidFill>
-                <a:srgbClr val="000000"/>
-              </a:solidFill>
+            <a:endParaRPr b="0" lang="en-US" sz="1800" strike="noStrike" u="none">
+              <a:solidFill>
+                <a:srgbClr val="000000"/>
+              </a:solidFill>
+              <a:uFillTx/>
               <a:latin typeface="Arial"/>
             </a:endParaRPr>
           </a:p>
@@ -466,7 +482,7 @@
       </p:sp>
       <p:sp>
         <p:nvSpPr>
-          <p:cNvPr id="92" name="PlaceHolder 3"/>
+          <p:cNvPr id="101" name="PlaceHolder 3"/>
           <p:cNvSpPr>
             <a:spLocks noGrp="1"/>
           </p:cNvSpPr>
@@ -477,7 +493,7 @@
         <p:spPr>
           <a:xfrm>
             <a:off x="3884760" y="8685360"/>
-            <a:ext cx="2964240" cy="451080"/>
+            <a:ext cx="2963880" cy="450720"/>
           </a:xfrm>
           <a:prstGeom prst="rect">
             <a:avLst/>
@@ -500,10 +516,11 @@
               <a:tabLst>
                 <a:tab algn="l" pos="0"/>
               </a:tabLst>
-              <a:defRPr b="0" lang="en" sz="1200" spc="-1" strike="noStrike">
+              <a:defRPr b="0" lang="en" sz="1200" strike="noStrike" u="none">
                 <a:solidFill>
                   <a:srgbClr val="000000"/>
                 </a:solidFill>
+                <a:uFillTx/>
                 <a:latin typeface="Times New Roman"/>
                 <a:ea typeface="Times New Roman"/>
               </a:defRPr>
@@ -519,20 +536,22 @@
                 <a:tab algn="l" pos="0"/>
               </a:tabLst>
             </a:pPr>
-            <a:fld id="{33EF7E6D-1174-41EE-ACEA-289C0FD205A4}" type="slidenum">
-              <a:rPr b="0" lang="en" sz="1200" spc="-1" strike="noStrike">
+            <a:fld id="{D3B1B13A-3618-42CB-9551-A79F19474277}" type="slidenum">
+              <a:rPr b="0" lang="en" sz="1200" strike="noStrike" u="none">
                 <a:solidFill>
                   <a:srgbClr val="000000"/>
                 </a:solidFill>
+                <a:uFillTx/>
                 <a:latin typeface="Times New Roman"/>
                 <a:ea typeface="Times New Roman"/>
               </a:rPr>
               <a:t>11</a:t>
             </a:fld>
-            <a:endParaRPr b="0" lang="en-US" sz="1200" spc="-1" strike="noStrike">
-              <a:solidFill>
-                <a:srgbClr val="000000"/>
-              </a:solidFill>
+            <a:endParaRPr b="0" lang="en-US" sz="1200" strike="noStrike" u="none">
+              <a:solidFill>
+                <a:srgbClr val="000000"/>
+              </a:solidFill>
+              <a:uFillTx/>
               <a:latin typeface="Times New Roman"/>
             </a:endParaRPr>
           </a:p>
@@ -544,6 +563,1147 @@
 </file>
 
 <file path=ppt/notesSlides/notesSlide10.xml><?xml version="1.0" encoding="utf-8"?>
+<p:notes xmlns:a="http://schemas.openxmlformats.org/drawingml/2006/main" xmlns:p="http://schemas.openxmlformats.org/presentationml/2006/main" xmlns:r="http://schemas.openxmlformats.org/officeDocument/2006/relationships" xmlns:p14="http://schemas.microsoft.com/office/powerpoint/2010/main" xmlns:p15="http://schemas.microsoft.com/office/powerpoint/2012/main" xmlns:mc="http://schemas.openxmlformats.org/markup-compatibility/2006">
+  <p:cSld>
+    <p:spTree>
+      <p:nvGrpSpPr>
+        <p:cNvPr id="1" name=""/>
+        <p:cNvGrpSpPr/>
+        <p:nvPr/>
+      </p:nvGrpSpPr>
+      <p:grpSpPr>
+        <a:xfrm>
+          <a:off x="0" y="0"/>
+          <a:ext cx="0" cy="0"/>
+          <a:chOff x="0" y="0"/>
+          <a:chExt cx="0" cy="0"/>
+        </a:xfrm>
+      </p:grpSpPr>
+      <p:sp>
+        <p:nvSpPr>
+          <p:cNvPr id="126" name="PlaceHolder 1"/>
+          <p:cNvSpPr>
+            <a:spLocks noGrp="1"/>
+          </p:cNvSpPr>
+          <p:nvPr>
+            <p:ph type="sldImg"/>
+          </p:nvPr>
+        </p:nvSpPr>
+        <p:spPr>
+          <a:xfrm>
+            <a:off x="685080" y="1143000"/>
+            <a:ext cx="5479920" cy="3078360"/>
+          </a:xfrm>
+          <a:prstGeom prst="rect">
+            <a:avLst/>
+          </a:prstGeom>
+          <a:ln w="0">
+            <a:noFill/>
+          </a:ln>
+        </p:spPr>
+      </p:sp>
+      <p:sp>
+        <p:nvSpPr>
+          <p:cNvPr id="127" name="PlaceHolder 2"/>
+          <p:cNvSpPr>
+            <a:spLocks noGrp="1"/>
+          </p:cNvSpPr>
+          <p:nvPr>
+            <p:ph type="body"/>
+          </p:nvPr>
+        </p:nvSpPr>
+        <p:spPr>
+          <a:xfrm>
+            <a:off x="685800" y="4400640"/>
+            <a:ext cx="5478480" cy="3592440"/>
+          </a:xfrm>
+          <a:prstGeom prst="rect">
+            <a:avLst/>
+          </a:prstGeom>
+          <a:noFill/>
+          <a:ln w="0">
+            <a:noFill/>
+          </a:ln>
+        </p:spPr>
+        <p:txBody>
+          <a:bodyPr lIns="0" rIns="0" tIns="0" bIns="0" anchor="t">
+            <a:noAutofit/>
+          </a:bodyPr>
+          <a:p>
+            <a:pPr marL="216000" indent="-216000">
+              <a:buNone/>
+            </a:pPr>
+            <a:endParaRPr b="0" lang="en-US" sz="1800" strike="noStrike" u="none">
+              <a:solidFill>
+                <a:srgbClr val="000000"/>
+              </a:solidFill>
+              <a:uFillTx/>
+              <a:latin typeface="Arial"/>
+            </a:endParaRPr>
+          </a:p>
+        </p:txBody>
+      </p:sp>
+      <p:sp>
+        <p:nvSpPr>
+          <p:cNvPr id="128" name="PlaceHolder 3"/>
+          <p:cNvSpPr>
+            <a:spLocks noGrp="1"/>
+          </p:cNvSpPr>
+          <p:nvPr>
+            <p:ph type="sldNum" idx="36"/>
+          </p:nvPr>
+        </p:nvSpPr>
+        <p:spPr>
+          <a:xfrm>
+            <a:off x="3884760" y="8685360"/>
+            <a:ext cx="2963880" cy="450720"/>
+          </a:xfrm>
+          <a:prstGeom prst="rect">
+            <a:avLst/>
+          </a:prstGeom>
+          <a:noFill/>
+          <a:ln w="0">
+            <a:noFill/>
+          </a:ln>
+        </p:spPr>
+        <p:txBody>
+          <a:bodyPr lIns="0" rIns="0" tIns="0" bIns="0" anchor="b">
+            <a:noAutofit/>
+          </a:bodyPr>
+          <a:lstStyle>
+            <a:lvl1pPr indent="0" algn="r">
+              <a:lnSpc>
+                <a:spcPct val="100000"/>
+              </a:lnSpc>
+              <a:buNone/>
+              <a:tabLst>
+                <a:tab algn="l" pos="0"/>
+              </a:tabLst>
+              <a:defRPr b="0" lang="en" sz="1200" strike="noStrike" u="none">
+                <a:solidFill>
+                  <a:srgbClr val="000000"/>
+                </a:solidFill>
+                <a:uFillTx/>
+                <a:latin typeface="Times New Roman"/>
+                <a:ea typeface="Times New Roman"/>
+              </a:defRPr>
+            </a:lvl1pPr>
+          </a:lstStyle>
+          <a:p>
+            <a:pPr indent="0" algn="r">
+              <a:lnSpc>
+                <a:spcPct val="100000"/>
+              </a:lnSpc>
+              <a:buNone/>
+              <a:tabLst>
+                <a:tab algn="l" pos="0"/>
+              </a:tabLst>
+            </a:pPr>
+            <a:fld id="{986E4EAE-3D35-4794-9AB3-5E61CB8BB206}" type="slidenum">
+              <a:rPr b="0" lang="en" sz="1200" strike="noStrike" u="none">
+                <a:solidFill>
+                  <a:srgbClr val="000000"/>
+                </a:solidFill>
+                <a:uFillTx/>
+                <a:latin typeface="Times New Roman"/>
+                <a:ea typeface="Times New Roman"/>
+              </a:rPr>
+              <a:t>&lt;number&gt;</a:t>
+            </a:fld>
+            <a:endParaRPr b="0" lang="en-US" sz="1200" strike="noStrike" u="none">
+              <a:solidFill>
+                <a:srgbClr val="000000"/>
+              </a:solidFill>
+              <a:uFillTx/>
+              <a:latin typeface="Times New Roman"/>
+            </a:endParaRPr>
+          </a:p>
+        </p:txBody>
+      </p:sp>
+    </p:spTree>
+  </p:cSld>
+</p:notes>
+</file>
+
+<file path=ppt/notesSlides/notesSlide11.xml><?xml version="1.0" encoding="utf-8"?>
+<p:notes xmlns:a="http://schemas.openxmlformats.org/drawingml/2006/main" xmlns:p="http://schemas.openxmlformats.org/presentationml/2006/main" xmlns:r="http://schemas.openxmlformats.org/officeDocument/2006/relationships" xmlns:p14="http://schemas.microsoft.com/office/powerpoint/2010/main" xmlns:p15="http://schemas.microsoft.com/office/powerpoint/2012/main" xmlns:mc="http://schemas.openxmlformats.org/markup-compatibility/2006">
+  <p:cSld>
+    <p:spTree>
+      <p:nvGrpSpPr>
+        <p:cNvPr id="1" name=""/>
+        <p:cNvGrpSpPr/>
+        <p:nvPr/>
+      </p:nvGrpSpPr>
+      <p:grpSpPr>
+        <a:xfrm>
+          <a:off x="0" y="0"/>
+          <a:ext cx="0" cy="0"/>
+          <a:chOff x="0" y="0"/>
+          <a:chExt cx="0" cy="0"/>
+        </a:xfrm>
+      </p:grpSpPr>
+      <p:sp>
+        <p:nvSpPr>
+          <p:cNvPr id="129" name="PlaceHolder 1"/>
+          <p:cNvSpPr>
+            <a:spLocks noGrp="1"/>
+          </p:cNvSpPr>
+          <p:nvPr>
+            <p:ph type="sldImg"/>
+          </p:nvPr>
+        </p:nvSpPr>
+        <p:spPr>
+          <a:xfrm>
+            <a:off x="685080" y="1143000"/>
+            <a:ext cx="5479920" cy="3078360"/>
+          </a:xfrm>
+          <a:prstGeom prst="rect">
+            <a:avLst/>
+          </a:prstGeom>
+          <a:ln w="0">
+            <a:noFill/>
+          </a:ln>
+        </p:spPr>
+      </p:sp>
+      <p:sp>
+        <p:nvSpPr>
+          <p:cNvPr id="130" name="PlaceHolder 2"/>
+          <p:cNvSpPr>
+            <a:spLocks noGrp="1"/>
+          </p:cNvSpPr>
+          <p:nvPr>
+            <p:ph type="body"/>
+          </p:nvPr>
+        </p:nvSpPr>
+        <p:spPr>
+          <a:xfrm>
+            <a:off x="685800" y="4400640"/>
+            <a:ext cx="5478480" cy="3592440"/>
+          </a:xfrm>
+          <a:prstGeom prst="rect">
+            <a:avLst/>
+          </a:prstGeom>
+          <a:noFill/>
+          <a:ln w="0">
+            <a:noFill/>
+          </a:ln>
+        </p:spPr>
+        <p:txBody>
+          <a:bodyPr lIns="0" rIns="0" tIns="0" bIns="0" anchor="t">
+            <a:noAutofit/>
+          </a:bodyPr>
+          <a:p>
+            <a:pPr marL="216000" indent="-216000">
+              <a:buNone/>
+            </a:pPr>
+            <a:endParaRPr b="0" lang="en-US" sz="1800" strike="noStrike" u="none">
+              <a:solidFill>
+                <a:srgbClr val="000000"/>
+              </a:solidFill>
+              <a:uFillTx/>
+              <a:latin typeface="Arial"/>
+            </a:endParaRPr>
+          </a:p>
+        </p:txBody>
+      </p:sp>
+      <p:sp>
+        <p:nvSpPr>
+          <p:cNvPr id="131" name="PlaceHolder 3"/>
+          <p:cNvSpPr>
+            <a:spLocks noGrp="1"/>
+          </p:cNvSpPr>
+          <p:nvPr>
+            <p:ph type="sldNum" idx="37"/>
+          </p:nvPr>
+        </p:nvSpPr>
+        <p:spPr>
+          <a:xfrm>
+            <a:off x="3884760" y="8685360"/>
+            <a:ext cx="2963880" cy="450720"/>
+          </a:xfrm>
+          <a:prstGeom prst="rect">
+            <a:avLst/>
+          </a:prstGeom>
+          <a:noFill/>
+          <a:ln w="0">
+            <a:noFill/>
+          </a:ln>
+        </p:spPr>
+        <p:txBody>
+          <a:bodyPr lIns="0" rIns="0" tIns="0" bIns="0" anchor="b">
+            <a:noAutofit/>
+          </a:bodyPr>
+          <a:lstStyle>
+            <a:lvl1pPr indent="0" algn="r">
+              <a:lnSpc>
+                <a:spcPct val="100000"/>
+              </a:lnSpc>
+              <a:buNone/>
+              <a:tabLst>
+                <a:tab algn="l" pos="0"/>
+              </a:tabLst>
+              <a:defRPr b="0" lang="en" sz="1200" strike="noStrike" u="none">
+                <a:solidFill>
+                  <a:srgbClr val="000000"/>
+                </a:solidFill>
+                <a:uFillTx/>
+                <a:latin typeface="Times New Roman"/>
+                <a:ea typeface="Times New Roman"/>
+              </a:defRPr>
+            </a:lvl1pPr>
+          </a:lstStyle>
+          <a:p>
+            <a:pPr indent="0" algn="r">
+              <a:lnSpc>
+                <a:spcPct val="100000"/>
+              </a:lnSpc>
+              <a:buNone/>
+              <a:tabLst>
+                <a:tab algn="l" pos="0"/>
+              </a:tabLst>
+            </a:pPr>
+            <a:fld id="{53E973AD-350F-4818-A5EB-2E54DF25D571}" type="slidenum">
+              <a:rPr b="0" lang="en" sz="1200" strike="noStrike" u="none">
+                <a:solidFill>
+                  <a:srgbClr val="000000"/>
+                </a:solidFill>
+                <a:uFillTx/>
+                <a:latin typeface="Times New Roman"/>
+                <a:ea typeface="Times New Roman"/>
+              </a:rPr>
+              <a:t>&lt;number&gt;</a:t>
+            </a:fld>
+            <a:endParaRPr b="0" lang="en-US" sz="1200" strike="noStrike" u="none">
+              <a:solidFill>
+                <a:srgbClr val="000000"/>
+              </a:solidFill>
+              <a:uFillTx/>
+              <a:latin typeface="Times New Roman"/>
+            </a:endParaRPr>
+          </a:p>
+        </p:txBody>
+      </p:sp>
+    </p:spTree>
+  </p:cSld>
+</p:notes>
+</file>
+
+<file path=ppt/notesSlides/notesSlide2.xml><?xml version="1.0" encoding="utf-8"?>
+<p:notes xmlns:a="http://schemas.openxmlformats.org/drawingml/2006/main" xmlns:p="http://schemas.openxmlformats.org/presentationml/2006/main" xmlns:r="http://schemas.openxmlformats.org/officeDocument/2006/relationships" xmlns:p14="http://schemas.microsoft.com/office/powerpoint/2010/main" xmlns:p15="http://schemas.microsoft.com/office/powerpoint/2012/main" xmlns:mc="http://schemas.openxmlformats.org/markup-compatibility/2006">
+  <p:cSld>
+    <p:spTree>
+      <p:nvGrpSpPr>
+        <p:cNvPr id="1" name=""/>
+        <p:cNvGrpSpPr/>
+        <p:nvPr/>
+      </p:nvGrpSpPr>
+      <p:grpSpPr>
+        <a:xfrm>
+          <a:off x="0" y="0"/>
+          <a:ext cx="0" cy="0"/>
+          <a:chOff x="0" y="0"/>
+          <a:chExt cx="0" cy="0"/>
+        </a:xfrm>
+      </p:grpSpPr>
+      <p:sp>
+        <p:nvSpPr>
+          <p:cNvPr id="102" name="PlaceHolder 1"/>
+          <p:cNvSpPr>
+            <a:spLocks noGrp="1"/>
+          </p:cNvSpPr>
+          <p:nvPr>
+            <p:ph type="sldImg"/>
+          </p:nvPr>
+        </p:nvSpPr>
+        <p:spPr>
+          <a:xfrm>
+            <a:off x="685080" y="1143000"/>
+            <a:ext cx="5479920" cy="3078360"/>
+          </a:xfrm>
+          <a:prstGeom prst="rect">
+            <a:avLst/>
+          </a:prstGeom>
+          <a:ln w="0">
+            <a:noFill/>
+          </a:ln>
+        </p:spPr>
+      </p:sp>
+      <p:sp>
+        <p:nvSpPr>
+          <p:cNvPr id="103" name="PlaceHolder 2"/>
+          <p:cNvSpPr>
+            <a:spLocks noGrp="1"/>
+          </p:cNvSpPr>
+          <p:nvPr>
+            <p:ph type="body"/>
+          </p:nvPr>
+        </p:nvSpPr>
+        <p:spPr>
+          <a:xfrm>
+            <a:off x="685800" y="4400640"/>
+            <a:ext cx="5478480" cy="3592440"/>
+          </a:xfrm>
+          <a:prstGeom prst="rect">
+            <a:avLst/>
+          </a:prstGeom>
+          <a:noFill/>
+          <a:ln w="0">
+            <a:noFill/>
+          </a:ln>
+        </p:spPr>
+        <p:txBody>
+          <a:bodyPr lIns="0" rIns="0" tIns="0" bIns="0" anchor="t">
+            <a:noAutofit/>
+          </a:bodyPr>
+          <a:p>
+            <a:pPr marL="216000" indent="-216000">
+              <a:buNone/>
+            </a:pPr>
+            <a:endParaRPr b="0" lang="en-US" sz="1800" strike="noStrike" u="none">
+              <a:solidFill>
+                <a:srgbClr val="000000"/>
+              </a:solidFill>
+              <a:uFillTx/>
+              <a:latin typeface="Arial"/>
+            </a:endParaRPr>
+          </a:p>
+        </p:txBody>
+      </p:sp>
+      <p:sp>
+        <p:nvSpPr>
+          <p:cNvPr id="104" name="PlaceHolder 3"/>
+          <p:cNvSpPr>
+            <a:spLocks noGrp="1"/>
+          </p:cNvSpPr>
+          <p:nvPr>
+            <p:ph type="sldNum" idx="28"/>
+          </p:nvPr>
+        </p:nvSpPr>
+        <p:spPr>
+          <a:xfrm>
+            <a:off x="3884760" y="8685360"/>
+            <a:ext cx="2963880" cy="450720"/>
+          </a:xfrm>
+          <a:prstGeom prst="rect">
+            <a:avLst/>
+          </a:prstGeom>
+          <a:noFill/>
+          <a:ln w="0">
+            <a:noFill/>
+          </a:ln>
+        </p:spPr>
+        <p:txBody>
+          <a:bodyPr lIns="0" rIns="0" tIns="0" bIns="0" anchor="b">
+            <a:noAutofit/>
+          </a:bodyPr>
+          <a:lstStyle>
+            <a:lvl1pPr indent="0" algn="r">
+              <a:lnSpc>
+                <a:spcPct val="100000"/>
+              </a:lnSpc>
+              <a:buNone/>
+              <a:tabLst>
+                <a:tab algn="l" pos="0"/>
+              </a:tabLst>
+              <a:defRPr b="0" lang="en" sz="1200" strike="noStrike" u="none">
+                <a:solidFill>
+                  <a:srgbClr val="000000"/>
+                </a:solidFill>
+                <a:uFillTx/>
+                <a:latin typeface="Times New Roman"/>
+                <a:ea typeface="Times New Roman"/>
+              </a:defRPr>
+            </a:lvl1pPr>
+          </a:lstStyle>
+          <a:p>
+            <a:pPr indent="0" algn="r">
+              <a:lnSpc>
+                <a:spcPct val="100000"/>
+              </a:lnSpc>
+              <a:buNone/>
+              <a:tabLst>
+                <a:tab algn="l" pos="0"/>
+              </a:tabLst>
+            </a:pPr>
+            <a:fld id="{CD678755-B5BB-47D5-8D66-DF3DC6C3C0BE}" type="slidenum">
+              <a:rPr b="0" lang="en" sz="1200" strike="noStrike" u="none">
+                <a:solidFill>
+                  <a:srgbClr val="000000"/>
+                </a:solidFill>
+                <a:uFillTx/>
+                <a:latin typeface="Times New Roman"/>
+                <a:ea typeface="Times New Roman"/>
+              </a:rPr>
+              <a:t>11</a:t>
+            </a:fld>
+            <a:endParaRPr b="0" lang="en-US" sz="1200" strike="noStrike" u="none">
+              <a:solidFill>
+                <a:srgbClr val="000000"/>
+              </a:solidFill>
+              <a:uFillTx/>
+              <a:latin typeface="Times New Roman"/>
+            </a:endParaRPr>
+          </a:p>
+        </p:txBody>
+      </p:sp>
+    </p:spTree>
+  </p:cSld>
+</p:notes>
+</file>
+
+<file path=ppt/notesSlides/notesSlide3.xml><?xml version="1.0" encoding="utf-8"?>
+<p:notes xmlns:a="http://schemas.openxmlformats.org/drawingml/2006/main" xmlns:p="http://schemas.openxmlformats.org/presentationml/2006/main" xmlns:r="http://schemas.openxmlformats.org/officeDocument/2006/relationships" xmlns:p14="http://schemas.microsoft.com/office/powerpoint/2010/main" xmlns:p15="http://schemas.microsoft.com/office/powerpoint/2012/main" xmlns:mc="http://schemas.openxmlformats.org/markup-compatibility/2006">
+  <p:cSld>
+    <p:spTree>
+      <p:nvGrpSpPr>
+        <p:cNvPr id="1" name=""/>
+        <p:cNvGrpSpPr/>
+        <p:nvPr/>
+      </p:nvGrpSpPr>
+      <p:grpSpPr>
+        <a:xfrm>
+          <a:off x="0" y="0"/>
+          <a:ext cx="0" cy="0"/>
+          <a:chOff x="0" y="0"/>
+          <a:chExt cx="0" cy="0"/>
+        </a:xfrm>
+      </p:grpSpPr>
+      <p:sp>
+        <p:nvSpPr>
+          <p:cNvPr id="105" name="PlaceHolder 1"/>
+          <p:cNvSpPr>
+            <a:spLocks noGrp="1"/>
+          </p:cNvSpPr>
+          <p:nvPr>
+            <p:ph type="sldImg"/>
+          </p:nvPr>
+        </p:nvSpPr>
+        <p:spPr>
+          <a:xfrm>
+            <a:off x="685080" y="1143000"/>
+            <a:ext cx="5479920" cy="3078360"/>
+          </a:xfrm>
+          <a:prstGeom prst="rect">
+            <a:avLst/>
+          </a:prstGeom>
+          <a:ln w="0">
+            <a:noFill/>
+          </a:ln>
+        </p:spPr>
+      </p:sp>
+      <p:sp>
+        <p:nvSpPr>
+          <p:cNvPr id="106" name="PlaceHolder 2"/>
+          <p:cNvSpPr>
+            <a:spLocks noGrp="1"/>
+          </p:cNvSpPr>
+          <p:nvPr>
+            <p:ph type="body"/>
+          </p:nvPr>
+        </p:nvSpPr>
+        <p:spPr>
+          <a:xfrm>
+            <a:off x="685800" y="4400640"/>
+            <a:ext cx="5478480" cy="3592440"/>
+          </a:xfrm>
+          <a:prstGeom prst="rect">
+            <a:avLst/>
+          </a:prstGeom>
+          <a:noFill/>
+          <a:ln w="0">
+            <a:noFill/>
+          </a:ln>
+        </p:spPr>
+        <p:txBody>
+          <a:bodyPr lIns="0" rIns="0" tIns="0" bIns="0" anchor="t">
+            <a:noAutofit/>
+          </a:bodyPr>
+          <a:p>
+            <a:pPr marL="216000" indent="-216000">
+              <a:buNone/>
+            </a:pPr>
+            <a:endParaRPr b="0" lang="en-US" sz="1800" strike="noStrike" u="none">
+              <a:solidFill>
+                <a:srgbClr val="000000"/>
+              </a:solidFill>
+              <a:uFillTx/>
+              <a:latin typeface="Arial"/>
+            </a:endParaRPr>
+          </a:p>
+        </p:txBody>
+      </p:sp>
+      <p:sp>
+        <p:nvSpPr>
+          <p:cNvPr id="107" name="PlaceHolder 3"/>
+          <p:cNvSpPr>
+            <a:spLocks noGrp="1"/>
+          </p:cNvSpPr>
+          <p:nvPr>
+            <p:ph type="sldNum" idx="29"/>
+          </p:nvPr>
+        </p:nvSpPr>
+        <p:spPr>
+          <a:xfrm>
+            <a:off x="3884760" y="8685360"/>
+            <a:ext cx="2963880" cy="450720"/>
+          </a:xfrm>
+          <a:prstGeom prst="rect">
+            <a:avLst/>
+          </a:prstGeom>
+          <a:noFill/>
+          <a:ln w="0">
+            <a:noFill/>
+          </a:ln>
+        </p:spPr>
+        <p:txBody>
+          <a:bodyPr lIns="0" rIns="0" tIns="0" bIns="0" anchor="b">
+            <a:noAutofit/>
+          </a:bodyPr>
+          <a:lstStyle>
+            <a:lvl1pPr indent="0" algn="r">
+              <a:lnSpc>
+                <a:spcPct val="100000"/>
+              </a:lnSpc>
+              <a:buNone/>
+              <a:tabLst>
+                <a:tab algn="l" pos="0"/>
+              </a:tabLst>
+              <a:defRPr b="0" lang="en" sz="1200" strike="noStrike" u="none">
+                <a:solidFill>
+                  <a:srgbClr val="000000"/>
+                </a:solidFill>
+                <a:uFillTx/>
+                <a:latin typeface="Times New Roman"/>
+                <a:ea typeface="Times New Roman"/>
+              </a:defRPr>
+            </a:lvl1pPr>
+          </a:lstStyle>
+          <a:p>
+            <a:pPr indent="0" algn="r">
+              <a:lnSpc>
+                <a:spcPct val="100000"/>
+              </a:lnSpc>
+              <a:buNone/>
+              <a:tabLst>
+                <a:tab algn="l" pos="0"/>
+              </a:tabLst>
+            </a:pPr>
+            <a:fld id="{61ECE2ED-591E-4303-9E9A-7BF0DC2510D0}" type="slidenum">
+              <a:rPr b="0" lang="en" sz="1200" strike="noStrike" u="none">
+                <a:solidFill>
+                  <a:srgbClr val="000000"/>
+                </a:solidFill>
+                <a:uFillTx/>
+                <a:latin typeface="Times New Roman"/>
+                <a:ea typeface="Times New Roman"/>
+              </a:rPr>
+              <a:t>&lt;number&gt;</a:t>
+            </a:fld>
+            <a:endParaRPr b="0" lang="en-US" sz="1200" strike="noStrike" u="none">
+              <a:solidFill>
+                <a:srgbClr val="000000"/>
+              </a:solidFill>
+              <a:uFillTx/>
+              <a:latin typeface="Times New Roman"/>
+            </a:endParaRPr>
+          </a:p>
+        </p:txBody>
+      </p:sp>
+    </p:spTree>
+  </p:cSld>
+</p:notes>
+</file>
+
+<file path=ppt/notesSlides/notesSlide4.xml><?xml version="1.0" encoding="utf-8"?>
+<p:notes xmlns:a="http://schemas.openxmlformats.org/drawingml/2006/main" xmlns:p="http://schemas.openxmlformats.org/presentationml/2006/main" xmlns:r="http://schemas.openxmlformats.org/officeDocument/2006/relationships" xmlns:p14="http://schemas.microsoft.com/office/powerpoint/2010/main" xmlns:p15="http://schemas.microsoft.com/office/powerpoint/2012/main" xmlns:mc="http://schemas.openxmlformats.org/markup-compatibility/2006">
+  <p:cSld>
+    <p:spTree>
+      <p:nvGrpSpPr>
+        <p:cNvPr id="1" name=""/>
+        <p:cNvGrpSpPr/>
+        <p:nvPr/>
+      </p:nvGrpSpPr>
+      <p:grpSpPr>
+        <a:xfrm>
+          <a:off x="0" y="0"/>
+          <a:ext cx="0" cy="0"/>
+          <a:chOff x="0" y="0"/>
+          <a:chExt cx="0" cy="0"/>
+        </a:xfrm>
+      </p:grpSpPr>
+      <p:sp>
+        <p:nvSpPr>
+          <p:cNvPr id="108" name="PlaceHolder 1"/>
+          <p:cNvSpPr>
+            <a:spLocks noGrp="1"/>
+          </p:cNvSpPr>
+          <p:nvPr>
+            <p:ph type="sldImg"/>
+          </p:nvPr>
+        </p:nvSpPr>
+        <p:spPr>
+          <a:xfrm>
+            <a:off x="685080" y="1143000"/>
+            <a:ext cx="5479920" cy="3078360"/>
+          </a:xfrm>
+          <a:prstGeom prst="rect">
+            <a:avLst/>
+          </a:prstGeom>
+          <a:ln w="0">
+            <a:noFill/>
+          </a:ln>
+        </p:spPr>
+      </p:sp>
+      <p:sp>
+        <p:nvSpPr>
+          <p:cNvPr id="109" name="PlaceHolder 2"/>
+          <p:cNvSpPr>
+            <a:spLocks noGrp="1"/>
+          </p:cNvSpPr>
+          <p:nvPr>
+            <p:ph type="body"/>
+          </p:nvPr>
+        </p:nvSpPr>
+        <p:spPr>
+          <a:xfrm>
+            <a:off x="685800" y="4400640"/>
+            <a:ext cx="5478480" cy="3592440"/>
+          </a:xfrm>
+          <a:prstGeom prst="rect">
+            <a:avLst/>
+          </a:prstGeom>
+          <a:noFill/>
+          <a:ln w="0">
+            <a:noFill/>
+          </a:ln>
+        </p:spPr>
+        <p:txBody>
+          <a:bodyPr lIns="0" rIns="0" tIns="0" bIns="0" anchor="t">
+            <a:noAutofit/>
+          </a:bodyPr>
+          <a:p>
+            <a:pPr marL="216000" indent="-216000">
+              <a:buNone/>
+            </a:pPr>
+            <a:endParaRPr b="0" lang="en-US" sz="1800" strike="noStrike" u="none">
+              <a:solidFill>
+                <a:srgbClr val="000000"/>
+              </a:solidFill>
+              <a:uFillTx/>
+              <a:latin typeface="Arial"/>
+            </a:endParaRPr>
+          </a:p>
+        </p:txBody>
+      </p:sp>
+      <p:sp>
+        <p:nvSpPr>
+          <p:cNvPr id="110" name="PlaceHolder 3"/>
+          <p:cNvSpPr>
+            <a:spLocks noGrp="1"/>
+          </p:cNvSpPr>
+          <p:nvPr>
+            <p:ph type="sldNum" idx="30"/>
+          </p:nvPr>
+        </p:nvSpPr>
+        <p:spPr>
+          <a:xfrm>
+            <a:off x="3884760" y="8685360"/>
+            <a:ext cx="2963880" cy="450720"/>
+          </a:xfrm>
+          <a:prstGeom prst="rect">
+            <a:avLst/>
+          </a:prstGeom>
+          <a:noFill/>
+          <a:ln w="0">
+            <a:noFill/>
+          </a:ln>
+        </p:spPr>
+        <p:txBody>
+          <a:bodyPr lIns="0" rIns="0" tIns="0" bIns="0" anchor="b">
+            <a:noAutofit/>
+          </a:bodyPr>
+          <a:lstStyle>
+            <a:lvl1pPr indent="0" algn="r">
+              <a:lnSpc>
+                <a:spcPct val="100000"/>
+              </a:lnSpc>
+              <a:buNone/>
+              <a:tabLst>
+                <a:tab algn="l" pos="0"/>
+              </a:tabLst>
+              <a:defRPr b="0" lang="en" sz="1200" strike="noStrike" u="none">
+                <a:solidFill>
+                  <a:srgbClr val="000000"/>
+                </a:solidFill>
+                <a:uFillTx/>
+                <a:latin typeface="Times New Roman"/>
+                <a:ea typeface="Times New Roman"/>
+              </a:defRPr>
+            </a:lvl1pPr>
+          </a:lstStyle>
+          <a:p>
+            <a:pPr indent="0" algn="r">
+              <a:lnSpc>
+                <a:spcPct val="100000"/>
+              </a:lnSpc>
+              <a:buNone/>
+              <a:tabLst>
+                <a:tab algn="l" pos="0"/>
+              </a:tabLst>
+            </a:pPr>
+            <a:fld id="{641798DD-0C32-4AB6-BCDC-DD1010114D08}" type="slidenum">
+              <a:rPr b="0" lang="en" sz="1200" strike="noStrike" u="none">
+                <a:solidFill>
+                  <a:srgbClr val="000000"/>
+                </a:solidFill>
+                <a:uFillTx/>
+                <a:latin typeface="Times New Roman"/>
+                <a:ea typeface="Times New Roman"/>
+              </a:rPr>
+              <a:t>&lt;number&gt;</a:t>
+            </a:fld>
+            <a:endParaRPr b="0" lang="en-US" sz="1200" strike="noStrike" u="none">
+              <a:solidFill>
+                <a:srgbClr val="000000"/>
+              </a:solidFill>
+              <a:uFillTx/>
+              <a:latin typeface="Times New Roman"/>
+            </a:endParaRPr>
+          </a:p>
+        </p:txBody>
+      </p:sp>
+    </p:spTree>
+  </p:cSld>
+</p:notes>
+</file>
+
+<file path=ppt/notesSlides/notesSlide5.xml><?xml version="1.0" encoding="utf-8"?>
+<p:notes xmlns:a="http://schemas.openxmlformats.org/drawingml/2006/main" xmlns:p="http://schemas.openxmlformats.org/presentationml/2006/main" xmlns:r="http://schemas.openxmlformats.org/officeDocument/2006/relationships" xmlns:p14="http://schemas.microsoft.com/office/powerpoint/2010/main" xmlns:p15="http://schemas.microsoft.com/office/powerpoint/2012/main" xmlns:mc="http://schemas.openxmlformats.org/markup-compatibility/2006">
+  <p:cSld>
+    <p:spTree>
+      <p:nvGrpSpPr>
+        <p:cNvPr id="1" name=""/>
+        <p:cNvGrpSpPr/>
+        <p:nvPr/>
+      </p:nvGrpSpPr>
+      <p:grpSpPr>
+        <a:xfrm>
+          <a:off x="0" y="0"/>
+          <a:ext cx="0" cy="0"/>
+          <a:chOff x="0" y="0"/>
+          <a:chExt cx="0" cy="0"/>
+        </a:xfrm>
+      </p:grpSpPr>
+      <p:sp>
+        <p:nvSpPr>
+          <p:cNvPr id="111" name="PlaceHolder 1"/>
+          <p:cNvSpPr>
+            <a:spLocks noGrp="1"/>
+          </p:cNvSpPr>
+          <p:nvPr>
+            <p:ph type="sldImg"/>
+          </p:nvPr>
+        </p:nvSpPr>
+        <p:spPr>
+          <a:xfrm>
+            <a:off x="685080" y="1143000"/>
+            <a:ext cx="5479920" cy="3078360"/>
+          </a:xfrm>
+          <a:prstGeom prst="rect">
+            <a:avLst/>
+          </a:prstGeom>
+          <a:ln w="0">
+            <a:noFill/>
+          </a:ln>
+        </p:spPr>
+      </p:sp>
+      <p:sp>
+        <p:nvSpPr>
+          <p:cNvPr id="112" name="PlaceHolder 2"/>
+          <p:cNvSpPr>
+            <a:spLocks noGrp="1"/>
+          </p:cNvSpPr>
+          <p:nvPr>
+            <p:ph type="body"/>
+          </p:nvPr>
+        </p:nvSpPr>
+        <p:spPr>
+          <a:xfrm>
+            <a:off x="685800" y="4400640"/>
+            <a:ext cx="5478480" cy="3592440"/>
+          </a:xfrm>
+          <a:prstGeom prst="rect">
+            <a:avLst/>
+          </a:prstGeom>
+          <a:noFill/>
+          <a:ln w="0">
+            <a:noFill/>
+          </a:ln>
+        </p:spPr>
+        <p:txBody>
+          <a:bodyPr lIns="0" rIns="0" tIns="0" bIns="0" anchor="t">
+            <a:noAutofit/>
+          </a:bodyPr>
+          <a:p>
+            <a:pPr marL="216000" indent="-216000">
+              <a:buNone/>
+            </a:pPr>
+            <a:endParaRPr b="0" lang="en-US" sz="1800" strike="noStrike" u="none">
+              <a:solidFill>
+                <a:srgbClr val="000000"/>
+              </a:solidFill>
+              <a:uFillTx/>
+              <a:latin typeface="Arial"/>
+            </a:endParaRPr>
+          </a:p>
+        </p:txBody>
+      </p:sp>
+      <p:sp>
+        <p:nvSpPr>
+          <p:cNvPr id="113" name="PlaceHolder 3"/>
+          <p:cNvSpPr>
+            <a:spLocks noGrp="1"/>
+          </p:cNvSpPr>
+          <p:nvPr>
+            <p:ph type="sldNum" idx="31"/>
+          </p:nvPr>
+        </p:nvSpPr>
+        <p:spPr>
+          <a:xfrm>
+            <a:off x="3884760" y="8685360"/>
+            <a:ext cx="2963880" cy="450720"/>
+          </a:xfrm>
+          <a:prstGeom prst="rect">
+            <a:avLst/>
+          </a:prstGeom>
+          <a:noFill/>
+          <a:ln w="0">
+            <a:noFill/>
+          </a:ln>
+        </p:spPr>
+        <p:txBody>
+          <a:bodyPr lIns="0" rIns="0" tIns="0" bIns="0" anchor="b">
+            <a:noAutofit/>
+          </a:bodyPr>
+          <a:lstStyle>
+            <a:lvl1pPr indent="0" algn="r">
+              <a:lnSpc>
+                <a:spcPct val="100000"/>
+              </a:lnSpc>
+              <a:buNone/>
+              <a:tabLst>
+                <a:tab algn="l" pos="0"/>
+              </a:tabLst>
+              <a:defRPr b="0" lang="en" sz="1200" strike="noStrike" u="none">
+                <a:solidFill>
+                  <a:srgbClr val="000000"/>
+                </a:solidFill>
+                <a:uFillTx/>
+                <a:latin typeface="Times New Roman"/>
+                <a:ea typeface="Times New Roman"/>
+              </a:defRPr>
+            </a:lvl1pPr>
+          </a:lstStyle>
+          <a:p>
+            <a:pPr indent="0" algn="r">
+              <a:lnSpc>
+                <a:spcPct val="100000"/>
+              </a:lnSpc>
+              <a:buNone/>
+              <a:tabLst>
+                <a:tab algn="l" pos="0"/>
+              </a:tabLst>
+            </a:pPr>
+            <a:fld id="{27DF2C13-7D24-4E7F-B55A-618F6654AB57}" type="slidenum">
+              <a:rPr b="0" lang="en" sz="1200" strike="noStrike" u="none">
+                <a:solidFill>
+                  <a:srgbClr val="000000"/>
+                </a:solidFill>
+                <a:uFillTx/>
+                <a:latin typeface="Times New Roman"/>
+                <a:ea typeface="Times New Roman"/>
+              </a:rPr>
+              <a:t>&lt;number&gt;</a:t>
+            </a:fld>
+            <a:endParaRPr b="0" lang="en-US" sz="1200" strike="noStrike" u="none">
+              <a:solidFill>
+                <a:srgbClr val="000000"/>
+              </a:solidFill>
+              <a:uFillTx/>
+              <a:latin typeface="Times New Roman"/>
+            </a:endParaRPr>
+          </a:p>
+        </p:txBody>
+      </p:sp>
+    </p:spTree>
+  </p:cSld>
+</p:notes>
+</file>
+
+<file path=ppt/notesSlides/notesSlide6.xml><?xml version="1.0" encoding="utf-8"?>
+<p:notes xmlns:a="http://schemas.openxmlformats.org/drawingml/2006/main" xmlns:p="http://schemas.openxmlformats.org/presentationml/2006/main" xmlns:r="http://schemas.openxmlformats.org/officeDocument/2006/relationships" xmlns:p14="http://schemas.microsoft.com/office/powerpoint/2010/main" xmlns:p15="http://schemas.microsoft.com/office/powerpoint/2012/main" xmlns:mc="http://schemas.openxmlformats.org/markup-compatibility/2006">
+  <p:cSld>
+    <p:spTree>
+      <p:nvGrpSpPr>
+        <p:cNvPr id="1" name=""/>
+        <p:cNvGrpSpPr/>
+        <p:nvPr/>
+      </p:nvGrpSpPr>
+      <p:grpSpPr>
+        <a:xfrm>
+          <a:off x="0" y="0"/>
+          <a:ext cx="0" cy="0"/>
+          <a:chOff x="0" y="0"/>
+          <a:chExt cx="0" cy="0"/>
+        </a:xfrm>
+      </p:grpSpPr>
+      <p:sp>
+        <p:nvSpPr>
+          <p:cNvPr id="114" name="PlaceHolder 1"/>
+          <p:cNvSpPr>
+            <a:spLocks noGrp="1"/>
+          </p:cNvSpPr>
+          <p:nvPr>
+            <p:ph type="sldImg"/>
+          </p:nvPr>
+        </p:nvSpPr>
+        <p:spPr>
+          <a:xfrm>
+            <a:off x="685080" y="1143000"/>
+            <a:ext cx="5479920" cy="3078360"/>
+          </a:xfrm>
+          <a:prstGeom prst="rect">
+            <a:avLst/>
+          </a:prstGeom>
+          <a:ln w="0">
+            <a:noFill/>
+          </a:ln>
+        </p:spPr>
+      </p:sp>
+      <p:sp>
+        <p:nvSpPr>
+          <p:cNvPr id="115" name="PlaceHolder 2"/>
+          <p:cNvSpPr>
+            <a:spLocks noGrp="1"/>
+          </p:cNvSpPr>
+          <p:nvPr>
+            <p:ph type="body"/>
+          </p:nvPr>
+        </p:nvSpPr>
+        <p:spPr>
+          <a:xfrm>
+            <a:off x="685800" y="4400640"/>
+            <a:ext cx="5478480" cy="3592440"/>
+          </a:xfrm>
+          <a:prstGeom prst="rect">
+            <a:avLst/>
+          </a:prstGeom>
+          <a:noFill/>
+          <a:ln w="0">
+            <a:noFill/>
+          </a:ln>
+        </p:spPr>
+        <p:txBody>
+          <a:bodyPr lIns="0" rIns="0" tIns="0" bIns="0" anchor="t">
+            <a:noAutofit/>
+          </a:bodyPr>
+          <a:p>
+            <a:pPr marL="216000" indent="-216000">
+              <a:buNone/>
+            </a:pPr>
+            <a:endParaRPr b="0" lang="en-US" sz="1800" strike="noStrike" u="none">
+              <a:solidFill>
+                <a:srgbClr val="000000"/>
+              </a:solidFill>
+              <a:uFillTx/>
+              <a:latin typeface="Arial"/>
+            </a:endParaRPr>
+          </a:p>
+        </p:txBody>
+      </p:sp>
+      <p:sp>
+        <p:nvSpPr>
+          <p:cNvPr id="116" name="PlaceHolder 3"/>
+          <p:cNvSpPr>
+            <a:spLocks noGrp="1"/>
+          </p:cNvSpPr>
+          <p:nvPr>
+            <p:ph type="sldNum" idx="32"/>
+          </p:nvPr>
+        </p:nvSpPr>
+        <p:spPr>
+          <a:xfrm>
+            <a:off x="3884760" y="8685360"/>
+            <a:ext cx="2963880" cy="450720"/>
+          </a:xfrm>
+          <a:prstGeom prst="rect">
+            <a:avLst/>
+          </a:prstGeom>
+          <a:noFill/>
+          <a:ln w="0">
+            <a:noFill/>
+          </a:ln>
+        </p:spPr>
+        <p:txBody>
+          <a:bodyPr lIns="0" rIns="0" tIns="0" bIns="0" anchor="b">
+            <a:noAutofit/>
+          </a:bodyPr>
+          <a:lstStyle>
+            <a:lvl1pPr indent="0" algn="r">
+              <a:lnSpc>
+                <a:spcPct val="100000"/>
+              </a:lnSpc>
+              <a:buNone/>
+              <a:tabLst>
+                <a:tab algn="l" pos="0"/>
+              </a:tabLst>
+              <a:defRPr b="0" lang="en" sz="1200" strike="noStrike" u="none">
+                <a:solidFill>
+                  <a:srgbClr val="000000"/>
+                </a:solidFill>
+                <a:uFillTx/>
+                <a:latin typeface="Times New Roman"/>
+                <a:ea typeface="Times New Roman"/>
+              </a:defRPr>
+            </a:lvl1pPr>
+          </a:lstStyle>
+          <a:p>
+            <a:pPr indent="0" algn="r">
+              <a:lnSpc>
+                <a:spcPct val="100000"/>
+              </a:lnSpc>
+              <a:buNone/>
+              <a:tabLst>
+                <a:tab algn="l" pos="0"/>
+              </a:tabLst>
+            </a:pPr>
+            <a:fld id="{0545403A-C283-43E6-8DC7-27738EA3FFEE}" type="slidenum">
+              <a:rPr b="0" lang="en" sz="1200" strike="noStrike" u="none">
+                <a:solidFill>
+                  <a:srgbClr val="000000"/>
+                </a:solidFill>
+                <a:uFillTx/>
+                <a:latin typeface="Times New Roman"/>
+                <a:ea typeface="Times New Roman"/>
+              </a:rPr>
+              <a:t>&lt;number&gt;</a:t>
+            </a:fld>
+            <a:endParaRPr b="0" lang="en-US" sz="1200" strike="noStrike" u="none">
+              <a:solidFill>
+                <a:srgbClr val="000000"/>
+              </a:solidFill>
+              <a:uFillTx/>
+              <a:latin typeface="Times New Roman"/>
+            </a:endParaRPr>
+          </a:p>
+        </p:txBody>
+      </p:sp>
+    </p:spTree>
+  </p:cSld>
+</p:notes>
+</file>
+
+<file path=ppt/notesSlides/notesSlide7.xml><?xml version="1.0" encoding="utf-8"?>
 <p:notes xmlns:a="http://schemas.openxmlformats.org/drawingml/2006/main" xmlns:p="http://schemas.openxmlformats.org/presentationml/2006/main" xmlns:r="http://schemas.openxmlformats.org/officeDocument/2006/relationships" xmlns:p14="http://schemas.microsoft.com/office/powerpoint/2010/main" xmlns:p15="http://schemas.microsoft.com/office/powerpoint/2012/main" xmlns:mc="http://schemas.openxmlformats.org/markup-compatibility/2006">
   <p:cSld>
     <p:spTree>
@@ -573,7 +1733,7 @@
         <p:spPr>
           <a:xfrm>
             <a:off x="685080" y="1143000"/>
-            <a:ext cx="5480280" cy="3078720"/>
+            <a:ext cx="5479920" cy="3078360"/>
           </a:xfrm>
           <a:prstGeom prst="rect">
             <a:avLst/>
@@ -596,7 +1756,7 @@
         <p:spPr>
           <a:xfrm>
             <a:off x="685800" y="4400640"/>
-            <a:ext cx="5478840" cy="3592800"/>
+            <a:ext cx="5478480" cy="3592440"/>
           </a:xfrm>
           <a:prstGeom prst="rect">
             <a:avLst/>
@@ -614,10 +1774,11 @@
             <a:pPr marL="216000" indent="-216000">
               <a:buNone/>
             </a:pPr>
-            <a:endParaRPr b="0" lang="en-US" sz="1800" spc="-1" strike="noStrike">
-              <a:solidFill>
-                <a:srgbClr val="000000"/>
-              </a:solidFill>
+            <a:endParaRPr b="0" lang="en-US" sz="1800" strike="noStrike" u="none">
+              <a:solidFill>
+                <a:srgbClr val="000000"/>
+              </a:solidFill>
+              <a:uFillTx/>
               <a:latin typeface="Arial"/>
             </a:endParaRPr>
           </a:p>
@@ -630,13 +1791,13 @@
             <a:spLocks noGrp="1"/>
           </p:cNvSpPr>
           <p:nvPr>
-            <p:ph type="sldNum" idx="36"/>
+            <p:ph type="sldNum" idx="33"/>
           </p:nvPr>
         </p:nvSpPr>
         <p:spPr>
           <a:xfrm>
             <a:off x="3884760" y="8685360"/>
-            <a:ext cx="2964240" cy="451080"/>
+            <a:ext cx="2963880" cy="450720"/>
           </a:xfrm>
           <a:prstGeom prst="rect">
             <a:avLst/>
@@ -659,10 +1820,11 @@
               <a:tabLst>
                 <a:tab algn="l" pos="0"/>
               </a:tabLst>
-              <a:defRPr b="0" lang="en" sz="1200" spc="-1" strike="noStrike">
+              <a:defRPr b="0" lang="en" sz="1200" strike="noStrike" u="none">
                 <a:solidFill>
                   <a:srgbClr val="000000"/>
                 </a:solidFill>
+                <a:uFillTx/>
                 <a:latin typeface="Times New Roman"/>
                 <a:ea typeface="Times New Roman"/>
               </a:defRPr>
@@ -678,20 +1840,22 @@
                 <a:tab algn="l" pos="0"/>
               </a:tabLst>
             </a:pPr>
-            <a:fld id="{2C69A4DF-FC7B-422F-AF27-443ADED65FF7}" type="slidenum">
-              <a:rPr b="0" lang="en" sz="1200" spc="-1" strike="noStrike">
+            <a:fld id="{6D12E676-DBA8-4B30-A28A-2D69C80AEB52}" type="slidenum">
+              <a:rPr b="0" lang="en" sz="1200" strike="noStrike" u="none">
                 <a:solidFill>
                   <a:srgbClr val="000000"/>
                 </a:solidFill>
+                <a:uFillTx/>
                 <a:latin typeface="Times New Roman"/>
                 <a:ea typeface="Times New Roman"/>
               </a:rPr>
               <a:t>&lt;number&gt;</a:t>
             </a:fld>
-            <a:endParaRPr b="0" lang="en-US" sz="1200" spc="-1" strike="noStrike">
-              <a:solidFill>
-                <a:srgbClr val="000000"/>
-              </a:solidFill>
+            <a:endParaRPr b="0" lang="en-US" sz="1200" strike="noStrike" u="none">
+              <a:solidFill>
+                <a:srgbClr val="000000"/>
+              </a:solidFill>
+              <a:uFillTx/>
               <a:latin typeface="Times New Roman"/>
             </a:endParaRPr>
           </a:p>
@@ -702,7 +1866,7 @@
 </p:notes>
 </file>
 
-<file path=ppt/notesSlides/notesSlide11.xml><?xml version="1.0" encoding="utf-8"?>
+<file path=ppt/notesSlides/notesSlide8.xml><?xml version="1.0" encoding="utf-8"?>
 <p:notes xmlns:a="http://schemas.openxmlformats.org/drawingml/2006/main" xmlns:p="http://schemas.openxmlformats.org/presentationml/2006/main" xmlns:r="http://schemas.openxmlformats.org/officeDocument/2006/relationships" xmlns:p14="http://schemas.microsoft.com/office/powerpoint/2010/main" xmlns:p15="http://schemas.microsoft.com/office/powerpoint/2012/main" xmlns:mc="http://schemas.openxmlformats.org/markup-compatibility/2006">
   <p:cSld>
     <p:spTree>
@@ -732,7 +1896,7 @@
         <p:spPr>
           <a:xfrm>
             <a:off x="685080" y="1143000"/>
-            <a:ext cx="5480280" cy="3078720"/>
+            <a:ext cx="5479920" cy="3078360"/>
           </a:xfrm>
           <a:prstGeom prst="rect">
             <a:avLst/>
@@ -755,7 +1919,7 @@
         <p:spPr>
           <a:xfrm>
             <a:off x="685800" y="4400640"/>
-            <a:ext cx="5478840" cy="3592800"/>
+            <a:ext cx="5478480" cy="3592440"/>
           </a:xfrm>
           <a:prstGeom prst="rect">
             <a:avLst/>
@@ -773,10 +1937,11 @@
             <a:pPr marL="216000" indent="-216000">
               <a:buNone/>
             </a:pPr>
-            <a:endParaRPr b="0" lang="en-US" sz="1800" spc="-1" strike="noStrike">
-              <a:solidFill>
-                <a:srgbClr val="000000"/>
-              </a:solidFill>
+            <a:endParaRPr b="0" lang="en-US" sz="1800" strike="noStrike" u="none">
+              <a:solidFill>
+                <a:srgbClr val="000000"/>
+              </a:solidFill>
+              <a:uFillTx/>
               <a:latin typeface="Arial"/>
             </a:endParaRPr>
           </a:p>
@@ -789,13 +1954,13 @@
             <a:spLocks noGrp="1"/>
           </p:cNvSpPr>
           <p:nvPr>
-            <p:ph type="sldNum" idx="37"/>
+            <p:ph type="sldNum" idx="34"/>
           </p:nvPr>
         </p:nvSpPr>
         <p:spPr>
           <a:xfrm>
             <a:off x="3884760" y="8685360"/>
-            <a:ext cx="2964240" cy="451080"/>
+            <a:ext cx="2963880" cy="450720"/>
           </a:xfrm>
           <a:prstGeom prst="rect">
             <a:avLst/>
@@ -818,10 +1983,11 @@
               <a:tabLst>
                 <a:tab algn="l" pos="0"/>
               </a:tabLst>
-              <a:defRPr b="0" lang="en" sz="1200" spc="-1" strike="noStrike">
+              <a:defRPr b="0" lang="en" sz="1200" strike="noStrike" u="none">
                 <a:solidFill>
                   <a:srgbClr val="000000"/>
                 </a:solidFill>
+                <a:uFillTx/>
                 <a:latin typeface="Times New Roman"/>
                 <a:ea typeface="Times New Roman"/>
               </a:defRPr>
@@ -837,1133 +2003,22 @@
                 <a:tab algn="l" pos="0"/>
               </a:tabLst>
             </a:pPr>
-            <a:fld id="{5ECF998F-11ED-413D-96FF-62DA9F1D7EB2}" type="slidenum">
-              <a:rPr b="0" lang="en" sz="1200" spc="-1" strike="noStrike">
+            <a:fld id="{F4F83E5E-3CD4-4E61-AC27-1A93241C119D}" type="slidenum">
+              <a:rPr b="0" lang="en" sz="1200" strike="noStrike" u="none">
                 <a:solidFill>
                   <a:srgbClr val="000000"/>
                 </a:solidFill>
+                <a:uFillTx/>
                 <a:latin typeface="Times New Roman"/>
                 <a:ea typeface="Times New Roman"/>
               </a:rPr>
               <a:t>&lt;number&gt;</a:t>
             </a:fld>
-            <a:endParaRPr b="0" lang="en-US" sz="1200" spc="-1" strike="noStrike">
-              <a:solidFill>
-                <a:srgbClr val="000000"/>
-              </a:solidFill>
-              <a:latin typeface="Times New Roman"/>
-            </a:endParaRPr>
-          </a:p>
-        </p:txBody>
-      </p:sp>
-    </p:spTree>
-  </p:cSld>
-</p:notes>
-</file>
-
-<file path=ppt/notesSlides/notesSlide2.xml><?xml version="1.0" encoding="utf-8"?>
-<p:notes xmlns:a="http://schemas.openxmlformats.org/drawingml/2006/main" xmlns:p="http://schemas.openxmlformats.org/presentationml/2006/main" xmlns:r="http://schemas.openxmlformats.org/officeDocument/2006/relationships" xmlns:p14="http://schemas.microsoft.com/office/powerpoint/2010/main" xmlns:p15="http://schemas.microsoft.com/office/powerpoint/2012/main" xmlns:mc="http://schemas.openxmlformats.org/markup-compatibility/2006">
-  <p:cSld>
-    <p:spTree>
-      <p:nvGrpSpPr>
-        <p:cNvPr id="1" name=""/>
-        <p:cNvGrpSpPr/>
-        <p:nvPr/>
-      </p:nvGrpSpPr>
-      <p:grpSpPr>
-        <a:xfrm>
-          <a:off x="0" y="0"/>
-          <a:ext cx="0" cy="0"/>
-          <a:chOff x="0" y="0"/>
-          <a:chExt cx="0" cy="0"/>
-        </a:xfrm>
-      </p:grpSpPr>
-      <p:sp>
-        <p:nvSpPr>
-          <p:cNvPr id="93" name="PlaceHolder 1"/>
-          <p:cNvSpPr>
-            <a:spLocks noGrp="1"/>
-          </p:cNvSpPr>
-          <p:nvPr>
-            <p:ph type="sldImg"/>
-          </p:nvPr>
-        </p:nvSpPr>
-        <p:spPr>
-          <a:xfrm>
-            <a:off x="685080" y="1143000"/>
-            <a:ext cx="5480280" cy="3078720"/>
-          </a:xfrm>
-          <a:prstGeom prst="rect">
-            <a:avLst/>
-          </a:prstGeom>
-          <a:ln w="0">
-            <a:noFill/>
-          </a:ln>
-        </p:spPr>
-      </p:sp>
-      <p:sp>
-        <p:nvSpPr>
-          <p:cNvPr id="94" name="PlaceHolder 2"/>
-          <p:cNvSpPr>
-            <a:spLocks noGrp="1"/>
-          </p:cNvSpPr>
-          <p:nvPr>
-            <p:ph type="body"/>
-          </p:nvPr>
-        </p:nvSpPr>
-        <p:spPr>
-          <a:xfrm>
-            <a:off x="685800" y="4400640"/>
-            <a:ext cx="5478840" cy="3592800"/>
-          </a:xfrm>
-          <a:prstGeom prst="rect">
-            <a:avLst/>
-          </a:prstGeom>
-          <a:noFill/>
-          <a:ln w="0">
-            <a:noFill/>
-          </a:ln>
-        </p:spPr>
-        <p:txBody>
-          <a:bodyPr lIns="0" rIns="0" tIns="0" bIns="0" anchor="t">
-            <a:noAutofit/>
-          </a:bodyPr>
-          <a:p>
-            <a:pPr marL="216000" indent="-216000">
-              <a:buNone/>
-            </a:pPr>
-            <a:endParaRPr b="0" lang="en-US" sz="1800" spc="-1" strike="noStrike">
-              <a:solidFill>
-                <a:srgbClr val="000000"/>
-              </a:solidFill>
-              <a:latin typeface="Arial"/>
-            </a:endParaRPr>
-          </a:p>
-        </p:txBody>
-      </p:sp>
-      <p:sp>
-        <p:nvSpPr>
-          <p:cNvPr id="95" name="PlaceHolder 3"/>
-          <p:cNvSpPr>
-            <a:spLocks noGrp="1"/>
-          </p:cNvSpPr>
-          <p:nvPr>
-            <p:ph type="sldNum" idx="28"/>
-          </p:nvPr>
-        </p:nvSpPr>
-        <p:spPr>
-          <a:xfrm>
-            <a:off x="3884760" y="8685360"/>
-            <a:ext cx="2964240" cy="451080"/>
-          </a:xfrm>
-          <a:prstGeom prst="rect">
-            <a:avLst/>
-          </a:prstGeom>
-          <a:noFill/>
-          <a:ln w="0">
-            <a:noFill/>
-          </a:ln>
-        </p:spPr>
-        <p:txBody>
-          <a:bodyPr lIns="0" rIns="0" tIns="0" bIns="0" anchor="b">
-            <a:noAutofit/>
-          </a:bodyPr>
-          <a:lstStyle>
-            <a:lvl1pPr indent="0" algn="r">
-              <a:lnSpc>
-                <a:spcPct val="100000"/>
-              </a:lnSpc>
-              <a:buNone/>
-              <a:tabLst>
-                <a:tab algn="l" pos="0"/>
-              </a:tabLst>
-              <a:defRPr b="0" lang="en" sz="1200" spc="-1" strike="noStrike">
-                <a:solidFill>
-                  <a:srgbClr val="000000"/>
-                </a:solidFill>
-                <a:latin typeface="Times New Roman"/>
-                <a:ea typeface="Times New Roman"/>
-              </a:defRPr>
-            </a:lvl1pPr>
-          </a:lstStyle>
-          <a:p>
-            <a:pPr indent="0" algn="r">
-              <a:lnSpc>
-                <a:spcPct val="100000"/>
-              </a:lnSpc>
-              <a:buNone/>
-              <a:tabLst>
-                <a:tab algn="l" pos="0"/>
-              </a:tabLst>
-            </a:pPr>
-            <a:fld id="{2C8366F2-2549-431E-99F1-879B5A061BF2}" type="slidenum">
-              <a:rPr b="0" lang="en" sz="1200" spc="-1" strike="noStrike">
-                <a:solidFill>
-                  <a:srgbClr val="000000"/>
-                </a:solidFill>
-                <a:latin typeface="Times New Roman"/>
-                <a:ea typeface="Times New Roman"/>
-              </a:rPr>
-              <a:t>11</a:t>
-            </a:fld>
-            <a:endParaRPr b="0" lang="en-US" sz="1200" spc="-1" strike="noStrike">
-              <a:solidFill>
-                <a:srgbClr val="000000"/>
-              </a:solidFill>
-              <a:latin typeface="Times New Roman"/>
-            </a:endParaRPr>
-          </a:p>
-        </p:txBody>
-      </p:sp>
-    </p:spTree>
-  </p:cSld>
-</p:notes>
-</file>
-
-<file path=ppt/notesSlides/notesSlide3.xml><?xml version="1.0" encoding="utf-8"?>
-<p:notes xmlns:a="http://schemas.openxmlformats.org/drawingml/2006/main" xmlns:p="http://schemas.openxmlformats.org/presentationml/2006/main" xmlns:r="http://schemas.openxmlformats.org/officeDocument/2006/relationships" xmlns:p14="http://schemas.microsoft.com/office/powerpoint/2010/main" xmlns:p15="http://schemas.microsoft.com/office/powerpoint/2012/main" xmlns:mc="http://schemas.openxmlformats.org/markup-compatibility/2006">
-  <p:cSld>
-    <p:spTree>
-      <p:nvGrpSpPr>
-        <p:cNvPr id="1" name=""/>
-        <p:cNvGrpSpPr/>
-        <p:nvPr/>
-      </p:nvGrpSpPr>
-      <p:grpSpPr>
-        <a:xfrm>
-          <a:off x="0" y="0"/>
-          <a:ext cx="0" cy="0"/>
-          <a:chOff x="0" y="0"/>
-          <a:chExt cx="0" cy="0"/>
-        </a:xfrm>
-      </p:grpSpPr>
-      <p:sp>
-        <p:nvSpPr>
-          <p:cNvPr id="96" name="PlaceHolder 1"/>
-          <p:cNvSpPr>
-            <a:spLocks noGrp="1"/>
-          </p:cNvSpPr>
-          <p:nvPr>
-            <p:ph type="sldImg"/>
-          </p:nvPr>
-        </p:nvSpPr>
-        <p:spPr>
-          <a:xfrm>
-            <a:off x="685080" y="1143000"/>
-            <a:ext cx="5480280" cy="3078720"/>
-          </a:xfrm>
-          <a:prstGeom prst="rect">
-            <a:avLst/>
-          </a:prstGeom>
-          <a:ln w="0">
-            <a:noFill/>
-          </a:ln>
-        </p:spPr>
-      </p:sp>
-      <p:sp>
-        <p:nvSpPr>
-          <p:cNvPr id="97" name="PlaceHolder 2"/>
-          <p:cNvSpPr>
-            <a:spLocks noGrp="1"/>
-          </p:cNvSpPr>
-          <p:nvPr>
-            <p:ph type="body"/>
-          </p:nvPr>
-        </p:nvSpPr>
-        <p:spPr>
-          <a:xfrm>
-            <a:off x="685800" y="4400640"/>
-            <a:ext cx="5478840" cy="3592800"/>
-          </a:xfrm>
-          <a:prstGeom prst="rect">
-            <a:avLst/>
-          </a:prstGeom>
-          <a:noFill/>
-          <a:ln w="0">
-            <a:noFill/>
-          </a:ln>
-        </p:spPr>
-        <p:txBody>
-          <a:bodyPr lIns="0" rIns="0" tIns="0" bIns="0" anchor="t">
-            <a:noAutofit/>
-          </a:bodyPr>
-          <a:p>
-            <a:pPr marL="216000" indent="-216000">
-              <a:buNone/>
-            </a:pPr>
-            <a:endParaRPr b="0" lang="en-US" sz="1800" spc="-1" strike="noStrike">
-              <a:solidFill>
-                <a:srgbClr val="000000"/>
-              </a:solidFill>
-              <a:latin typeface="Arial"/>
-            </a:endParaRPr>
-          </a:p>
-        </p:txBody>
-      </p:sp>
-      <p:sp>
-        <p:nvSpPr>
-          <p:cNvPr id="98" name="PlaceHolder 3"/>
-          <p:cNvSpPr>
-            <a:spLocks noGrp="1"/>
-          </p:cNvSpPr>
-          <p:nvPr>
-            <p:ph type="sldNum" idx="29"/>
-          </p:nvPr>
-        </p:nvSpPr>
-        <p:spPr>
-          <a:xfrm>
-            <a:off x="3884760" y="8685360"/>
-            <a:ext cx="2964240" cy="451080"/>
-          </a:xfrm>
-          <a:prstGeom prst="rect">
-            <a:avLst/>
-          </a:prstGeom>
-          <a:noFill/>
-          <a:ln w="0">
-            <a:noFill/>
-          </a:ln>
-        </p:spPr>
-        <p:txBody>
-          <a:bodyPr lIns="0" rIns="0" tIns="0" bIns="0" anchor="b">
-            <a:noAutofit/>
-          </a:bodyPr>
-          <a:lstStyle>
-            <a:lvl1pPr indent="0" algn="r">
-              <a:lnSpc>
-                <a:spcPct val="100000"/>
-              </a:lnSpc>
-              <a:buNone/>
-              <a:tabLst>
-                <a:tab algn="l" pos="0"/>
-              </a:tabLst>
-              <a:defRPr b="0" lang="en" sz="1200" spc="-1" strike="noStrike">
-                <a:solidFill>
-                  <a:srgbClr val="000000"/>
-                </a:solidFill>
-                <a:latin typeface="Times New Roman"/>
-                <a:ea typeface="Times New Roman"/>
-              </a:defRPr>
-            </a:lvl1pPr>
-          </a:lstStyle>
-          <a:p>
-            <a:pPr indent="0" algn="r">
-              <a:lnSpc>
-                <a:spcPct val="100000"/>
-              </a:lnSpc>
-              <a:buNone/>
-              <a:tabLst>
-                <a:tab algn="l" pos="0"/>
-              </a:tabLst>
-            </a:pPr>
-            <a:fld id="{30386D4D-2C95-406A-BC3F-8EA81BCDFF70}" type="slidenum">
-              <a:rPr b="0" lang="en" sz="1200" spc="-1" strike="noStrike">
-                <a:solidFill>
-                  <a:srgbClr val="000000"/>
-                </a:solidFill>
-                <a:latin typeface="Times New Roman"/>
-                <a:ea typeface="Times New Roman"/>
-              </a:rPr>
-              <a:t>11</a:t>
-            </a:fld>
-            <a:endParaRPr b="0" lang="en-US" sz="1200" spc="-1" strike="noStrike">
-              <a:solidFill>
-                <a:srgbClr val="000000"/>
-              </a:solidFill>
-              <a:latin typeface="Times New Roman"/>
-            </a:endParaRPr>
-          </a:p>
-        </p:txBody>
-      </p:sp>
-    </p:spTree>
-  </p:cSld>
-</p:notes>
-</file>
-
-<file path=ppt/notesSlides/notesSlide4.xml><?xml version="1.0" encoding="utf-8"?>
-<p:notes xmlns:a="http://schemas.openxmlformats.org/drawingml/2006/main" xmlns:p="http://schemas.openxmlformats.org/presentationml/2006/main" xmlns:r="http://schemas.openxmlformats.org/officeDocument/2006/relationships" xmlns:p14="http://schemas.microsoft.com/office/powerpoint/2010/main" xmlns:p15="http://schemas.microsoft.com/office/powerpoint/2012/main" xmlns:mc="http://schemas.openxmlformats.org/markup-compatibility/2006">
-  <p:cSld>
-    <p:spTree>
-      <p:nvGrpSpPr>
-        <p:cNvPr id="1" name=""/>
-        <p:cNvGrpSpPr/>
-        <p:nvPr/>
-      </p:nvGrpSpPr>
-      <p:grpSpPr>
-        <a:xfrm>
-          <a:off x="0" y="0"/>
-          <a:ext cx="0" cy="0"/>
-          <a:chOff x="0" y="0"/>
-          <a:chExt cx="0" cy="0"/>
-        </a:xfrm>
-      </p:grpSpPr>
-      <p:sp>
-        <p:nvSpPr>
-          <p:cNvPr id="99" name="PlaceHolder 1"/>
-          <p:cNvSpPr>
-            <a:spLocks noGrp="1"/>
-          </p:cNvSpPr>
-          <p:nvPr>
-            <p:ph type="sldImg"/>
-          </p:nvPr>
-        </p:nvSpPr>
-        <p:spPr>
-          <a:xfrm>
-            <a:off x="685080" y="1143000"/>
-            <a:ext cx="5480280" cy="3078720"/>
-          </a:xfrm>
-          <a:prstGeom prst="rect">
-            <a:avLst/>
-          </a:prstGeom>
-          <a:ln w="0">
-            <a:noFill/>
-          </a:ln>
-        </p:spPr>
-      </p:sp>
-      <p:sp>
-        <p:nvSpPr>
-          <p:cNvPr id="100" name="PlaceHolder 2"/>
-          <p:cNvSpPr>
-            <a:spLocks noGrp="1"/>
-          </p:cNvSpPr>
-          <p:nvPr>
-            <p:ph type="body"/>
-          </p:nvPr>
-        </p:nvSpPr>
-        <p:spPr>
-          <a:xfrm>
-            <a:off x="685800" y="4400640"/>
-            <a:ext cx="5478840" cy="3592800"/>
-          </a:xfrm>
-          <a:prstGeom prst="rect">
-            <a:avLst/>
-          </a:prstGeom>
-          <a:noFill/>
-          <a:ln w="0">
-            <a:noFill/>
-          </a:ln>
-        </p:spPr>
-        <p:txBody>
-          <a:bodyPr lIns="0" rIns="0" tIns="0" bIns="0" anchor="t">
-            <a:noAutofit/>
-          </a:bodyPr>
-          <a:p>
-            <a:pPr marL="216000" indent="-216000">
-              <a:buNone/>
-            </a:pPr>
-            <a:endParaRPr b="0" lang="en-US" sz="1800" spc="-1" strike="noStrike">
-              <a:solidFill>
-                <a:srgbClr val="000000"/>
-              </a:solidFill>
-              <a:latin typeface="Arial"/>
-            </a:endParaRPr>
-          </a:p>
-        </p:txBody>
-      </p:sp>
-      <p:sp>
-        <p:nvSpPr>
-          <p:cNvPr id="101" name="PlaceHolder 3"/>
-          <p:cNvSpPr>
-            <a:spLocks noGrp="1"/>
-          </p:cNvSpPr>
-          <p:nvPr>
-            <p:ph type="sldNum" idx="30"/>
-          </p:nvPr>
-        </p:nvSpPr>
-        <p:spPr>
-          <a:xfrm>
-            <a:off x="3884760" y="8685360"/>
-            <a:ext cx="2964240" cy="451080"/>
-          </a:xfrm>
-          <a:prstGeom prst="rect">
-            <a:avLst/>
-          </a:prstGeom>
-          <a:noFill/>
-          <a:ln w="0">
-            <a:noFill/>
-          </a:ln>
-        </p:spPr>
-        <p:txBody>
-          <a:bodyPr lIns="0" rIns="0" tIns="0" bIns="0" anchor="b">
-            <a:noAutofit/>
-          </a:bodyPr>
-          <a:lstStyle>
-            <a:lvl1pPr indent="0" algn="r">
-              <a:lnSpc>
-                <a:spcPct val="100000"/>
-              </a:lnSpc>
-              <a:buNone/>
-              <a:tabLst>
-                <a:tab algn="l" pos="0"/>
-              </a:tabLst>
-              <a:defRPr b="0" lang="en" sz="1200" spc="-1" strike="noStrike">
-                <a:solidFill>
-                  <a:srgbClr val="000000"/>
-                </a:solidFill>
-                <a:latin typeface="Times New Roman"/>
-                <a:ea typeface="Times New Roman"/>
-              </a:defRPr>
-            </a:lvl1pPr>
-          </a:lstStyle>
-          <a:p>
-            <a:pPr indent="0" algn="r">
-              <a:lnSpc>
-                <a:spcPct val="100000"/>
-              </a:lnSpc>
-              <a:buNone/>
-              <a:tabLst>
-                <a:tab algn="l" pos="0"/>
-              </a:tabLst>
-            </a:pPr>
-            <a:fld id="{A4AB0442-8A43-468C-ADBF-1221E6CF5213}" type="slidenum">
-              <a:rPr b="0" lang="en" sz="1200" spc="-1" strike="noStrike">
-                <a:solidFill>
-                  <a:srgbClr val="000000"/>
-                </a:solidFill>
-                <a:latin typeface="Times New Roman"/>
-                <a:ea typeface="Times New Roman"/>
-              </a:rPr>
-              <a:t>11</a:t>
-            </a:fld>
-            <a:endParaRPr b="0" lang="en-US" sz="1200" spc="-1" strike="noStrike">
-              <a:solidFill>
-                <a:srgbClr val="000000"/>
-              </a:solidFill>
-              <a:latin typeface="Times New Roman"/>
-            </a:endParaRPr>
-          </a:p>
-        </p:txBody>
-      </p:sp>
-    </p:spTree>
-  </p:cSld>
-</p:notes>
-</file>
-
-<file path=ppt/notesSlides/notesSlide5.xml><?xml version="1.0" encoding="utf-8"?>
-<p:notes xmlns:a="http://schemas.openxmlformats.org/drawingml/2006/main" xmlns:p="http://schemas.openxmlformats.org/presentationml/2006/main" xmlns:r="http://schemas.openxmlformats.org/officeDocument/2006/relationships" xmlns:p14="http://schemas.microsoft.com/office/powerpoint/2010/main" xmlns:p15="http://schemas.microsoft.com/office/powerpoint/2012/main" xmlns:mc="http://schemas.openxmlformats.org/markup-compatibility/2006">
-  <p:cSld>
-    <p:spTree>
-      <p:nvGrpSpPr>
-        <p:cNvPr id="1" name=""/>
-        <p:cNvGrpSpPr/>
-        <p:nvPr/>
-      </p:nvGrpSpPr>
-      <p:grpSpPr>
-        <a:xfrm>
-          <a:off x="0" y="0"/>
-          <a:ext cx="0" cy="0"/>
-          <a:chOff x="0" y="0"/>
-          <a:chExt cx="0" cy="0"/>
-        </a:xfrm>
-      </p:grpSpPr>
-      <p:sp>
-        <p:nvSpPr>
-          <p:cNvPr id="102" name="PlaceHolder 1"/>
-          <p:cNvSpPr>
-            <a:spLocks noGrp="1"/>
-          </p:cNvSpPr>
-          <p:nvPr>
-            <p:ph type="sldImg"/>
-          </p:nvPr>
-        </p:nvSpPr>
-        <p:spPr>
-          <a:xfrm>
-            <a:off x="685080" y="1143000"/>
-            <a:ext cx="5480280" cy="3078720"/>
-          </a:xfrm>
-          <a:prstGeom prst="rect">
-            <a:avLst/>
-          </a:prstGeom>
-          <a:ln w="0">
-            <a:noFill/>
-          </a:ln>
-        </p:spPr>
-      </p:sp>
-      <p:sp>
-        <p:nvSpPr>
-          <p:cNvPr id="103" name="PlaceHolder 2"/>
-          <p:cNvSpPr>
-            <a:spLocks noGrp="1"/>
-          </p:cNvSpPr>
-          <p:nvPr>
-            <p:ph type="body"/>
-          </p:nvPr>
-        </p:nvSpPr>
-        <p:spPr>
-          <a:xfrm>
-            <a:off x="685800" y="4400640"/>
-            <a:ext cx="5478840" cy="3592800"/>
-          </a:xfrm>
-          <a:prstGeom prst="rect">
-            <a:avLst/>
-          </a:prstGeom>
-          <a:noFill/>
-          <a:ln w="0">
-            <a:noFill/>
-          </a:ln>
-        </p:spPr>
-        <p:txBody>
-          <a:bodyPr lIns="0" rIns="0" tIns="0" bIns="0" anchor="t">
-            <a:noAutofit/>
-          </a:bodyPr>
-          <a:p>
-            <a:pPr marL="216000" indent="-216000">
-              <a:buNone/>
-            </a:pPr>
-            <a:endParaRPr b="0" lang="en-US" sz="1800" spc="-1" strike="noStrike">
-              <a:solidFill>
-                <a:srgbClr val="000000"/>
-              </a:solidFill>
-              <a:latin typeface="Arial"/>
-            </a:endParaRPr>
-          </a:p>
-        </p:txBody>
-      </p:sp>
-      <p:sp>
-        <p:nvSpPr>
-          <p:cNvPr id="104" name="PlaceHolder 3"/>
-          <p:cNvSpPr>
-            <a:spLocks noGrp="1"/>
-          </p:cNvSpPr>
-          <p:nvPr>
-            <p:ph type="sldNum" idx="31"/>
-          </p:nvPr>
-        </p:nvSpPr>
-        <p:spPr>
-          <a:xfrm>
-            <a:off x="3884760" y="8685360"/>
-            <a:ext cx="2964240" cy="451080"/>
-          </a:xfrm>
-          <a:prstGeom prst="rect">
-            <a:avLst/>
-          </a:prstGeom>
-          <a:noFill/>
-          <a:ln w="0">
-            <a:noFill/>
-          </a:ln>
-        </p:spPr>
-        <p:txBody>
-          <a:bodyPr lIns="0" rIns="0" tIns="0" bIns="0" anchor="b">
-            <a:noAutofit/>
-          </a:bodyPr>
-          <a:lstStyle>
-            <a:lvl1pPr indent="0" algn="r">
-              <a:lnSpc>
-                <a:spcPct val="100000"/>
-              </a:lnSpc>
-              <a:buNone/>
-              <a:tabLst>
-                <a:tab algn="l" pos="0"/>
-              </a:tabLst>
-              <a:defRPr b="0" lang="en" sz="1200" spc="-1" strike="noStrike">
-                <a:solidFill>
-                  <a:srgbClr val="000000"/>
-                </a:solidFill>
-                <a:latin typeface="Times New Roman"/>
-                <a:ea typeface="Times New Roman"/>
-              </a:defRPr>
-            </a:lvl1pPr>
-          </a:lstStyle>
-          <a:p>
-            <a:pPr indent="0" algn="r">
-              <a:lnSpc>
-                <a:spcPct val="100000"/>
-              </a:lnSpc>
-              <a:buNone/>
-              <a:tabLst>
-                <a:tab algn="l" pos="0"/>
-              </a:tabLst>
-            </a:pPr>
-            <a:fld id="{C82FBBF7-B82F-49F2-A2F6-7AAE87CEEF27}" type="slidenum">
-              <a:rPr b="0" lang="en" sz="1200" spc="-1" strike="noStrike">
-                <a:solidFill>
-                  <a:srgbClr val="000000"/>
-                </a:solidFill>
-                <a:latin typeface="Times New Roman"/>
-                <a:ea typeface="Times New Roman"/>
-              </a:rPr>
-              <a:t>11</a:t>
-            </a:fld>
-            <a:endParaRPr b="0" lang="en-US" sz="1200" spc="-1" strike="noStrike">
-              <a:solidFill>
-                <a:srgbClr val="000000"/>
-              </a:solidFill>
-              <a:latin typeface="Times New Roman"/>
-            </a:endParaRPr>
-          </a:p>
-        </p:txBody>
-      </p:sp>
-    </p:spTree>
-  </p:cSld>
-</p:notes>
-</file>
-
-<file path=ppt/notesSlides/notesSlide6.xml><?xml version="1.0" encoding="utf-8"?>
-<p:notes xmlns:a="http://schemas.openxmlformats.org/drawingml/2006/main" xmlns:p="http://schemas.openxmlformats.org/presentationml/2006/main" xmlns:r="http://schemas.openxmlformats.org/officeDocument/2006/relationships" xmlns:p14="http://schemas.microsoft.com/office/powerpoint/2010/main" xmlns:p15="http://schemas.microsoft.com/office/powerpoint/2012/main" xmlns:mc="http://schemas.openxmlformats.org/markup-compatibility/2006">
-  <p:cSld>
-    <p:spTree>
-      <p:nvGrpSpPr>
-        <p:cNvPr id="1" name=""/>
-        <p:cNvGrpSpPr/>
-        <p:nvPr/>
-      </p:nvGrpSpPr>
-      <p:grpSpPr>
-        <a:xfrm>
-          <a:off x="0" y="0"/>
-          <a:ext cx="0" cy="0"/>
-          <a:chOff x="0" y="0"/>
-          <a:chExt cx="0" cy="0"/>
-        </a:xfrm>
-      </p:grpSpPr>
-      <p:sp>
-        <p:nvSpPr>
-          <p:cNvPr id="105" name="PlaceHolder 1"/>
-          <p:cNvSpPr>
-            <a:spLocks noGrp="1"/>
-          </p:cNvSpPr>
-          <p:nvPr>
-            <p:ph type="sldImg"/>
-          </p:nvPr>
-        </p:nvSpPr>
-        <p:spPr>
-          <a:xfrm>
-            <a:off x="685080" y="1143000"/>
-            <a:ext cx="5480280" cy="3078720"/>
-          </a:xfrm>
-          <a:prstGeom prst="rect">
-            <a:avLst/>
-          </a:prstGeom>
-          <a:ln w="0">
-            <a:noFill/>
-          </a:ln>
-        </p:spPr>
-      </p:sp>
-      <p:sp>
-        <p:nvSpPr>
-          <p:cNvPr id="106" name="PlaceHolder 2"/>
-          <p:cNvSpPr>
-            <a:spLocks noGrp="1"/>
-          </p:cNvSpPr>
-          <p:nvPr>
-            <p:ph type="body"/>
-          </p:nvPr>
-        </p:nvSpPr>
-        <p:spPr>
-          <a:xfrm>
-            <a:off x="685800" y="4400640"/>
-            <a:ext cx="5478840" cy="3592800"/>
-          </a:xfrm>
-          <a:prstGeom prst="rect">
-            <a:avLst/>
-          </a:prstGeom>
-          <a:noFill/>
-          <a:ln w="0">
-            <a:noFill/>
-          </a:ln>
-        </p:spPr>
-        <p:txBody>
-          <a:bodyPr lIns="0" rIns="0" tIns="0" bIns="0" anchor="t">
-            <a:noAutofit/>
-          </a:bodyPr>
-          <a:p>
-            <a:pPr marL="216000" indent="-216000">
-              <a:buNone/>
-            </a:pPr>
-            <a:endParaRPr b="0" lang="en-US" sz="1800" spc="-1" strike="noStrike">
-              <a:solidFill>
-                <a:srgbClr val="000000"/>
-              </a:solidFill>
-              <a:latin typeface="Arial"/>
-            </a:endParaRPr>
-          </a:p>
-        </p:txBody>
-      </p:sp>
-      <p:sp>
-        <p:nvSpPr>
-          <p:cNvPr id="107" name="PlaceHolder 3"/>
-          <p:cNvSpPr>
-            <a:spLocks noGrp="1"/>
-          </p:cNvSpPr>
-          <p:nvPr>
-            <p:ph type="sldNum" idx="32"/>
-          </p:nvPr>
-        </p:nvSpPr>
-        <p:spPr>
-          <a:xfrm>
-            <a:off x="3884760" y="8685360"/>
-            <a:ext cx="2964240" cy="451080"/>
-          </a:xfrm>
-          <a:prstGeom prst="rect">
-            <a:avLst/>
-          </a:prstGeom>
-          <a:noFill/>
-          <a:ln w="0">
-            <a:noFill/>
-          </a:ln>
-        </p:spPr>
-        <p:txBody>
-          <a:bodyPr lIns="0" rIns="0" tIns="0" bIns="0" anchor="b">
-            <a:noAutofit/>
-          </a:bodyPr>
-          <a:lstStyle>
-            <a:lvl1pPr indent="0" algn="r">
-              <a:lnSpc>
-                <a:spcPct val="100000"/>
-              </a:lnSpc>
-              <a:buNone/>
-              <a:tabLst>
-                <a:tab algn="l" pos="0"/>
-              </a:tabLst>
-              <a:defRPr b="0" lang="en" sz="1200" spc="-1" strike="noStrike">
-                <a:solidFill>
-                  <a:srgbClr val="000000"/>
-                </a:solidFill>
-                <a:latin typeface="Times New Roman"/>
-                <a:ea typeface="Times New Roman"/>
-              </a:defRPr>
-            </a:lvl1pPr>
-          </a:lstStyle>
-          <a:p>
-            <a:pPr indent="0" algn="r">
-              <a:lnSpc>
-                <a:spcPct val="100000"/>
-              </a:lnSpc>
-              <a:buNone/>
-              <a:tabLst>
-                <a:tab algn="l" pos="0"/>
-              </a:tabLst>
-            </a:pPr>
-            <a:fld id="{12F5952F-11E5-493F-9408-46C6A7C52F0D}" type="slidenum">
-              <a:rPr b="0" lang="en" sz="1200" spc="-1" strike="noStrike">
-                <a:solidFill>
-                  <a:srgbClr val="000000"/>
-                </a:solidFill>
-                <a:latin typeface="Times New Roman"/>
-                <a:ea typeface="Times New Roman"/>
-              </a:rPr>
-              <a:t>11</a:t>
-            </a:fld>
-            <a:endParaRPr b="0" lang="en-US" sz="1200" spc="-1" strike="noStrike">
-              <a:solidFill>
-                <a:srgbClr val="000000"/>
-              </a:solidFill>
-              <a:latin typeface="Times New Roman"/>
-            </a:endParaRPr>
-          </a:p>
-        </p:txBody>
-      </p:sp>
-    </p:spTree>
-  </p:cSld>
-</p:notes>
-</file>
-
-<file path=ppt/notesSlides/notesSlide7.xml><?xml version="1.0" encoding="utf-8"?>
-<p:notes xmlns:a="http://schemas.openxmlformats.org/drawingml/2006/main" xmlns:p="http://schemas.openxmlformats.org/presentationml/2006/main" xmlns:r="http://schemas.openxmlformats.org/officeDocument/2006/relationships" xmlns:p14="http://schemas.microsoft.com/office/powerpoint/2010/main" xmlns:p15="http://schemas.microsoft.com/office/powerpoint/2012/main" xmlns:mc="http://schemas.openxmlformats.org/markup-compatibility/2006">
-  <p:cSld>
-    <p:spTree>
-      <p:nvGrpSpPr>
-        <p:cNvPr id="1" name=""/>
-        <p:cNvGrpSpPr/>
-        <p:nvPr/>
-      </p:nvGrpSpPr>
-      <p:grpSpPr>
-        <a:xfrm>
-          <a:off x="0" y="0"/>
-          <a:ext cx="0" cy="0"/>
-          <a:chOff x="0" y="0"/>
-          <a:chExt cx="0" cy="0"/>
-        </a:xfrm>
-      </p:grpSpPr>
-      <p:sp>
-        <p:nvSpPr>
-          <p:cNvPr id="108" name="PlaceHolder 1"/>
-          <p:cNvSpPr>
-            <a:spLocks noGrp="1"/>
-          </p:cNvSpPr>
-          <p:nvPr>
-            <p:ph type="sldImg"/>
-          </p:nvPr>
-        </p:nvSpPr>
-        <p:spPr>
-          <a:xfrm>
-            <a:off x="685080" y="1143000"/>
-            <a:ext cx="5480280" cy="3078720"/>
-          </a:xfrm>
-          <a:prstGeom prst="rect">
-            <a:avLst/>
-          </a:prstGeom>
-          <a:ln w="0">
-            <a:noFill/>
-          </a:ln>
-        </p:spPr>
-      </p:sp>
-      <p:sp>
-        <p:nvSpPr>
-          <p:cNvPr id="109" name="PlaceHolder 2"/>
-          <p:cNvSpPr>
-            <a:spLocks noGrp="1"/>
-          </p:cNvSpPr>
-          <p:nvPr>
-            <p:ph type="body"/>
-          </p:nvPr>
-        </p:nvSpPr>
-        <p:spPr>
-          <a:xfrm>
-            <a:off x="685800" y="4400640"/>
-            <a:ext cx="5478840" cy="3592800"/>
-          </a:xfrm>
-          <a:prstGeom prst="rect">
-            <a:avLst/>
-          </a:prstGeom>
-          <a:noFill/>
-          <a:ln w="0">
-            <a:noFill/>
-          </a:ln>
-        </p:spPr>
-        <p:txBody>
-          <a:bodyPr lIns="0" rIns="0" tIns="0" bIns="0" anchor="t">
-            <a:noAutofit/>
-          </a:bodyPr>
-          <a:p>
-            <a:pPr marL="216000" indent="-216000">
-              <a:buNone/>
-            </a:pPr>
-            <a:endParaRPr b="0" lang="en-US" sz="1800" spc="-1" strike="noStrike">
-              <a:solidFill>
-                <a:srgbClr val="000000"/>
-              </a:solidFill>
-              <a:latin typeface="Arial"/>
-            </a:endParaRPr>
-          </a:p>
-        </p:txBody>
-      </p:sp>
-      <p:sp>
-        <p:nvSpPr>
-          <p:cNvPr id="110" name="PlaceHolder 3"/>
-          <p:cNvSpPr>
-            <a:spLocks noGrp="1"/>
-          </p:cNvSpPr>
-          <p:nvPr>
-            <p:ph type="sldNum" idx="33"/>
-          </p:nvPr>
-        </p:nvSpPr>
-        <p:spPr>
-          <a:xfrm>
-            <a:off x="3884760" y="8685360"/>
-            <a:ext cx="2964240" cy="451080"/>
-          </a:xfrm>
-          <a:prstGeom prst="rect">
-            <a:avLst/>
-          </a:prstGeom>
-          <a:noFill/>
-          <a:ln w="0">
-            <a:noFill/>
-          </a:ln>
-        </p:spPr>
-        <p:txBody>
-          <a:bodyPr lIns="0" rIns="0" tIns="0" bIns="0" anchor="b">
-            <a:noAutofit/>
-          </a:bodyPr>
-          <a:lstStyle>
-            <a:lvl1pPr indent="0" algn="r">
-              <a:lnSpc>
-                <a:spcPct val="100000"/>
-              </a:lnSpc>
-              <a:buNone/>
-              <a:tabLst>
-                <a:tab algn="l" pos="0"/>
-              </a:tabLst>
-              <a:defRPr b="0" lang="en" sz="1200" spc="-1" strike="noStrike">
-                <a:solidFill>
-                  <a:srgbClr val="000000"/>
-                </a:solidFill>
-                <a:latin typeface="Times New Roman"/>
-                <a:ea typeface="Times New Roman"/>
-              </a:defRPr>
-            </a:lvl1pPr>
-          </a:lstStyle>
-          <a:p>
-            <a:pPr indent="0" algn="r">
-              <a:lnSpc>
-                <a:spcPct val="100000"/>
-              </a:lnSpc>
-              <a:buNone/>
-              <a:tabLst>
-                <a:tab algn="l" pos="0"/>
-              </a:tabLst>
-            </a:pPr>
-            <a:fld id="{FE9DE5D0-4391-475C-A373-D9618B3CCC06}" type="slidenum">
-              <a:rPr b="0" lang="en" sz="1200" spc="-1" strike="noStrike">
-                <a:solidFill>
-                  <a:srgbClr val="000000"/>
-                </a:solidFill>
-                <a:latin typeface="Times New Roman"/>
-                <a:ea typeface="Times New Roman"/>
-              </a:rPr>
-              <a:t>11</a:t>
-            </a:fld>
-            <a:endParaRPr b="0" lang="en-US" sz="1200" spc="-1" strike="noStrike">
-              <a:solidFill>
-                <a:srgbClr val="000000"/>
-              </a:solidFill>
-              <a:latin typeface="Times New Roman"/>
-            </a:endParaRPr>
-          </a:p>
-        </p:txBody>
-      </p:sp>
-    </p:spTree>
-  </p:cSld>
-</p:notes>
-</file>
-
-<file path=ppt/notesSlides/notesSlide8.xml><?xml version="1.0" encoding="utf-8"?>
-<p:notes xmlns:a="http://schemas.openxmlformats.org/drawingml/2006/main" xmlns:p="http://schemas.openxmlformats.org/presentationml/2006/main" xmlns:r="http://schemas.openxmlformats.org/officeDocument/2006/relationships" xmlns:p14="http://schemas.microsoft.com/office/powerpoint/2010/main" xmlns:p15="http://schemas.microsoft.com/office/powerpoint/2012/main" xmlns:mc="http://schemas.openxmlformats.org/markup-compatibility/2006">
-  <p:cSld>
-    <p:spTree>
-      <p:nvGrpSpPr>
-        <p:cNvPr id="1" name=""/>
-        <p:cNvGrpSpPr/>
-        <p:nvPr/>
-      </p:nvGrpSpPr>
-      <p:grpSpPr>
-        <a:xfrm>
-          <a:off x="0" y="0"/>
-          <a:ext cx="0" cy="0"/>
-          <a:chOff x="0" y="0"/>
-          <a:chExt cx="0" cy="0"/>
-        </a:xfrm>
-      </p:grpSpPr>
-      <p:sp>
-        <p:nvSpPr>
-          <p:cNvPr id="111" name="PlaceHolder 1"/>
-          <p:cNvSpPr>
-            <a:spLocks noGrp="1"/>
-          </p:cNvSpPr>
-          <p:nvPr>
-            <p:ph type="sldImg"/>
-          </p:nvPr>
-        </p:nvSpPr>
-        <p:spPr>
-          <a:xfrm>
-            <a:off x="685080" y="1143000"/>
-            <a:ext cx="5480280" cy="3078720"/>
-          </a:xfrm>
-          <a:prstGeom prst="rect">
-            <a:avLst/>
-          </a:prstGeom>
-          <a:ln w="0">
-            <a:noFill/>
-          </a:ln>
-        </p:spPr>
-      </p:sp>
-      <p:sp>
-        <p:nvSpPr>
-          <p:cNvPr id="112" name="PlaceHolder 2"/>
-          <p:cNvSpPr>
-            <a:spLocks noGrp="1"/>
-          </p:cNvSpPr>
-          <p:nvPr>
-            <p:ph type="body"/>
-          </p:nvPr>
-        </p:nvSpPr>
-        <p:spPr>
-          <a:xfrm>
-            <a:off x="685800" y="4400640"/>
-            <a:ext cx="5478840" cy="3592800"/>
-          </a:xfrm>
-          <a:prstGeom prst="rect">
-            <a:avLst/>
-          </a:prstGeom>
-          <a:noFill/>
-          <a:ln w="0">
-            <a:noFill/>
-          </a:ln>
-        </p:spPr>
-        <p:txBody>
-          <a:bodyPr lIns="0" rIns="0" tIns="0" bIns="0" anchor="t">
-            <a:noAutofit/>
-          </a:bodyPr>
-          <a:p>
-            <a:pPr marL="216000" indent="-216000">
-              <a:buNone/>
-            </a:pPr>
-            <a:endParaRPr b="0" lang="en-US" sz="1800" spc="-1" strike="noStrike">
-              <a:solidFill>
-                <a:srgbClr val="000000"/>
-              </a:solidFill>
-              <a:latin typeface="Arial"/>
-            </a:endParaRPr>
-          </a:p>
-        </p:txBody>
-      </p:sp>
-      <p:sp>
-        <p:nvSpPr>
-          <p:cNvPr id="113" name="PlaceHolder 3"/>
-          <p:cNvSpPr>
-            <a:spLocks noGrp="1"/>
-          </p:cNvSpPr>
-          <p:nvPr>
-            <p:ph type="sldNum" idx="34"/>
-          </p:nvPr>
-        </p:nvSpPr>
-        <p:spPr>
-          <a:xfrm>
-            <a:off x="3884760" y="8685360"/>
-            <a:ext cx="2964240" cy="451080"/>
-          </a:xfrm>
-          <a:prstGeom prst="rect">
-            <a:avLst/>
-          </a:prstGeom>
-          <a:noFill/>
-          <a:ln w="0">
-            <a:noFill/>
-          </a:ln>
-        </p:spPr>
-        <p:txBody>
-          <a:bodyPr lIns="0" rIns="0" tIns="0" bIns="0" anchor="b">
-            <a:noAutofit/>
-          </a:bodyPr>
-          <a:lstStyle>
-            <a:lvl1pPr indent="0" algn="r">
-              <a:lnSpc>
-                <a:spcPct val="100000"/>
-              </a:lnSpc>
-              <a:buNone/>
-              <a:tabLst>
-                <a:tab algn="l" pos="0"/>
-              </a:tabLst>
-              <a:defRPr b="0" lang="en" sz="1200" spc="-1" strike="noStrike">
-                <a:solidFill>
-                  <a:srgbClr val="000000"/>
-                </a:solidFill>
-                <a:latin typeface="Times New Roman"/>
-                <a:ea typeface="Times New Roman"/>
-              </a:defRPr>
-            </a:lvl1pPr>
-          </a:lstStyle>
-          <a:p>
-            <a:pPr indent="0" algn="r">
-              <a:lnSpc>
-                <a:spcPct val="100000"/>
-              </a:lnSpc>
-              <a:buNone/>
-              <a:tabLst>
-                <a:tab algn="l" pos="0"/>
-              </a:tabLst>
-            </a:pPr>
-            <a:fld id="{4897BCAA-1C53-4BE3-BE36-B7D3BADC636E}" type="slidenum">
-              <a:rPr b="0" lang="en" sz="1200" spc="-1" strike="noStrike">
-                <a:solidFill>
-                  <a:srgbClr val="000000"/>
-                </a:solidFill>
-                <a:latin typeface="Times New Roman"/>
-                <a:ea typeface="Times New Roman"/>
-              </a:rPr>
-              <a:t>&lt;number&gt;</a:t>
-            </a:fld>
-            <a:endParaRPr b="0" lang="en-US" sz="1200" spc="-1" strike="noStrike">
-              <a:solidFill>
-                <a:srgbClr val="000000"/>
-              </a:solidFill>
+            <a:endParaRPr b="0" lang="en-US" sz="1200" strike="noStrike" u="none">
+              <a:solidFill>
+                <a:srgbClr val="000000"/>
+              </a:solidFill>
+              <a:uFillTx/>
               <a:latin typeface="Times New Roman"/>
             </a:endParaRPr>
           </a:p>
@@ -1993,7 +2048,7 @@
       </p:grpSpPr>
       <p:sp>
         <p:nvSpPr>
-          <p:cNvPr id="114" name="PlaceHolder 1"/>
+          <p:cNvPr id="123" name="PlaceHolder 1"/>
           <p:cNvSpPr>
             <a:spLocks noGrp="1"/>
           </p:cNvSpPr>
@@ -2004,7 +2059,7 @@
         <p:spPr>
           <a:xfrm>
             <a:off x="685080" y="1143000"/>
-            <a:ext cx="5480280" cy="3078720"/>
+            <a:ext cx="5479920" cy="3078360"/>
           </a:xfrm>
           <a:prstGeom prst="rect">
             <a:avLst/>
@@ -2016,7 +2071,7 @@
       </p:sp>
       <p:sp>
         <p:nvSpPr>
-          <p:cNvPr id="115" name="PlaceHolder 2"/>
+          <p:cNvPr id="124" name="PlaceHolder 2"/>
           <p:cNvSpPr>
             <a:spLocks noGrp="1"/>
           </p:cNvSpPr>
@@ -2027,7 +2082,7 @@
         <p:spPr>
           <a:xfrm>
             <a:off x="685800" y="4400640"/>
-            <a:ext cx="5478840" cy="3592800"/>
+            <a:ext cx="5478480" cy="3592440"/>
           </a:xfrm>
           <a:prstGeom prst="rect">
             <a:avLst/>
@@ -2045,10 +2100,11 @@
             <a:pPr marL="216000" indent="-216000">
               <a:buNone/>
             </a:pPr>
-            <a:endParaRPr b="0" lang="en-US" sz="1800" spc="-1" strike="noStrike">
-              <a:solidFill>
-                <a:srgbClr val="000000"/>
-              </a:solidFill>
+            <a:endParaRPr b="0" lang="en-US" sz="1800" strike="noStrike" u="none">
+              <a:solidFill>
+                <a:srgbClr val="000000"/>
+              </a:solidFill>
+              <a:uFillTx/>
               <a:latin typeface="Arial"/>
             </a:endParaRPr>
           </a:p>
@@ -2056,7 +2112,7 @@
       </p:sp>
       <p:sp>
         <p:nvSpPr>
-          <p:cNvPr id="116" name="PlaceHolder 3"/>
+          <p:cNvPr id="125" name="PlaceHolder 3"/>
           <p:cNvSpPr>
             <a:spLocks noGrp="1"/>
           </p:cNvSpPr>
@@ -2067,7 +2123,7 @@
         <p:spPr>
           <a:xfrm>
             <a:off x="3884760" y="8685360"/>
-            <a:ext cx="2964240" cy="451080"/>
+            <a:ext cx="2963880" cy="450720"/>
           </a:xfrm>
           <a:prstGeom prst="rect">
             <a:avLst/>
@@ -2090,10 +2146,11 @@
               <a:tabLst>
                 <a:tab algn="l" pos="0"/>
               </a:tabLst>
-              <a:defRPr b="0" lang="en" sz="1200" spc="-1" strike="noStrike">
+              <a:defRPr b="0" lang="en" sz="1200" strike="noStrike" u="none">
                 <a:solidFill>
                   <a:srgbClr val="000000"/>
                 </a:solidFill>
+                <a:uFillTx/>
                 <a:latin typeface="Times New Roman"/>
                 <a:ea typeface="Times New Roman"/>
               </a:defRPr>
@@ -2109,20 +2166,22 @@
                 <a:tab algn="l" pos="0"/>
               </a:tabLst>
             </a:pPr>
-            <a:fld id="{8BBBA5C0-0584-43FD-B9A7-4001975572F2}" type="slidenum">
-              <a:rPr b="0" lang="en" sz="1200" spc="-1" strike="noStrike">
+            <a:fld id="{2A21FFD3-C2A9-43AC-90C2-109D305D9D73}" type="slidenum">
+              <a:rPr b="0" lang="en" sz="1200" strike="noStrike" u="none">
                 <a:solidFill>
                   <a:srgbClr val="000000"/>
                 </a:solidFill>
+                <a:uFillTx/>
                 <a:latin typeface="Times New Roman"/>
                 <a:ea typeface="Times New Roman"/>
               </a:rPr>
               <a:t>&lt;number&gt;</a:t>
             </a:fld>
-            <a:endParaRPr b="0" lang="en-US" sz="1200" spc="-1" strike="noStrike">
-              <a:solidFill>
-                <a:srgbClr val="000000"/>
-              </a:solidFill>
+            <a:endParaRPr b="0" lang="en-US" sz="1200" strike="noStrike" u="none">
+              <a:solidFill>
+                <a:srgbClr val="000000"/>
+              </a:solidFill>
+              <a:uFillTx/>
               <a:latin typeface="Times New Roman"/>
             </a:endParaRPr>
           </a:p>
@@ -2181,10 +2240,11 @@
             <a:pPr indent="0" algn="ctr">
               <a:buNone/>
             </a:pPr>
-            <a:endParaRPr b="0" lang="en-US" sz="4400" spc="-1" strike="noStrike">
-              <a:solidFill>
-                <a:srgbClr val="000000"/>
-              </a:solidFill>
+            <a:endParaRPr b="0" lang="en-US" sz="4400" strike="noStrike" u="none">
+              <a:solidFill>
+                <a:srgbClr val="000000"/>
+              </a:solidFill>
+              <a:uFillTx/>
               <a:latin typeface="Arial"/>
             </a:endParaRPr>
           </a:p>
@@ -2221,10 +2281,11 @@
             <a:pPr indent="0" algn="ctr">
               <a:buNone/>
             </a:pPr>
-            <a:endParaRPr b="0" lang="en-US" sz="3200" spc="-1" strike="noStrike">
-              <a:solidFill>
-                <a:srgbClr val="000000"/>
-              </a:solidFill>
+            <a:endParaRPr b="0" lang="en-US" sz="3200" strike="noStrike" u="none">
+              <a:solidFill>
+                <a:srgbClr val="000000"/>
+              </a:solidFill>
+              <a:uFillTx/>
               <a:latin typeface="Arial"/>
             </a:endParaRPr>
           </a:p>
@@ -2244,7 +2305,7 @@
         <p:txBody>
           <a:bodyPr/>
           <a:p>
-            <a:fld id="{1663F93E-F17B-4634-804A-F93448AE8859}" type="slidenum">
+            <a:fld id="{FB70141A-0D63-4C2F-A630-4D2C5DB51699}" type="slidenum">
               <a:t>&lt;#&gt;</a:t>
             </a:fld>
           </a:p>
@@ -2256,6 +2317,429 @@
 </file>
 
 <file path=ppt/slideLayouts/slideLayout10.xml><?xml version="1.0" encoding="utf-8"?>
+<p:sldLayout xmlns:a="http://schemas.openxmlformats.org/drawingml/2006/main" xmlns:p="http://schemas.openxmlformats.org/presentationml/2006/main" xmlns:r="http://schemas.openxmlformats.org/officeDocument/2006/relationships" xmlns:p14="http://schemas.microsoft.com/office/powerpoint/2010/main" xmlns:p15="http://schemas.microsoft.com/office/powerpoint/2012/main" xmlns:mc="http://schemas.openxmlformats.org/markup-compatibility/2006" type="tx" preserve="1">
+  <p:cSld name="TITLE_AND_BODY">
+    <p:spTree>
+      <p:nvGrpSpPr>
+        <p:cNvPr id="1" name=""/>
+        <p:cNvGrpSpPr/>
+        <p:nvPr/>
+      </p:nvGrpSpPr>
+      <p:grpSpPr>
+        <a:xfrm>
+          <a:off x="0" y="0"/>
+          <a:ext cx="0" cy="0"/>
+          <a:chOff x="0" y="0"/>
+          <a:chExt cx="0" cy="0"/>
+        </a:xfrm>
+      </p:grpSpPr>
+      <p:sp>
+        <p:nvSpPr>
+          <p:cNvPr id="24" name="PlaceHolder 1"/>
+          <p:cNvSpPr>
+            <a:spLocks noGrp="1"/>
+          </p:cNvSpPr>
+          <p:nvPr>
+            <p:ph type="title"/>
+          </p:nvPr>
+        </p:nvSpPr>
+        <p:spPr>
+          <a:xfrm>
+            <a:off x="457200" y="205200"/>
+            <a:ext cx="8229240" cy="858600"/>
+          </a:xfrm>
+          <a:prstGeom prst="rect">
+            <a:avLst/>
+          </a:prstGeom>
+          <a:noFill/>
+          <a:ln w="0">
+            <a:noFill/>
+          </a:ln>
+        </p:spPr>
+        <p:txBody>
+          <a:bodyPr lIns="0" rIns="0" tIns="0" bIns="0" anchor="ctr">
+            <a:noAutofit/>
+          </a:bodyPr>
+          <a:p>
+            <a:pPr indent="0" algn="ctr">
+              <a:buNone/>
+            </a:pPr>
+            <a:endParaRPr b="0" lang="en-US" sz="4400" strike="noStrike" u="none">
+              <a:solidFill>
+                <a:srgbClr val="000000"/>
+              </a:solidFill>
+              <a:uFillTx/>
+              <a:latin typeface="Arial"/>
+            </a:endParaRPr>
+          </a:p>
+        </p:txBody>
+      </p:sp>
+      <p:sp>
+        <p:nvSpPr>
+          <p:cNvPr id="25" name="PlaceHolder 2"/>
+          <p:cNvSpPr>
+            <a:spLocks noGrp="1"/>
+          </p:cNvSpPr>
+          <p:nvPr>
+            <p:ph/>
+          </p:nvPr>
+        </p:nvSpPr>
+        <p:spPr>
+          <a:xfrm>
+            <a:off x="457200" y="1203480"/>
+            <a:ext cx="8229240" cy="2982960"/>
+          </a:xfrm>
+          <a:prstGeom prst="rect">
+            <a:avLst/>
+          </a:prstGeom>
+          <a:noFill/>
+          <a:ln w="0">
+            <a:noFill/>
+          </a:ln>
+        </p:spPr>
+        <p:txBody>
+          <a:bodyPr lIns="0" rIns="0" tIns="0" bIns="0" anchor="t">
+            <a:normAutofit/>
+          </a:bodyPr>
+          <a:p>
+            <a:pPr indent="0">
+              <a:spcBef>
+                <a:spcPts val="1417"/>
+              </a:spcBef>
+              <a:buNone/>
+            </a:pPr>
+            <a:endParaRPr b="0" lang="en-US" sz="3200" strike="noStrike" u="none">
+              <a:solidFill>
+                <a:srgbClr val="000000"/>
+              </a:solidFill>
+              <a:uFillTx/>
+              <a:latin typeface="Arial"/>
+            </a:endParaRPr>
+          </a:p>
+        </p:txBody>
+      </p:sp>
+      <p:sp>
+        <p:nvSpPr>
+          <p:cNvPr id="4" name="PlaceHolder 3"/>
+          <p:cNvSpPr>
+            <a:spLocks noGrp="1"/>
+          </p:cNvSpPr>
+          <p:nvPr>
+            <p:ph type="sldNum" idx="6"/>
+          </p:nvPr>
+        </p:nvSpPr>
+        <p:spPr/>
+        <p:txBody>
+          <a:bodyPr/>
+          <a:p>
+            <a:fld id="{95A1C9BE-CB34-4F20-ACBA-47F282AA68A0}" type="slidenum">
+              <a:t>&lt;#&gt;</a:t>
+            </a:fld>
+          </a:p>
+        </p:txBody>
+      </p:sp>
+    </p:spTree>
+  </p:cSld>
+</p:sldLayout>
+</file>
+
+<file path=ppt/slideLayouts/slideLayout11.xml><?xml version="1.0" encoding="utf-8"?>
+<p:sldLayout xmlns:a="http://schemas.openxmlformats.org/drawingml/2006/main" xmlns:p="http://schemas.openxmlformats.org/presentationml/2006/main" xmlns:r="http://schemas.openxmlformats.org/officeDocument/2006/relationships" xmlns:p14="http://schemas.microsoft.com/office/powerpoint/2010/main" xmlns:p15="http://schemas.microsoft.com/office/powerpoint/2012/main" xmlns:mc="http://schemas.openxmlformats.org/markup-compatibility/2006" type="twoObj" preserve="1">
+  <p:cSld name="TITLE_AND_TWO_COLUMNS">
+    <p:spTree>
+      <p:nvGrpSpPr>
+        <p:cNvPr id="1" name=""/>
+        <p:cNvGrpSpPr/>
+        <p:nvPr/>
+      </p:nvGrpSpPr>
+      <p:grpSpPr>
+        <a:xfrm>
+          <a:off x="0" y="0"/>
+          <a:ext cx="0" cy="0"/>
+          <a:chOff x="0" y="0"/>
+          <a:chExt cx="0" cy="0"/>
+        </a:xfrm>
+      </p:grpSpPr>
+      <p:sp>
+        <p:nvSpPr>
+          <p:cNvPr id="30" name="PlaceHolder 1"/>
+          <p:cNvSpPr>
+            <a:spLocks noGrp="1"/>
+          </p:cNvSpPr>
+          <p:nvPr>
+            <p:ph type="title"/>
+          </p:nvPr>
+        </p:nvSpPr>
+        <p:spPr>
+          <a:xfrm>
+            <a:off x="457200" y="205200"/>
+            <a:ext cx="8229240" cy="858600"/>
+          </a:xfrm>
+          <a:prstGeom prst="rect">
+            <a:avLst/>
+          </a:prstGeom>
+          <a:noFill/>
+          <a:ln w="0">
+            <a:noFill/>
+          </a:ln>
+        </p:spPr>
+        <p:txBody>
+          <a:bodyPr lIns="0" rIns="0" tIns="0" bIns="0" anchor="ctr">
+            <a:noAutofit/>
+          </a:bodyPr>
+          <a:p>
+            <a:pPr indent="0" algn="ctr">
+              <a:buNone/>
+            </a:pPr>
+            <a:endParaRPr b="0" lang="en-US" sz="4400" strike="noStrike" u="none">
+              <a:solidFill>
+                <a:srgbClr val="000000"/>
+              </a:solidFill>
+              <a:uFillTx/>
+              <a:latin typeface="Arial"/>
+            </a:endParaRPr>
+          </a:p>
+        </p:txBody>
+      </p:sp>
+      <p:sp>
+        <p:nvSpPr>
+          <p:cNvPr id="31" name="PlaceHolder 2"/>
+          <p:cNvSpPr>
+            <a:spLocks noGrp="1"/>
+          </p:cNvSpPr>
+          <p:nvPr>
+            <p:ph/>
+          </p:nvPr>
+        </p:nvSpPr>
+        <p:spPr>
+          <a:xfrm>
+            <a:off x="457200" y="1203480"/>
+            <a:ext cx="4015800" cy="2982960"/>
+          </a:xfrm>
+          <a:prstGeom prst="rect">
+            <a:avLst/>
+          </a:prstGeom>
+          <a:noFill/>
+          <a:ln w="0">
+            <a:noFill/>
+          </a:ln>
+        </p:spPr>
+        <p:txBody>
+          <a:bodyPr lIns="0" rIns="0" tIns="0" bIns="0" anchor="t">
+            <a:normAutofit/>
+          </a:bodyPr>
+          <a:p>
+            <a:pPr indent="0">
+              <a:spcBef>
+                <a:spcPts val="1417"/>
+              </a:spcBef>
+              <a:buNone/>
+            </a:pPr>
+            <a:endParaRPr b="0" lang="en-US" sz="3200" strike="noStrike" u="none">
+              <a:solidFill>
+                <a:srgbClr val="000000"/>
+              </a:solidFill>
+              <a:uFillTx/>
+              <a:latin typeface="Arial"/>
+            </a:endParaRPr>
+          </a:p>
+        </p:txBody>
+      </p:sp>
+      <p:sp>
+        <p:nvSpPr>
+          <p:cNvPr id="32" name="PlaceHolder 3"/>
+          <p:cNvSpPr>
+            <a:spLocks noGrp="1"/>
+          </p:cNvSpPr>
+          <p:nvPr>
+            <p:ph/>
+          </p:nvPr>
+        </p:nvSpPr>
+        <p:spPr>
+          <a:xfrm>
+            <a:off x="4674240" y="1203480"/>
+            <a:ext cx="4015800" cy="2982960"/>
+          </a:xfrm>
+          <a:prstGeom prst="rect">
+            <a:avLst/>
+          </a:prstGeom>
+          <a:noFill/>
+          <a:ln w="0">
+            <a:noFill/>
+          </a:ln>
+        </p:spPr>
+        <p:txBody>
+          <a:bodyPr lIns="0" rIns="0" tIns="0" bIns="0" anchor="t">
+            <a:normAutofit/>
+          </a:bodyPr>
+          <a:p>
+            <a:pPr indent="0">
+              <a:spcBef>
+                <a:spcPts val="1417"/>
+              </a:spcBef>
+              <a:buNone/>
+            </a:pPr>
+            <a:endParaRPr b="0" lang="en-US" sz="3200" strike="noStrike" u="none">
+              <a:solidFill>
+                <a:srgbClr val="000000"/>
+              </a:solidFill>
+              <a:uFillTx/>
+              <a:latin typeface="Arial"/>
+            </a:endParaRPr>
+          </a:p>
+        </p:txBody>
+      </p:sp>
+      <p:sp>
+        <p:nvSpPr>
+          <p:cNvPr id="5" name="PlaceHolder 4"/>
+          <p:cNvSpPr>
+            <a:spLocks noGrp="1"/>
+          </p:cNvSpPr>
+          <p:nvPr>
+            <p:ph type="sldNum" idx="7"/>
+          </p:nvPr>
+        </p:nvSpPr>
+        <p:spPr/>
+        <p:txBody>
+          <a:bodyPr/>
+          <a:p>
+            <a:fld id="{381F672E-835D-4D2E-88C5-4083BC8EB97D}" type="slidenum">
+              <a:t>&lt;#&gt;</a:t>
+            </a:fld>
+          </a:p>
+        </p:txBody>
+      </p:sp>
+    </p:spTree>
+  </p:cSld>
+</p:sldLayout>
+</file>
+
+<file path=ppt/slideLayouts/slideLayout12.xml><?xml version="1.0" encoding="utf-8"?>
+<p:sldLayout xmlns:a="http://schemas.openxmlformats.org/drawingml/2006/main" xmlns:p="http://schemas.openxmlformats.org/presentationml/2006/main" xmlns:r="http://schemas.openxmlformats.org/officeDocument/2006/relationships" xmlns:p14="http://schemas.microsoft.com/office/powerpoint/2010/main" xmlns:p15="http://schemas.microsoft.com/office/powerpoint/2012/main" xmlns:mc="http://schemas.openxmlformats.org/markup-compatibility/2006" type="titleOnly" preserve="1">
+  <p:cSld name="TITLE_ONLY">
+    <p:spTree>
+      <p:nvGrpSpPr>
+        <p:cNvPr id="1" name=""/>
+        <p:cNvGrpSpPr/>
+        <p:nvPr/>
+      </p:nvGrpSpPr>
+      <p:grpSpPr>
+        <a:xfrm>
+          <a:off x="0" y="0"/>
+          <a:ext cx="0" cy="0"/>
+          <a:chOff x="0" y="0"/>
+          <a:chExt cx="0" cy="0"/>
+        </a:xfrm>
+      </p:grpSpPr>
+      <p:sp>
+        <p:nvSpPr>
+          <p:cNvPr id="35" name="PlaceHolder 1"/>
+          <p:cNvSpPr>
+            <a:spLocks noGrp="1"/>
+          </p:cNvSpPr>
+          <p:nvPr>
+            <p:ph type="title"/>
+          </p:nvPr>
+        </p:nvSpPr>
+        <p:spPr>
+          <a:xfrm>
+            <a:off x="457200" y="205200"/>
+            <a:ext cx="8229240" cy="858600"/>
+          </a:xfrm>
+          <a:prstGeom prst="rect">
+            <a:avLst/>
+          </a:prstGeom>
+          <a:noFill/>
+          <a:ln w="0">
+            <a:noFill/>
+          </a:ln>
+        </p:spPr>
+        <p:txBody>
+          <a:bodyPr lIns="0" rIns="0" tIns="0" bIns="0" anchor="ctr">
+            <a:noAutofit/>
+          </a:bodyPr>
+          <a:p>
+            <a:pPr indent="0" algn="ctr">
+              <a:buNone/>
+            </a:pPr>
+            <a:endParaRPr b="0" lang="en-US" sz="4400" strike="noStrike" u="none">
+              <a:solidFill>
+                <a:srgbClr val="000000"/>
+              </a:solidFill>
+              <a:uFillTx/>
+              <a:latin typeface="Arial"/>
+            </a:endParaRPr>
+          </a:p>
+        </p:txBody>
+      </p:sp>
+      <p:sp>
+        <p:nvSpPr>
+          <p:cNvPr id="3" name="PlaceHolder 2"/>
+          <p:cNvSpPr>
+            <a:spLocks noGrp="1"/>
+          </p:cNvSpPr>
+          <p:nvPr>
+            <p:ph type="sldNum" idx="8"/>
+          </p:nvPr>
+        </p:nvSpPr>
+        <p:spPr/>
+        <p:txBody>
+          <a:bodyPr/>
+          <a:p>
+            <a:fld id="{726CADA2-24C8-41AF-8092-ADBB1D663420}" type="slidenum">
+              <a:t>&lt;#&gt;</a:t>
+            </a:fld>
+          </a:p>
+        </p:txBody>
+      </p:sp>
+    </p:spTree>
+  </p:cSld>
+</p:sldLayout>
+</file>
+
+<file path=ppt/slideLayouts/slideLayout13.xml><?xml version="1.0" encoding="utf-8"?>
+<p:sldLayout xmlns:a="http://schemas.openxmlformats.org/drawingml/2006/main" xmlns:p="http://schemas.openxmlformats.org/presentationml/2006/main" xmlns:r="http://schemas.openxmlformats.org/officeDocument/2006/relationships" xmlns:p14="http://schemas.microsoft.com/office/powerpoint/2010/main" xmlns:p15="http://schemas.microsoft.com/office/powerpoint/2012/main" xmlns:mc="http://schemas.openxmlformats.org/markup-compatibility/2006" type="blank" preserve="1">
+  <p:cSld name="ONE_COLUMN_TEXT">
+    <p:spTree>
+      <p:nvGrpSpPr>
+        <p:cNvPr id="1" name=""/>
+        <p:cNvGrpSpPr/>
+        <p:nvPr/>
+      </p:nvGrpSpPr>
+      <p:grpSpPr>
+        <a:xfrm>
+          <a:off x="0" y="0"/>
+          <a:ext cx="0" cy="0"/>
+          <a:chOff x="0" y="0"/>
+          <a:chExt cx="0" cy="0"/>
+        </a:xfrm>
+      </p:grpSpPr>
+      <p:sp>
+        <p:nvSpPr>
+          <p:cNvPr id="2" name="PlaceHolder 1"/>
+          <p:cNvSpPr>
+            <a:spLocks noGrp="1"/>
+          </p:cNvSpPr>
+          <p:nvPr>
+            <p:ph type="sldNum" idx="9"/>
+          </p:nvPr>
+        </p:nvSpPr>
+        <p:spPr/>
+        <p:txBody>
+          <a:bodyPr/>
+          <a:p>
+            <a:fld id="{2E5BC774-E8D8-4789-8DD8-A209A915A712}" type="slidenum">
+              <a:t>&lt;#&gt;</a:t>
+            </a:fld>
+          </a:p>
+        </p:txBody>
+      </p:sp>
+    </p:spTree>
+  </p:cSld>
+</p:sldLayout>
+</file>
+
+<file path=ppt/slideLayouts/slideLayout14.xml><?xml version="1.0" encoding="utf-8"?>
 <p:sldLayout xmlns:a="http://schemas.openxmlformats.org/drawingml/2006/main" xmlns:p="http://schemas.openxmlformats.org/presentationml/2006/main" xmlns:r="http://schemas.openxmlformats.org/officeDocument/2006/relationships" xmlns:p14="http://schemas.microsoft.com/office/powerpoint/2010/main" xmlns:p15="http://schemas.microsoft.com/office/powerpoint/2012/main" xmlns:mc="http://schemas.openxmlformats.org/markup-compatibility/2006" type="blank" preserve="1">
   <p:cSld name="MAIN_POINT">
     <p:spTree>
@@ -2286,7 +2770,7 @@
         <p:txBody>
           <a:bodyPr/>
           <a:p>
-            <a:fld id="{82E8B730-544F-4E9D-A94F-F9B9E301489F}" type="slidenum">
+            <a:fld id="{C0CC883C-24D5-4FBF-9610-E7F63D2B92C6}" type="slidenum">
               <a:t>&lt;#&gt;</a:t>
             </a:fld>
           </a:p>
@@ -2297,7 +2781,7 @@
 </p:sldLayout>
 </file>
 
-<file path=ppt/slideLayouts/slideLayout11.xml><?xml version="1.0" encoding="utf-8"?>
+<file path=ppt/slideLayouts/slideLayout15.xml><?xml version="1.0" encoding="utf-8"?>
 <p:sldLayout xmlns:a="http://schemas.openxmlformats.org/drawingml/2006/main" xmlns:p="http://schemas.openxmlformats.org/presentationml/2006/main" xmlns:r="http://schemas.openxmlformats.org/officeDocument/2006/relationships" xmlns:p14="http://schemas.microsoft.com/office/powerpoint/2010/main" xmlns:p15="http://schemas.microsoft.com/office/powerpoint/2012/main" xmlns:mc="http://schemas.openxmlformats.org/markup-compatibility/2006" type="blank" preserve="1">
   <p:cSld name="SECTION_TITLE_AND_DESCRIPTION">
     <p:spTree>
@@ -2328,7 +2812,7 @@
         <p:txBody>
           <a:bodyPr/>
           <a:p>
-            <a:fld id="{0E4E7A81-0987-402F-997F-DA7AF1191F3E}" type="slidenum">
+            <a:fld id="{6C60FB9E-97B0-495B-9358-BE7F8D3C13F8}" type="slidenum">
               <a:t>&lt;#&gt;</a:t>
             </a:fld>
           </a:p>
@@ -2339,7 +2823,7 @@
 </p:sldLayout>
 </file>
 
-<file path=ppt/slideLayouts/slideLayout12.xml><?xml version="1.0" encoding="utf-8"?>
+<file path=ppt/slideLayouts/slideLayout16.xml><?xml version="1.0" encoding="utf-8"?>
 <p:sldLayout xmlns:a="http://schemas.openxmlformats.org/drawingml/2006/main" xmlns:p="http://schemas.openxmlformats.org/presentationml/2006/main" xmlns:r="http://schemas.openxmlformats.org/officeDocument/2006/relationships" xmlns:p14="http://schemas.microsoft.com/office/powerpoint/2010/main" xmlns:p15="http://schemas.microsoft.com/office/powerpoint/2012/main" xmlns:mc="http://schemas.openxmlformats.org/markup-compatibility/2006" type="blank" preserve="1">
   <p:cSld name="CAPTION_ONLY">
     <p:spTree>
@@ -2370,7 +2854,7 @@
         <p:txBody>
           <a:bodyPr/>
           <a:p>
-            <a:fld id="{E9F13347-F92A-4072-A3DE-4423404C612C}" type="slidenum">
+            <a:fld id="{A4583F95-327B-4710-8F38-A75B89F8E070}" type="slidenum">
               <a:t>&lt;#&gt;</a:t>
             </a:fld>
           </a:p>
@@ -2412,7 +2896,7 @@
         <p:txBody>
           <a:bodyPr/>
           <a:p>
-            <a:fld id="{B7512B2E-640E-48C9-9003-D7B987A1DF5A}" type="slidenum">
+            <a:fld id="{46504F88-C889-4349-8C1C-CC90EBA893B1}" type="slidenum">
               <a:t>&lt;#&gt;</a:t>
             </a:fld>
           </a:p>
@@ -2471,10 +2955,11 @@
             <a:pPr indent="0" algn="ctr">
               <a:buNone/>
             </a:pPr>
-            <a:endParaRPr b="0" lang="en-US" sz="4400" spc="-1" strike="noStrike">
-              <a:solidFill>
-                <a:srgbClr val="000000"/>
-              </a:solidFill>
+            <a:endParaRPr b="0" lang="en-US" sz="4400" strike="noStrike" u="none">
+              <a:solidFill>
+                <a:srgbClr val="000000"/>
+              </a:solidFill>
+              <a:uFillTx/>
               <a:latin typeface="Arial"/>
             </a:endParaRPr>
           </a:p>
@@ -2511,10 +2996,11 @@
             <a:pPr indent="0" algn="ctr">
               <a:buNone/>
             </a:pPr>
-            <a:endParaRPr b="0" lang="en-US" sz="3200" spc="-1" strike="noStrike">
-              <a:solidFill>
-                <a:srgbClr val="000000"/>
-              </a:solidFill>
+            <a:endParaRPr b="0" lang="en-US" sz="3200" strike="noStrike" u="none">
+              <a:solidFill>
+                <a:srgbClr val="000000"/>
+              </a:solidFill>
+              <a:uFillTx/>
               <a:latin typeface="Arial"/>
             </a:endParaRPr>
           </a:p>
@@ -2534,7 +3020,7 @@
         <p:txBody>
           <a:bodyPr/>
           <a:p>
-            <a:fld id="{006D48E0-7370-4FB5-BFCB-46F380FF392C}" type="slidenum">
+            <a:fld id="{98BCFE37-A8FE-44C0-9791-F17FB83E4848}" type="slidenum">
               <a:t>&lt;#&gt;</a:t>
             </a:fld>
           </a:p>
@@ -2546,7 +3032,7 @@
 </file>
 
 <file path=ppt/slideLayouts/slideLayout4.xml><?xml version="1.0" encoding="utf-8"?>
-<p:sldLayout xmlns:a="http://schemas.openxmlformats.org/drawingml/2006/main" xmlns:p="http://schemas.openxmlformats.org/presentationml/2006/main" xmlns:r="http://schemas.openxmlformats.org/officeDocument/2006/relationships" xmlns:p14="http://schemas.microsoft.com/office/powerpoint/2010/main" xmlns:p15="http://schemas.microsoft.com/office/powerpoint/2012/main" xmlns:mc="http://schemas.openxmlformats.org/markup-compatibility/2006" type="blank" preserve="1">
+<p:sldLayout xmlns:a="http://schemas.openxmlformats.org/drawingml/2006/main" xmlns:p="http://schemas.openxmlformats.org/presentationml/2006/main" xmlns:r="http://schemas.openxmlformats.org/officeDocument/2006/relationships" xmlns:p14="http://schemas.microsoft.com/office/powerpoint/2010/main" xmlns:p15="http://schemas.microsoft.com/office/powerpoint/2012/main" xmlns:mc="http://schemas.openxmlformats.org/markup-compatibility/2006" type="titleOnly" preserve="1">
   <p:cSld name="Default">
     <p:spTree>
       <p:nvGrpSpPr>
@@ -2564,7 +3050,48 @@
       </p:grpSpPr>
       <p:sp>
         <p:nvSpPr>
-          <p:cNvPr id="2" name="PlaceHolder 1"/>
+          <p:cNvPr id="12" name="PlaceHolder 1"/>
+          <p:cNvSpPr>
+            <a:spLocks noGrp="1"/>
+          </p:cNvSpPr>
+          <p:nvPr>
+            <p:ph type="title"/>
+          </p:nvPr>
+        </p:nvSpPr>
+        <p:spPr>
+          <a:xfrm>
+            <a:off x="457200" y="205200"/>
+            <a:ext cx="8229240" cy="858600"/>
+          </a:xfrm>
+          <a:prstGeom prst="rect">
+            <a:avLst/>
+          </a:prstGeom>
+          <a:noFill/>
+          <a:ln w="0">
+            <a:noFill/>
+          </a:ln>
+        </p:spPr>
+        <p:txBody>
+          <a:bodyPr lIns="0" rIns="0" tIns="0" bIns="0" anchor="ctr">
+            <a:noAutofit/>
+          </a:bodyPr>
+          <a:p>
+            <a:pPr indent="0" algn="ctr">
+              <a:buNone/>
+            </a:pPr>
+            <a:endParaRPr b="0" lang="en-US" sz="4400" strike="noStrike" u="none">
+              <a:solidFill>
+                <a:srgbClr val="000000"/>
+              </a:solidFill>
+              <a:uFillTx/>
+              <a:latin typeface="Arial"/>
+            </a:endParaRPr>
+          </a:p>
+        </p:txBody>
+      </p:sp>
+      <p:sp>
+        <p:nvSpPr>
+          <p:cNvPr id="3" name="PlaceHolder 2"/>
           <p:cNvSpPr>
             <a:spLocks noGrp="1"/>
           </p:cNvSpPr>
@@ -2576,7 +3103,7 @@
         <p:txBody>
           <a:bodyPr/>
           <a:p>
-            <a:fld id="{1BCB039A-854C-4203-966A-335BD4BA537F}" type="slidenum">
+            <a:fld id="{CE46C9DF-151E-4BB5-B607-8EC13C9E1B3A}" type="slidenum">
               <a:t>&lt;#&gt;</a:t>
             </a:fld>
           </a:p>
@@ -2588,8 +3115,8 @@
 </file>
 
 <file path=ppt/slideLayouts/slideLayout5.xml><?xml version="1.0" encoding="utf-8"?>
-<p:sldLayout xmlns:a="http://schemas.openxmlformats.org/drawingml/2006/main" xmlns:p="http://schemas.openxmlformats.org/presentationml/2006/main" xmlns:r="http://schemas.openxmlformats.org/officeDocument/2006/relationships" xmlns:p14="http://schemas.microsoft.com/office/powerpoint/2010/main" xmlns:p15="http://schemas.microsoft.com/office/powerpoint/2012/main" xmlns:mc="http://schemas.openxmlformats.org/markup-compatibility/2006" type="blank" preserve="1">
-  <p:cSld name="SECTION_HEADER">
+<p:sldLayout xmlns:a="http://schemas.openxmlformats.org/drawingml/2006/main" xmlns:p="http://schemas.openxmlformats.org/presentationml/2006/main" xmlns:r="http://schemas.openxmlformats.org/officeDocument/2006/relationships" xmlns:p14="http://schemas.microsoft.com/office/powerpoint/2010/main" xmlns:p15="http://schemas.microsoft.com/office/powerpoint/2012/main" xmlns:mc="http://schemas.openxmlformats.org/markup-compatibility/2006" type="twoObj" preserve="1">
+  <p:cSld name="Default">
     <p:spTree>
       <p:nvGrpSpPr>
         <p:cNvPr id="1" name=""/>
@@ -2606,19 +3133,148 @@
       </p:grpSpPr>
       <p:sp>
         <p:nvSpPr>
-          <p:cNvPr id="2" name="PlaceHolder 1"/>
+          <p:cNvPr id="13" name="PlaceHolder 1"/>
           <p:cNvSpPr>
             <a:spLocks noGrp="1"/>
           </p:cNvSpPr>
           <p:nvPr>
-            <p:ph type="sldNum" idx="5"/>
+            <p:ph type="title"/>
+          </p:nvPr>
+        </p:nvSpPr>
+        <p:spPr>
+          <a:xfrm>
+            <a:off x="457200" y="205200"/>
+            <a:ext cx="8229240" cy="858600"/>
+          </a:xfrm>
+          <a:prstGeom prst="rect">
+            <a:avLst/>
+          </a:prstGeom>
+          <a:noFill/>
+          <a:ln w="0">
+            <a:noFill/>
+          </a:ln>
+        </p:spPr>
+        <p:txBody>
+          <a:bodyPr lIns="0" rIns="0" tIns="0" bIns="0" anchor="ctr">
+            <a:noAutofit/>
+          </a:bodyPr>
+          <a:p>
+            <a:pPr indent="0" algn="ctr">
+              <a:buNone/>
+            </a:pPr>
+            <a:endParaRPr b="0" lang="en-US" sz="4400" strike="noStrike" u="none">
+              <a:solidFill>
+                <a:srgbClr val="000000"/>
+              </a:solidFill>
+              <a:uFillTx/>
+              <a:latin typeface="Arial"/>
+            </a:endParaRPr>
+          </a:p>
+        </p:txBody>
+      </p:sp>
+      <p:sp>
+        <p:nvSpPr>
+          <p:cNvPr id="14" name="PlaceHolder 2"/>
+          <p:cNvSpPr>
+            <a:spLocks noGrp="1"/>
+          </p:cNvSpPr>
+          <p:nvPr>
+            <p:ph/>
+          </p:nvPr>
+        </p:nvSpPr>
+        <p:spPr>
+          <a:xfrm>
+            <a:off x="457200" y="1203480"/>
+            <a:ext cx="4015800" cy="2982960"/>
+          </a:xfrm>
+          <a:prstGeom prst="rect">
+            <a:avLst/>
+          </a:prstGeom>
+          <a:noFill/>
+          <a:ln w="0">
+            <a:noFill/>
+          </a:ln>
+        </p:spPr>
+        <p:txBody>
+          <a:bodyPr lIns="0" rIns="0" tIns="0" bIns="0" anchor="t">
+            <a:normAutofit/>
+          </a:bodyPr>
+          <a:p>
+            <a:pPr indent="0">
+              <a:spcBef>
+                <a:spcPts val="1417"/>
+              </a:spcBef>
+              <a:buNone/>
+            </a:pPr>
+            <a:endParaRPr b="0" lang="en-US" sz="3200" strike="noStrike" u="none">
+              <a:solidFill>
+                <a:srgbClr val="000000"/>
+              </a:solidFill>
+              <a:uFillTx/>
+              <a:latin typeface="Arial"/>
+            </a:endParaRPr>
+          </a:p>
+        </p:txBody>
+      </p:sp>
+      <p:sp>
+        <p:nvSpPr>
+          <p:cNvPr id="15" name="PlaceHolder 3"/>
+          <p:cNvSpPr>
+            <a:spLocks noGrp="1"/>
+          </p:cNvSpPr>
+          <p:nvPr>
+            <p:ph/>
+          </p:nvPr>
+        </p:nvSpPr>
+        <p:spPr>
+          <a:xfrm>
+            <a:off x="4674240" y="1203480"/>
+            <a:ext cx="4015800" cy="2982960"/>
+          </a:xfrm>
+          <a:prstGeom prst="rect">
+            <a:avLst/>
+          </a:prstGeom>
+          <a:noFill/>
+          <a:ln w="0">
+            <a:noFill/>
+          </a:ln>
+        </p:spPr>
+        <p:txBody>
+          <a:bodyPr lIns="0" rIns="0" tIns="0" bIns="0" anchor="t">
+            <a:normAutofit/>
+          </a:bodyPr>
+          <a:p>
+            <a:pPr indent="0">
+              <a:spcBef>
+                <a:spcPts val="1417"/>
+              </a:spcBef>
+              <a:buNone/>
+            </a:pPr>
+            <a:endParaRPr b="0" lang="en-US" sz="3200" strike="noStrike" u="none">
+              <a:solidFill>
+                <a:srgbClr val="000000"/>
+              </a:solidFill>
+              <a:uFillTx/>
+              <a:latin typeface="Arial"/>
+            </a:endParaRPr>
+          </a:p>
+        </p:txBody>
+      </p:sp>
+      <p:sp>
+        <p:nvSpPr>
+          <p:cNvPr id="5" name="PlaceHolder 4"/>
+          <p:cNvSpPr>
+            <a:spLocks noGrp="1"/>
+          </p:cNvSpPr>
+          <p:nvPr>
+            <p:ph type="sldNum" idx="4"/>
           </p:nvPr>
         </p:nvSpPr>
         <p:spPr/>
         <p:txBody>
           <a:bodyPr/>
           <a:p>
-            <a:fld id="{D01CEEE2-ACB5-416D-9AD3-D4B30384CD0A}" type="slidenum">
+            <a:fld id="{8CF9DBC7-70EE-4A8C-8677-B0FD21613DBC}" type="slidenum">
               <a:t>&lt;#&gt;</a:t>
             </a:fld>
           </a:p>
@@ -2631,7 +3287,7 @@
 
 <file path=ppt/slideLayouts/slideLayout6.xml><?xml version="1.0" encoding="utf-8"?>
 <p:sldLayout xmlns:a="http://schemas.openxmlformats.org/drawingml/2006/main" xmlns:p="http://schemas.openxmlformats.org/presentationml/2006/main" xmlns:r="http://schemas.openxmlformats.org/officeDocument/2006/relationships" xmlns:p14="http://schemas.microsoft.com/office/powerpoint/2010/main" xmlns:p15="http://schemas.microsoft.com/office/powerpoint/2012/main" xmlns:mc="http://schemas.openxmlformats.org/markup-compatibility/2006" type="tx" preserve="1">
-  <p:cSld name="TITLE_AND_BODY">
+  <p:cSld name="Default">
     <p:spTree>
       <p:nvGrpSpPr>
         <p:cNvPr id="1" name=""/>
@@ -2677,10 +3333,11 @@
             <a:pPr indent="0" algn="ctr">
               <a:buNone/>
             </a:pPr>
-            <a:endParaRPr b="0" lang="en-US" sz="4400" spc="-1" strike="noStrike">
-              <a:solidFill>
-                <a:srgbClr val="000000"/>
-              </a:solidFill>
+            <a:endParaRPr b="0" lang="en-US" sz="4400" strike="noStrike" u="none">
+              <a:solidFill>
+                <a:srgbClr val="000000"/>
+              </a:solidFill>
+              <a:uFillTx/>
               <a:latin typeface="Arial"/>
             </a:endParaRPr>
           </a:p>
@@ -2720,10 +3377,11 @@
               </a:spcBef>
               <a:buNone/>
             </a:pPr>
-            <a:endParaRPr b="0" lang="en-US" sz="3200" spc="-1" strike="noStrike">
-              <a:solidFill>
-                <a:srgbClr val="000000"/>
-              </a:solidFill>
+            <a:endParaRPr b="0" lang="en-US" sz="3200" strike="noStrike" u="none">
+              <a:solidFill>
+                <a:srgbClr val="000000"/>
+              </a:solidFill>
+              <a:uFillTx/>
               <a:latin typeface="Arial"/>
             </a:endParaRPr>
           </a:p>
@@ -2736,14 +3394,14 @@
             <a:spLocks noGrp="1"/>
           </p:cNvSpPr>
           <p:nvPr>
-            <p:ph type="sldNum" idx="6"/>
+            <p:ph type="sldNum" idx="4"/>
           </p:nvPr>
         </p:nvSpPr>
         <p:spPr/>
         <p:txBody>
           <a:bodyPr/>
           <a:p>
-            <a:fld id="{B509991A-9BF9-47C4-9F35-081B40CCFB92}" type="slidenum">
+            <a:fld id="{EEB5FCBB-7000-4652-A88D-09D47930E649}" type="slidenum">
               <a:t>&lt;#&gt;</a:t>
             </a:fld>
           </a:p>
@@ -2755,8 +3413,8 @@
 </file>
 
 <file path=ppt/slideLayouts/slideLayout7.xml><?xml version="1.0" encoding="utf-8"?>
-<p:sldLayout xmlns:a="http://schemas.openxmlformats.org/drawingml/2006/main" xmlns:p="http://schemas.openxmlformats.org/presentationml/2006/main" xmlns:r="http://schemas.openxmlformats.org/officeDocument/2006/relationships" xmlns:p14="http://schemas.microsoft.com/office/powerpoint/2010/main" xmlns:p15="http://schemas.microsoft.com/office/powerpoint/2012/main" xmlns:mc="http://schemas.openxmlformats.org/markup-compatibility/2006" type="twoObj" preserve="1">
-  <p:cSld name="TITLE_AND_TWO_COLUMNS">
+<p:sldLayout xmlns:a="http://schemas.openxmlformats.org/drawingml/2006/main" xmlns:p="http://schemas.openxmlformats.org/presentationml/2006/main" xmlns:r="http://schemas.openxmlformats.org/officeDocument/2006/relationships" xmlns:p14="http://schemas.microsoft.com/office/powerpoint/2010/main" xmlns:p15="http://schemas.microsoft.com/office/powerpoint/2012/main" xmlns:mc="http://schemas.openxmlformats.org/markup-compatibility/2006" type="title" preserve="1">
+  <p:cSld name="Default">
     <p:spTree>
       <p:nvGrpSpPr>
         <p:cNvPr id="1" name=""/>
@@ -2773,7 +3431,7 @@
       </p:grpSpPr>
       <p:sp>
         <p:nvSpPr>
-          <p:cNvPr id="22" name="PlaceHolder 1"/>
+          <p:cNvPr id="18" name="PlaceHolder 1"/>
           <p:cNvSpPr>
             <a:spLocks noGrp="1"/>
           </p:cNvSpPr>
@@ -2802,10 +3460,11 @@
             <a:pPr indent="0" algn="ctr">
               <a:buNone/>
             </a:pPr>
-            <a:endParaRPr b="0" lang="en-US" sz="4400" spc="-1" strike="noStrike">
-              <a:solidFill>
-                <a:srgbClr val="000000"/>
-              </a:solidFill>
+            <a:endParaRPr b="0" lang="en-US" sz="4400" strike="noStrike" u="none">
+              <a:solidFill>
+                <a:srgbClr val="000000"/>
+              </a:solidFill>
+              <a:uFillTx/>
               <a:latin typeface="Arial"/>
             </a:endParaRPr>
           </a:p>
@@ -2813,146 +3472,18 @@
       </p:sp>
       <p:sp>
         <p:nvSpPr>
-          <p:cNvPr id="23" name="PlaceHolder 2"/>
+          <p:cNvPr id="19" name="PlaceHolder 2"/>
           <p:cNvSpPr>
             <a:spLocks noGrp="1"/>
           </p:cNvSpPr>
           <p:nvPr>
-            <p:ph/>
+            <p:ph type="subTitle"/>
           </p:nvPr>
         </p:nvSpPr>
         <p:spPr>
           <a:xfrm>
             <a:off x="457200" y="1203480"/>
-            <a:ext cx="4015800" cy="2982960"/>
-          </a:xfrm>
-          <a:prstGeom prst="rect">
-            <a:avLst/>
-          </a:prstGeom>
-          <a:noFill/>
-          <a:ln w="0">
-            <a:noFill/>
-          </a:ln>
-        </p:spPr>
-        <p:txBody>
-          <a:bodyPr lIns="0" rIns="0" tIns="0" bIns="0" anchor="t">
-            <a:normAutofit/>
-          </a:bodyPr>
-          <a:p>
-            <a:pPr indent="0">
-              <a:spcBef>
-                <a:spcPts val="1417"/>
-              </a:spcBef>
-              <a:buNone/>
-            </a:pPr>
-            <a:endParaRPr b="0" lang="en-US" sz="3200" spc="-1" strike="noStrike">
-              <a:solidFill>
-                <a:srgbClr val="000000"/>
-              </a:solidFill>
-              <a:latin typeface="Arial"/>
-            </a:endParaRPr>
-          </a:p>
-        </p:txBody>
-      </p:sp>
-      <p:sp>
-        <p:nvSpPr>
-          <p:cNvPr id="24" name="PlaceHolder 3"/>
-          <p:cNvSpPr>
-            <a:spLocks noGrp="1"/>
-          </p:cNvSpPr>
-          <p:nvPr>
-            <p:ph/>
-          </p:nvPr>
-        </p:nvSpPr>
-        <p:spPr>
-          <a:xfrm>
-            <a:off x="4674240" y="1203480"/>
-            <a:ext cx="4015800" cy="2982960"/>
-          </a:xfrm>
-          <a:prstGeom prst="rect">
-            <a:avLst/>
-          </a:prstGeom>
-          <a:noFill/>
-          <a:ln w="0">
-            <a:noFill/>
-          </a:ln>
-        </p:spPr>
-        <p:txBody>
-          <a:bodyPr lIns="0" rIns="0" tIns="0" bIns="0" anchor="t">
-            <a:normAutofit/>
-          </a:bodyPr>
-          <a:p>
-            <a:pPr indent="0">
-              <a:spcBef>
-                <a:spcPts val="1417"/>
-              </a:spcBef>
-              <a:buNone/>
-            </a:pPr>
-            <a:endParaRPr b="0" lang="en-US" sz="3200" spc="-1" strike="noStrike">
-              <a:solidFill>
-                <a:srgbClr val="000000"/>
-              </a:solidFill>
-              <a:latin typeface="Arial"/>
-            </a:endParaRPr>
-          </a:p>
-        </p:txBody>
-      </p:sp>
-      <p:sp>
-        <p:nvSpPr>
-          <p:cNvPr id="5" name="PlaceHolder 4"/>
-          <p:cNvSpPr>
-            <a:spLocks noGrp="1"/>
-          </p:cNvSpPr>
-          <p:nvPr>
-            <p:ph type="sldNum" idx="7"/>
-          </p:nvPr>
-        </p:nvSpPr>
-        <p:spPr/>
-        <p:txBody>
-          <a:bodyPr/>
-          <a:p>
-            <a:fld id="{9039D911-FAA2-4D36-B2BA-AFF57939A0B2}" type="slidenum">
-              <a:t>&lt;#&gt;</a:t>
-            </a:fld>
-          </a:p>
-        </p:txBody>
-      </p:sp>
-    </p:spTree>
-  </p:cSld>
-</p:sldLayout>
-</file>
-
-<file path=ppt/slideLayouts/slideLayout8.xml><?xml version="1.0" encoding="utf-8"?>
-<p:sldLayout xmlns:a="http://schemas.openxmlformats.org/drawingml/2006/main" xmlns:p="http://schemas.openxmlformats.org/presentationml/2006/main" xmlns:r="http://schemas.openxmlformats.org/officeDocument/2006/relationships" xmlns:p14="http://schemas.microsoft.com/office/powerpoint/2010/main" xmlns:p15="http://schemas.microsoft.com/office/powerpoint/2012/main" xmlns:mc="http://schemas.openxmlformats.org/markup-compatibility/2006" type="titleOnly" preserve="1">
-  <p:cSld name="TITLE_ONLY">
-    <p:spTree>
-      <p:nvGrpSpPr>
-        <p:cNvPr id="1" name=""/>
-        <p:cNvGrpSpPr/>
-        <p:nvPr/>
-      </p:nvGrpSpPr>
-      <p:grpSpPr>
-        <a:xfrm>
-          <a:off x="0" y="0"/>
-          <a:ext cx="0" cy="0"/>
-          <a:chOff x="0" y="0"/>
-          <a:chExt cx="0" cy="0"/>
-        </a:xfrm>
-      </p:grpSpPr>
-      <p:sp>
-        <p:nvSpPr>
-          <p:cNvPr id="27" name="PlaceHolder 1"/>
-          <p:cNvSpPr>
-            <a:spLocks noGrp="1"/>
-          </p:cNvSpPr>
-          <p:nvPr>
-            <p:ph type="title"/>
-          </p:nvPr>
-        </p:nvSpPr>
-        <p:spPr>
-          <a:xfrm>
-            <a:off x="457200" y="205200"/>
-            <a:ext cx="8229240" cy="858600"/>
+            <a:ext cx="8229240" cy="2982960"/>
           </a:xfrm>
           <a:prstGeom prst="rect">
             <a:avLst/>
@@ -2970,10 +3501,11 @@
             <a:pPr indent="0" algn="ctr">
               <a:buNone/>
             </a:pPr>
-            <a:endParaRPr b="0" lang="en-US" sz="4400" spc="-1" strike="noStrike">
-              <a:solidFill>
-                <a:srgbClr val="000000"/>
-              </a:solidFill>
+            <a:endParaRPr b="0" lang="en-US" sz="3200" strike="noStrike" u="none">
+              <a:solidFill>
+                <a:srgbClr val="000000"/>
+              </a:solidFill>
+              <a:uFillTx/>
               <a:latin typeface="Arial"/>
             </a:endParaRPr>
           </a:p>
@@ -2981,19 +3513,19 @@
       </p:sp>
       <p:sp>
         <p:nvSpPr>
-          <p:cNvPr id="3" name="PlaceHolder 2"/>
+          <p:cNvPr id="4" name="PlaceHolder 3"/>
           <p:cNvSpPr>
             <a:spLocks noGrp="1"/>
           </p:cNvSpPr>
           <p:nvPr>
-            <p:ph type="sldNum" idx="8"/>
+            <p:ph type="sldNum" idx="4"/>
           </p:nvPr>
         </p:nvSpPr>
         <p:spPr/>
         <p:txBody>
           <a:bodyPr/>
           <a:p>
-            <a:fld id="{79E863B1-880A-487E-BA9F-ED06066F7735}" type="slidenum">
+            <a:fld id="{2D84FB54-CE1E-4A60-9603-B2AF49D81BB0}" type="slidenum">
               <a:t>&lt;#&gt;</a:t>
             </a:fld>
           </a:p>
@@ -3004,9 +3536,9 @@
 </p:sldLayout>
 </file>
 
-<file path=ppt/slideLayouts/slideLayout9.xml><?xml version="1.0" encoding="utf-8"?>
+<file path=ppt/slideLayouts/slideLayout8.xml><?xml version="1.0" encoding="utf-8"?>
 <p:sldLayout xmlns:a="http://schemas.openxmlformats.org/drawingml/2006/main" xmlns:p="http://schemas.openxmlformats.org/presentationml/2006/main" xmlns:r="http://schemas.openxmlformats.org/officeDocument/2006/relationships" xmlns:p14="http://schemas.microsoft.com/office/powerpoint/2010/main" xmlns:p15="http://schemas.microsoft.com/office/powerpoint/2012/main" xmlns:mc="http://schemas.openxmlformats.org/markup-compatibility/2006" type="blank" preserve="1">
-  <p:cSld name="ONE_COLUMN_TEXT">
+  <p:cSld name="Default">
     <p:spTree>
       <p:nvGrpSpPr>
         <p:cNvPr id="1" name=""/>
@@ -3028,14 +3560,56 @@
             <a:spLocks noGrp="1"/>
           </p:cNvSpPr>
           <p:nvPr>
-            <p:ph type="sldNum" idx="9"/>
+            <p:ph type="sldNum" idx="4"/>
           </p:nvPr>
         </p:nvSpPr>
         <p:spPr/>
         <p:txBody>
           <a:bodyPr/>
           <a:p>
-            <a:fld id="{F44D4B0B-3589-45EF-A080-C678F178C5A6}" type="slidenum">
+            <a:fld id="{5BFE9DA2-D541-4676-BC6A-951D5BC339A4}" type="slidenum">
+              <a:t>&lt;#&gt;</a:t>
+            </a:fld>
+          </a:p>
+        </p:txBody>
+      </p:sp>
+    </p:spTree>
+  </p:cSld>
+</p:sldLayout>
+</file>
+
+<file path=ppt/slideLayouts/slideLayout9.xml><?xml version="1.0" encoding="utf-8"?>
+<p:sldLayout xmlns:a="http://schemas.openxmlformats.org/drawingml/2006/main" xmlns:p="http://schemas.openxmlformats.org/presentationml/2006/main" xmlns:r="http://schemas.openxmlformats.org/officeDocument/2006/relationships" xmlns:p14="http://schemas.microsoft.com/office/powerpoint/2010/main" xmlns:p15="http://schemas.microsoft.com/office/powerpoint/2012/main" xmlns:mc="http://schemas.openxmlformats.org/markup-compatibility/2006" type="blank" preserve="1">
+  <p:cSld name="SECTION_HEADER">
+    <p:spTree>
+      <p:nvGrpSpPr>
+        <p:cNvPr id="1" name=""/>
+        <p:cNvGrpSpPr/>
+        <p:nvPr/>
+      </p:nvGrpSpPr>
+      <p:grpSpPr>
+        <a:xfrm>
+          <a:off x="0" y="0"/>
+          <a:ext cx="0" cy="0"/>
+          <a:chOff x="0" y="0"/>
+          <a:chExt cx="0" cy="0"/>
+        </a:xfrm>
+      </p:grpSpPr>
+      <p:sp>
+        <p:nvSpPr>
+          <p:cNvPr id="2" name="PlaceHolder 1"/>
+          <p:cNvSpPr>
+            <a:spLocks noGrp="1"/>
+          </p:cNvSpPr>
+          <p:nvPr>
+            <p:ph type="sldNum" idx="5"/>
+          </p:nvPr>
+        </p:nvSpPr>
+        <p:spPr/>
+        <p:txBody>
+          <a:bodyPr/>
+          <a:p>
+            <a:fld id="{B7ACF7E5-3FB3-406F-B96B-1896932DDFCF}" type="slidenum">
               <a:t>&lt;#&gt;</a:t>
             </a:fld>
           </a:p>
@@ -3102,18 +3676,20 @@
               <a:buNone/>
             </a:pPr>
             <a:r>
-              <a:rPr b="0" lang="en-US" sz="1800" spc="-1" strike="noStrike">
+              <a:rPr b="0" lang="en-US" sz="1800" strike="noStrike" u="none">
                 <a:solidFill>
                   <a:srgbClr val="000000"/>
                 </a:solidFill>
+                <a:uFillTx/>
                 <a:latin typeface="Arial"/>
               </a:rPr>
               <a:t>Click to edit the title text format</a:t>
             </a:r>
-            <a:endParaRPr b="0" lang="en-US" sz="1800" spc="-1" strike="noStrike">
-              <a:solidFill>
-                <a:srgbClr val="000000"/>
-              </a:solidFill>
+            <a:endParaRPr b="0" lang="en-US" sz="1800" strike="noStrike" u="none">
+              <a:solidFill>
+                <a:srgbClr val="000000"/>
+              </a:solidFill>
+              <a:uFillTx/>
               <a:latin typeface="Arial"/>
             </a:endParaRPr>
           </a:p>
@@ -3132,7 +3708,7 @@
         <p:spPr>
           <a:xfrm>
             <a:off x="8472600" y="4663080"/>
-            <a:ext cx="547560" cy="392400"/>
+            <a:ext cx="547200" cy="392040"/>
           </a:xfrm>
           <a:prstGeom prst="rect">
             <a:avLst/>
@@ -3155,10 +3731,11 @@
               <a:tabLst>
                 <a:tab algn="l" pos="0"/>
               </a:tabLst>
-              <a:defRPr b="0" lang="en" sz="1000" spc="-1" strike="noStrike">
+              <a:defRPr b="0" lang="en" sz="1000" strike="noStrike" u="none">
                 <a:solidFill>
                   <a:schemeClr val="dk2"/>
                 </a:solidFill>
+                <a:uFillTx/>
                 <a:latin typeface="Arial"/>
                 <a:ea typeface="Arial"/>
               </a:defRPr>
@@ -3174,20 +3751,22 @@
                 <a:tab algn="l" pos="0"/>
               </a:tabLst>
             </a:pPr>
-            <a:fld id="{C11DF58E-4172-44A8-BC8E-2B70775E5B6C}" type="slidenum">
-              <a:rPr b="0" lang="en" sz="1000" spc="-1" strike="noStrike">
+            <a:fld id="{D6DE9E8C-059F-4AD3-9963-90C3EDD4EABB}" type="slidenum">
+              <a:rPr b="0" lang="en" sz="1000" strike="noStrike" u="none">
                 <a:solidFill>
                   <a:schemeClr val="dk2"/>
                 </a:solidFill>
+                <a:uFillTx/>
                 <a:latin typeface="Arial"/>
                 <a:ea typeface="Arial"/>
               </a:rPr>
               <a:t>9</a:t>
             </a:fld>
-            <a:endParaRPr b="0" lang="en-US" sz="1000" spc="-1" strike="noStrike">
-              <a:solidFill>
-                <a:srgbClr val="000000"/>
-              </a:solidFill>
+            <a:endParaRPr b="0" lang="en-US" sz="1000" strike="noStrike" u="none">
+              <a:solidFill>
+                <a:srgbClr val="000000"/>
+              </a:solidFill>
+              <a:uFillTx/>
               <a:latin typeface="Times New Roman"/>
             </a:endParaRPr>
           </a:p>
@@ -3195,7 +3774,7 @@
       </p:sp>
     </p:spTree>
   </p:cSld>
-  <p:clrMap bg1="lt1" bg2="lt2" tx1="dk1" tx2="dk2" accent1="accent1" accent2="accent2" accent3="accent3" accent4="accent4" accent5="accent5" accent6="accent6" hlink="hlink" folHlink="folHlink"/>
+  <p:clrMap bg1="lt1" tx1="dk1" bg2="lt2" tx2="dk2" accent1="accent1" accent2="accent2" accent3="accent3" accent4="accent4" accent5="accent5" accent6="accent6" hlink="hlink" folHlink="folHlink"/>
   <p:sldLayoutIdLst>
     <p:sldLayoutId id="2147483649" r:id="rId2"/>
   </p:sldLayoutIdLst>
@@ -3228,7 +3807,7 @@
       </p:grpSpPr>
       <p:sp>
         <p:nvSpPr>
-          <p:cNvPr id="29" name="PlaceHolder 1"/>
+          <p:cNvPr id="37" name="PlaceHolder 1"/>
           <p:cNvSpPr>
             <a:spLocks noGrp="1"/>
           </p:cNvSpPr>
@@ -3239,7 +3818,7 @@
         <p:spPr>
           <a:xfrm>
             <a:off x="8472600" y="4663080"/>
-            <a:ext cx="547560" cy="392400"/>
+            <a:ext cx="547200" cy="392040"/>
           </a:xfrm>
           <a:prstGeom prst="rect">
             <a:avLst/>
@@ -3262,10 +3841,11 @@
               <a:tabLst>
                 <a:tab algn="l" pos="0"/>
               </a:tabLst>
-              <a:defRPr b="0" lang="en" sz="1000" spc="-1" strike="noStrike">
+              <a:defRPr b="0" lang="en" sz="1000" strike="noStrike" u="none">
                 <a:solidFill>
                   <a:schemeClr val="dk2"/>
                 </a:solidFill>
+                <a:uFillTx/>
                 <a:latin typeface="Arial"/>
                 <a:ea typeface="Arial"/>
               </a:defRPr>
@@ -3281,20 +3861,22 @@
                 <a:tab algn="l" pos="0"/>
               </a:tabLst>
             </a:pPr>
-            <a:fld id="{F0F20087-87C4-45F0-95DA-8DB7A884C7BF}" type="slidenum">
-              <a:rPr b="0" lang="en" sz="1000" spc="-1" strike="noStrike">
+            <a:fld id="{870C4799-4B16-4D1F-BA56-BC1541D34DC6}" type="slidenum">
+              <a:rPr b="0" lang="en" sz="1000" strike="noStrike" u="none">
                 <a:solidFill>
                   <a:schemeClr val="dk2"/>
                 </a:solidFill>
+                <a:uFillTx/>
                 <a:latin typeface="Arial"/>
                 <a:ea typeface="Arial"/>
               </a:rPr>
-              <a:t>&lt;number&gt;</a:t>
+              <a:t>1</a:t>
             </a:fld>
-            <a:endParaRPr b="0" lang="en-US" sz="1000" spc="-1" strike="noStrike">
-              <a:solidFill>
-                <a:srgbClr val="000000"/>
-              </a:solidFill>
+            <a:endParaRPr b="0" lang="en-US" sz="1000" strike="noStrike" u="none">
+              <a:solidFill>
+                <a:srgbClr val="000000"/>
+              </a:solidFill>
+              <a:uFillTx/>
               <a:latin typeface="Times New Roman"/>
             </a:endParaRPr>
           </a:p>
@@ -3302,9 +3884,9 @@
       </p:sp>
     </p:spTree>
   </p:cSld>
-  <p:clrMap bg1="lt1" bg2="lt2" tx1="dk1" tx2="dk2" accent1="accent1" accent2="accent2" accent3="accent3" accent4="accent4" accent5="accent5" accent6="accent6" hlink="hlink" folHlink="folHlink"/>
+  <p:clrMap bg1="lt1" tx1="dk1" bg2="lt2" tx2="dk2" accent1="accent1" accent2="accent2" accent3="accent3" accent4="accent4" accent5="accent5" accent6="accent6" hlink="hlink" folHlink="folHlink"/>
   <p:sldLayoutIdLst>
-    <p:sldLayoutId id="2147483667" r:id="rId2"/>
+    <p:sldLayoutId id="2147483671" r:id="rId2"/>
   </p:sldLayoutIdLst>
 </p:sldMaster>
 </file>
@@ -3335,14 +3917,14 @@
       </p:grpSpPr>
       <p:sp>
         <p:nvSpPr>
-          <p:cNvPr id="30" name="Google Shape;36;p9"/>
+          <p:cNvPr id="38" name="Google Shape;36;p9"/>
           <p:cNvSpPr/>
           <p:nvPr/>
         </p:nvSpPr>
         <p:spPr>
           <a:xfrm>
             <a:off x="4572000" y="0"/>
-            <a:ext cx="4570920" cy="5142600"/>
+            <a:ext cx="4570560" cy="5142240"/>
           </a:xfrm>
           <a:prstGeom prst="rect">
             <a:avLst/>
@@ -3373,10 +3955,11 @@
                 <a:tab algn="l" pos="0"/>
               </a:tabLst>
             </a:pPr>
-            <a:endParaRPr b="0" lang="en-US" sz="1400" spc="-1" strike="noStrike">
-              <a:solidFill>
-                <a:srgbClr val="000000"/>
-              </a:solidFill>
+            <a:endParaRPr b="0" lang="en-US" sz="1400" strike="noStrike" u="none">
+              <a:solidFill>
+                <a:srgbClr val="000000"/>
+              </a:solidFill>
+              <a:uFillTx/>
               <a:latin typeface="Arial"/>
             </a:endParaRPr>
           </a:p>
@@ -3384,7 +3967,7 @@
       </p:sp>
       <p:sp>
         <p:nvSpPr>
-          <p:cNvPr id="31" name="PlaceHolder 1"/>
+          <p:cNvPr id="39" name="PlaceHolder 1"/>
           <p:cNvSpPr>
             <a:spLocks noGrp="1"/>
           </p:cNvSpPr>
@@ -3395,7 +3978,7 @@
         <p:spPr>
           <a:xfrm>
             <a:off x="8472600" y="4663080"/>
-            <a:ext cx="547560" cy="392400"/>
+            <a:ext cx="547200" cy="392040"/>
           </a:xfrm>
           <a:prstGeom prst="rect">
             <a:avLst/>
@@ -3418,10 +4001,11 @@
               <a:tabLst>
                 <a:tab algn="l" pos="0"/>
               </a:tabLst>
-              <a:defRPr b="0" lang="en" sz="1000" spc="-1" strike="noStrike">
+              <a:defRPr b="0" lang="en" sz="1000" strike="noStrike" u="none">
                 <a:solidFill>
                   <a:schemeClr val="dk2"/>
                 </a:solidFill>
+                <a:uFillTx/>
                 <a:latin typeface="Arial"/>
                 <a:ea typeface="Arial"/>
               </a:defRPr>
@@ -3437,20 +4021,22 @@
                 <a:tab algn="l" pos="0"/>
               </a:tabLst>
             </a:pPr>
-            <a:fld id="{D605BEB9-64AE-47C8-91FF-8670205AE52F}" type="slidenum">
-              <a:rPr b="0" lang="en" sz="1000" spc="-1" strike="noStrike">
+            <a:fld id="{C7B1EB04-4B56-4207-802A-A4DA65B83624}" type="slidenum">
+              <a:rPr b="0" lang="en" sz="1000" strike="noStrike" u="none">
                 <a:solidFill>
                   <a:schemeClr val="dk2"/>
                 </a:solidFill>
+                <a:uFillTx/>
                 <a:latin typeface="Arial"/>
                 <a:ea typeface="Arial"/>
               </a:rPr>
-              <a:t>&lt;number&gt;</a:t>
+              <a:t>1</a:t>
             </a:fld>
-            <a:endParaRPr b="0" lang="en-US" sz="1000" spc="-1" strike="noStrike">
-              <a:solidFill>
-                <a:srgbClr val="000000"/>
-              </a:solidFill>
+            <a:endParaRPr b="0" lang="en-US" sz="1000" strike="noStrike" u="none">
+              <a:solidFill>
+                <a:srgbClr val="000000"/>
+              </a:solidFill>
+              <a:uFillTx/>
               <a:latin typeface="Times New Roman"/>
             </a:endParaRPr>
           </a:p>
@@ -3458,9 +4044,9 @@
       </p:sp>
     </p:spTree>
   </p:cSld>
-  <p:clrMap bg1="lt1" bg2="lt2" tx1="dk1" tx2="dk2" accent1="accent1" accent2="accent2" accent3="accent3" accent4="accent4" accent5="accent5" accent6="accent6" hlink="hlink" folHlink="folHlink"/>
+  <p:clrMap bg1="lt1" tx1="dk1" bg2="lt2" tx2="dk2" accent1="accent1" accent2="accent2" accent3="accent3" accent4="accent4" accent5="accent5" accent6="accent6" hlink="hlink" folHlink="folHlink"/>
   <p:sldLayoutIdLst>
-    <p:sldLayoutId id="2147483669" r:id="rId2"/>
+    <p:sldLayoutId id="2147483673" r:id="rId2"/>
   </p:sldLayoutIdLst>
 </p:sldMaster>
 </file>
@@ -3491,7 +4077,7 @@
       </p:grpSpPr>
       <p:sp>
         <p:nvSpPr>
-          <p:cNvPr id="32" name="PlaceHolder 1"/>
+          <p:cNvPr id="40" name="PlaceHolder 1"/>
           <p:cNvSpPr>
             <a:spLocks noGrp="1"/>
           </p:cNvSpPr>
@@ -3502,7 +4088,7 @@
         <p:spPr>
           <a:xfrm>
             <a:off x="8472600" y="4663080"/>
-            <a:ext cx="547560" cy="392400"/>
+            <a:ext cx="547200" cy="392040"/>
           </a:xfrm>
           <a:prstGeom prst="rect">
             <a:avLst/>
@@ -3525,10 +4111,11 @@
               <a:tabLst>
                 <a:tab algn="l" pos="0"/>
               </a:tabLst>
-              <a:defRPr b="0" lang="en" sz="1000" spc="-1" strike="noStrike">
+              <a:defRPr b="0" lang="en" sz="1000" strike="noStrike" u="none">
                 <a:solidFill>
                   <a:schemeClr val="dk2"/>
                 </a:solidFill>
+                <a:uFillTx/>
                 <a:latin typeface="Arial"/>
                 <a:ea typeface="Arial"/>
               </a:defRPr>
@@ -3544,20 +4131,22 @@
                 <a:tab algn="l" pos="0"/>
               </a:tabLst>
             </a:pPr>
-            <a:fld id="{B522A763-E62C-4E4A-AE6F-06E919B479F4}" type="slidenum">
-              <a:rPr b="0" lang="en" sz="1000" spc="-1" strike="noStrike">
+            <a:fld id="{F757885D-A5BB-4F9B-9D84-780B62189A4A}" type="slidenum">
+              <a:rPr b="0" lang="en" sz="1000" strike="noStrike" u="none">
                 <a:solidFill>
                   <a:schemeClr val="dk2"/>
                 </a:solidFill>
+                <a:uFillTx/>
                 <a:latin typeface="Arial"/>
                 <a:ea typeface="Arial"/>
               </a:rPr>
-              <a:t>&lt;number&gt;</a:t>
+              <a:t>1</a:t>
             </a:fld>
-            <a:endParaRPr b="0" lang="en-US" sz="1000" spc="-1" strike="noStrike">
-              <a:solidFill>
-                <a:srgbClr val="000000"/>
-              </a:solidFill>
+            <a:endParaRPr b="0" lang="en-US" sz="1000" strike="noStrike" u="none">
+              <a:solidFill>
+                <a:srgbClr val="000000"/>
+              </a:solidFill>
+              <a:uFillTx/>
               <a:latin typeface="Times New Roman"/>
             </a:endParaRPr>
           </a:p>
@@ -3565,9 +4154,9 @@
       </p:sp>
     </p:spTree>
   </p:cSld>
-  <p:clrMap bg1="lt1" bg2="lt2" tx1="dk1" tx2="dk2" accent1="accent1" accent2="accent2" accent3="accent3" accent4="accent4" accent5="accent5" accent6="accent6" hlink="hlink" folHlink="folHlink"/>
+  <p:clrMap bg1="lt1" tx1="dk1" bg2="lt2" tx2="dk2" accent1="accent1" accent2="accent2" accent3="accent3" accent4="accent4" accent5="accent5" accent6="accent6" hlink="hlink" folHlink="folHlink"/>
   <p:sldLayoutIdLst>
-    <p:sldLayoutId id="2147483671" r:id="rId2"/>
+    <p:sldLayoutId id="2147483675" r:id="rId2"/>
   </p:sldLayoutIdLst>
 </p:sldMaster>
 </file>
@@ -3609,7 +4198,7 @@
         <p:spPr>
           <a:xfrm>
             <a:off x="8472600" y="4663080"/>
-            <a:ext cx="547560" cy="392400"/>
+            <a:ext cx="547200" cy="392040"/>
           </a:xfrm>
           <a:prstGeom prst="rect">
             <a:avLst/>
@@ -3632,10 +4221,11 @@
               <a:tabLst>
                 <a:tab algn="l" pos="0"/>
               </a:tabLst>
-              <a:defRPr b="0" lang="en" sz="1000" spc="-1" strike="noStrike">
+              <a:defRPr b="0" lang="en" sz="1000" strike="noStrike" u="none">
                 <a:solidFill>
                   <a:schemeClr val="dk2"/>
                 </a:solidFill>
+                <a:uFillTx/>
                 <a:latin typeface="Arial"/>
                 <a:ea typeface="Arial"/>
               </a:defRPr>
@@ -3651,20 +4241,22 @@
                 <a:tab algn="l" pos="0"/>
               </a:tabLst>
             </a:pPr>
-            <a:fld id="{7F4E8854-A4D3-4223-BA3E-7A6F6ED2004B}" type="slidenum">
-              <a:rPr b="0" lang="en" sz="1000" spc="-1" strike="noStrike">
+            <a:fld id="{EE368C83-B903-4457-A684-8BB5F46CC6E1}" type="slidenum">
+              <a:rPr b="0" lang="en" sz="1000" strike="noStrike" u="none">
                 <a:solidFill>
                   <a:schemeClr val="dk2"/>
                 </a:solidFill>
+                <a:uFillTx/>
                 <a:latin typeface="Arial"/>
                 <a:ea typeface="Arial"/>
               </a:rPr>
-              <a:t>&lt;number&gt;</a:t>
+              <a:t>1</a:t>
             </a:fld>
-            <a:endParaRPr b="0" lang="en-US" sz="1000" spc="-1" strike="noStrike">
-              <a:solidFill>
-                <a:srgbClr val="000000"/>
-              </a:solidFill>
+            <a:endParaRPr b="0" lang="en-US" sz="1000" strike="noStrike" u="none">
+              <a:solidFill>
+                <a:srgbClr val="000000"/>
+              </a:solidFill>
+              <a:uFillTx/>
               <a:latin typeface="Times New Roman"/>
             </a:endParaRPr>
           </a:p>
@@ -3672,7 +4264,7 @@
       </p:sp>
     </p:spTree>
   </p:cSld>
-  <p:clrMap bg1="lt1" bg2="lt2" tx1="dk1" tx2="dk2" accent1="accent1" accent2="accent2" accent3="accent3" accent4="accent4" accent5="accent5" accent6="accent6" hlink="hlink" folHlink="folHlink"/>
+  <p:clrMap bg1="lt1" tx1="dk1" bg2="lt2" tx2="dk2" accent1="accent1" accent2="accent2" accent3="accent3" accent4="accent4" accent5="accent5" accent6="accent6" hlink="hlink" folHlink="folHlink"/>
   <p:sldLayoutIdLst>
     <p:sldLayoutId id="2147483651" r:id="rId2"/>
   </p:sldLayoutIdLst>
@@ -3735,18 +4327,20 @@
               <a:buNone/>
             </a:pPr>
             <a:r>
-              <a:rPr b="0" lang="en-US" sz="1800" spc="-1" strike="noStrike">
+              <a:rPr b="0" lang="en-US" sz="1800" strike="noStrike" u="none">
                 <a:solidFill>
                   <a:srgbClr val="000000"/>
                 </a:solidFill>
+                <a:uFillTx/>
                 <a:latin typeface="Arial"/>
               </a:rPr>
               <a:t>Click to edit the title text format</a:t>
             </a:r>
-            <a:endParaRPr b="0" lang="en-US" sz="1800" spc="-1" strike="noStrike">
-              <a:solidFill>
-                <a:srgbClr val="000000"/>
-              </a:solidFill>
+            <a:endParaRPr b="0" lang="en-US" sz="1800" strike="noStrike" u="none">
+              <a:solidFill>
+                <a:srgbClr val="000000"/>
+              </a:solidFill>
+              <a:uFillTx/>
               <a:latin typeface="Arial"/>
             </a:endParaRPr>
           </a:p>
@@ -3765,7 +4359,7 @@
         <p:spPr>
           <a:xfrm>
             <a:off x="8472600" y="4663080"/>
-            <a:ext cx="547560" cy="392400"/>
+            <a:ext cx="547200" cy="392040"/>
           </a:xfrm>
           <a:prstGeom prst="rect">
             <a:avLst/>
@@ -3788,10 +4382,11 @@
               <a:tabLst>
                 <a:tab algn="l" pos="0"/>
               </a:tabLst>
-              <a:defRPr b="0" lang="en" sz="1000" spc="-1" strike="noStrike">
+              <a:defRPr b="0" lang="en" sz="1000" strike="noStrike" u="none">
                 <a:solidFill>
                   <a:schemeClr val="dk2"/>
                 </a:solidFill>
+                <a:uFillTx/>
                 <a:latin typeface="Arial"/>
                 <a:ea typeface="Arial"/>
               </a:defRPr>
@@ -3807,20 +4402,22 @@
                 <a:tab algn="l" pos="0"/>
               </a:tabLst>
             </a:pPr>
-            <a:fld id="{DCC5933C-A6B0-4FF0-B50B-EE55D7AE2ADF}" type="slidenum">
-              <a:rPr b="0" lang="en" sz="1000" spc="-1" strike="noStrike">
+            <a:fld id="{E5A00E36-6C15-4EB2-B16D-E599D75BD251}" type="slidenum">
+              <a:rPr b="0" lang="en" sz="1000" strike="noStrike" u="none">
                 <a:solidFill>
                   <a:schemeClr val="dk2"/>
                 </a:solidFill>
+                <a:uFillTx/>
                 <a:latin typeface="Arial"/>
                 <a:ea typeface="Arial"/>
               </a:rPr>
-              <a:t>&lt;number&gt;</a:t>
+              <a:t>1</a:t>
             </a:fld>
-            <a:endParaRPr b="0" lang="en-US" sz="1000" spc="-1" strike="noStrike">
-              <a:solidFill>
-                <a:srgbClr val="000000"/>
-              </a:solidFill>
+            <a:endParaRPr b="0" lang="en-US" sz="1000" strike="noStrike" u="none">
+              <a:solidFill>
+                <a:srgbClr val="000000"/>
+              </a:solidFill>
+              <a:uFillTx/>
               <a:latin typeface="Times New Roman"/>
             </a:endParaRPr>
           </a:p>
@@ -3828,7 +4425,7 @@
       </p:sp>
     </p:spTree>
   </p:cSld>
-  <p:clrMap bg1="lt1" bg2="lt2" tx1="dk1" tx2="dk2" accent1="accent1" accent2="accent2" accent3="accent3" accent4="accent4" accent5="accent5" accent6="accent6" hlink="hlink" folHlink="folHlink"/>
+  <p:clrMap bg1="lt1" tx1="dk1" bg2="lt2" tx2="dk2" accent1="accent1" accent2="accent2" accent3="accent3" accent4="accent4" accent5="accent5" accent6="accent6" hlink="hlink" folHlink="folHlink"/>
   <p:sldLayoutIdLst>
     <p:sldLayoutId id="2147483653" r:id="rId2"/>
   </p:sldLayoutIdLst>
@@ -3872,7 +4469,7 @@
         <p:spPr>
           <a:xfrm>
             <a:off x="8472600" y="4663080"/>
-            <a:ext cx="547560" cy="392400"/>
+            <a:ext cx="547200" cy="392040"/>
           </a:xfrm>
           <a:prstGeom prst="rect">
             <a:avLst/>
@@ -3895,10 +4492,11 @@
               <a:tabLst>
                 <a:tab algn="l" pos="0"/>
               </a:tabLst>
-              <a:defRPr b="0" lang="en" sz="1000" spc="-1" strike="noStrike">
+              <a:defRPr b="0" lang="en" sz="1000" strike="noStrike" u="none">
                 <a:solidFill>
                   <a:schemeClr val="dk2"/>
                 </a:solidFill>
+                <a:uFillTx/>
                 <a:latin typeface="Arial"/>
                 <a:ea typeface="Arial"/>
               </a:defRPr>
@@ -3914,20 +4512,22 @@
                 <a:tab algn="l" pos="0"/>
               </a:tabLst>
             </a:pPr>
-            <a:fld id="{3C289E4F-7672-4485-9459-388AC2D005F4}" type="slidenum">
-              <a:rPr b="0" lang="en" sz="1000" spc="-1" strike="noStrike">
+            <a:fld id="{7084195D-8B4D-4260-90DE-7A62CC5FC3A6}" type="slidenum">
+              <a:rPr b="0" lang="en" sz="1000" strike="noStrike" u="none">
                 <a:solidFill>
                   <a:schemeClr val="dk2"/>
                 </a:solidFill>
+                <a:uFillTx/>
                 <a:latin typeface="Arial"/>
                 <a:ea typeface="Arial"/>
               </a:rPr>
-              <a:t>&lt;number&gt;</a:t>
+              <a:t>1</a:t>
             </a:fld>
-            <a:endParaRPr b="0" lang="en-US" sz="1000" spc="-1" strike="noStrike">
-              <a:solidFill>
-                <a:srgbClr val="000000"/>
-              </a:solidFill>
+            <a:endParaRPr b="0" lang="en-US" sz="1000" strike="noStrike" u="none">
+              <a:solidFill>
+                <a:srgbClr val="000000"/>
+              </a:solidFill>
+              <a:uFillTx/>
               <a:latin typeface="Times New Roman"/>
             </a:endParaRPr>
           </a:p>
@@ -3965,18 +4565,20 @@
               <a:buNone/>
             </a:pPr>
             <a:r>
-              <a:rPr b="0" lang="en-US" sz="4400" spc="-1" strike="noStrike">
+              <a:rPr b="0" lang="en-US" sz="4400" strike="noStrike" u="none">
                 <a:solidFill>
                   <a:srgbClr val="000000"/>
                 </a:solidFill>
+                <a:uFillTx/>
                 <a:latin typeface="Arial"/>
               </a:rPr>
               <a:t>Click to edit the title text format</a:t>
             </a:r>
-            <a:endParaRPr b="0" lang="en-US" sz="4400" spc="-1" strike="noStrike">
-              <a:solidFill>
-                <a:srgbClr val="000000"/>
-              </a:solidFill>
+            <a:endParaRPr b="0" lang="en-US" sz="4400" strike="noStrike" u="none">
+              <a:solidFill>
+                <a:srgbClr val="000000"/>
+              </a:solidFill>
+              <a:uFillTx/>
               <a:latin typeface="Arial"/>
             </a:endParaRPr>
           </a:p>
@@ -4022,18 +4624,20 @@
               <a:buChar char=""/>
             </a:pPr>
             <a:r>
-              <a:rPr b="0" lang="en-US" sz="3200" spc="-1" strike="noStrike">
+              <a:rPr b="0" lang="en-US" sz="3200" strike="noStrike" u="none">
                 <a:solidFill>
                   <a:srgbClr val="000000"/>
                 </a:solidFill>
+                <a:uFillTx/>
                 <a:latin typeface="Arial"/>
               </a:rPr>
               <a:t>Click to edit the outline text format</a:t>
             </a:r>
-            <a:endParaRPr b="0" lang="en-US" sz="3200" spc="-1" strike="noStrike">
-              <a:solidFill>
-                <a:srgbClr val="000000"/>
-              </a:solidFill>
+            <a:endParaRPr b="0" lang="en-US" sz="3200" strike="noStrike" u="none">
+              <a:solidFill>
+                <a:srgbClr val="000000"/>
+              </a:solidFill>
+              <a:uFillTx/>
               <a:latin typeface="Arial"/>
             </a:endParaRPr>
           </a:p>
@@ -4050,18 +4654,20 @@
               <a:buChar char=""/>
             </a:pPr>
             <a:r>
-              <a:rPr b="0" lang="en-US" sz="2800" spc="-1" strike="noStrike">
+              <a:rPr b="0" lang="en-US" sz="2800" strike="noStrike" u="none">
                 <a:solidFill>
                   <a:srgbClr val="000000"/>
                 </a:solidFill>
+                <a:uFillTx/>
                 <a:latin typeface="Arial"/>
               </a:rPr>
               <a:t>Second Outline Level</a:t>
             </a:r>
-            <a:endParaRPr b="0" lang="en-US" sz="2800" spc="-1" strike="noStrike">
-              <a:solidFill>
-                <a:srgbClr val="000000"/>
-              </a:solidFill>
+            <a:endParaRPr b="0" lang="en-US" sz="2800" strike="noStrike" u="none">
+              <a:solidFill>
+                <a:srgbClr val="000000"/>
+              </a:solidFill>
+              <a:uFillTx/>
               <a:latin typeface="Arial"/>
             </a:endParaRPr>
           </a:p>
@@ -4078,18 +4684,20 @@
               <a:buChar char=""/>
             </a:pPr>
             <a:r>
-              <a:rPr b="0" lang="en-US" sz="2400" spc="-1" strike="noStrike">
+              <a:rPr b="0" lang="en-US" sz="2400" strike="noStrike" u="none">
                 <a:solidFill>
                   <a:srgbClr val="000000"/>
                 </a:solidFill>
+                <a:uFillTx/>
                 <a:latin typeface="Arial"/>
               </a:rPr>
               <a:t>Third Outline Level</a:t>
             </a:r>
-            <a:endParaRPr b="0" lang="en-US" sz="2400" spc="-1" strike="noStrike">
-              <a:solidFill>
-                <a:srgbClr val="000000"/>
-              </a:solidFill>
+            <a:endParaRPr b="0" lang="en-US" sz="2400" strike="noStrike" u="none">
+              <a:solidFill>
+                <a:srgbClr val="000000"/>
+              </a:solidFill>
+              <a:uFillTx/>
               <a:latin typeface="Arial"/>
             </a:endParaRPr>
           </a:p>
@@ -4106,18 +4714,20 @@
               <a:buChar char=""/>
             </a:pPr>
             <a:r>
-              <a:rPr b="0" lang="en-US" sz="2000" spc="-1" strike="noStrike">
+              <a:rPr b="0" lang="en-US" sz="2000" strike="noStrike" u="none">
                 <a:solidFill>
                   <a:srgbClr val="000000"/>
                 </a:solidFill>
+                <a:uFillTx/>
                 <a:latin typeface="Arial"/>
               </a:rPr>
               <a:t>Fourth Outline Level</a:t>
             </a:r>
-            <a:endParaRPr b="0" lang="en-US" sz="2000" spc="-1" strike="noStrike">
-              <a:solidFill>
-                <a:srgbClr val="000000"/>
-              </a:solidFill>
+            <a:endParaRPr b="0" lang="en-US" sz="2000" strike="noStrike" u="none">
+              <a:solidFill>
+                <a:srgbClr val="000000"/>
+              </a:solidFill>
+              <a:uFillTx/>
               <a:latin typeface="Arial"/>
             </a:endParaRPr>
           </a:p>
@@ -4134,18 +4744,20 @@
               <a:buChar char=""/>
             </a:pPr>
             <a:r>
-              <a:rPr b="0" lang="en-US" sz="2000" spc="-1" strike="noStrike">
+              <a:rPr b="0" lang="en-US" sz="2000" strike="noStrike" u="none">
                 <a:solidFill>
                   <a:srgbClr val="000000"/>
                 </a:solidFill>
+                <a:uFillTx/>
                 <a:latin typeface="Arial"/>
               </a:rPr>
               <a:t>Fifth Outline Level</a:t>
             </a:r>
-            <a:endParaRPr b="0" lang="en-US" sz="2000" spc="-1" strike="noStrike">
-              <a:solidFill>
-                <a:srgbClr val="000000"/>
-              </a:solidFill>
+            <a:endParaRPr b="0" lang="en-US" sz="2000" strike="noStrike" u="none">
+              <a:solidFill>
+                <a:srgbClr val="000000"/>
+              </a:solidFill>
+              <a:uFillTx/>
               <a:latin typeface="Arial"/>
             </a:endParaRPr>
           </a:p>
@@ -4162,18 +4774,20 @@
               <a:buChar char=""/>
             </a:pPr>
             <a:r>
-              <a:rPr b="0" lang="en-US" sz="2000" spc="-1" strike="noStrike">
+              <a:rPr b="0" lang="en-US" sz="2000" strike="noStrike" u="none">
                 <a:solidFill>
                   <a:srgbClr val="000000"/>
                 </a:solidFill>
+                <a:uFillTx/>
                 <a:latin typeface="Arial"/>
               </a:rPr>
               <a:t>Sixth Outline Level</a:t>
             </a:r>
-            <a:endParaRPr b="0" lang="en-US" sz="2000" spc="-1" strike="noStrike">
-              <a:solidFill>
-                <a:srgbClr val="000000"/>
-              </a:solidFill>
+            <a:endParaRPr b="0" lang="en-US" sz="2000" strike="noStrike" u="none">
+              <a:solidFill>
+                <a:srgbClr val="000000"/>
+              </a:solidFill>
+              <a:uFillTx/>
               <a:latin typeface="Arial"/>
             </a:endParaRPr>
           </a:p>
@@ -4190,18 +4804,20 @@
               <a:buChar char=""/>
             </a:pPr>
             <a:r>
-              <a:rPr b="0" lang="en-US" sz="2000" spc="-1" strike="noStrike">
+              <a:rPr b="0" lang="en-US" sz="2000" strike="noStrike" u="none">
                 <a:solidFill>
                   <a:srgbClr val="000000"/>
                 </a:solidFill>
+                <a:uFillTx/>
                 <a:latin typeface="Arial"/>
               </a:rPr>
               <a:t>Seventh Outline Level</a:t>
             </a:r>
-            <a:endParaRPr b="0" lang="en-US" sz="2000" spc="-1" strike="noStrike">
-              <a:solidFill>
-                <a:srgbClr val="000000"/>
-              </a:solidFill>
+            <a:endParaRPr b="0" lang="en-US" sz="2000" strike="noStrike" u="none">
+              <a:solidFill>
+                <a:srgbClr val="000000"/>
+              </a:solidFill>
+              <a:uFillTx/>
               <a:latin typeface="Arial"/>
             </a:endParaRPr>
           </a:p>
@@ -4209,9 +4825,13 @@
       </p:sp>
     </p:spTree>
   </p:cSld>
-  <p:clrMap bg1="lt1" bg2="lt2" tx1="dk1" tx2="dk2" accent1="accent1" accent2="accent2" accent3="accent3" accent4="accent4" accent5="accent5" accent6="accent6" hlink="hlink" folHlink="folHlink"/>
+  <p:clrMap bg1="lt1" tx1="dk1" bg2="lt2" tx2="dk2" accent1="accent1" accent2="accent2" accent3="accent3" accent4="accent4" accent5="accent5" accent6="accent6" hlink="hlink" folHlink="folHlink"/>
   <p:sldLayoutIdLst>
     <p:sldLayoutId id="2147483655" r:id="rId2"/>
+    <p:sldLayoutId id="2147483656" r:id="rId3"/>
+    <p:sldLayoutId id="2147483657" r:id="rId4"/>
+    <p:sldLayoutId id="2147483658" r:id="rId5"/>
+    <p:sldLayoutId id="2147483659" r:id="rId6"/>
   </p:sldLayoutIdLst>
 </p:sldMaster>
 </file>
@@ -4242,7 +4862,7 @@
       </p:grpSpPr>
       <p:sp>
         <p:nvSpPr>
-          <p:cNvPr id="12" name="PlaceHolder 1"/>
+          <p:cNvPr id="20" name="PlaceHolder 1"/>
           <p:cNvSpPr>
             <a:spLocks noGrp="1"/>
           </p:cNvSpPr>
@@ -4253,7 +4873,7 @@
         <p:spPr>
           <a:xfrm>
             <a:off x="8472600" y="4663080"/>
-            <a:ext cx="547560" cy="392400"/>
+            <a:ext cx="547200" cy="392040"/>
           </a:xfrm>
           <a:prstGeom prst="rect">
             <a:avLst/>
@@ -4276,10 +4896,11 @@
               <a:tabLst>
                 <a:tab algn="l" pos="0"/>
               </a:tabLst>
-              <a:defRPr b="0" lang="en" sz="1000" spc="-1" strike="noStrike">
+              <a:defRPr b="0" lang="en" sz="1000" strike="noStrike" u="none">
                 <a:solidFill>
                   <a:schemeClr val="dk2"/>
                 </a:solidFill>
+                <a:uFillTx/>
                 <a:latin typeface="Arial"/>
                 <a:ea typeface="Arial"/>
               </a:defRPr>
@@ -4295,20 +4916,22 @@
                 <a:tab algn="l" pos="0"/>
               </a:tabLst>
             </a:pPr>
-            <a:fld id="{693B1BA8-48E3-4982-81F2-0CFE24DBFF12}" type="slidenum">
-              <a:rPr b="0" lang="en" sz="1000" spc="-1" strike="noStrike">
+            <a:fld id="{A12765F9-71EC-4C27-8999-FFE637325B60}" type="slidenum">
+              <a:rPr b="0" lang="en" sz="1000" strike="noStrike" u="none">
                 <a:solidFill>
                   <a:schemeClr val="dk2"/>
                 </a:solidFill>
+                <a:uFillTx/>
                 <a:latin typeface="Arial"/>
                 <a:ea typeface="Arial"/>
               </a:rPr>
-              <a:t>&lt;number&gt;</a:t>
+              <a:t>1</a:t>
             </a:fld>
-            <a:endParaRPr b="0" lang="en-US" sz="1000" spc="-1" strike="noStrike">
-              <a:solidFill>
-                <a:srgbClr val="000000"/>
-              </a:solidFill>
+            <a:endParaRPr b="0" lang="en-US" sz="1000" strike="noStrike" u="none">
+              <a:solidFill>
+                <a:srgbClr val="000000"/>
+              </a:solidFill>
+              <a:uFillTx/>
               <a:latin typeface="Times New Roman"/>
             </a:endParaRPr>
           </a:p>
@@ -4316,9 +4939,9 @@
       </p:sp>
     </p:spTree>
   </p:cSld>
-  <p:clrMap bg1="lt1" bg2="lt2" tx1="dk1" tx2="dk2" accent1="accent1" accent2="accent2" accent3="accent3" accent4="accent4" accent5="accent5" accent6="accent6" hlink="hlink" folHlink="folHlink"/>
+  <p:clrMap bg1="lt1" tx1="dk1" bg2="lt2" tx2="dk2" accent1="accent1" accent2="accent2" accent3="accent3" accent4="accent4" accent5="accent5" accent6="accent6" hlink="hlink" folHlink="folHlink"/>
   <p:sldLayoutIdLst>
-    <p:sldLayoutId id="2147483657" r:id="rId2"/>
+    <p:sldLayoutId id="2147483661" r:id="rId2"/>
   </p:sldLayoutIdLst>
 </p:sldMaster>
 </file>
@@ -4349,7 +4972,7 @@
       </p:grpSpPr>
       <p:sp>
         <p:nvSpPr>
-          <p:cNvPr id="13" name="PlaceHolder 1"/>
+          <p:cNvPr id="21" name="PlaceHolder 1"/>
           <p:cNvSpPr>
             <a:spLocks noGrp="1"/>
           </p:cNvSpPr>
@@ -4379,18 +5002,20 @@
               <a:buNone/>
             </a:pPr>
             <a:r>
-              <a:rPr b="0" lang="en-US" sz="1800" spc="-1" strike="noStrike">
+              <a:rPr b="0" lang="en-US" sz="1800" strike="noStrike" u="none">
                 <a:solidFill>
                   <a:srgbClr val="000000"/>
                 </a:solidFill>
+                <a:uFillTx/>
                 <a:latin typeface="Arial"/>
               </a:rPr>
               <a:t>Click to edit the title text format</a:t>
             </a:r>
-            <a:endParaRPr b="0" lang="en-US" sz="1800" spc="-1" strike="noStrike">
-              <a:solidFill>
-                <a:srgbClr val="000000"/>
-              </a:solidFill>
+            <a:endParaRPr b="0" lang="en-US" sz="1800" strike="noStrike" u="none">
+              <a:solidFill>
+                <a:srgbClr val="000000"/>
+              </a:solidFill>
+              <a:uFillTx/>
               <a:latin typeface="Arial"/>
             </a:endParaRPr>
           </a:p>
@@ -4398,7 +5023,7 @@
       </p:sp>
       <p:sp>
         <p:nvSpPr>
-          <p:cNvPr id="14" name="PlaceHolder 2"/>
+          <p:cNvPr id="22" name="PlaceHolder 2"/>
           <p:cNvSpPr>
             <a:spLocks noGrp="1"/>
           </p:cNvSpPr>
@@ -4436,18 +5061,20 @@
               <a:buChar char=""/>
             </a:pPr>
             <a:r>
-              <a:rPr b="0" lang="en-US" sz="1800" spc="-1" strike="noStrike">
+              <a:rPr b="0" lang="en-US" sz="1800" strike="noStrike" u="none">
                 <a:solidFill>
                   <a:srgbClr val="000000"/>
                 </a:solidFill>
+                <a:uFillTx/>
                 <a:latin typeface="Arial"/>
               </a:rPr>
               <a:t>Click to edit the outline text format</a:t>
             </a:r>
-            <a:endParaRPr b="0" lang="en-US" sz="1800" spc="-1" strike="noStrike">
-              <a:solidFill>
-                <a:srgbClr val="000000"/>
-              </a:solidFill>
+            <a:endParaRPr b="0" lang="en-US" sz="1800" strike="noStrike" u="none">
+              <a:solidFill>
+                <a:srgbClr val="000000"/>
+              </a:solidFill>
+              <a:uFillTx/>
               <a:latin typeface="Arial"/>
             </a:endParaRPr>
           </a:p>
@@ -4464,18 +5091,20 @@
               <a:buChar char=""/>
             </a:pPr>
             <a:r>
-              <a:rPr b="0" lang="en-US" sz="1800" spc="-1" strike="noStrike">
+              <a:rPr b="0" lang="en-US" sz="1800" strike="noStrike" u="none">
                 <a:solidFill>
                   <a:srgbClr val="000000"/>
                 </a:solidFill>
+                <a:uFillTx/>
                 <a:latin typeface="Arial"/>
               </a:rPr>
               <a:t>Second Outline Level</a:t>
             </a:r>
-            <a:endParaRPr b="0" lang="en-US" sz="1800" spc="-1" strike="noStrike">
-              <a:solidFill>
-                <a:srgbClr val="000000"/>
-              </a:solidFill>
+            <a:endParaRPr b="0" lang="en-US" sz="1800" strike="noStrike" u="none">
+              <a:solidFill>
+                <a:srgbClr val="000000"/>
+              </a:solidFill>
+              <a:uFillTx/>
               <a:latin typeface="Arial"/>
             </a:endParaRPr>
           </a:p>
@@ -4492,18 +5121,20 @@
               <a:buChar char=""/>
             </a:pPr>
             <a:r>
-              <a:rPr b="0" lang="en-US" sz="1800" spc="-1" strike="noStrike">
+              <a:rPr b="0" lang="en-US" sz="1800" strike="noStrike" u="none">
                 <a:solidFill>
                   <a:srgbClr val="000000"/>
                 </a:solidFill>
+                <a:uFillTx/>
                 <a:latin typeface="Arial"/>
               </a:rPr>
               <a:t>Third Outline Level</a:t>
             </a:r>
-            <a:endParaRPr b="0" lang="en-US" sz="1800" spc="-1" strike="noStrike">
-              <a:solidFill>
-                <a:srgbClr val="000000"/>
-              </a:solidFill>
+            <a:endParaRPr b="0" lang="en-US" sz="1800" strike="noStrike" u="none">
+              <a:solidFill>
+                <a:srgbClr val="000000"/>
+              </a:solidFill>
+              <a:uFillTx/>
               <a:latin typeface="Arial"/>
             </a:endParaRPr>
           </a:p>
@@ -4520,18 +5151,20 @@
               <a:buChar char=""/>
             </a:pPr>
             <a:r>
-              <a:rPr b="0" lang="en-US" sz="1800" spc="-1" strike="noStrike">
+              <a:rPr b="0" lang="en-US" sz="1800" strike="noStrike" u="none">
                 <a:solidFill>
                   <a:srgbClr val="000000"/>
                 </a:solidFill>
+                <a:uFillTx/>
                 <a:latin typeface="Arial"/>
               </a:rPr>
               <a:t>Fourth Outline Level</a:t>
             </a:r>
-            <a:endParaRPr b="0" lang="en-US" sz="1800" spc="-1" strike="noStrike">
-              <a:solidFill>
-                <a:srgbClr val="000000"/>
-              </a:solidFill>
+            <a:endParaRPr b="0" lang="en-US" sz="1800" strike="noStrike" u="none">
+              <a:solidFill>
+                <a:srgbClr val="000000"/>
+              </a:solidFill>
+              <a:uFillTx/>
               <a:latin typeface="Arial"/>
             </a:endParaRPr>
           </a:p>
@@ -4548,18 +5181,20 @@
               <a:buChar char=""/>
             </a:pPr>
             <a:r>
-              <a:rPr b="0" lang="en-US" sz="1800" spc="-1" strike="noStrike">
+              <a:rPr b="0" lang="en-US" sz="1800" strike="noStrike" u="none">
                 <a:solidFill>
                   <a:srgbClr val="000000"/>
                 </a:solidFill>
+                <a:uFillTx/>
                 <a:latin typeface="Arial"/>
               </a:rPr>
               <a:t>Fifth Outline Level</a:t>
             </a:r>
-            <a:endParaRPr b="0" lang="en-US" sz="1800" spc="-1" strike="noStrike">
-              <a:solidFill>
-                <a:srgbClr val="000000"/>
-              </a:solidFill>
+            <a:endParaRPr b="0" lang="en-US" sz="1800" strike="noStrike" u="none">
+              <a:solidFill>
+                <a:srgbClr val="000000"/>
+              </a:solidFill>
+              <a:uFillTx/>
               <a:latin typeface="Arial"/>
             </a:endParaRPr>
           </a:p>
@@ -4576,18 +5211,20 @@
               <a:buChar char=""/>
             </a:pPr>
             <a:r>
-              <a:rPr b="0" lang="en-US" sz="1800" spc="-1" strike="noStrike">
+              <a:rPr b="0" lang="en-US" sz="1800" strike="noStrike" u="none">
                 <a:solidFill>
                   <a:srgbClr val="000000"/>
                 </a:solidFill>
+                <a:uFillTx/>
                 <a:latin typeface="Arial"/>
               </a:rPr>
               <a:t>Sixth Outline Level</a:t>
             </a:r>
-            <a:endParaRPr b="0" lang="en-US" sz="1800" spc="-1" strike="noStrike">
-              <a:solidFill>
-                <a:srgbClr val="000000"/>
-              </a:solidFill>
+            <a:endParaRPr b="0" lang="en-US" sz="1800" strike="noStrike" u="none">
+              <a:solidFill>
+                <a:srgbClr val="000000"/>
+              </a:solidFill>
+              <a:uFillTx/>
               <a:latin typeface="Arial"/>
             </a:endParaRPr>
           </a:p>
@@ -4604,18 +5241,20 @@
               <a:buChar char=""/>
             </a:pPr>
             <a:r>
-              <a:rPr b="0" lang="en-US" sz="1800" spc="-1" strike="noStrike">
+              <a:rPr b="0" lang="en-US" sz="1800" strike="noStrike" u="none">
                 <a:solidFill>
                   <a:srgbClr val="000000"/>
                 </a:solidFill>
+                <a:uFillTx/>
                 <a:latin typeface="Arial"/>
               </a:rPr>
               <a:t>Seventh Outline Level</a:t>
             </a:r>
-            <a:endParaRPr b="0" lang="en-US" sz="1800" spc="-1" strike="noStrike">
-              <a:solidFill>
-                <a:srgbClr val="000000"/>
-              </a:solidFill>
+            <a:endParaRPr b="0" lang="en-US" sz="1800" strike="noStrike" u="none">
+              <a:solidFill>
+                <a:srgbClr val="000000"/>
+              </a:solidFill>
+              <a:uFillTx/>
               <a:latin typeface="Arial"/>
             </a:endParaRPr>
           </a:p>
@@ -4623,7 +5262,7 @@
       </p:sp>
       <p:sp>
         <p:nvSpPr>
-          <p:cNvPr id="15" name="PlaceHolder 3"/>
+          <p:cNvPr id="23" name="PlaceHolder 3"/>
           <p:cNvSpPr>
             <a:spLocks noGrp="1"/>
           </p:cNvSpPr>
@@ -4634,7 +5273,7 @@
         <p:spPr>
           <a:xfrm>
             <a:off x="8472600" y="4663080"/>
-            <a:ext cx="547560" cy="392400"/>
+            <a:ext cx="547200" cy="392040"/>
           </a:xfrm>
           <a:prstGeom prst="rect">
             <a:avLst/>
@@ -4657,10 +5296,11 @@
               <a:tabLst>
                 <a:tab algn="l" pos="0"/>
               </a:tabLst>
-              <a:defRPr b="0" lang="en" sz="1000" spc="-1" strike="noStrike">
+              <a:defRPr b="0" lang="en" sz="1000" strike="noStrike" u="none">
                 <a:solidFill>
                   <a:schemeClr val="dk2"/>
                 </a:solidFill>
+                <a:uFillTx/>
                 <a:latin typeface="Arial"/>
                 <a:ea typeface="Arial"/>
               </a:defRPr>
@@ -4676,20 +5316,22 @@
                 <a:tab algn="l" pos="0"/>
               </a:tabLst>
             </a:pPr>
-            <a:fld id="{E0F25F62-86FB-4560-BA18-4B36DF55F625}" type="slidenum">
-              <a:rPr b="0" lang="en" sz="1000" spc="-1" strike="noStrike">
+            <a:fld id="{9653F636-DA83-4EC2-A899-2AAB2EDE2E4E}" type="slidenum">
+              <a:rPr b="0" lang="en" sz="1000" strike="noStrike" u="none">
                 <a:solidFill>
                   <a:schemeClr val="dk2"/>
                 </a:solidFill>
+                <a:uFillTx/>
                 <a:latin typeface="Arial"/>
                 <a:ea typeface="Arial"/>
               </a:rPr>
               <a:t>&lt;number&gt;</a:t>
             </a:fld>
-            <a:endParaRPr b="0" lang="en-US" sz="1000" spc="-1" strike="noStrike">
-              <a:solidFill>
-                <a:srgbClr val="000000"/>
-              </a:solidFill>
+            <a:endParaRPr b="0" lang="en-US" sz="1000" strike="noStrike" u="none">
+              <a:solidFill>
+                <a:srgbClr val="000000"/>
+              </a:solidFill>
+              <a:uFillTx/>
               <a:latin typeface="Times New Roman"/>
             </a:endParaRPr>
           </a:p>
@@ -4697,9 +5339,9 @@
       </p:sp>
     </p:spTree>
   </p:cSld>
-  <p:clrMap bg1="lt1" bg2="lt2" tx1="dk1" tx2="dk2" accent1="accent1" accent2="accent2" accent3="accent3" accent4="accent4" accent5="accent5" accent6="accent6" hlink="hlink" folHlink="folHlink"/>
+  <p:clrMap bg1="lt1" tx1="dk1" bg2="lt2" tx2="dk2" accent1="accent1" accent2="accent2" accent3="accent3" accent4="accent4" accent5="accent5" accent6="accent6" hlink="hlink" folHlink="folHlink"/>
   <p:sldLayoutIdLst>
-    <p:sldLayoutId id="2147483659" r:id="rId2"/>
+    <p:sldLayoutId id="2147483663" r:id="rId2"/>
   </p:sldLayoutIdLst>
 </p:sldMaster>
 </file>
@@ -4730,7 +5372,7 @@
       </p:grpSpPr>
       <p:sp>
         <p:nvSpPr>
-          <p:cNvPr id="18" name="PlaceHolder 1"/>
+          <p:cNvPr id="26" name="PlaceHolder 1"/>
           <p:cNvSpPr>
             <a:spLocks noGrp="1"/>
           </p:cNvSpPr>
@@ -4760,18 +5402,20 @@
               <a:buNone/>
             </a:pPr>
             <a:r>
-              <a:rPr b="0" lang="en-US" sz="1800" spc="-1" strike="noStrike">
+              <a:rPr b="0" lang="en-US" sz="1800" strike="noStrike" u="none">
                 <a:solidFill>
                   <a:srgbClr val="000000"/>
                 </a:solidFill>
+                <a:uFillTx/>
                 <a:latin typeface="Arial"/>
               </a:rPr>
               <a:t>Click to edit the title text format</a:t>
             </a:r>
-            <a:endParaRPr b="0" lang="en-US" sz="1800" spc="-1" strike="noStrike">
-              <a:solidFill>
-                <a:srgbClr val="000000"/>
-              </a:solidFill>
+            <a:endParaRPr b="0" lang="en-US" sz="1800" strike="noStrike" u="none">
+              <a:solidFill>
+                <a:srgbClr val="000000"/>
+              </a:solidFill>
+              <a:uFillTx/>
               <a:latin typeface="Arial"/>
             </a:endParaRPr>
           </a:p>
@@ -4779,7 +5423,7 @@
       </p:sp>
       <p:sp>
         <p:nvSpPr>
-          <p:cNvPr id="19" name="PlaceHolder 2"/>
+          <p:cNvPr id="27" name="PlaceHolder 2"/>
           <p:cNvSpPr>
             <a:spLocks noGrp="1"/>
           </p:cNvSpPr>
@@ -4802,7 +5446,7 @@
         </p:spPr>
         <p:txBody>
           <a:bodyPr lIns="0" rIns="0" tIns="0" bIns="0" anchor="t">
-            <a:normAutofit fontScale="87222"/>
+            <a:normAutofit lnSpcReduction="9999"/>
           </a:bodyPr>
           <a:p>
             <a:pPr marL="432000" indent="-324000">
@@ -4817,18 +5461,20 @@
               <a:buChar char=""/>
             </a:pPr>
             <a:r>
-              <a:rPr b="0" lang="en-US" sz="1800" spc="-1" strike="noStrike">
+              <a:rPr b="0" lang="en-US" sz="1800" strike="noStrike" u="none">
                 <a:solidFill>
                   <a:srgbClr val="000000"/>
                 </a:solidFill>
+                <a:uFillTx/>
                 <a:latin typeface="Arial"/>
               </a:rPr>
               <a:t>Click to edit the outline text format</a:t>
             </a:r>
-            <a:endParaRPr b="0" lang="en-US" sz="1800" spc="-1" strike="noStrike">
-              <a:solidFill>
-                <a:srgbClr val="000000"/>
-              </a:solidFill>
+            <a:endParaRPr b="0" lang="en-US" sz="1800" strike="noStrike" u="none">
+              <a:solidFill>
+                <a:srgbClr val="000000"/>
+              </a:solidFill>
+              <a:uFillTx/>
               <a:latin typeface="Arial"/>
             </a:endParaRPr>
           </a:p>
@@ -4845,18 +5491,20 @@
               <a:buChar char=""/>
             </a:pPr>
             <a:r>
-              <a:rPr b="0" lang="en-US" sz="1800" spc="-1" strike="noStrike">
+              <a:rPr b="0" lang="en-US" sz="1800" strike="noStrike" u="none">
                 <a:solidFill>
                   <a:srgbClr val="000000"/>
                 </a:solidFill>
+                <a:uFillTx/>
                 <a:latin typeface="Arial"/>
               </a:rPr>
               <a:t>Second Outline Level</a:t>
             </a:r>
-            <a:endParaRPr b="0" lang="en-US" sz="1800" spc="-1" strike="noStrike">
-              <a:solidFill>
-                <a:srgbClr val="000000"/>
-              </a:solidFill>
+            <a:endParaRPr b="0" lang="en-US" sz="1800" strike="noStrike" u="none">
+              <a:solidFill>
+                <a:srgbClr val="000000"/>
+              </a:solidFill>
+              <a:uFillTx/>
               <a:latin typeface="Arial"/>
             </a:endParaRPr>
           </a:p>
@@ -4873,18 +5521,20 @@
               <a:buChar char=""/>
             </a:pPr>
             <a:r>
-              <a:rPr b="0" lang="en-US" sz="1800" spc="-1" strike="noStrike">
+              <a:rPr b="0" lang="en-US" sz="1800" strike="noStrike" u="none">
                 <a:solidFill>
                   <a:srgbClr val="000000"/>
                 </a:solidFill>
+                <a:uFillTx/>
                 <a:latin typeface="Arial"/>
               </a:rPr>
               <a:t>Third Outline Level</a:t>
             </a:r>
-            <a:endParaRPr b="0" lang="en-US" sz="1800" spc="-1" strike="noStrike">
-              <a:solidFill>
-                <a:srgbClr val="000000"/>
-              </a:solidFill>
+            <a:endParaRPr b="0" lang="en-US" sz="1800" strike="noStrike" u="none">
+              <a:solidFill>
+                <a:srgbClr val="000000"/>
+              </a:solidFill>
+              <a:uFillTx/>
               <a:latin typeface="Arial"/>
             </a:endParaRPr>
           </a:p>
@@ -4901,18 +5551,20 @@
               <a:buChar char=""/>
             </a:pPr>
             <a:r>
-              <a:rPr b="0" lang="en-US" sz="1800" spc="-1" strike="noStrike">
+              <a:rPr b="0" lang="en-US" sz="1800" strike="noStrike" u="none">
                 <a:solidFill>
                   <a:srgbClr val="000000"/>
                 </a:solidFill>
+                <a:uFillTx/>
                 <a:latin typeface="Arial"/>
               </a:rPr>
               <a:t>Fourth Outline Level</a:t>
             </a:r>
-            <a:endParaRPr b="0" lang="en-US" sz="1800" spc="-1" strike="noStrike">
-              <a:solidFill>
-                <a:srgbClr val="000000"/>
-              </a:solidFill>
+            <a:endParaRPr b="0" lang="en-US" sz="1800" strike="noStrike" u="none">
+              <a:solidFill>
+                <a:srgbClr val="000000"/>
+              </a:solidFill>
+              <a:uFillTx/>
               <a:latin typeface="Arial"/>
             </a:endParaRPr>
           </a:p>
@@ -4929,18 +5581,20 @@
               <a:buChar char=""/>
             </a:pPr>
             <a:r>
-              <a:rPr b="0" lang="en-US" sz="1800" spc="-1" strike="noStrike">
+              <a:rPr b="0" lang="en-US" sz="1800" strike="noStrike" u="none">
                 <a:solidFill>
                   <a:srgbClr val="000000"/>
                 </a:solidFill>
+                <a:uFillTx/>
                 <a:latin typeface="Arial"/>
               </a:rPr>
               <a:t>Fifth Outline Level</a:t>
             </a:r>
-            <a:endParaRPr b="0" lang="en-US" sz="1800" spc="-1" strike="noStrike">
-              <a:solidFill>
-                <a:srgbClr val="000000"/>
-              </a:solidFill>
+            <a:endParaRPr b="0" lang="en-US" sz="1800" strike="noStrike" u="none">
+              <a:solidFill>
+                <a:srgbClr val="000000"/>
+              </a:solidFill>
+              <a:uFillTx/>
               <a:latin typeface="Arial"/>
             </a:endParaRPr>
           </a:p>
@@ -4957,18 +5611,20 @@
               <a:buChar char=""/>
             </a:pPr>
             <a:r>
-              <a:rPr b="0" lang="en-US" sz="1800" spc="-1" strike="noStrike">
+              <a:rPr b="0" lang="en-US" sz="1800" strike="noStrike" u="none">
                 <a:solidFill>
                   <a:srgbClr val="000000"/>
                 </a:solidFill>
+                <a:uFillTx/>
                 <a:latin typeface="Arial"/>
               </a:rPr>
               <a:t>Sixth Outline Level</a:t>
             </a:r>
-            <a:endParaRPr b="0" lang="en-US" sz="1800" spc="-1" strike="noStrike">
-              <a:solidFill>
-                <a:srgbClr val="000000"/>
-              </a:solidFill>
+            <a:endParaRPr b="0" lang="en-US" sz="1800" strike="noStrike" u="none">
+              <a:solidFill>
+                <a:srgbClr val="000000"/>
+              </a:solidFill>
+              <a:uFillTx/>
               <a:latin typeface="Arial"/>
             </a:endParaRPr>
           </a:p>
@@ -4985,18 +5641,20 @@
               <a:buChar char=""/>
             </a:pPr>
             <a:r>
-              <a:rPr b="0" lang="en-US" sz="1800" spc="-1" strike="noStrike">
+              <a:rPr b="0" lang="en-US" sz="1800" strike="noStrike" u="none">
                 <a:solidFill>
                   <a:srgbClr val="000000"/>
                 </a:solidFill>
+                <a:uFillTx/>
                 <a:latin typeface="Arial"/>
               </a:rPr>
               <a:t>Seventh Outline Level</a:t>
             </a:r>
-            <a:endParaRPr b="0" lang="en-US" sz="1800" spc="-1" strike="noStrike">
-              <a:solidFill>
-                <a:srgbClr val="000000"/>
-              </a:solidFill>
+            <a:endParaRPr b="0" lang="en-US" sz="1800" strike="noStrike" u="none">
+              <a:solidFill>
+                <a:srgbClr val="000000"/>
+              </a:solidFill>
+              <a:uFillTx/>
               <a:latin typeface="Arial"/>
             </a:endParaRPr>
           </a:p>
@@ -5004,7 +5662,7 @@
       </p:sp>
       <p:sp>
         <p:nvSpPr>
-          <p:cNvPr id="20" name="PlaceHolder 3"/>
+          <p:cNvPr id="28" name="PlaceHolder 3"/>
           <p:cNvSpPr>
             <a:spLocks noGrp="1"/>
           </p:cNvSpPr>
@@ -5027,7 +5685,7 @@
         </p:spPr>
         <p:txBody>
           <a:bodyPr lIns="0" rIns="0" tIns="0" bIns="0" anchor="t">
-            <a:normAutofit fontScale="87222"/>
+            <a:normAutofit lnSpcReduction="9999"/>
           </a:bodyPr>
           <a:p>
             <a:pPr marL="432000" indent="-324000">
@@ -5042,18 +5700,20 @@
               <a:buChar char=""/>
             </a:pPr>
             <a:r>
-              <a:rPr b="0" lang="en-US" sz="1800" spc="-1" strike="noStrike">
+              <a:rPr b="0" lang="en-US" sz="1800" strike="noStrike" u="none">
                 <a:solidFill>
                   <a:srgbClr val="000000"/>
                 </a:solidFill>
+                <a:uFillTx/>
                 <a:latin typeface="Arial"/>
               </a:rPr>
               <a:t>Click to edit the outline text format</a:t>
             </a:r>
-            <a:endParaRPr b="0" lang="en-US" sz="1800" spc="-1" strike="noStrike">
-              <a:solidFill>
-                <a:srgbClr val="000000"/>
-              </a:solidFill>
+            <a:endParaRPr b="0" lang="en-US" sz="1800" strike="noStrike" u="none">
+              <a:solidFill>
+                <a:srgbClr val="000000"/>
+              </a:solidFill>
+              <a:uFillTx/>
               <a:latin typeface="Arial"/>
             </a:endParaRPr>
           </a:p>
@@ -5070,18 +5730,20 @@
               <a:buChar char=""/>
             </a:pPr>
             <a:r>
-              <a:rPr b="0" lang="en-US" sz="1800" spc="-1" strike="noStrike">
+              <a:rPr b="0" lang="en-US" sz="1800" strike="noStrike" u="none">
                 <a:solidFill>
                   <a:srgbClr val="000000"/>
                 </a:solidFill>
+                <a:uFillTx/>
                 <a:latin typeface="Arial"/>
               </a:rPr>
               <a:t>Second Outline Level</a:t>
             </a:r>
-            <a:endParaRPr b="0" lang="en-US" sz="1800" spc="-1" strike="noStrike">
-              <a:solidFill>
-                <a:srgbClr val="000000"/>
-              </a:solidFill>
+            <a:endParaRPr b="0" lang="en-US" sz="1800" strike="noStrike" u="none">
+              <a:solidFill>
+                <a:srgbClr val="000000"/>
+              </a:solidFill>
+              <a:uFillTx/>
               <a:latin typeface="Arial"/>
             </a:endParaRPr>
           </a:p>
@@ -5098,18 +5760,20 @@
               <a:buChar char=""/>
             </a:pPr>
             <a:r>
-              <a:rPr b="0" lang="en-US" sz="1800" spc="-1" strike="noStrike">
+              <a:rPr b="0" lang="en-US" sz="1800" strike="noStrike" u="none">
                 <a:solidFill>
                   <a:srgbClr val="000000"/>
                 </a:solidFill>
+                <a:uFillTx/>
                 <a:latin typeface="Arial"/>
               </a:rPr>
               <a:t>Third Outline Level</a:t>
             </a:r>
-            <a:endParaRPr b="0" lang="en-US" sz="1800" spc="-1" strike="noStrike">
-              <a:solidFill>
-                <a:srgbClr val="000000"/>
-              </a:solidFill>
+            <a:endParaRPr b="0" lang="en-US" sz="1800" strike="noStrike" u="none">
+              <a:solidFill>
+                <a:srgbClr val="000000"/>
+              </a:solidFill>
+              <a:uFillTx/>
               <a:latin typeface="Arial"/>
             </a:endParaRPr>
           </a:p>
@@ -5126,18 +5790,20 @@
               <a:buChar char=""/>
             </a:pPr>
             <a:r>
-              <a:rPr b="0" lang="en-US" sz="1800" spc="-1" strike="noStrike">
+              <a:rPr b="0" lang="en-US" sz="1800" strike="noStrike" u="none">
                 <a:solidFill>
                   <a:srgbClr val="000000"/>
                 </a:solidFill>
+                <a:uFillTx/>
                 <a:latin typeface="Arial"/>
               </a:rPr>
               <a:t>Fourth Outline Level</a:t>
             </a:r>
-            <a:endParaRPr b="0" lang="en-US" sz="1800" spc="-1" strike="noStrike">
-              <a:solidFill>
-                <a:srgbClr val="000000"/>
-              </a:solidFill>
+            <a:endParaRPr b="0" lang="en-US" sz="1800" strike="noStrike" u="none">
+              <a:solidFill>
+                <a:srgbClr val="000000"/>
+              </a:solidFill>
+              <a:uFillTx/>
               <a:latin typeface="Arial"/>
             </a:endParaRPr>
           </a:p>
@@ -5154,18 +5820,20 @@
               <a:buChar char=""/>
             </a:pPr>
             <a:r>
-              <a:rPr b="0" lang="en-US" sz="1800" spc="-1" strike="noStrike">
+              <a:rPr b="0" lang="en-US" sz="1800" strike="noStrike" u="none">
                 <a:solidFill>
                   <a:srgbClr val="000000"/>
                 </a:solidFill>
+                <a:uFillTx/>
                 <a:latin typeface="Arial"/>
               </a:rPr>
               <a:t>Fifth Outline Level</a:t>
             </a:r>
-            <a:endParaRPr b="0" lang="en-US" sz="1800" spc="-1" strike="noStrike">
-              <a:solidFill>
-                <a:srgbClr val="000000"/>
-              </a:solidFill>
+            <a:endParaRPr b="0" lang="en-US" sz="1800" strike="noStrike" u="none">
+              <a:solidFill>
+                <a:srgbClr val="000000"/>
+              </a:solidFill>
+              <a:uFillTx/>
               <a:latin typeface="Arial"/>
             </a:endParaRPr>
           </a:p>
@@ -5182,18 +5850,20 @@
               <a:buChar char=""/>
             </a:pPr>
             <a:r>
-              <a:rPr b="0" lang="en-US" sz="1800" spc="-1" strike="noStrike">
+              <a:rPr b="0" lang="en-US" sz="1800" strike="noStrike" u="none">
                 <a:solidFill>
                   <a:srgbClr val="000000"/>
                 </a:solidFill>
+                <a:uFillTx/>
                 <a:latin typeface="Arial"/>
               </a:rPr>
               <a:t>Sixth Outline Level</a:t>
             </a:r>
-            <a:endParaRPr b="0" lang="en-US" sz="1800" spc="-1" strike="noStrike">
-              <a:solidFill>
-                <a:srgbClr val="000000"/>
-              </a:solidFill>
+            <a:endParaRPr b="0" lang="en-US" sz="1800" strike="noStrike" u="none">
+              <a:solidFill>
+                <a:srgbClr val="000000"/>
+              </a:solidFill>
+              <a:uFillTx/>
               <a:latin typeface="Arial"/>
             </a:endParaRPr>
           </a:p>
@@ -5210,18 +5880,20 @@
               <a:buChar char=""/>
             </a:pPr>
             <a:r>
-              <a:rPr b="0" lang="en-US" sz="1800" spc="-1" strike="noStrike">
+              <a:rPr b="0" lang="en-US" sz="1800" strike="noStrike" u="none">
                 <a:solidFill>
                   <a:srgbClr val="000000"/>
                 </a:solidFill>
+                <a:uFillTx/>
                 <a:latin typeface="Arial"/>
               </a:rPr>
               <a:t>Seventh Outline Level</a:t>
             </a:r>
-            <a:endParaRPr b="0" lang="en-US" sz="1800" spc="-1" strike="noStrike">
-              <a:solidFill>
-                <a:srgbClr val="000000"/>
-              </a:solidFill>
+            <a:endParaRPr b="0" lang="en-US" sz="1800" strike="noStrike" u="none">
+              <a:solidFill>
+                <a:srgbClr val="000000"/>
+              </a:solidFill>
+              <a:uFillTx/>
               <a:latin typeface="Arial"/>
             </a:endParaRPr>
           </a:p>
@@ -5229,7 +5901,7 @@
       </p:sp>
       <p:sp>
         <p:nvSpPr>
-          <p:cNvPr id="21" name="PlaceHolder 4"/>
+          <p:cNvPr id="29" name="PlaceHolder 4"/>
           <p:cNvSpPr>
             <a:spLocks noGrp="1"/>
           </p:cNvSpPr>
@@ -5240,7 +5912,7 @@
         <p:spPr>
           <a:xfrm>
             <a:off x="8472600" y="4663080"/>
-            <a:ext cx="547560" cy="392400"/>
+            <a:ext cx="547200" cy="392040"/>
           </a:xfrm>
           <a:prstGeom prst="rect">
             <a:avLst/>
@@ -5263,10 +5935,11 @@
               <a:tabLst>
                 <a:tab algn="l" pos="0"/>
               </a:tabLst>
-              <a:defRPr b="0" lang="en" sz="1000" spc="-1" strike="noStrike">
+              <a:defRPr b="0" lang="en" sz="1000" strike="noStrike" u="none">
                 <a:solidFill>
                   <a:schemeClr val="dk2"/>
                 </a:solidFill>
+                <a:uFillTx/>
                 <a:latin typeface="Arial"/>
                 <a:ea typeface="Arial"/>
               </a:defRPr>
@@ -5282,20 +5955,22 @@
                 <a:tab algn="l" pos="0"/>
               </a:tabLst>
             </a:pPr>
-            <a:fld id="{E3652CF7-0779-4D33-A43A-85F6D90A45FC}" type="slidenum">
-              <a:rPr b="0" lang="en" sz="1000" spc="-1" strike="noStrike">
+            <a:fld id="{A4616932-00B5-465F-925B-32768C9DC4BB}" type="slidenum">
+              <a:rPr b="0" lang="en" sz="1000" strike="noStrike" u="none">
                 <a:solidFill>
                   <a:schemeClr val="dk2"/>
                 </a:solidFill>
+                <a:uFillTx/>
                 <a:latin typeface="Arial"/>
                 <a:ea typeface="Arial"/>
               </a:rPr>
               <a:t>&lt;number&gt;</a:t>
             </a:fld>
-            <a:endParaRPr b="0" lang="en-US" sz="1000" spc="-1" strike="noStrike">
-              <a:solidFill>
-                <a:srgbClr val="000000"/>
-              </a:solidFill>
+            <a:endParaRPr b="0" lang="en-US" sz="1000" strike="noStrike" u="none">
+              <a:solidFill>
+                <a:srgbClr val="000000"/>
+              </a:solidFill>
+              <a:uFillTx/>
               <a:latin typeface="Times New Roman"/>
             </a:endParaRPr>
           </a:p>
@@ -5303,9 +5978,9 @@
       </p:sp>
     </p:spTree>
   </p:cSld>
-  <p:clrMap bg1="lt1" bg2="lt2" tx1="dk1" tx2="dk2" accent1="accent1" accent2="accent2" accent3="accent3" accent4="accent4" accent5="accent5" accent6="accent6" hlink="hlink" folHlink="folHlink"/>
+  <p:clrMap bg1="lt1" tx1="dk1" bg2="lt2" tx2="dk2" accent1="accent1" accent2="accent2" accent3="accent3" accent4="accent4" accent5="accent5" accent6="accent6" hlink="hlink" folHlink="folHlink"/>
   <p:sldLayoutIdLst>
-    <p:sldLayoutId id="2147483661" r:id="rId2"/>
+    <p:sldLayoutId id="2147483665" r:id="rId2"/>
   </p:sldLayoutIdLst>
 </p:sldMaster>
 </file>
@@ -5336,7 +6011,7 @@
       </p:grpSpPr>
       <p:sp>
         <p:nvSpPr>
-          <p:cNvPr id="25" name="PlaceHolder 1"/>
+          <p:cNvPr id="33" name="PlaceHolder 1"/>
           <p:cNvSpPr>
             <a:spLocks noGrp="1"/>
           </p:cNvSpPr>
@@ -5366,18 +6041,20 @@
               <a:buNone/>
             </a:pPr>
             <a:r>
-              <a:rPr b="0" lang="en-US" sz="1800" spc="-1" strike="noStrike">
+              <a:rPr b="0" lang="en-US" sz="1800" strike="noStrike" u="none">
                 <a:solidFill>
                   <a:srgbClr val="000000"/>
                 </a:solidFill>
+                <a:uFillTx/>
                 <a:latin typeface="Arial"/>
               </a:rPr>
               <a:t>Click to edit the title text format</a:t>
             </a:r>
-            <a:endParaRPr b="0" lang="en-US" sz="1800" spc="-1" strike="noStrike">
-              <a:solidFill>
-                <a:srgbClr val="000000"/>
-              </a:solidFill>
+            <a:endParaRPr b="0" lang="en-US" sz="1800" strike="noStrike" u="none">
+              <a:solidFill>
+                <a:srgbClr val="000000"/>
+              </a:solidFill>
+              <a:uFillTx/>
               <a:latin typeface="Arial"/>
             </a:endParaRPr>
           </a:p>
@@ -5385,7 +6062,7 @@
       </p:sp>
       <p:sp>
         <p:nvSpPr>
-          <p:cNvPr id="26" name="PlaceHolder 2"/>
+          <p:cNvPr id="34" name="PlaceHolder 2"/>
           <p:cNvSpPr>
             <a:spLocks noGrp="1"/>
           </p:cNvSpPr>
@@ -5396,7 +6073,7 @@
         <p:spPr>
           <a:xfrm>
             <a:off x="8472600" y="4663080"/>
-            <a:ext cx="547560" cy="392400"/>
+            <a:ext cx="547200" cy="392040"/>
           </a:xfrm>
           <a:prstGeom prst="rect">
             <a:avLst/>
@@ -5419,10 +6096,11 @@
               <a:tabLst>
                 <a:tab algn="l" pos="0"/>
               </a:tabLst>
-              <a:defRPr b="0" lang="en" sz="1000" spc="-1" strike="noStrike">
+              <a:defRPr b="0" lang="en" sz="1000" strike="noStrike" u="none">
                 <a:solidFill>
                   <a:schemeClr val="dk2"/>
                 </a:solidFill>
+                <a:uFillTx/>
                 <a:latin typeface="Arial"/>
                 <a:ea typeface="Arial"/>
               </a:defRPr>
@@ -5438,20 +6116,22 @@
                 <a:tab algn="l" pos="0"/>
               </a:tabLst>
             </a:pPr>
-            <a:fld id="{424F3FA0-9E89-4EB0-B292-844CC64E68B9}" type="slidenum">
-              <a:rPr b="0" lang="en" sz="1000" spc="-1" strike="noStrike">
+            <a:fld id="{E99B8E1B-D6A7-4F57-87C7-367C02273A9C}" type="slidenum">
+              <a:rPr b="0" lang="en" sz="1000" strike="noStrike" u="none">
                 <a:solidFill>
                   <a:schemeClr val="dk2"/>
                 </a:solidFill>
+                <a:uFillTx/>
                 <a:latin typeface="Arial"/>
                 <a:ea typeface="Arial"/>
               </a:rPr>
-              <a:t>&lt;number&gt;</a:t>
+              <a:t>1</a:t>
             </a:fld>
-            <a:endParaRPr b="0" lang="en-US" sz="1000" spc="-1" strike="noStrike">
-              <a:solidFill>
-                <a:srgbClr val="000000"/>
-              </a:solidFill>
+            <a:endParaRPr b="0" lang="en-US" sz="1000" strike="noStrike" u="none">
+              <a:solidFill>
+                <a:srgbClr val="000000"/>
+              </a:solidFill>
+              <a:uFillTx/>
               <a:latin typeface="Times New Roman"/>
             </a:endParaRPr>
           </a:p>
@@ -5459,9 +6139,9 @@
       </p:sp>
     </p:spTree>
   </p:cSld>
-  <p:clrMap bg1="lt1" bg2="lt2" tx1="dk1" tx2="dk2" accent1="accent1" accent2="accent2" accent3="accent3" accent4="accent4" accent5="accent5" accent6="accent6" hlink="hlink" folHlink="folHlink"/>
+  <p:clrMap bg1="lt1" tx1="dk1" bg2="lt2" tx2="dk2" accent1="accent1" accent2="accent2" accent3="accent3" accent4="accent4" accent5="accent5" accent6="accent6" hlink="hlink" folHlink="folHlink"/>
   <p:sldLayoutIdLst>
-    <p:sldLayoutId id="2147483663" r:id="rId2"/>
+    <p:sldLayoutId id="2147483667" r:id="rId2"/>
   </p:sldLayoutIdLst>
 </p:sldMaster>
 </file>
@@ -5492,7 +6172,7 @@
       </p:grpSpPr>
       <p:sp>
         <p:nvSpPr>
-          <p:cNvPr id="28" name="PlaceHolder 1"/>
+          <p:cNvPr id="36" name="PlaceHolder 1"/>
           <p:cNvSpPr>
             <a:spLocks noGrp="1"/>
           </p:cNvSpPr>
@@ -5503,7 +6183,7 @@
         <p:spPr>
           <a:xfrm>
             <a:off x="8472600" y="4663080"/>
-            <a:ext cx="547560" cy="392400"/>
+            <a:ext cx="547200" cy="392040"/>
           </a:xfrm>
           <a:prstGeom prst="rect">
             <a:avLst/>
@@ -5526,10 +6206,11 @@
               <a:tabLst>
                 <a:tab algn="l" pos="0"/>
               </a:tabLst>
-              <a:defRPr b="0" lang="en" sz="1000" spc="-1" strike="noStrike">
+              <a:defRPr b="0" lang="en" sz="1000" strike="noStrike" u="none">
                 <a:solidFill>
                   <a:schemeClr val="dk2"/>
                 </a:solidFill>
+                <a:uFillTx/>
                 <a:latin typeface="Arial"/>
                 <a:ea typeface="Arial"/>
               </a:defRPr>
@@ -5545,20 +6226,22 @@
                 <a:tab algn="l" pos="0"/>
               </a:tabLst>
             </a:pPr>
-            <a:fld id="{946DFB91-ACC4-4B51-9AE8-91F3BA061918}" type="slidenum">
-              <a:rPr b="0" lang="en" sz="1000" spc="-1" strike="noStrike">
+            <a:fld id="{A1ECBFC7-35EE-4BC8-9988-0E0F29465FB4}" type="slidenum">
+              <a:rPr b="0" lang="en" sz="1000" strike="noStrike" u="none">
                 <a:solidFill>
                   <a:schemeClr val="dk2"/>
                 </a:solidFill>
+                <a:uFillTx/>
                 <a:latin typeface="Arial"/>
                 <a:ea typeface="Arial"/>
               </a:rPr>
-              <a:t>&lt;number&gt;</a:t>
+              <a:t>1</a:t>
             </a:fld>
-            <a:endParaRPr b="0" lang="en-US" sz="1000" spc="-1" strike="noStrike">
-              <a:solidFill>
-                <a:srgbClr val="000000"/>
-              </a:solidFill>
+            <a:endParaRPr b="0" lang="en-US" sz="1000" strike="noStrike" u="none">
+              <a:solidFill>
+                <a:srgbClr val="000000"/>
+              </a:solidFill>
+              <a:uFillTx/>
               <a:latin typeface="Times New Roman"/>
             </a:endParaRPr>
           </a:p>
@@ -5566,9 +6249,9 @@
       </p:sp>
     </p:spTree>
   </p:cSld>
-  <p:clrMap bg1="lt1" bg2="lt2" tx1="dk1" tx2="dk2" accent1="accent1" accent2="accent2" accent3="accent3" accent4="accent4" accent5="accent5" accent6="accent6" hlink="hlink" folHlink="folHlink"/>
+  <p:clrMap bg1="lt1" tx1="dk1" bg2="lt2" tx2="dk2" accent1="accent1" accent2="accent2" accent3="accent3" accent4="accent4" accent5="accent5" accent6="accent6" hlink="hlink" folHlink="folHlink"/>
   <p:sldLayoutIdLst>
-    <p:sldLayoutId id="2147483665" r:id="rId2"/>
+    <p:sldLayoutId id="2147483669" r:id="rId2"/>
   </p:sldLayoutIdLst>
 </p:sldMaster>
 </file>
@@ -5599,7 +6282,7 @@
       </p:grpSpPr>
       <p:sp>
         <p:nvSpPr>
-          <p:cNvPr id="39" name="PlaceHolder 1"/>
+          <p:cNvPr id="47" name="PlaceHolder 1"/>
           <p:cNvSpPr>
             <a:spLocks noGrp="1"/>
           </p:cNvSpPr>
@@ -5610,7 +6293,7 @@
         <p:spPr>
           <a:xfrm>
             <a:off x="834480" y="347400"/>
-            <a:ext cx="7473600" cy="1764000"/>
+            <a:ext cx="7473240" cy="1763640"/>
           </a:xfrm>
           <a:prstGeom prst="rect">
             <a:avLst/>
@@ -5635,19 +6318,21 @@
               </a:tabLst>
             </a:pPr>
             <a:r>
-              <a:rPr b="1" lang="en" sz="3300" spc="-1" strike="noStrike">
+              <a:rPr b="1" lang="en" sz="3300" strike="noStrike" u="none">
                 <a:solidFill>
                   <a:schemeClr val="dk1"/>
                 </a:solidFill>
+                <a:uFillTx/>
                 <a:latin typeface="Times New Roman"/>
                 <a:ea typeface="Times New Roman"/>
               </a:rPr>
               <a:t>SecuriTEE: Secure Memory for RISC-V Trusted Execution Environments</a:t>
             </a:r>
-            <a:endParaRPr b="0" lang="en-US" sz="3300" spc="-1" strike="noStrike">
-              <a:solidFill>
-                <a:srgbClr val="000000"/>
-              </a:solidFill>
+            <a:endParaRPr b="0" lang="en-US" sz="3300" strike="noStrike" u="none">
+              <a:solidFill>
+                <a:srgbClr val="000000"/>
+              </a:solidFill>
+              <a:uFillTx/>
               <a:latin typeface="Arial"/>
             </a:endParaRPr>
           </a:p>
@@ -5655,14 +6340,14 @@
       </p:sp>
       <p:cxnSp>
         <p:nvCxnSpPr>
-          <p:cNvPr id="40" name="Google Shape;56;p13"/>
+          <p:cNvPr id="48" name="Google Shape;56;p13"/>
           <p:cNvCxnSpPr/>
           <p:nvPr/>
         </p:nvCxnSpPr>
         <p:spPr>
           <a:xfrm>
             <a:off x="204480" y="2304720"/>
-            <a:ext cx="8736120" cy="1440"/>
+            <a:ext cx="8736480" cy="1800"/>
           </a:xfrm>
           <a:prstGeom prst="straightConnector1">
             <a:avLst/>
@@ -5677,14 +6362,14 @@
       </p:cxnSp>
       <p:cxnSp>
         <p:nvCxnSpPr>
-          <p:cNvPr id="41" name="Google Shape;57;p13"/>
+          <p:cNvPr id="49" name="Google Shape;57;p13"/>
           <p:cNvCxnSpPr/>
           <p:nvPr/>
         </p:nvCxnSpPr>
         <p:spPr>
           <a:xfrm>
             <a:off x="204480" y="3948840"/>
-            <a:ext cx="8736120" cy="1440"/>
+            <a:ext cx="8736480" cy="1800"/>
           </a:xfrm>
           <a:prstGeom prst="straightConnector1">
             <a:avLst/>
@@ -5699,7 +6384,7 @@
       </p:cxnSp>
       <p:sp>
         <p:nvSpPr>
-          <p:cNvPr id="42" name="PlaceHolder 2"/>
+          <p:cNvPr id="50" name="PlaceHolder 2"/>
           <p:cNvSpPr>
             <a:spLocks noGrp="1"/>
           </p:cNvSpPr>
@@ -5710,7 +6395,7 @@
         <p:spPr>
           <a:xfrm>
             <a:off x="8472600" y="4663080"/>
-            <a:ext cx="547560" cy="392400"/>
+            <a:ext cx="547200" cy="392040"/>
           </a:xfrm>
           <a:prstGeom prst="rect">
             <a:avLst/>
@@ -5733,10 +6418,11 @@
               <a:tabLst>
                 <a:tab algn="l" pos="0"/>
               </a:tabLst>
-              <a:defRPr b="0" lang="en" sz="1000" spc="-1" strike="noStrike">
+              <a:defRPr b="0" lang="en" sz="1000" strike="noStrike" u="none">
                 <a:solidFill>
                   <a:schemeClr val="dk2"/>
                 </a:solidFill>
+                <a:uFillTx/>
                 <a:latin typeface="Arial"/>
                 <a:ea typeface="Arial"/>
               </a:defRPr>
@@ -5752,20 +6438,22 @@
                 <a:tab algn="l" pos="0"/>
               </a:tabLst>
             </a:pPr>
-            <a:fld id="{9B14585D-3AEF-4848-B2AF-18C711560B23}" type="slidenum">
-              <a:rPr b="0" lang="en" sz="1000" spc="-1" strike="noStrike">
+            <a:fld id="{315FD85A-15F7-40C6-BE11-D196D110E623}" type="slidenum">
+              <a:rPr b="0" lang="en" sz="1000" strike="noStrike" u="none">
                 <a:solidFill>
                   <a:schemeClr val="dk2"/>
                 </a:solidFill>
+                <a:uFillTx/>
                 <a:latin typeface="Arial"/>
                 <a:ea typeface="Arial"/>
               </a:rPr>
               <a:t>1</a:t>
             </a:fld>
-            <a:endParaRPr b="0" lang="en-US" sz="1000" spc="-1" strike="noStrike">
-              <a:solidFill>
-                <a:srgbClr val="000000"/>
-              </a:solidFill>
+            <a:endParaRPr b="0" lang="en-US" sz="1000" strike="noStrike" u="none">
+              <a:solidFill>
+                <a:srgbClr val="000000"/>
+              </a:solidFill>
+              <a:uFillTx/>
               <a:latin typeface="Times New Roman"/>
             </a:endParaRPr>
           </a:p>
@@ -5773,14 +6461,14 @@
       </p:sp>
       <p:sp>
         <p:nvSpPr>
-          <p:cNvPr id="43" name="Google Shape;59;p13"/>
+          <p:cNvPr id="51" name="Google Shape;59;p13"/>
           <p:cNvSpPr/>
           <p:nvPr/>
         </p:nvSpPr>
         <p:spPr>
           <a:xfrm>
             <a:off x="1946880" y="2244240"/>
-            <a:ext cx="5249520" cy="1668600"/>
+            <a:ext cx="5249160" cy="1668600"/>
           </a:xfrm>
           <a:prstGeom prst="rect">
             <a:avLst/>
@@ -5810,19 +6498,21 @@
               </a:tabLst>
             </a:pPr>
             <a:r>
-              <a:rPr b="0" lang="en" sz="1200" spc="-1" strike="noStrike">
+              <a:rPr b="0" lang="en" sz="1200" strike="noStrike" u="none">
                 <a:solidFill>
                   <a:schemeClr val="dk1"/>
                 </a:solidFill>
+                <a:uFillTx/>
                 <a:latin typeface="Times New Roman"/>
                 <a:ea typeface="Times New Roman"/>
               </a:rPr>
               <a:t>Presentation By:</a:t>
             </a:r>
-            <a:endParaRPr b="0" lang="en-US" sz="1200" spc="-1" strike="noStrike">
-              <a:solidFill>
-                <a:srgbClr val="000000"/>
-              </a:solidFill>
+            <a:endParaRPr b="0" lang="en-US" sz="1200" strike="noStrike" u="none">
+              <a:solidFill>
+                <a:srgbClr val="000000"/>
+              </a:solidFill>
+              <a:uFillTx/>
               <a:latin typeface="Arial"/>
             </a:endParaRPr>
           </a:p>
@@ -5836,10 +6526,11 @@
               </a:tabLst>
             </a:pPr>
             <a:r>
-              <a:rPr b="0" lang="en" sz="1900" spc="-1" strike="noStrike">
+              <a:rPr b="0" lang="en" sz="1900" strike="noStrike" u="none">
                 <a:solidFill>
                   <a:schemeClr val="dk1"/>
                 </a:solidFill>
+                <a:uFillTx/>
                 <a:latin typeface="Times New Roman"/>
                 <a:ea typeface="Times New Roman"/>
               </a:rPr>
@@ -5849,10 +6540,11 @@
               <a:rPr sz="1900"/>
             </a:br>
             <a:r>
-              <a:rPr b="0" lang="en" sz="1700" spc="-1" strike="noStrike">
+              <a:rPr b="0" lang="en" sz="1700" strike="noStrike" u="none">
                 <a:solidFill>
                   <a:schemeClr val="dk1"/>
                 </a:solidFill>
+                <a:uFillTx/>
                 <a:latin typeface="Times New Roman"/>
                 <a:ea typeface="Times New Roman"/>
               </a:rPr>
@@ -5862,19 +6554,21 @@
               <a:rPr sz="1700"/>
             </a:br>
             <a:r>
-              <a:rPr b="0" lang="en" sz="1700" spc="-1" strike="noStrike">
+              <a:rPr b="0" lang="en" sz="1700" strike="noStrike" u="none">
                 <a:solidFill>
                   <a:schemeClr val="dk1"/>
                 </a:solidFill>
+                <a:uFillTx/>
                 <a:latin typeface="Times New Roman"/>
                 <a:ea typeface="Times New Roman"/>
               </a:rPr>
               <a:t>Colorado School of Mines</a:t>
             </a:r>
-            <a:endParaRPr b="0" lang="en-US" sz="1700" spc="-1" strike="noStrike">
-              <a:solidFill>
-                <a:srgbClr val="000000"/>
-              </a:solidFill>
+            <a:endParaRPr b="0" lang="en-US" sz="1700" strike="noStrike" u="none">
+              <a:solidFill>
+                <a:srgbClr val="000000"/>
+              </a:solidFill>
+              <a:uFillTx/>
               <a:latin typeface="Arial"/>
             </a:endParaRPr>
           </a:p>
@@ -5882,14 +6576,14 @@
       </p:sp>
       <p:sp>
         <p:nvSpPr>
-          <p:cNvPr id="44" name="Google Shape;60;p13"/>
+          <p:cNvPr id="52" name="Google Shape;60;p13"/>
           <p:cNvSpPr/>
           <p:nvPr/>
         </p:nvSpPr>
         <p:spPr>
           <a:xfrm>
             <a:off x="3071880" y="3948480"/>
-            <a:ext cx="2998800" cy="1005480"/>
+            <a:ext cx="2998440" cy="1005480"/>
           </a:xfrm>
           <a:prstGeom prst="rect">
             <a:avLst/>
@@ -5922,19 +6616,21 @@
               <a:rPr sz="1800"/>
             </a:br>
             <a:r>
-              <a:rPr b="0" lang="en" sz="1800" spc="-1" strike="noStrike">
+              <a:rPr b="0" lang="en" sz="1800" strike="noStrike" u="none">
                 <a:solidFill>
                   <a:schemeClr val="dk1"/>
                 </a:solidFill>
+                <a:uFillTx/>
                 <a:latin typeface="Times New Roman"/>
                 <a:ea typeface="Times New Roman"/>
               </a:rPr>
               <a:t>November 5, 2024</a:t>
             </a:r>
-            <a:endParaRPr b="0" lang="en-US" sz="1800" spc="-1" strike="noStrike">
-              <a:solidFill>
-                <a:srgbClr val="000000"/>
-              </a:solidFill>
+            <a:endParaRPr b="0" lang="en-US" sz="1800" strike="noStrike" u="none">
+              <a:solidFill>
+                <a:srgbClr val="000000"/>
+              </a:solidFill>
+              <a:uFillTx/>
               <a:latin typeface="Arial"/>
             </a:endParaRPr>
           </a:p>
@@ -5972,7 +6668,7 @@
       </p:grpSpPr>
       <p:sp>
         <p:nvSpPr>
-          <p:cNvPr id="82" name="PlaceHolder 1"/>
+          <p:cNvPr id="91" name="PlaceHolder 1"/>
           <p:cNvSpPr>
             <a:spLocks noGrp="1"/>
           </p:cNvSpPr>
@@ -5983,7 +6679,7 @@
         <p:spPr>
           <a:xfrm>
             <a:off x="1487160" y="171360"/>
-            <a:ext cx="6166440" cy="921960"/>
+            <a:ext cx="6166080" cy="921600"/>
           </a:xfrm>
           <a:prstGeom prst="rect">
             <a:avLst/>
@@ -6008,19 +6704,21 @@
               </a:tabLst>
             </a:pPr>
             <a:r>
-              <a:rPr b="0" lang="en" sz="2400" spc="-1" strike="noStrike">
+              <a:rPr b="0" lang="en" sz="2400" strike="noStrike" u="none">
                 <a:solidFill>
                   <a:srgbClr val="000000"/>
                 </a:solidFill>
+                <a:uFillTx/>
                 <a:latin typeface="Times New Roman"/>
                 <a:ea typeface="Times New Roman"/>
               </a:rPr>
               <a:t>Limitations</a:t>
             </a:r>
-            <a:endParaRPr b="0" lang="en-US" sz="2400" spc="-1" strike="noStrike">
-              <a:solidFill>
-                <a:srgbClr val="000000"/>
-              </a:solidFill>
+            <a:endParaRPr b="0" lang="en-US" sz="2400" strike="noStrike" u="none">
+              <a:solidFill>
+                <a:srgbClr val="000000"/>
+              </a:solidFill>
+              <a:uFillTx/>
               <a:latin typeface="Arial"/>
             </a:endParaRPr>
           </a:p>
@@ -6028,7 +6726,7 @@
       </p:sp>
       <p:sp>
         <p:nvSpPr>
-          <p:cNvPr id="83" name="PlaceHolder 2"/>
+          <p:cNvPr id="92" name="PlaceHolder 2"/>
           <p:cNvSpPr>
             <a:spLocks noGrp="1"/>
           </p:cNvSpPr>
@@ -6039,7 +6737,7 @@
         <p:spPr>
           <a:xfrm>
             <a:off x="343080" y="606600"/>
-            <a:ext cx="8391600" cy="3493800"/>
+            <a:ext cx="8391240" cy="3493440"/>
           </a:xfrm>
           <a:prstGeom prst="rect">
             <a:avLst/>
@@ -6063,10 +6761,11 @@
                 <a:tab algn="l" pos="0"/>
               </a:tabLst>
             </a:pPr>
-            <a:endParaRPr b="0" lang="en-US" sz="1800" spc="-1" strike="noStrike">
-              <a:solidFill>
-                <a:srgbClr val="000000"/>
-              </a:solidFill>
+            <a:endParaRPr b="0" lang="en-US" sz="1800" strike="noStrike" u="none">
+              <a:solidFill>
+                <a:srgbClr val="000000"/>
+              </a:solidFill>
+              <a:uFillTx/>
               <a:latin typeface="Arial"/>
             </a:endParaRPr>
           </a:p>
@@ -6088,19 +6787,21 @@
               </a:tabLst>
             </a:pPr>
             <a:r>
-              <a:rPr b="0" lang="en" sz="2400" spc="-1" strike="noStrike">
+              <a:rPr b="0" lang="en" sz="2400" strike="noStrike" u="none">
                 <a:solidFill>
                   <a:srgbClr val="000000"/>
                 </a:solidFill>
+                <a:uFillTx/>
                 <a:latin typeface="Times New Roman"/>
                 <a:ea typeface="Times New Roman"/>
               </a:rPr>
               <a:t>Computational and memory overhead</a:t>
             </a:r>
-            <a:endParaRPr b="0" lang="en-US" sz="2400" spc="-1" strike="noStrike">
-              <a:solidFill>
-                <a:srgbClr val="000000"/>
-              </a:solidFill>
+            <a:endParaRPr b="0" lang="en-US" sz="2400" strike="noStrike" u="none">
+              <a:solidFill>
+                <a:srgbClr val="000000"/>
+              </a:solidFill>
+              <a:uFillTx/>
               <a:latin typeface="Arial"/>
             </a:endParaRPr>
           </a:p>
@@ -6108,14 +6809,14 @@
       </p:sp>
       <p:cxnSp>
         <p:nvCxnSpPr>
-          <p:cNvPr id="84" name="Google Shape;180;p25"/>
+          <p:cNvPr id="93" name="Google Shape;180;p25"/>
           <p:cNvCxnSpPr/>
           <p:nvPr/>
         </p:nvCxnSpPr>
         <p:spPr>
           <a:xfrm>
             <a:off x="204480" y="721440"/>
-            <a:ext cx="8736120" cy="1440"/>
+            <a:ext cx="8736480" cy="1800"/>
           </a:xfrm>
           <a:prstGeom prst="straightConnector1">
             <a:avLst/>
@@ -6130,7 +6831,7 @@
       </p:cxnSp>
       <p:sp>
         <p:nvSpPr>
-          <p:cNvPr id="85" name="PlaceHolder 3"/>
+          <p:cNvPr id="94" name="PlaceHolder 3"/>
           <p:cNvSpPr>
             <a:spLocks noGrp="1"/>
           </p:cNvSpPr>
@@ -6141,7 +6842,7 @@
         <p:spPr>
           <a:xfrm>
             <a:off x="8472600" y="4633560"/>
-            <a:ext cx="547560" cy="392400"/>
+            <a:ext cx="547200" cy="392040"/>
           </a:xfrm>
           <a:prstGeom prst="rect">
             <a:avLst/>
@@ -6164,10 +6865,11 @@
               <a:tabLst>
                 <a:tab algn="l" pos="0"/>
               </a:tabLst>
-              <a:defRPr b="0" lang="en" sz="1000" spc="-1" strike="noStrike">
+              <a:defRPr b="0" lang="en" sz="1000" strike="noStrike" u="none">
                 <a:solidFill>
                   <a:schemeClr val="dk2"/>
                 </a:solidFill>
+                <a:uFillTx/>
                 <a:latin typeface="Arial"/>
                 <a:ea typeface="Arial"/>
               </a:defRPr>
@@ -6183,20 +6885,22 @@
                 <a:tab algn="l" pos="0"/>
               </a:tabLst>
             </a:pPr>
-            <a:fld id="{F552293C-015B-4768-8D66-D2C4C448351B}" type="slidenum">
-              <a:rPr b="0" lang="en" sz="1000" spc="-1" strike="noStrike">
+            <a:fld id="{647985C6-3ABC-4A41-903C-A0FBA530F617}" type="slidenum">
+              <a:rPr b="0" lang="en" sz="1000" strike="noStrike" u="none">
                 <a:solidFill>
                   <a:schemeClr val="dk2"/>
                 </a:solidFill>
+                <a:uFillTx/>
                 <a:latin typeface="Arial"/>
                 <a:ea typeface="Arial"/>
               </a:rPr>
               <a:t>10</a:t>
             </a:fld>
-            <a:endParaRPr b="0" lang="en-US" sz="1000" spc="-1" strike="noStrike">
-              <a:solidFill>
-                <a:srgbClr val="000000"/>
-              </a:solidFill>
+            <a:endParaRPr b="0" lang="en-US" sz="1000" strike="noStrike" u="none">
+              <a:solidFill>
+                <a:srgbClr val="000000"/>
+              </a:solidFill>
+              <a:uFillTx/>
               <a:latin typeface="Times New Roman"/>
             </a:endParaRPr>
           </a:p>
@@ -6234,7 +6938,7 @@
       </p:grpSpPr>
       <p:sp>
         <p:nvSpPr>
-          <p:cNvPr id="86" name="PlaceHolder 1"/>
+          <p:cNvPr id="95" name="PlaceHolder 1"/>
           <p:cNvSpPr>
             <a:spLocks noGrp="1"/>
           </p:cNvSpPr>
@@ -6245,7 +6949,7 @@
         <p:spPr>
           <a:xfrm>
             <a:off x="1487160" y="171360"/>
-            <a:ext cx="6166440" cy="921960"/>
+            <a:ext cx="6166080" cy="921600"/>
           </a:xfrm>
           <a:prstGeom prst="rect">
             <a:avLst/>
@@ -6270,19 +6974,21 @@
               </a:tabLst>
             </a:pPr>
             <a:r>
-              <a:rPr b="0" lang="en" sz="2400" spc="-1" strike="noStrike">
+              <a:rPr b="0" lang="en" sz="2400" strike="noStrike" u="none">
                 <a:solidFill>
                   <a:srgbClr val="000000"/>
                 </a:solidFill>
+                <a:uFillTx/>
                 <a:latin typeface="Times New Roman"/>
                 <a:ea typeface="Times New Roman"/>
               </a:rPr>
               <a:t>Sources</a:t>
             </a:r>
-            <a:endParaRPr b="0" lang="en-US" sz="2400" spc="-1" strike="noStrike">
-              <a:solidFill>
-                <a:srgbClr val="000000"/>
-              </a:solidFill>
+            <a:endParaRPr b="0" lang="en-US" sz="2400" strike="noStrike" u="none">
+              <a:solidFill>
+                <a:srgbClr val="000000"/>
+              </a:solidFill>
+              <a:uFillTx/>
               <a:latin typeface="Arial"/>
             </a:endParaRPr>
           </a:p>
@@ -6290,7 +6996,7 @@
       </p:sp>
       <p:sp>
         <p:nvSpPr>
-          <p:cNvPr id="87" name="PlaceHolder 2"/>
+          <p:cNvPr id="96" name="PlaceHolder 2"/>
           <p:cNvSpPr>
             <a:spLocks noGrp="1"/>
           </p:cNvSpPr>
@@ -6301,7 +7007,7 @@
         <p:spPr>
           <a:xfrm>
             <a:off x="343080" y="606600"/>
-            <a:ext cx="8314200" cy="4419720"/>
+            <a:ext cx="8313840" cy="4419360"/>
           </a:xfrm>
           <a:prstGeom prst="rect">
             <a:avLst/>
@@ -6325,10 +7031,11 @@
                 <a:tab algn="l" pos="0"/>
               </a:tabLst>
             </a:pPr>
-            <a:endParaRPr b="0" lang="en-US" sz="1400" spc="-1" strike="noStrike">
-              <a:solidFill>
-                <a:srgbClr val="000000"/>
-              </a:solidFill>
+            <a:endParaRPr b="0" lang="en-US" sz="1400" strike="noStrike" u="none">
+              <a:solidFill>
+                <a:srgbClr val="000000"/>
+              </a:solidFill>
+              <a:uFillTx/>
               <a:latin typeface="Arial"/>
             </a:endParaRPr>
           </a:p>
@@ -6346,49 +7053,54 @@
               </a:tabLst>
             </a:pPr>
             <a:r>
-              <a:rPr b="0" lang="en" sz="1400" spc="-1" strike="noStrike">
+              <a:rPr b="0" lang="en" sz="1400" strike="noStrike" u="none">
                 <a:solidFill>
                   <a:srgbClr val="000000"/>
                 </a:solidFill>
+                <a:uFillTx/>
                 <a:latin typeface="Times New Roman"/>
                 <a:ea typeface="Times New Roman"/>
               </a:rPr>
               <a:t>[1]</a:t>
             </a:r>
             <a:r>
-              <a:rPr b="0" lang="en" sz="1400" spc="-1" strike="noStrike">
+              <a:rPr b="0" lang="en" sz="1400" strike="noStrike" u="none">
                 <a:solidFill>
                   <a:schemeClr val="dk1"/>
                 </a:solidFill>
+                <a:uFillTx/>
                 <a:latin typeface="Times New Roman"/>
                 <a:ea typeface="Times New Roman"/>
               </a:rPr>
               <a:t> Dayeol Lee (2022) Building Trusted Execution Environments. In: </a:t>
             </a:r>
             <a:r>
-              <a:rPr b="0" i="1" lang="en" sz="1400" spc="-1" strike="noStrike">
+              <a:rPr b="0" i="1" lang="en" sz="1400" strike="noStrike" u="none">
                 <a:solidFill>
                   <a:schemeClr val="dk1"/>
                 </a:solidFill>
+                <a:uFillTx/>
                 <a:latin typeface="Times New Roman"/>
                 <a:ea typeface="Times New Roman"/>
               </a:rPr>
               <a:t>A dissertation submitted in partial satisfaction of the requirements for the degree of Doctor of Philosophy in Computer Science in the Graduate Division of the University of California, Berkeley</a:t>
             </a:r>
             <a:r>
-              <a:rPr b="0" lang="en" sz="1400" spc="-1" strike="noStrike">
+              <a:rPr b="0" lang="en" sz="1400" strike="noStrike" u="none">
                 <a:solidFill>
                   <a:schemeClr val="dk1"/>
                 </a:solidFill>
+                <a:uFillTx/>
                 <a:latin typeface="Times New Roman"/>
                 <a:ea typeface="Times New Roman"/>
               </a:rPr>
               <a:t>. </a:t>
             </a:r>
-            <a:endParaRPr b="0" lang="en-US" sz="1400" spc="-1" strike="noStrike">
-              <a:solidFill>
-                <a:srgbClr val="000000"/>
-              </a:solidFill>
+            <a:endParaRPr b="0" lang="en-US" sz="1400" strike="noStrike" u="none">
+              <a:solidFill>
+                <a:srgbClr val="000000"/>
+              </a:solidFill>
+              <a:uFillTx/>
               <a:latin typeface="Arial"/>
             </a:endParaRPr>
           </a:p>
@@ -6406,29 +7118,32 @@
               </a:tabLst>
             </a:pPr>
             <a:r>
-              <a:rPr b="0" lang="en" sz="1400" spc="-1" strike="noStrike">
+              <a:rPr b="0" lang="en" sz="1400" strike="noStrike" u="none">
                 <a:solidFill>
                   <a:schemeClr val="dk1"/>
                 </a:solidFill>
+                <a:uFillTx/>
                 <a:latin typeface="Times New Roman"/>
                 <a:ea typeface="Times New Roman"/>
               </a:rPr>
               <a:t>[2] Chenyu Yan, Brian Rogers, Daniel Englender, et. al. (2006) Improving Cost, Performance, and Security of Memory Encryption and Authentication. In: </a:t>
             </a:r>
             <a:r>
-              <a:rPr b="0" i="1" lang="en" sz="1400" spc="-1" strike="noStrike">
+              <a:rPr b="0" i="1" lang="en" sz="1400" strike="noStrike" u="none">
                 <a:solidFill>
                   <a:schemeClr val="dk1"/>
                 </a:solidFill>
+                <a:uFillTx/>
                 <a:latin typeface="Times New Roman"/>
                 <a:ea typeface="Times New Roman"/>
               </a:rPr>
               <a:t>Proceedings of the 33rd International Symposium on Computer Architecture (ISCA’06)</a:t>
             </a:r>
-            <a:endParaRPr b="0" lang="en-US" sz="1400" spc="-1" strike="noStrike">
-              <a:solidFill>
-                <a:srgbClr val="000000"/>
-              </a:solidFill>
+            <a:endParaRPr b="0" lang="en-US" sz="1400" strike="noStrike" u="none">
+              <a:solidFill>
+                <a:srgbClr val="000000"/>
+              </a:solidFill>
+              <a:uFillTx/>
               <a:latin typeface="Arial"/>
             </a:endParaRPr>
           </a:p>
@@ -6446,29 +7161,32 @@
               </a:tabLst>
             </a:pPr>
             <a:r>
-              <a:rPr b="0" lang="en" sz="1400" spc="-1" strike="noStrike">
+              <a:rPr b="0" lang="en" sz="1400" strike="noStrike" u="none">
                 <a:solidFill>
                   <a:schemeClr val="dk1"/>
                 </a:solidFill>
+                <a:uFillTx/>
                 <a:latin typeface="Times New Roman"/>
                 <a:ea typeface="Times New Roman"/>
               </a:rPr>
               <a:t>[3] Brian Rogers &amp; Milos Prvulovic (2007) Using address independent seed encryption and bonsai merkle trees to make secure processors OS-and performance-friendly. In: </a:t>
             </a:r>
             <a:r>
-              <a:rPr b="0" i="1" lang="en" sz="1400" spc="-1" strike="noStrike">
+              <a:rPr b="0" i="1" lang="en" sz="1400" strike="noStrike" u="none">
                 <a:solidFill>
                   <a:schemeClr val="dk1"/>
                 </a:solidFill>
+                <a:uFillTx/>
                 <a:latin typeface="Times New Roman"/>
                 <a:ea typeface="Times New Roman"/>
               </a:rPr>
               <a:t>40th IEEE/ACM International Symposium on Microarchitecture (MICRO’07)</a:t>
             </a:r>
-            <a:endParaRPr b="0" lang="en-US" sz="1400" spc="-1" strike="noStrike">
-              <a:solidFill>
-                <a:srgbClr val="000000"/>
-              </a:solidFill>
+            <a:endParaRPr b="0" lang="en-US" sz="1400" strike="noStrike" u="none">
+              <a:solidFill>
+                <a:srgbClr val="000000"/>
+              </a:solidFill>
+              <a:uFillTx/>
               <a:latin typeface="Arial"/>
             </a:endParaRPr>
           </a:p>
@@ -6486,19 +7204,21 @@
               </a:tabLst>
             </a:pPr>
             <a:r>
-              <a:rPr b="0" lang="en" sz="1400" spc="-1" strike="noStrike">
+              <a:rPr b="0" lang="en" sz="1400" strike="noStrike" u="none">
                 <a:solidFill>
                   <a:schemeClr val="dk1"/>
                 </a:solidFill>
+                <a:uFillTx/>
                 <a:latin typeface="Times New Roman"/>
                 <a:ea typeface="Times New Roman"/>
               </a:rPr>
-              <a:t>[3] Zach Moolman &amp; Tamara Silbergleit Lehman</a:t>
+              <a:t>[3] Zach Moolman &amp; Tamara Silbergleit Lehman (2024) Extending RISC-V Keystone to Include Efficient Secure Memory</a:t>
             </a:r>
-            <a:endParaRPr b="0" lang="en-US" sz="1400" spc="-1" strike="noStrike">
-              <a:solidFill>
-                <a:srgbClr val="000000"/>
-              </a:solidFill>
+            <a:endParaRPr b="0" lang="en-US" sz="1400" strike="noStrike" u="none">
+              <a:solidFill>
+                <a:srgbClr val="000000"/>
+              </a:solidFill>
+              <a:uFillTx/>
               <a:latin typeface="Arial"/>
             </a:endParaRPr>
           </a:p>
@@ -6515,10 +7235,11 @@
                 <a:tab algn="l" pos="0"/>
               </a:tabLst>
             </a:pPr>
-            <a:endParaRPr b="0" lang="en-US" sz="1400" spc="-1" strike="noStrike">
-              <a:solidFill>
-                <a:srgbClr val="000000"/>
-              </a:solidFill>
+            <a:endParaRPr b="0" lang="en-US" sz="1400" strike="noStrike" u="none">
+              <a:solidFill>
+                <a:srgbClr val="000000"/>
+              </a:solidFill>
+              <a:uFillTx/>
               <a:latin typeface="Arial"/>
             </a:endParaRPr>
           </a:p>
@@ -6535,10 +7256,11 @@
                 <a:tab algn="l" pos="0"/>
               </a:tabLst>
             </a:pPr>
-            <a:endParaRPr b="0" lang="en-US" sz="1400" spc="-1" strike="noStrike">
-              <a:solidFill>
-                <a:srgbClr val="000000"/>
-              </a:solidFill>
+            <a:endParaRPr b="0" lang="en-US" sz="1400" strike="noStrike" u="none">
+              <a:solidFill>
+                <a:srgbClr val="000000"/>
+              </a:solidFill>
+              <a:uFillTx/>
               <a:latin typeface="Arial"/>
             </a:endParaRPr>
           </a:p>
@@ -6555,10 +7277,11 @@
                 <a:tab algn="l" pos="0"/>
               </a:tabLst>
             </a:pPr>
-            <a:endParaRPr b="0" lang="en-US" sz="1400" spc="-1" strike="noStrike">
-              <a:solidFill>
-                <a:srgbClr val="000000"/>
-              </a:solidFill>
+            <a:endParaRPr b="0" lang="en-US" sz="1400" strike="noStrike" u="none">
+              <a:solidFill>
+                <a:srgbClr val="000000"/>
+              </a:solidFill>
+              <a:uFillTx/>
               <a:latin typeface="Arial"/>
             </a:endParaRPr>
           </a:p>
@@ -6566,14 +7289,14 @@
       </p:sp>
       <p:cxnSp>
         <p:nvCxnSpPr>
-          <p:cNvPr id="88" name="Google Shape;207;p28"/>
+          <p:cNvPr id="97" name="Google Shape;207;p28"/>
           <p:cNvCxnSpPr/>
           <p:nvPr/>
         </p:nvCxnSpPr>
         <p:spPr>
           <a:xfrm>
             <a:off x="204480" y="721440"/>
-            <a:ext cx="8736120" cy="1440"/>
+            <a:ext cx="8736480" cy="1800"/>
           </a:xfrm>
           <a:prstGeom prst="straightConnector1">
             <a:avLst/>
@@ -6588,7 +7311,7 @@
       </p:cxnSp>
       <p:sp>
         <p:nvSpPr>
-          <p:cNvPr id="89" name="PlaceHolder 3"/>
+          <p:cNvPr id="98" name="PlaceHolder 3"/>
           <p:cNvSpPr>
             <a:spLocks noGrp="1"/>
           </p:cNvSpPr>
@@ -6599,7 +7322,7 @@
         <p:spPr>
           <a:xfrm>
             <a:off x="8472600" y="4633560"/>
-            <a:ext cx="547560" cy="392400"/>
+            <a:ext cx="547200" cy="392040"/>
           </a:xfrm>
           <a:prstGeom prst="rect">
             <a:avLst/>
@@ -6622,10 +7345,11 @@
               <a:tabLst>
                 <a:tab algn="l" pos="0"/>
               </a:tabLst>
-              <a:defRPr b="0" lang="en" sz="1000" spc="-1" strike="noStrike">
+              <a:defRPr b="0" lang="en" sz="1000" strike="noStrike" u="none">
                 <a:solidFill>
                   <a:schemeClr val="dk2"/>
                 </a:solidFill>
+                <a:uFillTx/>
                 <a:latin typeface="Arial"/>
                 <a:ea typeface="Arial"/>
               </a:defRPr>
@@ -6641,20 +7365,22 @@
                 <a:tab algn="l" pos="0"/>
               </a:tabLst>
             </a:pPr>
-            <a:fld id="{96DBD41E-B0F2-4545-ACC2-24684642F4C6}" type="slidenum">
-              <a:rPr b="0" lang="en" sz="1000" spc="-1" strike="noStrike">
+            <a:fld id="{ACB237EA-0605-4524-AAF5-AB9D0485C207}" type="slidenum">
+              <a:rPr b="0" lang="en" sz="1000" strike="noStrike" u="none">
                 <a:solidFill>
                   <a:schemeClr val="dk2"/>
                 </a:solidFill>
+                <a:uFillTx/>
                 <a:latin typeface="Arial"/>
                 <a:ea typeface="Arial"/>
               </a:rPr>
               <a:t>11</a:t>
             </a:fld>
-            <a:endParaRPr b="0" lang="en-US" sz="1000" spc="-1" strike="noStrike">
-              <a:solidFill>
-                <a:srgbClr val="000000"/>
-              </a:solidFill>
+            <a:endParaRPr b="0" lang="en-US" sz="1000" strike="noStrike" u="none">
+              <a:solidFill>
+                <a:srgbClr val="000000"/>
+              </a:solidFill>
+              <a:uFillTx/>
               <a:latin typeface="Times New Roman"/>
             </a:endParaRPr>
           </a:p>
@@ -6692,7 +7418,7 @@
       </p:grpSpPr>
       <p:sp>
         <p:nvSpPr>
-          <p:cNvPr id="45" name="PlaceHolder 1"/>
+          <p:cNvPr id="53" name="PlaceHolder 1"/>
           <p:cNvSpPr>
             <a:spLocks noGrp="1"/>
           </p:cNvSpPr>
@@ -6703,7 +7429,7 @@
         <p:spPr>
           <a:xfrm>
             <a:off x="1487160" y="171360"/>
-            <a:ext cx="6166440" cy="921960"/>
+            <a:ext cx="6166080" cy="921600"/>
           </a:xfrm>
           <a:prstGeom prst="rect">
             <a:avLst/>
@@ -6728,19 +7454,21 @@
               </a:tabLst>
             </a:pPr>
             <a:r>
-              <a:rPr b="0" lang="en" sz="2400" spc="-1" strike="noStrike">
+              <a:rPr b="0" lang="en" sz="2400" strike="noStrike" u="none">
                 <a:solidFill>
                   <a:srgbClr val="000000"/>
                 </a:solidFill>
+                <a:uFillTx/>
                 <a:latin typeface="Times New Roman"/>
                 <a:ea typeface="Times New Roman"/>
               </a:rPr>
               <a:t>Background</a:t>
             </a:r>
-            <a:endParaRPr b="0" lang="en-US" sz="2400" spc="-1" strike="noStrike">
-              <a:solidFill>
-                <a:srgbClr val="000000"/>
-              </a:solidFill>
+            <a:endParaRPr b="0" lang="en-US" sz="2400" strike="noStrike" u="none">
+              <a:solidFill>
+                <a:srgbClr val="000000"/>
+              </a:solidFill>
+              <a:uFillTx/>
               <a:latin typeface="Arial"/>
             </a:endParaRPr>
           </a:p>
@@ -6748,7 +7476,7 @@
       </p:sp>
       <p:sp>
         <p:nvSpPr>
-          <p:cNvPr id="46" name="PlaceHolder 2"/>
+          <p:cNvPr id="54" name="PlaceHolder 2"/>
           <p:cNvSpPr>
             <a:spLocks noGrp="1"/>
           </p:cNvSpPr>
@@ -6759,7 +7487,7 @@
         <p:spPr>
           <a:xfrm>
             <a:off x="343080" y="606600"/>
-            <a:ext cx="8391600" cy="2964600"/>
+            <a:ext cx="8391240" cy="2964240"/>
           </a:xfrm>
           <a:prstGeom prst="rect">
             <a:avLst/>
@@ -6783,10 +7511,11 @@
                 <a:tab algn="l" pos="0"/>
               </a:tabLst>
             </a:pPr>
-            <a:endParaRPr b="0" lang="en-US" sz="1800" spc="-1" strike="noStrike">
-              <a:solidFill>
-                <a:srgbClr val="000000"/>
-              </a:solidFill>
+            <a:endParaRPr b="0" lang="en-US" sz="1800" strike="noStrike" u="none">
+              <a:solidFill>
+                <a:srgbClr val="000000"/>
+              </a:solidFill>
+              <a:uFillTx/>
               <a:latin typeface="Arial"/>
             </a:endParaRPr>
           </a:p>
@@ -6808,19 +7537,21 @@
               </a:tabLst>
             </a:pPr>
             <a:r>
-              <a:rPr b="0" lang="en" sz="2200" spc="-1" strike="noStrike">
+              <a:rPr b="0" lang="en" sz="2200" strike="noStrike" u="none">
                 <a:solidFill>
                   <a:schemeClr val="dk1"/>
                 </a:solidFill>
+                <a:uFillTx/>
                 <a:latin typeface="Times New Roman"/>
                 <a:ea typeface="Times New Roman"/>
               </a:rPr>
               <a:t>Motivated attackers can employ many tactics to corrupt or steal data, this work focuses on preventing:</a:t>
             </a:r>
-            <a:endParaRPr b="0" lang="en-US" sz="2200" spc="-1" strike="noStrike">
-              <a:solidFill>
-                <a:srgbClr val="000000"/>
-              </a:solidFill>
+            <a:endParaRPr b="0" lang="en-US" sz="2200" strike="noStrike" u="none">
+              <a:solidFill>
+                <a:srgbClr val="000000"/>
+              </a:solidFill>
+              <a:uFillTx/>
               <a:latin typeface="Arial"/>
             </a:endParaRPr>
           </a:p>
@@ -6843,19 +7574,21 @@
               </a:tabLst>
             </a:pPr>
             <a:r>
-              <a:rPr b="0" lang="en" sz="1800" spc="-1" strike="noStrike">
+              <a:rPr b="0" lang="en" sz="1800" strike="noStrike" u="none">
                 <a:solidFill>
                   <a:schemeClr val="dk1"/>
                 </a:solidFill>
+                <a:uFillTx/>
                 <a:latin typeface="Times New Roman"/>
                 <a:ea typeface="Times New Roman"/>
               </a:rPr>
               <a:t>A malicious OS, application or thread</a:t>
             </a:r>
-            <a:endParaRPr b="0" lang="en-US" sz="1800" spc="-1" strike="noStrike">
-              <a:solidFill>
-                <a:srgbClr val="000000"/>
-              </a:solidFill>
+            <a:endParaRPr b="0" lang="en-US" sz="1800" strike="noStrike" u="none">
+              <a:solidFill>
+                <a:srgbClr val="000000"/>
+              </a:solidFill>
+              <a:uFillTx/>
               <a:latin typeface="Arial"/>
             </a:endParaRPr>
           </a:p>
@@ -6878,19 +7611,21 @@
               </a:tabLst>
             </a:pPr>
             <a:r>
-              <a:rPr b="0" lang="en" sz="1800" spc="-1" strike="noStrike">
+              <a:rPr b="0" lang="en" sz="1800" strike="noStrike" u="none">
                 <a:solidFill>
                   <a:schemeClr val="dk1"/>
                 </a:solidFill>
+                <a:uFillTx/>
                 <a:latin typeface="Times New Roman"/>
                 <a:ea typeface="Times New Roman"/>
               </a:rPr>
               <a:t>Replay or side-channel attacks targeting off-chip peripherals</a:t>
             </a:r>
-            <a:endParaRPr b="0" lang="en-US" sz="1800" spc="-1" strike="noStrike">
-              <a:solidFill>
-                <a:srgbClr val="000000"/>
-              </a:solidFill>
+            <a:endParaRPr b="0" lang="en-US" sz="1800" strike="noStrike" u="none">
+              <a:solidFill>
+                <a:srgbClr val="000000"/>
+              </a:solidFill>
+              <a:uFillTx/>
               <a:latin typeface="Arial"/>
             </a:endParaRPr>
           </a:p>
@@ -6912,19 +7647,21 @@
               </a:tabLst>
             </a:pPr>
             <a:r>
-              <a:rPr b="0" lang="en" sz="2200" spc="-1" strike="noStrike">
+              <a:rPr b="0" lang="en" sz="2200" strike="noStrike" u="none">
                 <a:solidFill>
                   <a:schemeClr val="dk1"/>
                 </a:solidFill>
+                <a:uFillTx/>
                 <a:latin typeface="Times New Roman"/>
                 <a:ea typeface="Times New Roman"/>
               </a:rPr>
               <a:t>Trusted Execution Environments (TEEs) provide hardware guarantees that separate address spaces, securing the integrity of the processor</a:t>
             </a:r>
-            <a:endParaRPr b="0" lang="en-US" sz="2200" spc="-1" strike="noStrike">
-              <a:solidFill>
-                <a:srgbClr val="000000"/>
-              </a:solidFill>
+            <a:endParaRPr b="0" lang="en-US" sz="2200" strike="noStrike" u="none">
+              <a:solidFill>
+                <a:srgbClr val="000000"/>
+              </a:solidFill>
+              <a:uFillTx/>
               <a:latin typeface="Arial"/>
             </a:endParaRPr>
           </a:p>
@@ -6946,19 +7683,21 @@
               </a:tabLst>
             </a:pPr>
             <a:r>
-              <a:rPr b="0" lang="en" sz="2200" spc="-1" strike="noStrike">
+              <a:rPr b="0" lang="en" sz="2200" strike="noStrike" u="none">
                 <a:solidFill>
                   <a:schemeClr val="dk1"/>
                 </a:solidFill>
+                <a:uFillTx/>
                 <a:latin typeface="Times New Roman"/>
                 <a:ea typeface="Times New Roman"/>
               </a:rPr>
               <a:t>Secure Memory methods protect against off-chip tampering</a:t>
             </a:r>
-            <a:endParaRPr b="0" lang="en-US" sz="2200" spc="-1" strike="noStrike">
-              <a:solidFill>
-                <a:srgbClr val="000000"/>
-              </a:solidFill>
+            <a:endParaRPr b="0" lang="en-US" sz="2200" strike="noStrike" u="none">
+              <a:solidFill>
+                <a:srgbClr val="000000"/>
+              </a:solidFill>
+              <a:uFillTx/>
               <a:latin typeface="Arial"/>
             </a:endParaRPr>
           </a:p>
@@ -6966,14 +7705,14 @@
       </p:sp>
       <p:cxnSp>
         <p:nvCxnSpPr>
-          <p:cNvPr id="47" name="Google Shape;68;p14"/>
+          <p:cNvPr id="55" name="Google Shape;68;p14"/>
           <p:cNvCxnSpPr/>
           <p:nvPr/>
         </p:nvCxnSpPr>
         <p:spPr>
           <a:xfrm>
             <a:off x="204480" y="721440"/>
-            <a:ext cx="8736120" cy="1440"/>
+            <a:ext cx="8736480" cy="1800"/>
           </a:xfrm>
           <a:prstGeom prst="straightConnector1">
             <a:avLst/>
@@ -6988,7 +7727,7 @@
       </p:cxnSp>
       <p:sp>
         <p:nvSpPr>
-          <p:cNvPr id="48" name="PlaceHolder 3"/>
+          <p:cNvPr id="56" name="PlaceHolder 3"/>
           <p:cNvSpPr>
             <a:spLocks noGrp="1"/>
           </p:cNvSpPr>
@@ -6999,7 +7738,7 @@
         <p:spPr>
           <a:xfrm>
             <a:off x="8472600" y="4633560"/>
-            <a:ext cx="547560" cy="392400"/>
+            <a:ext cx="547200" cy="392040"/>
           </a:xfrm>
           <a:prstGeom prst="rect">
             <a:avLst/>
@@ -7022,10 +7761,11 @@
               <a:tabLst>
                 <a:tab algn="l" pos="0"/>
               </a:tabLst>
-              <a:defRPr b="0" lang="en" sz="1000" spc="-1" strike="noStrike">
+              <a:defRPr b="0" lang="en" sz="1000" strike="noStrike" u="none">
                 <a:solidFill>
                   <a:schemeClr val="dk2"/>
                 </a:solidFill>
+                <a:uFillTx/>
                 <a:latin typeface="Arial"/>
                 <a:ea typeface="Arial"/>
               </a:defRPr>
@@ -7041,20 +7781,22 @@
                 <a:tab algn="l" pos="0"/>
               </a:tabLst>
             </a:pPr>
-            <a:fld id="{8B5174A3-D07C-4097-818D-C80B1E406608}" type="slidenum">
-              <a:rPr b="0" lang="en" sz="1000" spc="-1" strike="noStrike">
+            <a:fld id="{22CCB176-AD57-48C3-A7A0-5D8A76123943}" type="slidenum">
+              <a:rPr b="0" lang="en" sz="1000" strike="noStrike" u="none">
                 <a:solidFill>
                   <a:schemeClr val="dk2"/>
                 </a:solidFill>
+                <a:uFillTx/>
                 <a:latin typeface="Arial"/>
                 <a:ea typeface="Arial"/>
               </a:rPr>
               <a:t>2</a:t>
             </a:fld>
-            <a:endParaRPr b="0" lang="en-US" sz="1000" spc="-1" strike="noStrike">
-              <a:solidFill>
-                <a:srgbClr val="000000"/>
-              </a:solidFill>
+            <a:endParaRPr b="0" lang="en-US" sz="1000" strike="noStrike" u="none">
+              <a:solidFill>
+                <a:srgbClr val="000000"/>
+              </a:solidFill>
+              <a:uFillTx/>
               <a:latin typeface="Times New Roman"/>
             </a:endParaRPr>
           </a:p>
@@ -7092,14 +7834,14 @@
       </p:grpSpPr>
       <p:sp>
         <p:nvSpPr>
-          <p:cNvPr id="49" name="Google Shape;93;p17"/>
+          <p:cNvPr id="57" name="Google Shape;93;p17"/>
           <p:cNvSpPr/>
           <p:nvPr/>
         </p:nvSpPr>
         <p:spPr>
           <a:xfrm>
             <a:off x="327960" y="4114800"/>
-            <a:ext cx="8487360" cy="810360"/>
+            <a:ext cx="8487000" cy="810000"/>
           </a:xfrm>
           <a:prstGeom prst="roundRect">
             <a:avLst>
@@ -7137,10 +7879,11 @@
                 <a:tab algn="l" pos="0"/>
               </a:tabLst>
             </a:pPr>
-            <a:endParaRPr b="0" lang="en-US" sz="1400" spc="-1" strike="noStrike">
-              <a:solidFill>
-                <a:srgbClr val="000000"/>
-              </a:solidFill>
+            <a:endParaRPr b="0" lang="en-US" sz="1400" strike="noStrike" u="none">
+              <a:solidFill>
+                <a:srgbClr val="000000"/>
+              </a:solidFill>
+              <a:uFillTx/>
               <a:latin typeface="Arial"/>
             </a:endParaRPr>
           </a:p>
@@ -7148,7 +7891,7 @@
       </p:sp>
       <p:sp>
         <p:nvSpPr>
-          <p:cNvPr id="50" name="PlaceHolder 1"/>
+          <p:cNvPr id="58" name="PlaceHolder 1"/>
           <p:cNvSpPr>
             <a:spLocks noGrp="1"/>
           </p:cNvSpPr>
@@ -7159,7 +7902,7 @@
         <p:spPr>
           <a:xfrm>
             <a:off x="8472600" y="4633560"/>
-            <a:ext cx="547560" cy="392400"/>
+            <a:ext cx="547200" cy="392040"/>
           </a:xfrm>
           <a:prstGeom prst="rect">
             <a:avLst/>
@@ -7182,10 +7925,11 @@
               <a:tabLst>
                 <a:tab algn="l" pos="0"/>
               </a:tabLst>
-              <a:defRPr b="0" lang="en" sz="1000" spc="-1" strike="noStrike">
+              <a:defRPr b="0" lang="en" sz="1000" strike="noStrike" u="none">
                 <a:solidFill>
                   <a:schemeClr val="dk2"/>
                 </a:solidFill>
+                <a:uFillTx/>
                 <a:latin typeface="Arial"/>
                 <a:ea typeface="Arial"/>
               </a:defRPr>
@@ -7201,20 +7945,22 @@
                 <a:tab algn="l" pos="0"/>
               </a:tabLst>
             </a:pPr>
-            <a:fld id="{4956DD03-FE56-4F5B-B527-441E846DB80A}" type="slidenum">
-              <a:rPr b="0" lang="en" sz="1000" spc="-1" strike="noStrike">
+            <a:fld id="{A1B12281-B824-4B58-915B-EA32AC6E5814}" type="slidenum">
+              <a:rPr b="0" lang="en" sz="1000" strike="noStrike" u="none">
                 <a:solidFill>
                   <a:schemeClr val="dk2"/>
                 </a:solidFill>
+                <a:uFillTx/>
                 <a:latin typeface="Arial"/>
                 <a:ea typeface="Arial"/>
               </a:rPr>
               <a:t>3</a:t>
             </a:fld>
-            <a:endParaRPr b="0" lang="en-US" sz="1000" spc="-1" strike="noStrike">
-              <a:solidFill>
-                <a:srgbClr val="000000"/>
-              </a:solidFill>
+            <a:endParaRPr b="0" lang="en-US" sz="1000" strike="noStrike" u="none">
+              <a:solidFill>
+                <a:srgbClr val="000000"/>
+              </a:solidFill>
+              <a:uFillTx/>
               <a:latin typeface="Times New Roman"/>
             </a:endParaRPr>
           </a:p>
@@ -7222,7 +7968,7 @@
       </p:sp>
       <p:sp>
         <p:nvSpPr>
-          <p:cNvPr id="51" name="PlaceHolder 2"/>
+          <p:cNvPr id="59" name="PlaceHolder 2"/>
           <p:cNvSpPr>
             <a:spLocks noGrp="1"/>
           </p:cNvSpPr>
@@ -7233,7 +7979,7 @@
         <p:spPr>
           <a:xfrm>
             <a:off x="941400" y="3567600"/>
-            <a:ext cx="7260480" cy="1905120"/>
+            <a:ext cx="7260120" cy="1904760"/>
           </a:xfrm>
           <a:prstGeom prst="rect">
             <a:avLst/>
@@ -7261,29 +8007,32 @@
               </a:tabLst>
             </a:pPr>
             <a:r>
-              <a:rPr b="1" lang="en" sz="2300" spc="-1" strike="noStrike">
+              <a:rPr b="1" lang="en" sz="2300" strike="noStrike" u="none">
                 <a:solidFill>
                   <a:srgbClr val="000000"/>
                 </a:solidFill>
+                <a:uFillTx/>
                 <a:latin typeface="Times New Roman"/>
                 <a:ea typeface="Times New Roman"/>
               </a:rPr>
               <a:t>Goal</a:t>
             </a:r>
             <a:r>
-              <a:rPr b="0" lang="en" sz="2300" spc="-1" strike="noStrike">
+              <a:rPr b="0" lang="en" sz="2300" strike="noStrike" u="none">
                 <a:solidFill>
                   <a:srgbClr val="000000"/>
                 </a:solidFill>
+                <a:uFillTx/>
                 <a:latin typeface="Times New Roman"/>
                 <a:ea typeface="Times New Roman"/>
               </a:rPr>
               <a:t>: Harden TEEs with Secure Memory protocols to further protect data integrity</a:t>
             </a:r>
-            <a:endParaRPr b="0" lang="en-US" sz="2300" spc="-1" strike="noStrike">
-              <a:solidFill>
-                <a:srgbClr val="000000"/>
-              </a:solidFill>
+            <a:endParaRPr b="0" lang="en-US" sz="2300" strike="noStrike" u="none">
+              <a:solidFill>
+                <a:srgbClr val="000000"/>
+              </a:solidFill>
+              <a:uFillTx/>
               <a:latin typeface="Arial"/>
             </a:endParaRPr>
           </a:p>
@@ -7291,7 +8040,7 @@
       </p:sp>
       <p:sp>
         <p:nvSpPr>
-          <p:cNvPr id="52" name="PlaceHolder 3"/>
+          <p:cNvPr id="60" name="PlaceHolder 3"/>
           <p:cNvSpPr>
             <a:spLocks noGrp="1"/>
           </p:cNvSpPr>
@@ -7302,7 +8051,7 @@
         <p:spPr>
           <a:xfrm>
             <a:off x="1487160" y="171360"/>
-            <a:ext cx="6166440" cy="921960"/>
+            <a:ext cx="6166080" cy="921600"/>
           </a:xfrm>
           <a:prstGeom prst="rect">
             <a:avLst/>
@@ -7327,19 +8076,21 @@
               </a:tabLst>
             </a:pPr>
             <a:r>
-              <a:rPr b="0" lang="en" sz="2400" spc="-1" strike="noStrike">
+              <a:rPr b="0" lang="en" sz="2400" strike="noStrike" u="none">
                 <a:solidFill>
                   <a:srgbClr val="000000"/>
                 </a:solidFill>
+                <a:uFillTx/>
                 <a:latin typeface="Times New Roman"/>
                 <a:ea typeface="Times New Roman"/>
               </a:rPr>
               <a:t>Motivation</a:t>
             </a:r>
-            <a:endParaRPr b="0" lang="en-US" sz="2400" spc="-1" strike="noStrike">
-              <a:solidFill>
-                <a:srgbClr val="000000"/>
-              </a:solidFill>
+            <a:endParaRPr b="0" lang="en-US" sz="2400" strike="noStrike" u="none">
+              <a:solidFill>
+                <a:srgbClr val="000000"/>
+              </a:solidFill>
+              <a:uFillTx/>
               <a:latin typeface="Arial"/>
             </a:endParaRPr>
           </a:p>
@@ -7347,14 +8098,14 @@
       </p:sp>
       <p:cxnSp>
         <p:nvCxnSpPr>
-          <p:cNvPr id="53" name="Google Shape;97;p17"/>
+          <p:cNvPr id="61" name="Google Shape;97;p17"/>
           <p:cNvCxnSpPr/>
           <p:nvPr/>
         </p:nvCxnSpPr>
         <p:spPr>
           <a:xfrm>
             <a:off x="204480" y="721440"/>
-            <a:ext cx="8736120" cy="1440"/>
+            <a:ext cx="8736480" cy="1800"/>
           </a:xfrm>
           <a:prstGeom prst="straightConnector1">
             <a:avLst/>
@@ -7369,7 +8120,7 @@
       </p:cxnSp>
       <p:sp>
         <p:nvSpPr>
-          <p:cNvPr id="54" name="PlaceHolder 4"/>
+          <p:cNvPr id="62" name="PlaceHolder 4"/>
           <p:cNvSpPr>
             <a:spLocks noGrp="1"/>
           </p:cNvSpPr>
@@ -7380,7 +8131,7 @@
         <p:spPr>
           <a:xfrm>
             <a:off x="343080" y="829800"/>
-            <a:ext cx="8391600" cy="2780280"/>
+            <a:ext cx="8391240" cy="2779920"/>
           </a:xfrm>
           <a:prstGeom prst="rect">
             <a:avLst/>
@@ -7409,19 +8160,21 @@
               <a:buChar char="•"/>
             </a:pPr>
             <a:r>
-              <a:rPr b="0" lang="en" sz="2100" spc="-1" strike="noStrike">
+              <a:rPr b="0" lang="en" sz="2100" strike="noStrike" u="none">
                 <a:solidFill>
                   <a:schemeClr val="dk1"/>
                 </a:solidFill>
+                <a:uFillTx/>
                 <a:latin typeface="Times New Roman"/>
                 <a:ea typeface="Times New Roman"/>
               </a:rPr>
               <a:t>TEEs provide confidence against malicious applications attempting to tamper with data</a:t>
             </a:r>
-            <a:endParaRPr b="0" lang="en-US" sz="2100" spc="-1" strike="noStrike">
-              <a:solidFill>
-                <a:srgbClr val="000000"/>
-              </a:solidFill>
+            <a:endParaRPr b="0" lang="en-US" sz="2100" strike="noStrike" u="none">
+              <a:solidFill>
+                <a:srgbClr val="000000"/>
+              </a:solidFill>
+              <a:uFillTx/>
               <a:latin typeface="Arial"/>
             </a:endParaRPr>
           </a:p>
@@ -7441,19 +8194,21 @@
               <a:buChar char=""/>
             </a:pPr>
             <a:r>
-              <a:rPr b="0" lang="en" sz="1800" spc="-1" strike="noStrike">
+              <a:rPr b="0" lang="en" sz="1800" strike="noStrike" u="none">
                 <a:solidFill>
                   <a:schemeClr val="dk1"/>
                 </a:solidFill>
+                <a:uFillTx/>
                 <a:latin typeface="Times New Roman"/>
                 <a:ea typeface="Times New Roman"/>
               </a:rPr>
               <a:t>Still vulnerable to side-channel attacks, replay attacks and off-chip tampering</a:t>
             </a:r>
-            <a:endParaRPr b="0" lang="en-US" sz="1800" spc="-1" strike="noStrike">
-              <a:solidFill>
-                <a:srgbClr val="000000"/>
-              </a:solidFill>
+            <a:endParaRPr b="0" lang="en-US" sz="1800" strike="noStrike" u="none">
+              <a:solidFill>
+                <a:srgbClr val="000000"/>
+              </a:solidFill>
+              <a:uFillTx/>
               <a:latin typeface="Arial"/>
             </a:endParaRPr>
           </a:p>
@@ -7472,19 +8227,21 @@
               <a:buChar char="•"/>
             </a:pPr>
             <a:r>
-              <a:rPr b="0" lang="en" sz="2100" spc="-1" strike="noStrike">
+              <a:rPr b="0" lang="en" sz="2100" strike="noStrike" u="none">
                 <a:solidFill>
                   <a:schemeClr val="dk1"/>
                 </a:solidFill>
+                <a:uFillTx/>
                 <a:latin typeface="Times New Roman"/>
                 <a:ea typeface="Times New Roman"/>
               </a:rPr>
               <a:t>Secure Memory can mitigate these concerns by adding another layer of protection for off-chip devices </a:t>
             </a:r>
-            <a:endParaRPr b="0" lang="en-US" sz="2100" spc="-1" strike="noStrike">
-              <a:solidFill>
-                <a:srgbClr val="000000"/>
-              </a:solidFill>
+            <a:endParaRPr b="0" lang="en-US" sz="2100" strike="noStrike" u="none">
+              <a:solidFill>
+                <a:srgbClr val="000000"/>
+              </a:solidFill>
+              <a:uFillTx/>
               <a:latin typeface="Arial"/>
             </a:endParaRPr>
           </a:p>
@@ -7503,39 +8260,43 @@
               <a:buChar char="•"/>
             </a:pPr>
             <a:r>
-              <a:rPr b="0" lang="en" sz="2100" spc="-1" strike="noStrike">
+              <a:rPr b="0" lang="en" sz="2100" strike="noStrike" u="none">
                 <a:solidFill>
                   <a:schemeClr val="dk1"/>
                 </a:solidFill>
+                <a:uFillTx/>
                 <a:latin typeface="Times New Roman"/>
                 <a:ea typeface="Times New Roman"/>
               </a:rPr>
               <a:t>RISC-V TEEs (e. g. Keystone</a:t>
             </a:r>
             <a:r>
-              <a:rPr b="0" lang="en" sz="2100" spc="-1" strike="noStrike" baseline="33000">
+              <a:rPr b="0" lang="en" sz="2100" strike="noStrike" u="none" baseline="33000">
                 <a:solidFill>
                   <a:schemeClr val="dk1"/>
                 </a:solidFill>
+                <a:uFillTx/>
                 <a:latin typeface="Times New Roman"/>
                 <a:ea typeface="Times New Roman"/>
               </a:rPr>
               <a:t>[1]</a:t>
             </a:r>
             <a:r>
-              <a:rPr b="0" lang="en" sz="2100" spc="-1" strike="noStrike">
+              <a:rPr b="0" lang="en" sz="2100" strike="noStrike" u="none">
                 <a:solidFill>
                   <a:schemeClr val="dk1"/>
                 </a:solidFill>
+                <a:uFillTx/>
                 <a:latin typeface="Times New Roman"/>
                 <a:ea typeface="Times New Roman"/>
               </a:rPr>
               <a:t>) provides an open-source, configurable platform for developing TEEs to specific applications</a:t>
             </a:r>
-            <a:endParaRPr b="0" lang="en-US" sz="2100" spc="-1" strike="noStrike">
-              <a:solidFill>
-                <a:srgbClr val="000000"/>
-              </a:solidFill>
+            <a:endParaRPr b="0" lang="en-US" sz="2100" strike="noStrike" u="none">
+              <a:solidFill>
+                <a:srgbClr val="000000"/>
+              </a:solidFill>
+              <a:uFillTx/>
               <a:latin typeface="Arial"/>
             </a:endParaRPr>
           </a:p>
@@ -7573,7 +8334,7 @@
       </p:grpSpPr>
       <p:sp>
         <p:nvSpPr>
-          <p:cNvPr id="55" name="PlaceHolder 1"/>
+          <p:cNvPr id="63" name="PlaceHolder 1"/>
           <p:cNvSpPr>
             <a:spLocks noGrp="1"/>
           </p:cNvSpPr>
@@ -7584,7 +8345,7 @@
         <p:spPr>
           <a:xfrm>
             <a:off x="1487160" y="171360"/>
-            <a:ext cx="6166440" cy="921960"/>
+            <a:ext cx="6166080" cy="921600"/>
           </a:xfrm>
           <a:prstGeom prst="rect">
             <a:avLst/>
@@ -7609,19 +8370,21 @@
               </a:tabLst>
             </a:pPr>
             <a:r>
-              <a:rPr b="0" lang="en" sz="2400" spc="-1" strike="noStrike">
+              <a:rPr b="0" lang="en" sz="2400" strike="noStrike" u="none">
                 <a:solidFill>
                   <a:srgbClr val="000000"/>
                 </a:solidFill>
+                <a:uFillTx/>
                 <a:latin typeface="Times New Roman"/>
                 <a:ea typeface="Times New Roman"/>
               </a:rPr>
               <a:t>Trusted Execution Environments</a:t>
             </a:r>
-            <a:endParaRPr b="0" lang="en-US" sz="2400" spc="-1" strike="noStrike">
-              <a:solidFill>
-                <a:srgbClr val="000000"/>
-              </a:solidFill>
+            <a:endParaRPr b="0" lang="en-US" sz="2400" strike="noStrike" u="none">
+              <a:solidFill>
+                <a:srgbClr val="000000"/>
+              </a:solidFill>
+              <a:uFillTx/>
               <a:latin typeface="Arial"/>
             </a:endParaRPr>
           </a:p>
@@ -7629,14 +8392,14 @@
       </p:sp>
       <p:cxnSp>
         <p:nvCxnSpPr>
-          <p:cNvPr id="56" name="Google Shape;114;p 1"/>
+          <p:cNvPr id="64" name="Google Shape;114;p 1"/>
           <p:cNvCxnSpPr/>
           <p:nvPr/>
         </p:nvCxnSpPr>
         <p:spPr>
           <a:xfrm>
             <a:off x="204480" y="721440"/>
-            <a:ext cx="8736120" cy="1440"/>
+            <a:ext cx="8736480" cy="1800"/>
           </a:xfrm>
           <a:prstGeom prst="straightConnector1">
             <a:avLst/>
@@ -7651,7 +8414,7 @@
       </p:cxnSp>
       <p:sp>
         <p:nvSpPr>
-          <p:cNvPr id="57" name="PlaceHolder 2"/>
+          <p:cNvPr id="65" name="PlaceHolder 2"/>
           <p:cNvSpPr>
             <a:spLocks noGrp="1"/>
           </p:cNvSpPr>
@@ -7662,7 +8425,7 @@
         <p:spPr>
           <a:xfrm>
             <a:off x="8472600" y="4633560"/>
-            <a:ext cx="547560" cy="392400"/>
+            <a:ext cx="547200" cy="392040"/>
           </a:xfrm>
           <a:prstGeom prst="rect">
             <a:avLst/>
@@ -7685,10 +8448,11 @@
               <a:tabLst>
                 <a:tab algn="l" pos="0"/>
               </a:tabLst>
-              <a:defRPr b="0" lang="en" sz="1000" spc="-1" strike="noStrike">
+              <a:defRPr b="0" lang="en" sz="1000" strike="noStrike" u="none">
                 <a:solidFill>
                   <a:schemeClr val="dk2"/>
                 </a:solidFill>
+                <a:uFillTx/>
                 <a:latin typeface="Arial"/>
                 <a:ea typeface="Arial"/>
               </a:defRPr>
@@ -7704,20 +8468,22 @@
                 <a:tab algn="l" pos="0"/>
               </a:tabLst>
             </a:pPr>
-            <a:fld id="{5DD902E2-91AC-460B-8F16-E351A34DB1E8}" type="slidenum">
-              <a:rPr b="0" lang="en" sz="1000" spc="-1" strike="noStrike">
+            <a:fld id="{02204CE3-8CF0-4F90-86F8-164941088243}" type="slidenum">
+              <a:rPr b="0" lang="en" sz="1000" strike="noStrike" u="none">
                 <a:solidFill>
                   <a:schemeClr val="dk2"/>
                 </a:solidFill>
+                <a:uFillTx/>
                 <a:latin typeface="Arial"/>
                 <a:ea typeface="Arial"/>
               </a:rPr>
               <a:t>4</a:t>
             </a:fld>
-            <a:endParaRPr b="0" lang="en-US" sz="1000" spc="-1" strike="noStrike">
-              <a:solidFill>
-                <a:srgbClr val="000000"/>
-              </a:solidFill>
+            <a:endParaRPr b="0" lang="en-US" sz="1000" strike="noStrike" u="none">
+              <a:solidFill>
+                <a:srgbClr val="000000"/>
+              </a:solidFill>
+              <a:uFillTx/>
               <a:latin typeface="Times New Roman"/>
             </a:endParaRPr>
           </a:p>
@@ -7725,7 +8491,7 @@
       </p:sp>
       <p:sp>
         <p:nvSpPr>
-          <p:cNvPr id="58" name="PlaceHolder 3"/>
+          <p:cNvPr id="66" name="PlaceHolder 3"/>
           <p:cNvSpPr>
             <a:spLocks noGrp="1"/>
           </p:cNvSpPr>
@@ -7736,7 +8502,7 @@
         <p:spPr>
           <a:xfrm>
             <a:off x="343080" y="462600"/>
-            <a:ext cx="8391600" cy="4332600"/>
+            <a:ext cx="8391240" cy="4332240"/>
           </a:xfrm>
           <a:prstGeom prst="rect">
             <a:avLst/>
@@ -7760,10 +8526,11 @@
                 <a:tab algn="l" pos="0"/>
               </a:tabLst>
             </a:pPr>
-            <a:endParaRPr b="0" lang="en-US" sz="1800" spc="-1" strike="noStrike">
-              <a:solidFill>
-                <a:srgbClr val="000000"/>
-              </a:solidFill>
+            <a:endParaRPr b="0" lang="en-US" sz="1800" strike="noStrike" u="none">
+              <a:solidFill>
+                <a:srgbClr val="000000"/>
+              </a:solidFill>
+              <a:uFillTx/>
               <a:latin typeface="Arial"/>
             </a:endParaRPr>
           </a:p>
@@ -7785,19 +8552,21 @@
               </a:tabLst>
             </a:pPr>
             <a:r>
-              <a:rPr b="0" lang="en" sz="2000" spc="-1" strike="noStrike">
+              <a:rPr b="0" lang="en" sz="2000" strike="noStrike" u="none">
                 <a:solidFill>
                   <a:srgbClr val="000000"/>
                 </a:solidFill>
+                <a:uFillTx/>
                 <a:latin typeface="Times New Roman"/>
                 <a:ea typeface="Times New Roman"/>
               </a:rPr>
               <a:t>A TEE implements different privelege modes with separate address spaces, enforcing a set of rules dictating which components can access what regions of memory:</a:t>
             </a:r>
-            <a:endParaRPr b="0" lang="en-US" sz="2000" spc="-1" strike="noStrike">
-              <a:solidFill>
-                <a:srgbClr val="000000"/>
-              </a:solidFill>
+            <a:endParaRPr b="0" lang="en-US" sz="2000" strike="noStrike" u="none">
+              <a:solidFill>
+                <a:srgbClr val="000000"/>
+              </a:solidFill>
+              <a:uFillTx/>
               <a:latin typeface="Arial"/>
             </a:endParaRPr>
           </a:p>
@@ -7820,19 +8589,21 @@
               </a:tabLst>
             </a:pPr>
             <a:r>
-              <a:rPr b="0" lang="en" sz="1600" spc="-1" strike="noStrike">
+              <a:rPr b="0" lang="en" sz="1600" strike="noStrike" u="none">
                 <a:solidFill>
                   <a:srgbClr val="000000"/>
                 </a:solidFill>
+                <a:uFillTx/>
                 <a:latin typeface="Times New Roman"/>
                 <a:ea typeface="Times New Roman"/>
               </a:rPr>
               <a:t>User mode, Supervisor mode, Machine mode</a:t>
             </a:r>
-            <a:endParaRPr b="0" lang="en-US" sz="1600" spc="-1" strike="noStrike">
-              <a:solidFill>
-                <a:srgbClr val="000000"/>
-              </a:solidFill>
+            <a:endParaRPr b="0" lang="en-US" sz="1600" strike="noStrike" u="none">
+              <a:solidFill>
+                <a:srgbClr val="000000"/>
+              </a:solidFill>
+              <a:uFillTx/>
               <a:latin typeface="Arial"/>
             </a:endParaRPr>
           </a:p>
@@ -7854,19 +8625,21 @@
               </a:tabLst>
             </a:pPr>
             <a:r>
-              <a:rPr b="0" lang="en" sz="2000" spc="-1" strike="noStrike">
+              <a:rPr b="0" lang="en" sz="2000" strike="noStrike" u="none">
                 <a:solidFill>
                   <a:srgbClr val="000000"/>
                 </a:solidFill>
+                <a:uFillTx/>
                 <a:latin typeface="Times New Roman"/>
                 <a:ea typeface="Times New Roman"/>
               </a:rPr>
               <a:t>Almost all major CPU vendors have their own flavor of TEE:</a:t>
             </a:r>
-            <a:endParaRPr b="0" lang="en-US" sz="2000" spc="-1" strike="noStrike">
-              <a:solidFill>
-                <a:srgbClr val="000000"/>
-              </a:solidFill>
+            <a:endParaRPr b="0" lang="en-US" sz="2000" strike="noStrike" u="none">
+              <a:solidFill>
+                <a:srgbClr val="000000"/>
+              </a:solidFill>
+              <a:uFillTx/>
               <a:latin typeface="Arial"/>
             </a:endParaRPr>
           </a:p>
@@ -7889,19 +8662,21 @@
               </a:tabLst>
             </a:pPr>
             <a:r>
-              <a:rPr b="0" lang="en" sz="1600" spc="-1" strike="noStrike">
+              <a:rPr b="0" lang="en" sz="1600" strike="noStrike" u="none">
                 <a:solidFill>
                   <a:srgbClr val="000000"/>
                 </a:solidFill>
+                <a:uFillTx/>
                 <a:latin typeface="Times New Roman"/>
                 <a:ea typeface="Times New Roman"/>
               </a:rPr>
               <a:t>Intel SGX</a:t>
             </a:r>
-            <a:endParaRPr b="0" lang="en-US" sz="1600" spc="-1" strike="noStrike">
-              <a:solidFill>
-                <a:srgbClr val="000000"/>
-              </a:solidFill>
+            <a:endParaRPr b="0" lang="en-US" sz="1600" strike="noStrike" u="none">
+              <a:solidFill>
+                <a:srgbClr val="000000"/>
+              </a:solidFill>
+              <a:uFillTx/>
               <a:latin typeface="Arial"/>
             </a:endParaRPr>
           </a:p>
@@ -7924,19 +8699,21 @@
               </a:tabLst>
             </a:pPr>
             <a:r>
-              <a:rPr b="0" lang="en" sz="1600" spc="-1" strike="noStrike">
+              <a:rPr b="0" lang="en" sz="1600" strike="noStrike" u="none">
                 <a:solidFill>
                   <a:srgbClr val="000000"/>
                 </a:solidFill>
+                <a:uFillTx/>
                 <a:latin typeface="Times New Roman"/>
                 <a:ea typeface="Times New Roman"/>
               </a:rPr>
               <a:t>ARM Confidential Computer Architecture</a:t>
             </a:r>
-            <a:endParaRPr b="0" lang="en-US" sz="1600" spc="-1" strike="noStrike">
-              <a:solidFill>
-                <a:srgbClr val="000000"/>
-              </a:solidFill>
+            <a:endParaRPr b="0" lang="en-US" sz="1600" strike="noStrike" u="none">
+              <a:solidFill>
+                <a:srgbClr val="000000"/>
+              </a:solidFill>
+              <a:uFillTx/>
               <a:latin typeface="Arial"/>
             </a:endParaRPr>
           </a:p>
@@ -7959,19 +8736,21 @@
               </a:tabLst>
             </a:pPr>
             <a:r>
-              <a:rPr b="0" lang="en" sz="1600" spc="-1" strike="noStrike">
+              <a:rPr b="0" lang="en" sz="1600" strike="noStrike" u="none">
                 <a:solidFill>
                   <a:srgbClr val="000000"/>
                 </a:solidFill>
+                <a:uFillTx/>
                 <a:latin typeface="Times New Roman"/>
                 <a:ea typeface="Times New Roman"/>
               </a:rPr>
               <a:t>AMD SEV</a:t>
             </a:r>
-            <a:endParaRPr b="0" lang="en-US" sz="1600" spc="-1" strike="noStrike">
-              <a:solidFill>
-                <a:srgbClr val="000000"/>
-              </a:solidFill>
+            <a:endParaRPr b="0" lang="en-US" sz="1600" strike="noStrike" u="none">
+              <a:solidFill>
+                <a:srgbClr val="000000"/>
+              </a:solidFill>
+              <a:uFillTx/>
               <a:latin typeface="Arial"/>
             </a:endParaRPr>
           </a:p>
@@ -7993,29 +8772,32 @@
               </a:tabLst>
             </a:pPr>
             <a:r>
-              <a:rPr b="0" lang="en" sz="2100" spc="-1" strike="noStrike">
+              <a:rPr b="0" lang="en" sz="2100" strike="noStrike" u="none">
                 <a:solidFill>
                   <a:srgbClr val="000000"/>
                 </a:solidFill>
+                <a:uFillTx/>
                 <a:latin typeface="Times New Roman"/>
                 <a:ea typeface="Times New Roman"/>
               </a:rPr>
               <a:t>These implementations leverage proprietary hardware, opening the door for a configurable &amp; open-source TEE, keystone</a:t>
             </a:r>
             <a:r>
-              <a:rPr b="0" lang="en" sz="2100" spc="-1" strike="noStrike" baseline="33000">
+              <a:rPr b="0" lang="en" sz="2100" strike="noStrike" u="none" baseline="33000">
                 <a:solidFill>
                   <a:srgbClr val="000000"/>
                 </a:solidFill>
+                <a:uFillTx/>
                 <a:latin typeface="Times New Roman"/>
                 <a:ea typeface="Times New Roman"/>
               </a:rPr>
               <a:t>[1]</a:t>
             </a:r>
-            <a:endParaRPr b="0" lang="en-US" sz="2100" spc="-1" strike="noStrike">
-              <a:solidFill>
-                <a:srgbClr val="000000"/>
-              </a:solidFill>
+            <a:endParaRPr b="0" lang="en-US" sz="2100" strike="noStrike" u="none">
+              <a:solidFill>
+                <a:srgbClr val="000000"/>
+              </a:solidFill>
+              <a:uFillTx/>
               <a:latin typeface="Arial"/>
             </a:endParaRPr>
           </a:p>
@@ -8038,19 +8820,21 @@
               </a:tabLst>
             </a:pPr>
             <a:r>
-              <a:rPr b="0" lang="en" sz="1600" spc="-1" strike="noStrike">
+              <a:rPr b="0" lang="en" sz="1600" strike="noStrike" u="none">
                 <a:solidFill>
                   <a:srgbClr val="000000"/>
                 </a:solidFill>
+                <a:uFillTx/>
                 <a:latin typeface="Times New Roman"/>
                 <a:ea typeface="Times New Roman"/>
               </a:rPr>
               <a:t>Still vulnerable to side-channel &amp; replay attacks</a:t>
             </a:r>
-            <a:endParaRPr b="0" lang="en-US" sz="1600" spc="-1" strike="noStrike">
-              <a:solidFill>
-                <a:srgbClr val="000000"/>
-              </a:solidFill>
+            <a:endParaRPr b="0" lang="en-US" sz="1600" strike="noStrike" u="none">
+              <a:solidFill>
+                <a:srgbClr val="000000"/>
+              </a:solidFill>
+              <a:uFillTx/>
               <a:latin typeface="Arial"/>
             </a:endParaRPr>
           </a:p>
@@ -8088,7 +8872,7 @@
       </p:grpSpPr>
       <p:sp>
         <p:nvSpPr>
-          <p:cNvPr id="59" name="PlaceHolder 1"/>
+          <p:cNvPr id="67" name="PlaceHolder 1"/>
           <p:cNvSpPr>
             <a:spLocks noGrp="1"/>
           </p:cNvSpPr>
@@ -8099,7 +8883,7 @@
         <p:spPr>
           <a:xfrm>
             <a:off x="1487160" y="171360"/>
-            <a:ext cx="6166440" cy="921960"/>
+            <a:ext cx="6166080" cy="921600"/>
           </a:xfrm>
           <a:prstGeom prst="rect">
             <a:avLst/>
@@ -8124,19 +8908,21 @@
               </a:tabLst>
             </a:pPr>
             <a:r>
-              <a:rPr b="0" lang="en" sz="2400" spc="-1" strike="noStrike">
+              <a:rPr b="0" lang="en" sz="2400" strike="noStrike" u="none">
                 <a:solidFill>
                   <a:srgbClr val="000000"/>
                 </a:solidFill>
+                <a:uFillTx/>
                 <a:latin typeface="Times New Roman"/>
                 <a:ea typeface="Times New Roman"/>
               </a:rPr>
               <a:t>Secure Memory</a:t>
             </a:r>
-            <a:endParaRPr b="0" lang="en-US" sz="2400" spc="-1" strike="noStrike">
-              <a:solidFill>
-                <a:srgbClr val="000000"/>
-              </a:solidFill>
+            <a:endParaRPr b="0" lang="en-US" sz="2400" strike="noStrike" u="none">
+              <a:solidFill>
+                <a:srgbClr val="000000"/>
+              </a:solidFill>
+              <a:uFillTx/>
               <a:latin typeface="Arial"/>
             </a:endParaRPr>
           </a:p>
@@ -8144,14 +8930,14 @@
       </p:sp>
       <p:cxnSp>
         <p:nvCxnSpPr>
-          <p:cNvPr id="60" name="Google Shape;114;p19"/>
+          <p:cNvPr id="68" name="Google Shape;114;p19"/>
           <p:cNvCxnSpPr/>
           <p:nvPr/>
         </p:nvCxnSpPr>
         <p:spPr>
           <a:xfrm>
             <a:off x="204480" y="721440"/>
-            <a:ext cx="8736120" cy="1440"/>
+            <a:ext cx="8736480" cy="1800"/>
           </a:xfrm>
           <a:prstGeom prst="straightConnector1">
             <a:avLst/>
@@ -8166,7 +8952,7 @@
       </p:cxnSp>
       <p:sp>
         <p:nvSpPr>
-          <p:cNvPr id="61" name="PlaceHolder 2"/>
+          <p:cNvPr id="69" name="PlaceHolder 2"/>
           <p:cNvSpPr>
             <a:spLocks noGrp="1"/>
           </p:cNvSpPr>
@@ -8177,7 +8963,7 @@
         <p:spPr>
           <a:xfrm>
             <a:off x="8472600" y="4633560"/>
-            <a:ext cx="547560" cy="392400"/>
+            <a:ext cx="547200" cy="392040"/>
           </a:xfrm>
           <a:prstGeom prst="rect">
             <a:avLst/>
@@ -8200,10 +8986,11 @@
               <a:tabLst>
                 <a:tab algn="l" pos="0"/>
               </a:tabLst>
-              <a:defRPr b="0" lang="en" sz="1000" spc="-1" strike="noStrike">
+              <a:defRPr b="0" lang="en" sz="1000" strike="noStrike" u="none">
                 <a:solidFill>
                   <a:schemeClr val="dk2"/>
                 </a:solidFill>
+                <a:uFillTx/>
                 <a:latin typeface="Arial"/>
                 <a:ea typeface="Arial"/>
               </a:defRPr>
@@ -8219,20 +9006,22 @@
                 <a:tab algn="l" pos="0"/>
               </a:tabLst>
             </a:pPr>
-            <a:fld id="{6417C222-B515-4A00-A176-59BDC7F207C0}" type="slidenum">
-              <a:rPr b="0" lang="en" sz="1000" spc="-1" strike="noStrike">
+            <a:fld id="{4F569E59-3A04-4BCB-92E4-E3EA60B1A5DA}" type="slidenum">
+              <a:rPr b="0" lang="en" sz="1000" strike="noStrike" u="none">
                 <a:solidFill>
                   <a:schemeClr val="dk2"/>
                 </a:solidFill>
+                <a:uFillTx/>
                 <a:latin typeface="Arial"/>
                 <a:ea typeface="Arial"/>
               </a:rPr>
               <a:t>5</a:t>
             </a:fld>
-            <a:endParaRPr b="0" lang="en-US" sz="1000" spc="-1" strike="noStrike">
-              <a:solidFill>
-                <a:srgbClr val="000000"/>
-              </a:solidFill>
+            <a:endParaRPr b="0" lang="en-US" sz="1000" strike="noStrike" u="none">
+              <a:solidFill>
+                <a:srgbClr val="000000"/>
+              </a:solidFill>
+              <a:uFillTx/>
               <a:latin typeface="Times New Roman"/>
             </a:endParaRPr>
           </a:p>
@@ -8240,7 +9029,7 @@
       </p:sp>
       <p:sp>
         <p:nvSpPr>
-          <p:cNvPr id="62" name="PlaceHolder 3"/>
+          <p:cNvPr id="70" name="PlaceHolder 3"/>
           <p:cNvSpPr>
             <a:spLocks noGrp="1"/>
           </p:cNvSpPr>
@@ -8251,7 +9040,7 @@
         <p:spPr>
           <a:xfrm>
             <a:off x="343080" y="606600"/>
-            <a:ext cx="8391600" cy="4332600"/>
+            <a:ext cx="8391240" cy="4332240"/>
           </a:xfrm>
           <a:prstGeom prst="rect">
             <a:avLst/>
@@ -8275,10 +9064,11 @@
                 <a:tab algn="l" pos="0"/>
               </a:tabLst>
             </a:pPr>
-            <a:endParaRPr b="0" lang="en-US" sz="1800" spc="-1" strike="noStrike">
-              <a:solidFill>
-                <a:srgbClr val="000000"/>
-              </a:solidFill>
+            <a:endParaRPr b="0" lang="en-US" sz="1800" strike="noStrike" u="none">
+              <a:solidFill>
+                <a:srgbClr val="000000"/>
+              </a:solidFill>
+              <a:uFillTx/>
               <a:latin typeface="Arial"/>
             </a:endParaRPr>
           </a:p>
@@ -8300,19 +9090,21 @@
               </a:tabLst>
             </a:pPr>
             <a:r>
-              <a:rPr b="0" lang="en" sz="2100" spc="-1" strike="noStrike">
+              <a:rPr b="0" lang="en" sz="2100" strike="noStrike" u="none">
                 <a:solidFill>
                   <a:srgbClr val="000000"/>
                 </a:solidFill>
+                <a:uFillTx/>
                 <a:latin typeface="Times New Roman"/>
                 <a:ea typeface="Times New Roman"/>
               </a:rPr>
               <a:t>Secure Memory defines any off-chip device as untrusted &amp; defines a process for verifying the integrity of off-chip data</a:t>
             </a:r>
-            <a:endParaRPr b="0" lang="en-US" sz="2100" spc="-1" strike="noStrike">
-              <a:solidFill>
-                <a:srgbClr val="000000"/>
-              </a:solidFill>
+            <a:endParaRPr b="0" lang="en-US" sz="2100" strike="noStrike" u="none">
+              <a:solidFill>
+                <a:srgbClr val="000000"/>
+              </a:solidFill>
+              <a:uFillTx/>
               <a:latin typeface="Arial"/>
             </a:endParaRPr>
           </a:p>
@@ -8334,59 +9126,65 @@
               </a:tabLst>
             </a:pPr>
             <a:r>
-              <a:rPr b="0" lang="en" sz="2100" spc="-1" strike="noStrike">
+              <a:rPr b="0" lang="en" sz="2100" strike="noStrike" u="none">
                 <a:solidFill>
                   <a:srgbClr val="000000"/>
                 </a:solidFill>
+                <a:uFillTx/>
                 <a:latin typeface="Times New Roman"/>
                 <a:ea typeface="Times New Roman"/>
               </a:rPr>
               <a:t>Off-chip data is signed with a counter, cryptographically hashed and stored in a tree of hashes (merkle tree</a:t>
             </a:r>
             <a:r>
-              <a:rPr b="0" lang="en" sz="2100" spc="-1" strike="noStrike" baseline="33000">
+              <a:rPr b="0" lang="en" sz="2100" strike="noStrike" u="none" baseline="33000">
                 <a:solidFill>
                   <a:srgbClr val="000000"/>
                 </a:solidFill>
+                <a:uFillTx/>
                 <a:latin typeface="Times New Roman"/>
                 <a:ea typeface="Times New Roman"/>
               </a:rPr>
               <a:t>[2] </a:t>
             </a:r>
             <a:r>
-              <a:rPr b="0" lang="en" sz="2100" spc="-1" strike="noStrike">
+              <a:rPr b="0" lang="en" sz="2100" strike="noStrike" u="none">
                 <a:solidFill>
                   <a:srgbClr val="000000"/>
                 </a:solidFill>
+                <a:uFillTx/>
                 <a:latin typeface="Times New Roman"/>
                 <a:ea typeface="Times New Roman"/>
               </a:rPr>
               <a:t>&amp; bonsai merkle tree</a:t>
             </a:r>
             <a:r>
-              <a:rPr b="0" lang="en" sz="2100" spc="-1" strike="noStrike" baseline="33000">
+              <a:rPr b="0" lang="en" sz="2100" strike="noStrike" u="none" baseline="33000">
                 <a:solidFill>
                   <a:srgbClr val="000000"/>
                 </a:solidFill>
+                <a:uFillTx/>
                 <a:latin typeface="Times New Roman"/>
                 <a:ea typeface="Times New Roman"/>
               </a:rPr>
               <a:t>[3]</a:t>
             </a:r>
             <a:r>
-              <a:rPr b="0" lang="en" sz="2100" spc="-1" strike="noStrike">
+              <a:rPr b="0" lang="en" sz="2100" strike="noStrike" u="none">
                 <a:solidFill>
                   <a:srgbClr val="000000"/>
                 </a:solidFill>
+                <a:uFillTx/>
                 <a:latin typeface="Times New Roman"/>
                 <a:ea typeface="Times New Roman"/>
               </a:rPr>
               <a:t>)</a:t>
             </a:r>
-            <a:endParaRPr b="0" lang="en-US" sz="2100" spc="-1" strike="noStrike">
-              <a:solidFill>
-                <a:srgbClr val="000000"/>
-              </a:solidFill>
+            <a:endParaRPr b="0" lang="en-US" sz="2100" strike="noStrike" u="none">
+              <a:solidFill>
+                <a:srgbClr val="000000"/>
+              </a:solidFill>
+              <a:uFillTx/>
               <a:latin typeface="Arial"/>
             </a:endParaRPr>
           </a:p>
@@ -8409,19 +9207,21 @@
               </a:tabLst>
             </a:pPr>
             <a:r>
-              <a:rPr b="0" lang="en" sz="1800" spc="-1" strike="noStrike">
+              <a:rPr b="0" lang="en" sz="1800" strike="noStrike" u="none">
                 <a:solidFill>
                   <a:srgbClr val="000000"/>
                 </a:solidFill>
+                <a:uFillTx/>
                 <a:latin typeface="Times New Roman"/>
                 <a:ea typeface="Times New Roman"/>
               </a:rPr>
               <a:t>Optimizations have been investigated that reduce memory overhead and efficient incrementing of counters</a:t>
             </a:r>
-            <a:endParaRPr b="0" lang="en-US" sz="1800" spc="-1" strike="noStrike">
-              <a:solidFill>
-                <a:srgbClr val="000000"/>
-              </a:solidFill>
+            <a:endParaRPr b="0" lang="en-US" sz="1800" strike="noStrike" u="none">
+              <a:solidFill>
+                <a:srgbClr val="000000"/>
+              </a:solidFill>
+              <a:uFillTx/>
               <a:latin typeface="Arial"/>
             </a:endParaRPr>
           </a:p>
@@ -8443,19 +9243,21 @@
               </a:tabLst>
             </a:pPr>
             <a:r>
-              <a:rPr b="0" lang="en" sz="2100" spc="-1" strike="noStrike">
+              <a:rPr b="0" lang="en" sz="2100" strike="noStrike" u="none">
                 <a:solidFill>
                   <a:srgbClr val="000000"/>
                 </a:solidFill>
+                <a:uFillTx/>
                 <a:latin typeface="Times New Roman"/>
                 <a:ea typeface="Times New Roman"/>
               </a:rPr>
               <a:t>Builds a hash tree over the memory, the root of which is always stored on-chip</a:t>
             </a:r>
-            <a:endParaRPr b="0" lang="en-US" sz="2100" spc="-1" strike="noStrike">
-              <a:solidFill>
-                <a:srgbClr val="000000"/>
-              </a:solidFill>
+            <a:endParaRPr b="0" lang="en-US" sz="2100" strike="noStrike" u="none">
+              <a:solidFill>
+                <a:srgbClr val="000000"/>
+              </a:solidFill>
+              <a:uFillTx/>
               <a:latin typeface="Arial"/>
             </a:endParaRPr>
           </a:p>
@@ -8478,19 +9280,21 @@
               </a:tabLst>
             </a:pPr>
             <a:r>
-              <a:rPr b="0" lang="en" sz="1800" spc="-1" strike="noStrike">
+              <a:rPr b="0" lang="en" sz="1800" strike="noStrike" u="none">
                 <a:solidFill>
                   <a:srgbClr val="000000"/>
                 </a:solidFill>
+                <a:uFillTx/>
                 <a:latin typeface="Times New Roman"/>
                 <a:ea typeface="Times New Roman"/>
               </a:rPr>
               <a:t>Memory blocks are fetched, hashed and compared against the entire tree for verification</a:t>
             </a:r>
-            <a:endParaRPr b="0" lang="en-US" sz="1800" spc="-1" strike="noStrike">
-              <a:solidFill>
-                <a:srgbClr val="000000"/>
-              </a:solidFill>
+            <a:endParaRPr b="0" lang="en-US" sz="1800" strike="noStrike" u="none">
+              <a:solidFill>
+                <a:srgbClr val="000000"/>
+              </a:solidFill>
+              <a:uFillTx/>
               <a:latin typeface="Arial"/>
             </a:endParaRPr>
           </a:p>
@@ -8528,7 +9332,7 @@
       </p:grpSpPr>
       <p:sp>
         <p:nvSpPr>
-          <p:cNvPr id="63" name="PlaceHolder 1"/>
+          <p:cNvPr id="71" name="PlaceHolder 1"/>
           <p:cNvSpPr>
             <a:spLocks noGrp="1"/>
           </p:cNvSpPr>
@@ -8539,7 +9343,7 @@
         <p:spPr>
           <a:xfrm>
             <a:off x="1487160" y="171360"/>
-            <a:ext cx="6166440" cy="921960"/>
+            <a:ext cx="6166080" cy="921600"/>
           </a:xfrm>
           <a:prstGeom prst="rect">
             <a:avLst/>
@@ -8564,19 +9368,21 @@
               </a:tabLst>
             </a:pPr>
             <a:r>
-              <a:rPr b="0" lang="en" sz="2400" spc="-1" strike="noStrike">
+              <a:rPr b="0" lang="en" sz="2400" strike="noStrike" u="none">
                 <a:solidFill>
                   <a:srgbClr val="000000"/>
                 </a:solidFill>
+                <a:uFillTx/>
                 <a:latin typeface="Times New Roman"/>
                 <a:ea typeface="Times New Roman"/>
               </a:rPr>
               <a:t>gem5</a:t>
             </a:r>
-            <a:endParaRPr b="0" lang="en-US" sz="2400" spc="-1" strike="noStrike">
-              <a:solidFill>
-                <a:srgbClr val="000000"/>
-              </a:solidFill>
+            <a:endParaRPr b="0" lang="en-US" sz="2400" strike="noStrike" u="none">
+              <a:solidFill>
+                <a:srgbClr val="000000"/>
+              </a:solidFill>
+              <a:uFillTx/>
               <a:latin typeface="Arial"/>
             </a:endParaRPr>
           </a:p>
@@ -8584,7 +9390,7 @@
       </p:sp>
       <p:sp>
         <p:nvSpPr>
-          <p:cNvPr id="64" name="PlaceHolder 2"/>
+          <p:cNvPr id="72" name="PlaceHolder 2"/>
           <p:cNvSpPr>
             <a:spLocks noGrp="1"/>
           </p:cNvSpPr>
@@ -8595,7 +9401,7 @@
         <p:spPr>
           <a:xfrm>
             <a:off x="343080" y="606600"/>
-            <a:ext cx="8391600" cy="3493800"/>
+            <a:ext cx="8391240" cy="3493440"/>
           </a:xfrm>
           <a:prstGeom prst="rect">
             <a:avLst/>
@@ -8619,10 +9425,11 @@
                 <a:tab algn="l" pos="0"/>
               </a:tabLst>
             </a:pPr>
-            <a:endParaRPr b="0" lang="en-US" sz="1800" spc="-1" strike="noStrike">
-              <a:solidFill>
-                <a:srgbClr val="000000"/>
-              </a:solidFill>
+            <a:endParaRPr b="0" lang="en-US" sz="1800" strike="noStrike" u="none">
+              <a:solidFill>
+                <a:srgbClr val="000000"/>
+              </a:solidFill>
+              <a:uFillTx/>
               <a:latin typeface="Arial"/>
             </a:endParaRPr>
           </a:p>
@@ -8644,19 +9451,21 @@
               </a:tabLst>
             </a:pPr>
             <a:r>
-              <a:rPr b="0" lang="en" sz="2400" spc="-1" strike="noStrike">
+              <a:rPr b="0" lang="en" sz="2400" strike="noStrike" u="none">
                 <a:solidFill>
                   <a:srgbClr val="000000"/>
                 </a:solidFill>
+                <a:uFillTx/>
                 <a:latin typeface="Times New Roman"/>
                 <a:ea typeface="Times New Roman"/>
               </a:rPr>
               <a:t>gem5 is one of, if not the only, architecture simulator that supports RISC-V &amp; multi-core simulation</a:t>
             </a:r>
-            <a:endParaRPr b="0" lang="en-US" sz="2400" spc="-1" strike="noStrike">
-              <a:solidFill>
-                <a:srgbClr val="000000"/>
-              </a:solidFill>
+            <a:endParaRPr b="0" lang="en-US" sz="2400" strike="noStrike" u="none">
+              <a:solidFill>
+                <a:srgbClr val="000000"/>
+              </a:solidFill>
+              <a:uFillTx/>
               <a:latin typeface="Arial"/>
             </a:endParaRPr>
           </a:p>
@@ -8679,19 +9488,21 @@
               </a:tabLst>
             </a:pPr>
             <a:r>
-              <a:rPr b="0" lang="en" sz="1800" spc="-1" strike="noStrike">
+              <a:rPr b="0" lang="en" sz="1800" strike="noStrike" u="none">
                 <a:solidFill>
                   <a:srgbClr val="000000"/>
                 </a:solidFill>
+                <a:uFillTx/>
                 <a:latin typeface="Times New Roman"/>
                 <a:ea typeface="Times New Roman"/>
               </a:rPr>
               <a:t>Keystone including PMP tables &amp; checker implementations</a:t>
             </a:r>
-            <a:endParaRPr b="0" lang="en-US" sz="1800" spc="-1" strike="noStrike">
-              <a:solidFill>
-                <a:srgbClr val="000000"/>
-              </a:solidFill>
+            <a:endParaRPr b="0" lang="en-US" sz="1800" strike="noStrike" u="none">
+              <a:solidFill>
+                <a:srgbClr val="000000"/>
+              </a:solidFill>
+              <a:uFillTx/>
               <a:latin typeface="Arial"/>
             </a:endParaRPr>
           </a:p>
@@ -8714,19 +9525,21 @@
               </a:tabLst>
             </a:pPr>
             <a:r>
-              <a:rPr b="0" lang="en" sz="1800" spc="-1" strike="noStrike">
+              <a:rPr b="0" lang="en" sz="1800" strike="noStrike" u="none">
                 <a:solidFill>
                   <a:srgbClr val="000000"/>
                 </a:solidFill>
+                <a:uFillTx/>
                 <a:latin typeface="Times New Roman"/>
                 <a:ea typeface="Times New Roman"/>
               </a:rPr>
               <a:t>Memory encryption engine</a:t>
             </a:r>
-            <a:endParaRPr b="0" lang="en-US" sz="1800" spc="-1" strike="noStrike">
-              <a:solidFill>
-                <a:srgbClr val="000000"/>
-              </a:solidFill>
+            <a:endParaRPr b="0" lang="en-US" sz="1800" strike="noStrike" u="none">
+              <a:solidFill>
+                <a:srgbClr val="000000"/>
+              </a:solidFill>
+              <a:uFillTx/>
               <a:latin typeface="Arial"/>
             </a:endParaRPr>
           </a:p>
@@ -8749,19 +9562,21 @@
               </a:tabLst>
             </a:pPr>
             <a:r>
-              <a:rPr b="0" lang="en" sz="1800" spc="-1" strike="noStrike">
+              <a:rPr b="0" lang="en" sz="1800" strike="noStrike" u="none">
                 <a:solidFill>
                   <a:srgbClr val="000000"/>
                 </a:solidFill>
+                <a:uFillTx/>
                 <a:latin typeface="Times New Roman"/>
                 <a:ea typeface="Times New Roman"/>
               </a:rPr>
               <a:t>Secure Memory implementation (Sam Thomas)</a:t>
             </a:r>
-            <a:endParaRPr b="0" lang="en-US" sz="1800" spc="-1" strike="noStrike">
-              <a:solidFill>
-                <a:srgbClr val="000000"/>
-              </a:solidFill>
+            <a:endParaRPr b="0" lang="en-US" sz="1800" strike="noStrike" u="none">
+              <a:solidFill>
+                <a:srgbClr val="000000"/>
+              </a:solidFill>
+              <a:uFillTx/>
               <a:latin typeface="Arial"/>
             </a:endParaRPr>
           </a:p>
@@ -8769,14 +9584,14 @@
       </p:sp>
       <p:cxnSp>
         <p:nvCxnSpPr>
-          <p:cNvPr id="65" name="Google Shape;140;p21"/>
+          <p:cNvPr id="73" name="Google Shape;140;p21"/>
           <p:cNvCxnSpPr/>
           <p:nvPr/>
         </p:nvCxnSpPr>
         <p:spPr>
           <a:xfrm>
             <a:off x="204480" y="721440"/>
-            <a:ext cx="8736120" cy="1440"/>
+            <a:ext cx="8736480" cy="1800"/>
           </a:xfrm>
           <a:prstGeom prst="straightConnector1">
             <a:avLst/>
@@ -8791,7 +9606,7 @@
       </p:cxnSp>
       <p:sp>
         <p:nvSpPr>
-          <p:cNvPr id="66" name="PlaceHolder 3"/>
+          <p:cNvPr id="74" name="PlaceHolder 3"/>
           <p:cNvSpPr>
             <a:spLocks noGrp="1"/>
           </p:cNvSpPr>
@@ -8802,7 +9617,7 @@
         <p:spPr>
           <a:xfrm>
             <a:off x="8472600" y="4633560"/>
-            <a:ext cx="547560" cy="392400"/>
+            <a:ext cx="547200" cy="392040"/>
           </a:xfrm>
           <a:prstGeom prst="rect">
             <a:avLst/>
@@ -8825,10 +9640,11 @@
               <a:tabLst>
                 <a:tab algn="l" pos="0"/>
               </a:tabLst>
-              <a:defRPr b="0" lang="en" sz="1000" spc="-1" strike="noStrike">
+              <a:defRPr b="0" lang="en" sz="1000" strike="noStrike" u="none">
                 <a:solidFill>
                   <a:schemeClr val="dk2"/>
                 </a:solidFill>
+                <a:uFillTx/>
                 <a:latin typeface="Arial"/>
                 <a:ea typeface="Arial"/>
               </a:defRPr>
@@ -8844,20 +9660,22 @@
                 <a:tab algn="l" pos="0"/>
               </a:tabLst>
             </a:pPr>
-            <a:fld id="{7D3D3EB6-1B89-4A09-92DA-7E04B074103D}" type="slidenum">
-              <a:rPr b="0" lang="en" sz="1000" spc="-1" strike="noStrike">
+            <a:fld id="{C5930B4B-7235-4721-A37C-4F31EBF44DCC}" type="slidenum">
+              <a:rPr b="0" lang="en" sz="1000" strike="noStrike" u="none">
                 <a:solidFill>
                   <a:schemeClr val="dk2"/>
                 </a:solidFill>
+                <a:uFillTx/>
                 <a:latin typeface="Arial"/>
                 <a:ea typeface="Arial"/>
               </a:rPr>
               <a:t>6</a:t>
             </a:fld>
-            <a:endParaRPr b="0" lang="en-US" sz="1000" spc="-1" strike="noStrike">
-              <a:solidFill>
-                <a:srgbClr val="000000"/>
-              </a:solidFill>
+            <a:endParaRPr b="0" lang="en-US" sz="1000" strike="noStrike" u="none">
+              <a:solidFill>
+                <a:srgbClr val="000000"/>
+              </a:solidFill>
+              <a:uFillTx/>
               <a:latin typeface="Times New Roman"/>
             </a:endParaRPr>
           </a:p>
@@ -8895,7 +9713,7 @@
       </p:grpSpPr>
       <p:sp>
         <p:nvSpPr>
-          <p:cNvPr id="67" name="PlaceHolder 1"/>
+          <p:cNvPr id="75" name="PlaceHolder 1"/>
           <p:cNvSpPr>
             <a:spLocks noGrp="1"/>
           </p:cNvSpPr>
@@ -8906,7 +9724,7 @@
         <p:spPr>
           <a:xfrm>
             <a:off x="1487160" y="171360"/>
-            <a:ext cx="6166440" cy="921960"/>
+            <a:ext cx="6166080" cy="921600"/>
           </a:xfrm>
           <a:prstGeom prst="rect">
             <a:avLst/>
@@ -8931,19 +9749,21 @@
               </a:tabLst>
             </a:pPr>
             <a:r>
-              <a:rPr b="0" lang="en" sz="2400" spc="-1" strike="noStrike">
+              <a:rPr b="0" lang="en" sz="2400" strike="noStrike" u="none">
                 <a:solidFill>
                   <a:srgbClr val="000000"/>
                 </a:solidFill>
+                <a:uFillTx/>
                 <a:latin typeface="Times New Roman"/>
                 <a:ea typeface="Times New Roman"/>
               </a:rPr>
               <a:t>gem5 Simple Sanity Check</a:t>
             </a:r>
-            <a:endParaRPr b="0" lang="en-US" sz="2400" spc="-1" strike="noStrike">
-              <a:solidFill>
-                <a:srgbClr val="000000"/>
-              </a:solidFill>
+            <a:endParaRPr b="0" lang="en-US" sz="2400" strike="noStrike" u="none">
+              <a:solidFill>
+                <a:srgbClr val="000000"/>
+              </a:solidFill>
+              <a:uFillTx/>
               <a:latin typeface="Arial"/>
             </a:endParaRPr>
           </a:p>
@@ -8951,7 +9771,7 @@
       </p:sp>
       <p:sp>
         <p:nvSpPr>
-          <p:cNvPr id="68" name="PlaceHolder 2"/>
+          <p:cNvPr id="76" name="PlaceHolder 2"/>
           <p:cNvSpPr>
             <a:spLocks noGrp="1"/>
           </p:cNvSpPr>
@@ -8962,7 +9782,7 @@
         <p:spPr>
           <a:xfrm>
             <a:off x="343080" y="606600"/>
-            <a:ext cx="8391600" cy="4194000"/>
+            <a:ext cx="8391240" cy="4193640"/>
           </a:xfrm>
           <a:prstGeom prst="rect">
             <a:avLst/>
@@ -8986,10 +9806,11 @@
                 <a:tab algn="l" pos="0"/>
               </a:tabLst>
             </a:pPr>
-            <a:endParaRPr b="0" lang="en-US" sz="1800" spc="-1" strike="noStrike">
-              <a:solidFill>
-                <a:srgbClr val="000000"/>
-              </a:solidFill>
+            <a:endParaRPr b="0" lang="en-US" sz="1800" strike="noStrike" u="none">
+              <a:solidFill>
+                <a:srgbClr val="000000"/>
+              </a:solidFill>
+              <a:uFillTx/>
               <a:latin typeface="Arial"/>
             </a:endParaRPr>
           </a:p>
@@ -9011,39 +9832,43 @@
               </a:tabLst>
             </a:pPr>
             <a:r>
-              <a:rPr b="0" lang="en" sz="2400" spc="-1" strike="noStrike">
+              <a:rPr b="0" lang="en" sz="2400" strike="noStrike" u="none">
                 <a:solidFill>
                   <a:srgbClr val="000000"/>
                 </a:solidFill>
+                <a:uFillTx/>
                 <a:latin typeface="Times New Roman"/>
                 <a:ea typeface="Times New Roman"/>
               </a:rPr>
               <a:t>Base gem5 vs. Secure Memory implementation (</a:t>
             </a:r>
             <a:r>
-              <a:rPr b="0" lang="en" sz="2000" spc="-1" strike="noStrike">
+              <a:rPr b="0" lang="en" sz="2000" strike="noStrike" u="none">
                 <a:solidFill>
                   <a:srgbClr val="000000"/>
                 </a:solidFill>
+                <a:uFillTx/>
                 <a:latin typeface="Times New Roman"/>
                 <a:ea typeface="Times New Roman"/>
               </a:rPr>
               <a:t>version 24.0.0.1</a:t>
             </a:r>
             <a:r>
-              <a:rPr b="0" lang="en" sz="2400" spc="-1" strike="noStrike">
+              <a:rPr b="0" lang="en" sz="2400" strike="noStrike" u="none">
                 <a:solidFill>
                   <a:srgbClr val="000000"/>
                 </a:solidFill>
+                <a:uFillTx/>
                 <a:latin typeface="Times New Roman"/>
                 <a:ea typeface="Times New Roman"/>
               </a:rPr>
               <a:t>)</a:t>
             </a:r>
-            <a:endParaRPr b="0" lang="en-US" sz="2400" spc="-1" strike="noStrike">
-              <a:solidFill>
-                <a:srgbClr val="000000"/>
-              </a:solidFill>
+            <a:endParaRPr b="0" lang="en-US" sz="2400" strike="noStrike" u="none">
+              <a:solidFill>
+                <a:srgbClr val="000000"/>
+              </a:solidFill>
+              <a:uFillTx/>
               <a:latin typeface="Arial"/>
             </a:endParaRPr>
           </a:p>
@@ -9066,19 +9891,21 @@
               </a:tabLst>
             </a:pPr>
             <a:r>
-              <a:rPr b="0" lang="en" sz="1800" spc="-1" strike="noStrike">
+              <a:rPr b="0" lang="en" sz="1800" strike="noStrike" u="none">
                 <a:solidFill>
                   <a:srgbClr val="000000"/>
                 </a:solidFill>
+                <a:uFillTx/>
                 <a:latin typeface="Times New Roman"/>
                 <a:ea typeface="Times New Roman"/>
               </a:rPr>
               <a:t>1000 accesses on 1GB array of memory</a:t>
             </a:r>
-            <a:endParaRPr b="0" lang="en-US" sz="1800" spc="-1" strike="noStrike">
-              <a:solidFill>
-                <a:srgbClr val="000000"/>
-              </a:solidFill>
+            <a:endParaRPr b="0" lang="en-US" sz="1800" strike="noStrike" u="none">
+              <a:solidFill>
+                <a:srgbClr val="000000"/>
+              </a:solidFill>
+              <a:uFillTx/>
               <a:latin typeface="Arial"/>
             </a:endParaRPr>
           </a:p>
@@ -9095,10 +9922,11 @@
                 <a:tab algn="l" pos="0"/>
               </a:tabLst>
             </a:pPr>
-            <a:endParaRPr b="0" lang="en-US" sz="2400" spc="-1" strike="noStrike">
-              <a:solidFill>
-                <a:srgbClr val="000000"/>
-              </a:solidFill>
+            <a:endParaRPr b="0" lang="en-US" sz="2400" strike="noStrike" u="none">
+              <a:solidFill>
+                <a:srgbClr val="000000"/>
+              </a:solidFill>
+              <a:uFillTx/>
               <a:latin typeface="Arial"/>
             </a:endParaRPr>
           </a:p>
@@ -9115,10 +9943,11 @@
                 <a:tab algn="l" pos="0"/>
               </a:tabLst>
             </a:pPr>
-            <a:endParaRPr b="0" lang="en-US" sz="2400" spc="-1" strike="noStrike">
-              <a:solidFill>
-                <a:srgbClr val="000000"/>
-              </a:solidFill>
+            <a:endParaRPr b="0" lang="en-US" sz="2400" strike="noStrike" u="none">
+              <a:solidFill>
+                <a:srgbClr val="000000"/>
+              </a:solidFill>
+              <a:uFillTx/>
               <a:latin typeface="Arial"/>
             </a:endParaRPr>
           </a:p>
@@ -9135,10 +9964,11 @@
                 <a:tab algn="l" pos="0"/>
               </a:tabLst>
             </a:pPr>
-            <a:endParaRPr b="0" lang="en-US" sz="2400" spc="-1" strike="noStrike">
-              <a:solidFill>
-                <a:srgbClr val="000000"/>
-              </a:solidFill>
+            <a:endParaRPr b="0" lang="en-US" sz="2400" strike="noStrike" u="none">
+              <a:solidFill>
+                <a:srgbClr val="000000"/>
+              </a:solidFill>
+              <a:uFillTx/>
               <a:latin typeface="Arial"/>
             </a:endParaRPr>
           </a:p>
@@ -9155,10 +9985,11 @@
                 <a:tab algn="l" pos="0"/>
               </a:tabLst>
             </a:pPr>
-            <a:endParaRPr b="0" lang="en-US" sz="2400" spc="-1" strike="noStrike">
-              <a:solidFill>
-                <a:srgbClr val="000000"/>
-              </a:solidFill>
+            <a:endParaRPr b="0" lang="en-US" sz="2400" strike="noStrike" u="none">
+              <a:solidFill>
+                <a:srgbClr val="000000"/>
+              </a:solidFill>
+              <a:uFillTx/>
               <a:latin typeface="Arial"/>
             </a:endParaRPr>
           </a:p>
@@ -9180,19 +10011,21 @@
               </a:tabLst>
             </a:pPr>
             <a:r>
-              <a:rPr b="0" lang="en" sz="2400" spc="-1" strike="noStrike">
+              <a:rPr b="0" lang="en" sz="2400" strike="noStrike" u="none">
                 <a:solidFill>
                   <a:srgbClr val="000000"/>
                 </a:solidFill>
+                <a:uFillTx/>
                 <a:latin typeface="Times New Roman"/>
                 <a:ea typeface="Times New Roman"/>
               </a:rPr>
               <a:t>Secure memory implementation requires an increase in both runtime and memory overhead</a:t>
             </a:r>
-            <a:endParaRPr b="0" lang="en-US" sz="2400" spc="-1" strike="noStrike">
-              <a:solidFill>
-                <a:srgbClr val="000000"/>
-              </a:solidFill>
+            <a:endParaRPr b="0" lang="en-US" sz="2400" strike="noStrike" u="none">
+              <a:solidFill>
+                <a:srgbClr val="000000"/>
+              </a:solidFill>
+              <a:uFillTx/>
               <a:latin typeface="Arial"/>
             </a:endParaRPr>
           </a:p>
@@ -9200,14 +10033,14 @@
       </p:sp>
       <p:cxnSp>
         <p:nvCxnSpPr>
-          <p:cNvPr id="69" name="Google Shape;140;p 1"/>
+          <p:cNvPr id="77" name="Google Shape;140;p 1"/>
           <p:cNvCxnSpPr/>
           <p:nvPr/>
         </p:nvCxnSpPr>
         <p:spPr>
           <a:xfrm>
             <a:off x="204480" y="721440"/>
-            <a:ext cx="8736120" cy="1440"/>
+            <a:ext cx="8736480" cy="1800"/>
           </a:xfrm>
           <a:prstGeom prst="straightConnector1">
             <a:avLst/>
@@ -9222,7 +10055,7 @@
       </p:cxnSp>
       <p:sp>
         <p:nvSpPr>
-          <p:cNvPr id="70" name="PlaceHolder 3"/>
+          <p:cNvPr id="78" name="PlaceHolder 3"/>
           <p:cNvSpPr>
             <a:spLocks noGrp="1"/>
           </p:cNvSpPr>
@@ -9233,7 +10066,7 @@
         <p:spPr>
           <a:xfrm>
             <a:off x="8472600" y="4633560"/>
-            <a:ext cx="547560" cy="392400"/>
+            <a:ext cx="547200" cy="392040"/>
           </a:xfrm>
           <a:prstGeom prst="rect">
             <a:avLst/>
@@ -9256,10 +10089,11 @@
               <a:tabLst>
                 <a:tab algn="l" pos="0"/>
               </a:tabLst>
-              <a:defRPr b="0" lang="en" sz="1000" spc="-1" strike="noStrike">
+              <a:defRPr b="0" lang="en" sz="1000" strike="noStrike" u="none">
                 <a:solidFill>
                   <a:schemeClr val="dk2"/>
                 </a:solidFill>
+                <a:uFillTx/>
                 <a:latin typeface="Arial"/>
                 <a:ea typeface="Arial"/>
               </a:defRPr>
@@ -9275,20 +10109,22 @@
                 <a:tab algn="l" pos="0"/>
               </a:tabLst>
             </a:pPr>
-            <a:fld id="{A997F007-BD26-42D1-AB1D-34748A0A8E74}" type="slidenum">
-              <a:rPr b="0" lang="en" sz="1000" spc="-1" strike="noStrike">
+            <a:fld id="{7675638B-188C-402B-AFB7-9B4DFAF5028A}" type="slidenum">
+              <a:rPr b="0" lang="en" sz="1000" strike="noStrike" u="none">
                 <a:solidFill>
                   <a:schemeClr val="dk2"/>
                 </a:solidFill>
+                <a:uFillTx/>
                 <a:latin typeface="Arial"/>
                 <a:ea typeface="Arial"/>
               </a:rPr>
               <a:t>7</a:t>
             </a:fld>
-            <a:endParaRPr b="0" lang="en-US" sz="1000" spc="-1" strike="noStrike">
-              <a:solidFill>
-                <a:srgbClr val="000000"/>
-              </a:solidFill>
+            <a:endParaRPr b="0" lang="en-US" sz="1000" strike="noStrike" u="none">
+              <a:solidFill>
+                <a:srgbClr val="000000"/>
+              </a:solidFill>
+              <a:uFillTx/>
               <a:latin typeface="Times New Roman"/>
             </a:endParaRPr>
           </a:p>
@@ -9296,7 +10132,7 @@
       </p:sp>
       <p:graphicFrame>
         <p:nvGraphicFramePr>
-          <p:cNvPr id="71" name=""/>
+          <p:cNvPr id="79" name=""/>
           <p:cNvGraphicFramePr/>
           <p:nvPr/>
         </p:nvGraphicFramePr>
@@ -9320,10 +10156,11 @@
                       <a:noAutofit/>
                     </a:bodyPr>
                     <a:p>
-                      <a:endParaRPr b="0" lang="en-US" sz="1800" spc="-1" strike="noStrike">
+                      <a:endParaRPr b="0" lang="en-US" sz="1800" strike="noStrike" u="none">
                         <a:solidFill>
                           <a:srgbClr val="000000"/>
                         </a:solidFill>
+                        <a:uFillTx/>
                         <a:latin typeface="Arial"/>
                       </a:endParaRPr>
                     </a:p>
@@ -9368,36 +10205,40 @@
                         </a:lnSpc>
                       </a:pPr>
                       <a:r>
-                        <a:rPr b="0" lang="en-US" sz="1800" spc="-1" strike="noStrike">
+                        <a:rPr b="0" lang="en-US" sz="1800" strike="noStrike" u="none">
                           <a:solidFill>
                             <a:srgbClr val="000000"/>
                           </a:solidFill>
+                          <a:uFillTx/>
                           <a:latin typeface="Times New Roman"/>
                         </a:rPr>
                         <a:t>Simulation Time (</a:t>
                       </a:r>
                       <a:r>
-                        <a:rPr b="0" lang="en-US" sz="1500" spc="-1" strike="noStrike">
+                        <a:rPr b="0" lang="en-US" sz="1500" strike="noStrike" u="none">
                           <a:solidFill>
                             <a:srgbClr val="000000"/>
                           </a:solidFill>
+                          <a:uFillTx/>
                           <a:latin typeface="Times New Roman"/>
                         </a:rPr>
                         <a:t>Milliseconds</a:t>
                       </a:r>
                       <a:r>
-                        <a:rPr b="0" lang="en-US" sz="1800" spc="-1" strike="noStrike">
+                        <a:rPr b="0" lang="en-US" sz="1800" strike="noStrike" u="none">
                           <a:solidFill>
                             <a:srgbClr val="000000"/>
                           </a:solidFill>
+                          <a:uFillTx/>
                           <a:latin typeface="Times New Roman"/>
                         </a:rPr>
                         <a:t>)</a:t>
                       </a:r>
-                      <a:endParaRPr b="0" lang="en-US" sz="1800" spc="-1" strike="noStrike">
+                      <a:endParaRPr b="0" lang="en-US" sz="1800" strike="noStrike" u="none">
                         <a:solidFill>
                           <a:srgbClr val="000000"/>
                         </a:solidFill>
+                        <a:uFillTx/>
                         <a:latin typeface="Arial"/>
                       </a:endParaRPr>
                     </a:p>
@@ -9442,36 +10283,40 @@
                         </a:lnSpc>
                       </a:pPr>
                       <a:r>
-                        <a:rPr b="0" lang="en-US" sz="1800" spc="-1" strike="noStrike">
+                        <a:rPr b="0" lang="en-US" sz="1800" strike="noStrike" u="none">
                           <a:solidFill>
                             <a:srgbClr val="000000"/>
                           </a:solidFill>
+                          <a:uFillTx/>
                           <a:latin typeface="Times New Roman"/>
                         </a:rPr>
                         <a:t>Host Memory (</a:t>
                       </a:r>
                       <a:r>
-                        <a:rPr b="0" lang="en-US" sz="1500" spc="-1" strike="noStrike">
+                        <a:rPr b="0" lang="en-US" sz="1500" strike="noStrike" u="none">
                           <a:solidFill>
                             <a:srgbClr val="000000"/>
                           </a:solidFill>
+                          <a:uFillTx/>
                           <a:latin typeface="Times New Roman"/>
                         </a:rPr>
                         <a:t>MB</a:t>
                       </a:r>
                       <a:r>
-                        <a:rPr b="0" lang="en-US" sz="1800" spc="-1" strike="noStrike">
+                        <a:rPr b="0" lang="en-US" sz="1800" strike="noStrike" u="none">
                           <a:solidFill>
                             <a:srgbClr val="000000"/>
                           </a:solidFill>
+                          <a:uFillTx/>
                           <a:latin typeface="Times New Roman"/>
                         </a:rPr>
                         <a:t>)</a:t>
                       </a:r>
-                      <a:endParaRPr b="0" lang="en-US" sz="1800" spc="-1" strike="noStrike">
+                      <a:endParaRPr b="0" lang="en-US" sz="1800" strike="noStrike" u="none">
                         <a:solidFill>
                           <a:srgbClr val="000000"/>
                         </a:solidFill>
+                        <a:uFillTx/>
                         <a:latin typeface="Arial"/>
                       </a:endParaRPr>
                     </a:p>
@@ -9518,18 +10363,20 @@
                         </a:lnSpc>
                       </a:pPr>
                       <a:r>
-                        <a:rPr b="0" lang="en-US" sz="1800" spc="-1" strike="noStrike">
+                        <a:rPr b="0" lang="en-US" sz="1800" strike="noStrike" u="none">
                           <a:solidFill>
                             <a:srgbClr val="000000"/>
                           </a:solidFill>
+                          <a:uFillTx/>
                           <a:latin typeface="Times New Roman"/>
                         </a:rPr>
                         <a:t>Base gem5</a:t>
                       </a:r>
-                      <a:endParaRPr b="0" lang="en-US" sz="1800" spc="-1" strike="noStrike">
+                      <a:endParaRPr b="0" lang="en-US" sz="1800" strike="noStrike" u="none">
                         <a:solidFill>
                           <a:srgbClr val="000000"/>
                         </a:solidFill>
+                        <a:uFillTx/>
                         <a:latin typeface="Arial"/>
                       </a:endParaRPr>
                     </a:p>
@@ -9574,18 +10421,20 @@
                         </a:lnSpc>
                       </a:pPr>
                       <a:r>
-                        <a:rPr b="0" lang="en-US" sz="1800" spc="-1" strike="noStrike">
+                        <a:rPr b="0" lang="en-US" sz="1800" strike="noStrike" u="none">
                           <a:solidFill>
                             <a:srgbClr val="000000"/>
                           </a:solidFill>
+                          <a:uFillTx/>
                           <a:latin typeface="Times New Roman"/>
                         </a:rPr>
                         <a:t>67.91</a:t>
                       </a:r>
-                      <a:endParaRPr b="0" lang="en-US" sz="1800" spc="-1" strike="noStrike">
+                      <a:endParaRPr b="0" lang="en-US" sz="1800" strike="noStrike" u="none">
                         <a:solidFill>
                           <a:srgbClr val="000000"/>
                         </a:solidFill>
+                        <a:uFillTx/>
                         <a:latin typeface="Arial"/>
                       </a:endParaRPr>
                     </a:p>
@@ -9630,18 +10479,20 @@
                         </a:lnSpc>
                       </a:pPr>
                       <a:r>
-                        <a:rPr b="0" lang="en-US" sz="1800" spc="-1" strike="noStrike">
+                        <a:rPr b="0" lang="en-US" sz="1800" strike="noStrike" u="none">
                           <a:solidFill>
                             <a:srgbClr val="000000"/>
                           </a:solidFill>
+                          <a:uFillTx/>
                           <a:latin typeface="Times New Roman"/>
                         </a:rPr>
                         <a:t>1.17</a:t>
                       </a:r>
-                      <a:endParaRPr b="0" lang="en-US" sz="1800" spc="-1" strike="noStrike">
+                      <a:endParaRPr b="0" lang="en-US" sz="1800" strike="noStrike" u="none">
                         <a:solidFill>
                           <a:srgbClr val="000000"/>
                         </a:solidFill>
+                        <a:uFillTx/>
                         <a:latin typeface="Arial"/>
                       </a:endParaRPr>
                     </a:p>
@@ -9688,18 +10539,20 @@
                         </a:lnSpc>
                       </a:pPr>
                       <a:r>
-                        <a:rPr b="0" lang="en-US" sz="1800" spc="-1" strike="noStrike">
+                        <a:rPr b="0" lang="en-US" sz="1800" strike="noStrike" u="none">
                           <a:solidFill>
                             <a:srgbClr val="000000"/>
                           </a:solidFill>
+                          <a:uFillTx/>
                           <a:latin typeface="Times New Roman"/>
                         </a:rPr>
                         <a:t>Secure gem5</a:t>
                       </a:r>
-                      <a:endParaRPr b="0" lang="en-US" sz="1800" spc="-1" strike="noStrike">
+                      <a:endParaRPr b="0" lang="en-US" sz="1800" strike="noStrike" u="none">
                         <a:solidFill>
                           <a:srgbClr val="000000"/>
                         </a:solidFill>
+                        <a:uFillTx/>
                         <a:latin typeface="Arial"/>
                       </a:endParaRPr>
                     </a:p>
@@ -9744,18 +10597,20 @@
                         </a:lnSpc>
                       </a:pPr>
                       <a:r>
-                        <a:rPr b="0" lang="en-US" sz="1800" spc="-1" strike="noStrike">
+                        <a:rPr b="0" lang="en-US" sz="1800" strike="noStrike" u="none">
                           <a:solidFill>
                             <a:srgbClr val="000000"/>
                           </a:solidFill>
+                          <a:uFillTx/>
                           <a:latin typeface="Times New Roman"/>
                         </a:rPr>
                         <a:t>251.55</a:t>
                       </a:r>
-                      <a:endParaRPr b="0" lang="en-US" sz="1800" spc="-1" strike="noStrike">
+                      <a:endParaRPr b="0" lang="en-US" sz="1800" strike="noStrike" u="none">
                         <a:solidFill>
                           <a:srgbClr val="000000"/>
                         </a:solidFill>
+                        <a:uFillTx/>
                         <a:latin typeface="Arial"/>
                       </a:endParaRPr>
                     </a:p>
@@ -9800,18 +10655,20 @@
                         </a:lnSpc>
                       </a:pPr>
                       <a:r>
-                        <a:rPr b="0" lang="en-US" sz="1800" spc="-1" strike="noStrike">
+                        <a:rPr b="0" lang="en-US" sz="1800" strike="noStrike" u="none">
                           <a:solidFill>
                             <a:srgbClr val="000000"/>
                           </a:solidFill>
+                          <a:uFillTx/>
                           <a:latin typeface="Times New Roman"/>
                         </a:rPr>
                         <a:t>3.43</a:t>
                       </a:r>
-                      <a:endParaRPr b="0" lang="en-US" sz="1800" spc="-1" strike="noStrike">
+                      <a:endParaRPr b="0" lang="en-US" sz="1800" strike="noStrike" u="none">
                         <a:solidFill>
                           <a:srgbClr val="000000"/>
                         </a:solidFill>
+                        <a:uFillTx/>
                         <a:latin typeface="Arial"/>
                       </a:endParaRPr>
                     </a:p>
@@ -9851,14 +10708,14 @@
       </p:graphicFrame>
       <p:sp>
         <p:nvSpPr>
-          <p:cNvPr id="72" name=""/>
+          <p:cNvPr id="80" name=""/>
           <p:cNvSpPr/>
           <p:nvPr/>
         </p:nvSpPr>
         <p:spPr>
           <a:xfrm>
-            <a:off x="1847520" y="2124720"/>
-            <a:ext cx="1828440" cy="685440"/>
+            <a:off x="1865520" y="2160720"/>
+            <a:ext cx="1828080" cy="685080"/>
           </a:xfrm>
           <a:prstGeom prst="rect">
             <a:avLst/>
@@ -9888,10 +10745,11 @@
                 <a:spcPct val="100000"/>
               </a:lnSpc>
             </a:pPr>
-            <a:endParaRPr b="0" lang="en-US" sz="1800" spc="-1" strike="noStrike">
-              <a:solidFill>
-                <a:srgbClr val="000000"/>
-              </a:solidFill>
+            <a:endParaRPr b="0" lang="en-US" sz="1800" strike="noStrike" u="none">
+              <a:solidFill>
+                <a:srgbClr val="000000"/>
+              </a:solidFill>
+              <a:uFillTx/>
               <a:latin typeface="Arial"/>
             </a:endParaRPr>
           </a:p>
@@ -9929,7 +10787,7 @@
       </p:grpSpPr>
       <p:sp>
         <p:nvSpPr>
-          <p:cNvPr id="73" name="PlaceHolder 1"/>
+          <p:cNvPr id="81" name="PlaceHolder 1"/>
           <p:cNvSpPr>
             <a:spLocks noGrp="1"/>
           </p:cNvSpPr>
@@ -9940,7 +10798,7 @@
         <p:spPr>
           <a:xfrm>
             <a:off x="8472600" y="4633560"/>
-            <a:ext cx="547560" cy="392400"/>
+            <a:ext cx="547200" cy="392040"/>
           </a:xfrm>
           <a:prstGeom prst="rect">
             <a:avLst/>
@@ -9963,10 +10821,11 @@
               <a:tabLst>
                 <a:tab algn="l" pos="0"/>
               </a:tabLst>
-              <a:defRPr b="0" lang="en" sz="1000" spc="-1" strike="noStrike">
+              <a:defRPr b="0" lang="en" sz="1000" strike="noStrike" u="none">
                 <a:solidFill>
                   <a:schemeClr val="dk2"/>
                 </a:solidFill>
+                <a:uFillTx/>
                 <a:latin typeface="Arial"/>
                 <a:ea typeface="Arial"/>
               </a:defRPr>
@@ -9982,20 +10841,22 @@
                 <a:tab algn="l" pos="0"/>
               </a:tabLst>
             </a:pPr>
-            <a:fld id="{F83E1D43-BD36-4F56-AAB7-FC07B5CF21FA}" type="slidenum">
-              <a:rPr b="0" lang="en" sz="1000" spc="-1" strike="noStrike">
+            <a:fld id="{E29D60BE-97FE-4096-96F4-EE417FF8A206}" type="slidenum">
+              <a:rPr b="0" lang="en" sz="1000" strike="noStrike" u="none">
                 <a:solidFill>
                   <a:schemeClr val="dk2"/>
                 </a:solidFill>
+                <a:uFillTx/>
                 <a:latin typeface="Arial"/>
                 <a:ea typeface="Arial"/>
               </a:rPr>
               <a:t>8</a:t>
             </a:fld>
-            <a:endParaRPr b="0" lang="en-US" sz="1000" spc="-1" strike="noStrike">
-              <a:solidFill>
-                <a:srgbClr val="000000"/>
-              </a:solidFill>
+            <a:endParaRPr b="0" lang="en-US" sz="1000" strike="noStrike" u="none">
+              <a:solidFill>
+                <a:srgbClr val="000000"/>
+              </a:solidFill>
+              <a:uFillTx/>
               <a:latin typeface="Times New Roman"/>
             </a:endParaRPr>
           </a:p>
@@ -10003,7 +10864,7 @@
       </p:sp>
       <p:sp>
         <p:nvSpPr>
-          <p:cNvPr id="74" name="PlaceHolder 2"/>
+          <p:cNvPr id="82" name="PlaceHolder 2"/>
           <p:cNvSpPr>
             <a:spLocks noGrp="1"/>
           </p:cNvSpPr>
@@ -10014,7 +10875,7 @@
         <p:spPr>
           <a:xfrm>
             <a:off x="1487160" y="171360"/>
-            <a:ext cx="6166440" cy="921960"/>
+            <a:ext cx="6166080" cy="921600"/>
           </a:xfrm>
           <a:prstGeom prst="rect">
             <a:avLst/>
@@ -10039,19 +10900,21 @@
               </a:tabLst>
             </a:pPr>
             <a:r>
-              <a:rPr b="0" lang="en" sz="2400" spc="-1" strike="noStrike">
+              <a:rPr b="0" lang="en" sz="2400" strike="noStrike" u="none">
                 <a:solidFill>
                   <a:srgbClr val="000000"/>
                 </a:solidFill>
+                <a:uFillTx/>
                 <a:latin typeface="Times New Roman"/>
                 <a:ea typeface="Times New Roman"/>
               </a:rPr>
               <a:t>Direction / Future Work</a:t>
             </a:r>
-            <a:endParaRPr b="0" lang="en-US" sz="2400" spc="-1" strike="noStrike">
-              <a:solidFill>
-                <a:srgbClr val="000000"/>
-              </a:solidFill>
+            <a:endParaRPr b="0" lang="en-US" sz="2400" strike="noStrike" u="none">
+              <a:solidFill>
+                <a:srgbClr val="000000"/>
+              </a:solidFill>
+              <a:uFillTx/>
               <a:latin typeface="Arial"/>
             </a:endParaRPr>
           </a:p>
@@ -10059,14 +10922,14 @@
       </p:sp>
       <p:cxnSp>
         <p:nvCxnSpPr>
-          <p:cNvPr id="75" name="Google Shape;106;p18"/>
+          <p:cNvPr id="83" name="Google Shape;106;p18"/>
           <p:cNvCxnSpPr/>
           <p:nvPr/>
         </p:nvCxnSpPr>
         <p:spPr>
           <a:xfrm>
             <a:off x="204480" y="721440"/>
-            <a:ext cx="8736120" cy="1440"/>
+            <a:ext cx="8736480" cy="1800"/>
           </a:xfrm>
           <a:prstGeom prst="straightConnector1">
             <a:avLst/>
@@ -10081,7 +10944,7 @@
       </p:cxnSp>
       <p:sp>
         <p:nvSpPr>
-          <p:cNvPr id="76" name="PlaceHolder 3"/>
+          <p:cNvPr id="84" name="PlaceHolder 3"/>
           <p:cNvSpPr>
             <a:spLocks noGrp="1"/>
           </p:cNvSpPr>
@@ -10092,7 +10955,7 @@
         <p:spPr>
           <a:xfrm>
             <a:off x="343080" y="829800"/>
-            <a:ext cx="5371560" cy="4199400"/>
+            <a:ext cx="5371200" cy="4199040"/>
           </a:xfrm>
           <a:prstGeom prst="rect">
             <a:avLst/>
@@ -10122,18 +10985,20 @@
               <a:buChar char=""/>
             </a:pPr>
             <a:r>
-              <a:rPr b="0" lang="en-US" sz="2200" spc="-1" strike="noStrike">
+              <a:rPr b="0" lang="en-US" sz="2200" strike="noStrike" u="none">
                 <a:solidFill>
                   <a:srgbClr val="000000"/>
                 </a:solidFill>
+                <a:uFillTx/>
                 <a:latin typeface="Times New Roman"/>
               </a:rPr>
               <a:t>Implementing Zach’s Design:</a:t>
             </a:r>
-            <a:endParaRPr b="0" lang="en-US" sz="2200" spc="-1" strike="noStrike">
-              <a:solidFill>
-                <a:srgbClr val="000000"/>
-              </a:solidFill>
+            <a:endParaRPr b="0" lang="en-US" sz="2200" strike="noStrike" u="none">
+              <a:solidFill>
+                <a:srgbClr val="000000"/>
+              </a:solidFill>
+              <a:uFillTx/>
               <a:latin typeface="Arial"/>
             </a:endParaRPr>
           </a:p>
@@ -10153,19 +11018,21 @@
               <a:buChar char=""/>
             </a:pPr>
             <a:r>
-              <a:rPr b="0" lang="en-US" sz="1600" spc="-1" strike="noStrike">
+              <a:rPr b="0" lang="en-US" sz="1600" strike="noStrike" u="none">
                 <a:solidFill>
                   <a:srgbClr val="000000"/>
                 </a:solidFill>
+                <a:uFillTx/>
                 <a:latin typeface="Times New Roman"/>
                 <a:ea typeface="Noto Sans CJK SC"/>
               </a:rPr>
-              <a:t>Add PMP tables to RISC-V core</a:t>
+              <a:t>Currently adding caches</a:t>
             </a:r>
-            <a:endParaRPr b="0" lang="en-US" sz="1600" spc="-1" strike="noStrike">
-              <a:solidFill>
-                <a:srgbClr val="000000"/>
-              </a:solidFill>
+            <a:endParaRPr b="0" lang="en-US" sz="1600" strike="noStrike" u="none">
+              <a:solidFill>
+                <a:srgbClr val="000000"/>
+              </a:solidFill>
+              <a:uFillTx/>
               <a:latin typeface="Arial"/>
             </a:endParaRPr>
           </a:p>
@@ -10185,19 +11052,73 @@
               <a:buChar char=""/>
             </a:pPr>
             <a:r>
-              <a:rPr b="0" lang="en-US" sz="1600" spc="-1" strike="noStrike">
+              <a:rPr b="0" lang="en-US" sz="1600" strike="noStrike" u="none">
                 <a:solidFill>
                   <a:srgbClr val="000000"/>
                 </a:solidFill>
+                <a:uFillTx/>
                 <a:latin typeface="Times New Roman"/>
                 <a:ea typeface="Noto Sans CJK SC"/>
               </a:rPr>
               <a:t>How to have two separate processors in gem5?</a:t>
             </a:r>
-            <a:endParaRPr b="0" lang="en-US" sz="1600" spc="-1" strike="noStrike">
-              <a:solidFill>
-                <a:srgbClr val="000000"/>
-              </a:solidFill>
+            <a:endParaRPr b="0" lang="en-US" sz="1600" strike="noStrike" u="none">
+              <a:solidFill>
+                <a:srgbClr val="000000"/>
+              </a:solidFill>
+              <a:uFillTx/>
+              <a:latin typeface="Arial"/>
+            </a:endParaRPr>
+          </a:p>
+          <a:p>
+            <a:pPr lvl="1" marL="864000" indent="0">
+              <a:lnSpc>
+                <a:spcPct val="100000"/>
+              </a:lnSpc>
+              <a:spcBef>
+                <a:spcPts val="1134"/>
+              </a:spcBef>
+              <a:buNone/>
+            </a:pPr>
+            <a:endParaRPr b="0" lang="en-US" sz="1600" strike="noStrike" u="none">
+              <a:solidFill>
+                <a:srgbClr val="000000"/>
+              </a:solidFill>
+              <a:uFillTx/>
+              <a:latin typeface="Arial"/>
+            </a:endParaRPr>
+          </a:p>
+          <a:p>
+            <a:pPr marL="432000" indent="-324000">
+              <a:lnSpc>
+                <a:spcPct val="100000"/>
+              </a:lnSpc>
+              <a:spcBef>
+                <a:spcPts val="1417"/>
+              </a:spcBef>
+              <a:buClr>
+                <a:srgbClr val="000000"/>
+              </a:buClr>
+              <a:buSzPct val="45000"/>
+              <a:buFont typeface="Wingdings" charset="2"/>
+              <a:buChar char=""/>
+            </a:pPr>
+            <a:r>
+              <a:rPr b="0" lang="en-US" sz="2200" strike="noStrike" u="none">
+                <a:solidFill>
+                  <a:srgbClr val="000000"/>
+                </a:solidFill>
+                <a:uFillTx/>
+                <a:latin typeface="Times New Roman"/>
+                <a:ea typeface="Noto Sans CJK SC"/>
+              </a:rPr>
+              <a:t>What is my contribution?</a:t>
+            </a:r>
+            <a:endParaRPr b="0" lang="en-US" sz="2200" strike="noStrike" u="none">
+              <a:solidFill>
+                <a:srgbClr val="000000"/>
+              </a:solidFill>
+              <a:uFillTx/>
               <a:latin typeface="Arial"/>
             </a:endParaRPr>
           </a:p>
@@ -10217,51 +11138,21 @@
               <a:buChar char=""/>
             </a:pPr>
             <a:r>
-              <a:rPr b="0" lang="en-US" sz="1600" spc="-1" strike="noStrike">
+              <a:rPr b="0" lang="en-US" sz="1600" strike="noStrike" u="none">
                 <a:solidFill>
                   <a:srgbClr val="000000"/>
                 </a:solidFill>
+                <a:uFillTx/>
                 <a:latin typeface="Times New Roman"/>
                 <a:ea typeface="Noto Sans CJK SC"/>
               </a:rPr>
-              <a:t>Implement ePMP?</a:t>
+              <a:t>Until now, I have been just trying to implement Zach’s work </a:t>
             </a:r>
-            <a:endParaRPr b="0" lang="en-US" sz="1600" spc="-1" strike="noStrike">
-              <a:solidFill>
-                <a:srgbClr val="000000"/>
-              </a:solidFill>
-              <a:latin typeface="Arial"/>
-            </a:endParaRPr>
-          </a:p>
-          <a:p>
-            <a:pPr marL="432000" indent="-324000">
-              <a:lnSpc>
-                <a:spcPct val="100000"/>
-              </a:lnSpc>
-              <a:spcBef>
-                <a:spcPts val="1417"/>
-              </a:spcBef>
-              <a:buClr>
-                <a:srgbClr val="000000"/>
-              </a:buClr>
-              <a:buSzPct val="45000"/>
-              <a:buFont typeface="Wingdings" charset="2"/>
-              <a:buChar char=""/>
-            </a:pPr>
-            <a:r>
-              <a:rPr b="0" lang="en-US" sz="2200" spc="-1" strike="noStrike">
-                <a:solidFill>
-                  <a:srgbClr val="000000"/>
-                </a:solidFill>
-                <a:latin typeface="Times New Roman"/>
-                <a:ea typeface="Noto Sans CJK SC"/>
-              </a:rPr>
-              <a:t>What is my contribution?</a:t>
-            </a:r>
-            <a:endParaRPr b="0" lang="en-US" sz="2200" spc="-1" strike="noStrike">
-              <a:solidFill>
-                <a:srgbClr val="000000"/>
-              </a:solidFill>
+            <a:endParaRPr b="0" lang="en-US" sz="1600" strike="noStrike" u="none">
+              <a:solidFill>
+                <a:srgbClr val="000000"/>
+              </a:solidFill>
+              <a:uFillTx/>
               <a:latin typeface="Arial"/>
             </a:endParaRPr>
           </a:p>
@@ -10281,51 +11172,21 @@
               <a:buChar char=""/>
             </a:pPr>
             <a:r>
-              <a:rPr b="0" lang="en-US" sz="1600" spc="-1" strike="noStrike">
+              <a:rPr b="0" lang="en-US" sz="1600" strike="noStrike" u="none">
                 <a:solidFill>
                   <a:srgbClr val="000000"/>
                 </a:solidFill>
+                <a:uFillTx/>
                 <a:latin typeface="Times New Roman"/>
                 <a:ea typeface="Noto Sans CJK SC"/>
               </a:rPr>
-              <a:t>Until now, I have been just trying to implement Zach’s work </a:t>
-            </a:r>
-            <a:endParaRPr b="0" lang="en-US" sz="1600" spc="-1" strike="noStrike">
-              <a:solidFill>
-                <a:srgbClr val="000000"/>
-              </a:solidFill>
-              <a:latin typeface="Arial"/>
-            </a:endParaRPr>
-          </a:p>
-          <a:p>
-            <a:pPr lvl="1" marL="864000" indent="-324000">
-              <a:lnSpc>
-                <a:spcPct val="100000"/>
-              </a:lnSpc>
-              <a:spcBef>
-                <a:spcPts val="1134"/>
-              </a:spcBef>
-              <a:buClr>
-                <a:srgbClr val="000000"/>
-              </a:buClr>
-              <a:buSzPct val="75000"/>
-              <a:buFont typeface="Symbol" charset="2"/>
-              <a:buChar char=""/>
-            </a:pPr>
-            <a:r>
-              <a:rPr b="0" lang="en-US" sz="1600" spc="-1" strike="noStrike">
-                <a:solidFill>
-                  <a:srgbClr val="000000"/>
-                </a:solidFill>
-                <a:latin typeface="Times New Roman"/>
-                <a:ea typeface="Noto Sans CJK SC"/>
-              </a:rPr>
               <a:t>Deeper understanding of attack methods (winter break project?)</a:t>
             </a:r>
-            <a:endParaRPr b="0" lang="en-US" sz="1600" spc="-1" strike="noStrike">
-              <a:solidFill>
-                <a:srgbClr val="000000"/>
-              </a:solidFill>
+            <a:endParaRPr b="0" lang="en-US" sz="1600" strike="noStrike" u="none">
+              <a:solidFill>
+                <a:srgbClr val="000000"/>
+              </a:solidFill>
+              <a:uFillTx/>
               <a:latin typeface="Arial"/>
             </a:endParaRPr>
           </a:p>
@@ -10333,7 +11194,7 @@
       </p:sp>
       <p:pic>
         <p:nvPicPr>
-          <p:cNvPr id="77" name="" descr=""/>
+          <p:cNvPr id="85" name="" descr=""/>
           <p:cNvPicPr/>
           <p:nvPr/>
         </p:nvPicPr>
@@ -10344,7 +11205,7 @@
         <p:spPr>
           <a:xfrm>
             <a:off x="5734440" y="1238400"/>
-            <a:ext cx="3180600" cy="3086280"/>
+            <a:ext cx="3180240" cy="3085920"/>
           </a:xfrm>
           <a:prstGeom prst="rect">
             <a:avLst/>
@@ -10354,6 +11215,50 @@
           </a:ln>
         </p:spPr>
       </p:pic>
+      <p:sp>
+        <p:nvSpPr>
+          <p:cNvPr id="86" name=""/>
+          <p:cNvSpPr txBox="1"/>
+          <p:nvPr/>
+        </p:nvSpPr>
+        <p:spPr>
+          <a:xfrm>
+            <a:off x="5943600" y="4572000"/>
+            <a:ext cx="2286000" cy="457200"/>
+          </a:xfrm>
+          <a:prstGeom prst="rect">
+            <a:avLst/>
+          </a:prstGeom>
+          <a:noFill/>
+          <a:ln w="0">
+            <a:noFill/>
+          </a:ln>
+        </p:spPr>
+        <p:txBody>
+          <a:bodyPr lIns="90000" rIns="90000" tIns="45000" bIns="45000" anchor="t">
+            <a:noAutofit/>
+          </a:bodyPr>
+          <a:p>
+            <a:r>
+              <a:rPr b="0" lang="en-US" sz="1400" strike="noStrike" u="none">
+                <a:solidFill>
+                  <a:srgbClr val="808080"/>
+                </a:solidFill>
+                <a:uFillTx/>
+                <a:latin typeface="Times New Roman"/>
+              </a:rPr>
+              <a:t>Moolman, Z. &amp; Lehman T.</a:t>
+            </a:r>
+            <a:endParaRPr b="0" lang="en-US" sz="1400" strike="noStrike" u="none">
+              <a:solidFill>
+                <a:srgbClr val="808080"/>
+              </a:solidFill>
+              <a:uFillTx/>
+              <a:latin typeface="Times New Roman"/>
+            </a:endParaRPr>
+          </a:p>
+        </p:txBody>
+      </p:sp>
     </p:spTree>
   </p:cSld>
   <mc:AlternateContent>
@@ -10386,7 +11291,7 @@
       </p:grpSpPr>
       <p:sp>
         <p:nvSpPr>
-          <p:cNvPr id="78" name="PlaceHolder 1"/>
+          <p:cNvPr id="87" name="PlaceHolder 1"/>
           <p:cNvSpPr>
             <a:spLocks noGrp="1"/>
           </p:cNvSpPr>
@@ -10397,7 +11302,7 @@
         <p:spPr>
           <a:xfrm>
             <a:off x="8472600" y="4633560"/>
-            <a:ext cx="547560" cy="392400"/>
+            <a:ext cx="547200" cy="392040"/>
           </a:xfrm>
           <a:prstGeom prst="rect">
             <a:avLst/>
@@ -10420,10 +11325,11 @@
               <a:tabLst>
                 <a:tab algn="l" pos="0"/>
               </a:tabLst>
-              <a:defRPr b="0" lang="en" sz="1000" spc="-1" strike="noStrike">
+              <a:defRPr b="0" lang="en" sz="1000" strike="noStrike" u="none">
                 <a:solidFill>
                   <a:schemeClr val="dk2"/>
                 </a:solidFill>
+                <a:uFillTx/>
                 <a:latin typeface="Arial"/>
                 <a:ea typeface="Arial"/>
               </a:defRPr>
@@ -10439,20 +11345,22 @@
                 <a:tab algn="l" pos="0"/>
               </a:tabLst>
             </a:pPr>
-            <a:fld id="{2331244C-8D52-48EF-80E5-9194B93AC0D6}" type="slidenum">
-              <a:rPr b="0" lang="en" sz="1000" spc="-1" strike="noStrike">
+            <a:fld id="{97F1FE56-89E9-43AD-9357-DF14293BEB9D}" type="slidenum">
+              <a:rPr b="0" lang="en" sz="1000" strike="noStrike" u="none">
                 <a:solidFill>
                   <a:schemeClr val="dk2"/>
                 </a:solidFill>
+                <a:uFillTx/>
                 <a:latin typeface="Arial"/>
                 <a:ea typeface="Arial"/>
               </a:rPr>
               <a:t>9</a:t>
             </a:fld>
-            <a:endParaRPr b="0" lang="en-US" sz="1000" spc="-1" strike="noStrike">
-              <a:solidFill>
-                <a:srgbClr val="000000"/>
-              </a:solidFill>
+            <a:endParaRPr b="0" lang="en-US" sz="1000" strike="noStrike" u="none">
+              <a:solidFill>
+                <a:srgbClr val="000000"/>
+              </a:solidFill>
+              <a:uFillTx/>
               <a:latin typeface="Times New Roman"/>
             </a:endParaRPr>
           </a:p>
@@ -10460,7 +11368,7 @@
       </p:sp>
       <p:sp>
         <p:nvSpPr>
-          <p:cNvPr id="79" name="PlaceHolder 2"/>
+          <p:cNvPr id="88" name="PlaceHolder 2"/>
           <p:cNvSpPr>
             <a:spLocks noGrp="1"/>
           </p:cNvSpPr>
@@ -10471,7 +11379,7 @@
         <p:spPr>
           <a:xfrm>
             <a:off x="1487160" y="171360"/>
-            <a:ext cx="6166440" cy="921960"/>
+            <a:ext cx="6166080" cy="921600"/>
           </a:xfrm>
           <a:prstGeom prst="rect">
             <a:avLst/>
@@ -10496,29 +11404,21 @@
               </a:tabLst>
             </a:pPr>
             <a:r>
-              <a:rPr b="0" lang="en" sz="2400" spc="-1" strike="noStrike">
+              <a:rPr b="0" lang="en" sz="2400" strike="noStrike" u="none">
                 <a:solidFill>
                   <a:srgbClr val="000000"/>
                 </a:solidFill>
+                <a:uFillTx/>
                 <a:latin typeface="Times New Roman"/>
                 <a:ea typeface="Times New Roman"/>
               </a:rPr>
-              <a:t>Gap &amp; </a:t>
+              <a:t>Gap &amp; Contribution</a:t>
             </a:r>
-            <a:r>
-              <a:rPr b="0" lang="en" sz="2400" spc="-1" strike="noStrike">
-                <a:solidFill>
-                  <a:srgbClr val="000000"/>
-                </a:solidFill>
-                <a:latin typeface="Times New Roman"/>
-                <a:ea typeface="Times New Roman"/>
-              </a:rPr>
-              <a:t>Contribution</a:t>
-            </a:r>
-            <a:endParaRPr b="0" lang="en-US" sz="2400" spc="-1" strike="noStrike">
-              <a:solidFill>
-                <a:srgbClr val="000000"/>
-              </a:solidFill>
+            <a:endParaRPr b="0" lang="en-US" sz="2400" strike="noStrike" u="none">
+              <a:solidFill>
+                <a:srgbClr val="000000"/>
+              </a:solidFill>
+              <a:uFillTx/>
               <a:latin typeface="Arial"/>
             </a:endParaRPr>
           </a:p>
@@ -10526,14 +11426,14 @@
       </p:sp>
       <p:cxnSp>
         <p:nvCxnSpPr>
-          <p:cNvPr id="80" name="Google Shape;106;p 1"/>
+          <p:cNvPr id="89" name="Google Shape;106;p 1"/>
           <p:cNvCxnSpPr/>
           <p:nvPr/>
         </p:nvCxnSpPr>
         <p:spPr>
           <a:xfrm>
             <a:off x="204480" y="721440"/>
-            <a:ext cx="8736120" cy="1440"/>
+            <a:ext cx="8736480" cy="1800"/>
           </a:xfrm>
           <a:prstGeom prst="straightConnector1">
             <a:avLst/>
@@ -10548,7 +11448,7 @@
       </p:cxnSp>
       <p:sp>
         <p:nvSpPr>
-          <p:cNvPr id="81" name="PlaceHolder 3"/>
+          <p:cNvPr id="90" name="PlaceHolder 3"/>
           <p:cNvSpPr>
             <a:spLocks noGrp="1"/>
           </p:cNvSpPr>
@@ -10559,7 +11459,7 @@
         <p:spPr>
           <a:xfrm>
             <a:off x="343080" y="829800"/>
-            <a:ext cx="8343720" cy="4199400"/>
+            <a:ext cx="8343360" cy="4199040"/>
           </a:xfrm>
           <a:prstGeom prst="rect">
             <a:avLst/>
@@ -10589,19 +11489,21 @@
               <a:buChar char=""/>
             </a:pPr>
             <a:r>
-              <a:rPr b="0" lang="en-US" sz="2200" spc="-1" strike="noStrike">
+              <a:rPr b="0" lang="en-US" sz="2200" strike="noStrike" u="none">
                 <a:solidFill>
                   <a:srgbClr val="000000"/>
                 </a:solidFill>
+                <a:uFillTx/>
                 <a:latin typeface="Times New Roman"/>
                 <a:ea typeface="Noto Sans CJK SC"/>
               </a:rPr>
               <a:t>A Midsummer Nights Tree (AMNT) by Sam Thomas</a:t>
             </a:r>
-            <a:endParaRPr b="0" lang="en-US" sz="2200" spc="-1" strike="noStrike">
-              <a:solidFill>
-                <a:srgbClr val="000000"/>
-              </a:solidFill>
+            <a:endParaRPr b="0" lang="en-US" sz="2200" strike="noStrike" u="none">
+              <a:solidFill>
+                <a:srgbClr val="000000"/>
+              </a:solidFill>
+              <a:uFillTx/>
               <a:latin typeface="Arial"/>
             </a:endParaRPr>
           </a:p>
@@ -10621,19 +11523,21 @@
               <a:buChar char=""/>
             </a:pPr>
             <a:r>
-              <a:rPr b="0" lang="en-US" sz="1800" spc="-1" strike="noStrike">
+              <a:rPr b="0" lang="en-US" sz="1800" strike="noStrike" u="none">
                 <a:solidFill>
                   <a:srgbClr val="000000"/>
                 </a:solidFill>
+                <a:uFillTx/>
                 <a:latin typeface="Times New Roman"/>
                 <a:ea typeface="Noto Sans CJK SC"/>
               </a:rPr>
               <a:t>Crash consistent secure memory protocol</a:t>
             </a:r>
-            <a:endParaRPr b="0" lang="en-US" sz="1800" spc="-1" strike="noStrike">
-              <a:solidFill>
-                <a:srgbClr val="000000"/>
-              </a:solidFill>
+            <a:endParaRPr b="0" lang="en-US" sz="1800" strike="noStrike" u="none">
+              <a:solidFill>
+                <a:srgbClr val="000000"/>
+              </a:solidFill>
+              <a:uFillTx/>
               <a:latin typeface="Arial"/>
             </a:endParaRPr>
           </a:p>
@@ -10646,21 +11550,26 @@
                 <a:spcPts val="1417"/>
               </a:spcBef>
               <a:buNone/>
+              <a:tabLst>
+                <a:tab algn="l" pos="0"/>
+              </a:tabLst>
             </a:pPr>
             <a:r>
-              <a:rPr b="0" lang="en-US" sz="2200" spc="-1" strike="noStrike">
+              <a:rPr b="0" lang="en-US" sz="2200" strike="noStrike" u="none">
                 <a:solidFill>
                   <a:srgbClr val="000000"/>
                 </a:solidFill>
+                <a:uFillTx/>
                 <a:latin typeface="Times New Roman"/>
                 <a:ea typeface="Noto Sans CJK SC"/>
               </a:rPr>
               <a:t> </a:t>
             </a:r>
-            <a:endParaRPr b="0" lang="en-US" sz="2200" spc="-1" strike="noStrike">
-              <a:solidFill>
-                <a:srgbClr val="000000"/>
-              </a:solidFill>
+            <a:endParaRPr b="0" lang="en-US" sz="2200" strike="noStrike" u="none">
+              <a:solidFill>
+                <a:srgbClr val="000000"/>
+              </a:solidFill>
+              <a:uFillTx/>
               <a:latin typeface="Arial"/>
             </a:endParaRPr>
           </a:p>
